--- a/slides/Tag-3_1-GitOps.pptx
+++ b/slides/Tag-3_1-GitOps.pptx
@@ -6080,7 +6080,7 @@
               <a:pPr algn="ctr">
                 <a:defRPr/>
               </a:pPr>
-              <a:t>06.06.2024</a:t>
+              <a:t>07.06.2024</a:t>
             </a:fld>
             <a:endParaRPr lang="de-DE" sz="1000">
               <a:solidFill>
@@ -9148,6 +9148,59 @@
           </a:xfrm>
         </p:spPr>
       </p:pic>
+      <p:sp>
+        <p:nvSpPr>
+          <p:cNvPr id="3" name="Textfeld 2">
+            <a:extLst>
+              <a:ext uri="{FF2B5EF4-FFF2-40B4-BE49-F238E27FC236}">
+                <a16:creationId xmlns:a16="http://schemas.microsoft.com/office/drawing/2014/main" id="{67510A66-4FB2-9F8C-F220-0524BFEE862F}"/>
+              </a:ext>
+            </a:extLst>
+          </p:cNvPr>
+          <p:cNvSpPr txBox="1"/>
+          <p:nvPr/>
+        </p:nvSpPr>
+        <p:spPr bwMode="auto">
+          <a:xfrm>
+            <a:off x="7775848" y="6258639"/>
+            <a:ext cx="1368152" cy="246221"/>
+          </a:xfrm>
+          <a:prstGeom prst="rect">
+            <a:avLst/>
+          </a:prstGeom>
+          <a:noFill/>
+          <a:ln w="9525">
+            <a:noFill/>
+            <a:miter lim="800000"/>
+            <a:headEnd/>
+            <a:tailEnd/>
+          </a:ln>
+        </p:spPr>
+        <p:txBody>
+          <a:bodyPr wrap="square" rtlCol="0" anchor="ctr">
+            <a:spAutoFit/>
+          </a:bodyPr>
+          <a:lstStyle/>
+          <a:p>
+            <a:pPr eaLnBrk="1" hangingPunct="1"/>
+            <a:r>
+              <a:rPr lang="de-DE" sz="1000" dirty="0">
+                <a:latin typeface="Arial" charset="0"/>
+              </a:rPr>
+              <a:t>Quelle: </a:t>
+            </a:r>
+            <a:r>
+              <a:rPr lang="de-DE" sz="1000" dirty="0" err="1">
+                <a:latin typeface="Arial" charset="0"/>
+              </a:rPr>
+              <a:t>gitlab-ebook</a:t>
+            </a:r>
+            <a:endParaRPr lang="de-DE" sz="1000" dirty="0">
+              <a:latin typeface="Arial" charset="0"/>
+            </a:endParaRPr>
+          </a:p>
+        </p:txBody>
+      </p:sp>
     </p:spTree>
     <p:extLst>
       <p:ext uri="{BB962C8B-B14F-4D97-AF65-F5344CB8AC3E}">
@@ -9223,7 +9276,12 @@
             <p:ph idx="1"/>
           </p:nvPr>
         </p:nvSpPr>
-        <p:spPr/>
+        <p:spPr>
+          <a:xfrm>
+            <a:off x="303213" y="1052661"/>
+            <a:ext cx="8516937" cy="5400675"/>
+          </a:xfrm>
+        </p:spPr>
         <p:txBody>
           <a:bodyPr/>
           <a:lstStyle/>
@@ -9807,32 +9865,6 @@
           <a:bodyPr/>
           <a:lstStyle/>
           <a:p>
-            <a:pPr marL="0" indent="0">
-              <a:buNone/>
-            </a:pPr>
-            <a:r>
-              <a:rPr lang="de-DE" b="1" dirty="0" err="1"/>
-              <a:t>Getting</a:t>
-            </a:r>
-            <a:r>
-              <a:rPr lang="de-DE" b="1" dirty="0"/>
-              <a:t> </a:t>
-            </a:r>
-            <a:r>
-              <a:rPr lang="de-DE" b="1" dirty="0" err="1"/>
-              <a:t>started</a:t>
-            </a:r>
-            <a:r>
-              <a:rPr lang="de-DE" b="1" dirty="0"/>
-              <a:t>… / Zwischenstand / Wrap-</a:t>
-            </a:r>
-            <a:r>
-              <a:rPr lang="de-DE" b="1" dirty="0" err="1"/>
-              <a:t>up</a:t>
-            </a:r>
-            <a:endParaRPr lang="de-DE" b="1" dirty="0"/>
-          </a:p>
-          <a:p>
             <a:pPr>
               <a:buFont typeface="Arial" panose="020B0604020202020204" pitchFamily="34" charset="0"/>
               <a:buChar char="•"/>
@@ -10302,15 +10334,7 @@
             </a:r>
             <a:r>
               <a:rPr lang="de-DE" sz="1800" dirty="0"/>
-              <a:t>-Pipeline und dem </a:t>
-            </a:r>
-            <a:r>
-              <a:rPr lang="de-DE" sz="1800" dirty="0" err="1"/>
-              <a:t>Orchestierungssystem</a:t>
-            </a:r>
-            <a:r>
-              <a:rPr lang="de-DE" sz="1800" dirty="0"/>
-              <a:t> (</a:t>
+              <a:t>-Pipeline und der Orchestrierung (</a:t>
             </a:r>
             <a:r>
               <a:rPr lang="de-DE" sz="1800" dirty="0" err="1"/>
@@ -10318,7 +10342,23 @@
             </a:r>
             <a:r>
               <a:rPr lang="de-DE" sz="1800" dirty="0"/>
-              <a:t>), pickt den Commit und pullt den neuen deklarativen Zustand aus </a:t>
+              <a:t>), </a:t>
+            </a:r>
+            <a:r>
+              <a:rPr lang="de-DE" sz="1800" dirty="0" err="1"/>
+              <a:t>picked</a:t>
+            </a:r>
+            <a:r>
+              <a:rPr lang="de-DE" sz="1800" dirty="0"/>
+              <a:t> den Commit und </a:t>
+            </a:r>
+            <a:r>
+              <a:rPr lang="de-DE" sz="1800" dirty="0" err="1"/>
+              <a:t>pulled</a:t>
+            </a:r>
+            <a:r>
+              <a:rPr lang="de-DE" sz="1800" dirty="0"/>
+              <a:t> den neuen deklarativen Zustand aus </a:t>
             </a:r>
             <a:r>
               <a:rPr lang="de-DE" sz="1800" dirty="0" err="1"/>

--- a/slides/Tag-3_1-GitOps.pptx
+++ b/slides/Tag-3_1-GitOps.pptx
@@ -9979,7 +9979,7 @@
               <a:rPr lang="de-DE" dirty="0">
                 <a:sym typeface="Wingdings" panose="05000000000000000000" pitchFamily="2" charset="2"/>
               </a:rPr>
-              <a:t> ist kein Muss!</a:t>
+              <a:t> nicht zwingend erforderlich</a:t>
             </a:r>
           </a:p>
           <a:p>
@@ -10276,7 +10276,7 @@
             </a:r>
             <a:r>
               <a:rPr lang="de-DE" sz="2000" dirty="0"/>
-              <a:t> (PR, oder </a:t>
+              <a:t> (PR) oder </a:t>
             </a:r>
             <a:r>
               <a:rPr lang="de-DE" sz="2000" dirty="0" err="1"/>
@@ -10284,7 +10284,7 @@
             </a:r>
             <a:r>
               <a:rPr lang="de-DE" sz="2000" dirty="0"/>
-              <a:t>, MR)</a:t>
+              <a:t> (MR)</a:t>
             </a:r>
           </a:p>
           <a:p>
@@ -16340,9 +16340,10 @@
               <a:buChar char="•"/>
             </a:pPr>
             <a:r>
-              <a:rPr lang="de-DE" dirty="0"/>
-              <a:t>Kann kompliziert werden</a:t>
-            </a:r>
+              <a:rPr lang="de-DE"/>
+              <a:t>Möglicherweise komplex</a:t>
+            </a:r>
+            <a:endParaRPr lang="de-DE" dirty="0"/>
           </a:p>
           <a:p>
             <a:pPr marL="457200" indent="-457200">

--- a/slides/Tag-3_1-GitOps.pptx
+++ b/slides/Tag-3_1-GitOps.pptx
@@ -12,9 +12,9 @@
     <p:handoutMasterId r:id="rId41"/>
   </p:handoutMasterIdLst>
   <p:sldIdLst>
-    <p:sldId id="288" r:id="rId3"/>
-    <p:sldId id="289" r:id="rId4"/>
-    <p:sldId id="291" r:id="rId5"/>
+    <p:sldId id="624" r:id="rId3"/>
+    <p:sldId id="606" r:id="rId4"/>
+    <p:sldId id="625" r:id="rId5"/>
     <p:sldId id="587" r:id="rId6"/>
     <p:sldId id="590" r:id="rId7"/>
     <p:sldId id="290" r:id="rId8"/>
@@ -1000,77 +1000,6 @@
           <a:bodyPr/>
           <a:lstStyle/>
           <a:p>
-            <a:r>
-              <a:rPr lang="de-DE" dirty="0"/>
-              <a:t>Quelle: https://opstree.com/blog/2020/02/18/why-gitops-is-so-exciting/</a:t>
-            </a:r>
-          </a:p>
-          <a:p>
-            <a:endParaRPr lang="de-DE" dirty="0"/>
-          </a:p>
-          <a:p>
-            <a:r>
-              <a:rPr lang="de-DE" dirty="0"/>
-              <a:t>Jo, was machen wir hier… Mit dem Zitat von </a:t>
-            </a:r>
-            <a:r>
-              <a:rPr lang="de-DE" dirty="0" err="1"/>
-              <a:t>GitLab</a:t>
-            </a:r>
-            <a:r>
-              <a:rPr lang="de-DE" dirty="0"/>
-              <a:t> tauschen? Also Zitat zuerst?</a:t>
-            </a:r>
-          </a:p>
-          <a:p>
-            <a:endParaRPr lang="de-DE" dirty="0"/>
-          </a:p>
-          <a:p>
-            <a:r>
-              <a:rPr lang="de-DE" dirty="0"/>
-              <a:t>Idee: Hier mal abfragen, was die Teilnehmer so kennen und wie das Ganze irgendwie zusammengehören könnte.</a:t>
-            </a:r>
-          </a:p>
-          <a:p>
-            <a:r>
-              <a:rPr lang="de-DE" dirty="0"/>
-              <a:t>Danach dann die Folie mit der „Definition“ zu </a:t>
-            </a:r>
-            <a:r>
-              <a:rPr lang="de-DE" dirty="0" err="1"/>
-              <a:t>GitOps</a:t>
-            </a:r>
-            <a:r>
-              <a:rPr lang="de-DE" dirty="0"/>
-              <a:t> von </a:t>
-            </a:r>
-            <a:r>
-              <a:rPr lang="de-DE" dirty="0" err="1"/>
-              <a:t>GitLab</a:t>
-            </a:r>
-            <a:r>
-              <a:rPr lang="de-DE" dirty="0"/>
-              <a:t> selbst.</a:t>
-            </a:r>
-          </a:p>
-          <a:p>
-            <a:endParaRPr lang="de-DE" dirty="0"/>
-          </a:p>
-          <a:p>
-            <a:r>
-              <a:rPr lang="de-DE" dirty="0" err="1"/>
-              <a:t>Kubernetes</a:t>
-            </a:r>
-            <a:r>
-              <a:rPr lang="de-DE" dirty="0"/>
-              <a:t> und Docker bräuchten auch eigentlich je einen eigenen Punkt…? Naja, könnte man auch zu Beginn erstmal so „stehen lassen“ und später dann damit aufklären </a:t>
-            </a:r>
-            <a:r>
-              <a:rPr lang="de-DE" dirty="0">
-                <a:sym typeface="Wingdings" panose="05000000000000000000" pitchFamily="2" charset="2"/>
-              </a:rPr>
-              <a:t></a:t>
-            </a:r>
             <a:endParaRPr lang="de-DE" dirty="0"/>
           </a:p>
         </p:txBody>
@@ -1093,7 +1022,7 @@
             <a:fld id="{18182567-388C-4D33-8B7B-A651F195F118}" type="slidenum">
               <a:rPr lang="de-DE" altLang="de-DE" smtClean="0"/>
               <a:pPr/>
-              <a:t>5</a:t>
+              <a:t>1</a:t>
             </a:fld>
             <a:endParaRPr lang="de-DE" altLang="de-DE"/>
           </a:p>
@@ -1102,7 +1031,7 @@
     </p:spTree>
     <p:extLst>
       <p:ext uri="{BB962C8B-B14F-4D97-AF65-F5344CB8AC3E}">
-        <p14:creationId xmlns:p14="http://schemas.microsoft.com/office/powerpoint/2010/main" val="214546350"/>
+        <p14:creationId xmlns:p14="http://schemas.microsoft.com/office/powerpoint/2010/main" val="983849172"/>
       </p:ext>
     </p:extLst>
   </p:cSld>
@@ -1157,34 +1086,18 @@
           <a:lstStyle/>
           <a:p>
             <a:r>
-              <a:rPr lang="de-DE" b="0" i="0" dirty="0">
-                <a:solidFill>
-                  <a:srgbClr val="202124"/>
-                </a:solidFill>
-                <a:effectLst/>
-                <a:latin typeface="Google Sans"/>
-              </a:rPr>
-              <a:t>Ein Audit Trail </a:t>
-            </a:r>
-            <a:r>
-              <a:rPr lang="de-DE" b="0" i="0" dirty="0">
-                <a:solidFill>
-                  <a:srgbClr val="040C28"/>
-                </a:solidFill>
-                <a:effectLst/>
-                <a:latin typeface="Google Sans"/>
-              </a:rPr>
-              <a:t>bezeichnet die korrekte Durchführung von Prozessen und die Einhaltung aller dafür definierten Schritte</a:t>
-            </a:r>
-            <a:r>
-              <a:rPr lang="de-DE" b="0" i="0" dirty="0">
-                <a:solidFill>
-                  <a:srgbClr val="202124"/>
-                </a:solidFill>
-                <a:effectLst/>
-                <a:latin typeface="Google Sans"/>
-              </a:rPr>
-              <a:t>. Dabei hinterlässt jede Abfolge einer Handlung oder eines Ereignisses eine Spur. Durch den Audit kann dieser Trail zurückverfolgt, protokolliert und archiviert werden.</a:t>
+              <a:rPr lang="de-DE" dirty="0"/>
+              <a:t>Quelle: </a:t>
+            </a:r>
+          </a:p>
+          <a:p>
+            <a:pPr marL="171450" indent="-171450">
+              <a:buFont typeface="Arial" panose="020B0604020202020204" pitchFamily="34" charset="0"/>
+              <a:buChar char="•"/>
+            </a:pPr>
+            <a:r>
+              <a:rPr lang="de-DE" dirty="0" err="1"/>
+              <a:t>gitlab-ebook</a:t>
             </a:r>
             <a:endParaRPr lang="de-DE" dirty="0"/>
           </a:p>
@@ -1208,7 +1121,7 @@
             <a:fld id="{18182567-388C-4D33-8B7B-A651F195F118}" type="slidenum">
               <a:rPr lang="de-DE" altLang="de-DE" smtClean="0"/>
               <a:pPr/>
-              <a:t>16</a:t>
+              <a:t>14</a:t>
             </a:fld>
             <a:endParaRPr lang="de-DE" altLang="de-DE"/>
           </a:p>
@@ -1217,7 +1130,7 @@
     </p:spTree>
     <p:extLst>
       <p:ext uri="{BB962C8B-B14F-4D97-AF65-F5344CB8AC3E}">
-        <p14:creationId xmlns:p14="http://schemas.microsoft.com/office/powerpoint/2010/main" val="695410515"/>
+        <p14:creationId xmlns:p14="http://schemas.microsoft.com/office/powerpoint/2010/main" val="696351830"/>
       </p:ext>
     </p:extLst>
   </p:cSld>
@@ -1271,6 +1184,31 @@
           <a:bodyPr/>
           <a:lstStyle/>
           <a:p>
+            <a:r>
+              <a:rPr lang="de-DE" dirty="0" err="1"/>
+              <a:t>Ggf</a:t>
+            </a:r>
+            <a:r>
+              <a:rPr lang="de-DE" dirty="0"/>
+              <a:t> Quelle tauschen? </a:t>
+            </a:r>
+          </a:p>
+          <a:p>
+            <a:r>
+              <a:rPr lang="de-DE" dirty="0"/>
+              <a:t>https://services.google.com/fh/files/misc/state-of-devops-2021.pdf</a:t>
+            </a:r>
+          </a:p>
+          <a:p>
+            <a:endParaRPr lang="de-DE" dirty="0"/>
+          </a:p>
+          <a:p>
+            <a:r>
+              <a:rPr lang="de-DE" dirty="0"/>
+              <a:t>https://services.google.com/fh/files/misc/2023_final_report_sodr.pdf</a:t>
+            </a:r>
+          </a:p>
+          <a:p>
             <a:endParaRPr lang="de-DE" dirty="0"/>
           </a:p>
         </p:txBody>
@@ -1293,7 +1231,7 @@
             <a:fld id="{18182567-388C-4D33-8B7B-A651F195F118}" type="slidenum">
               <a:rPr lang="de-DE" altLang="de-DE" smtClean="0"/>
               <a:pPr/>
-              <a:t>17</a:t>
+              <a:t>15</a:t>
             </a:fld>
             <a:endParaRPr lang="de-DE" altLang="de-DE"/>
           </a:p>
@@ -1302,7 +1240,7 @@
     </p:spTree>
     <p:extLst>
       <p:ext uri="{BB962C8B-B14F-4D97-AF65-F5344CB8AC3E}">
-        <p14:creationId xmlns:p14="http://schemas.microsoft.com/office/powerpoint/2010/main" val="1754135948"/>
+        <p14:creationId xmlns:p14="http://schemas.microsoft.com/office/powerpoint/2010/main" val="4231016066"/>
       </p:ext>
     </p:extLst>
   </p:cSld>
@@ -1357,91 +1295,36 @@
           <a:lstStyle/>
           <a:p>
             <a:r>
-              <a:rPr lang="de-DE" dirty="0"/>
-              <a:t>Skalierbarkeit</a:t>
-            </a:r>
-          </a:p>
-          <a:p>
-            <a:pPr marL="171450" indent="-171450">
-              <a:buFont typeface="Arial" panose="020B0604020202020204" pitchFamily="34" charset="0"/>
-              <a:buChar char="•"/>
-            </a:pPr>
+              <a:rPr lang="de-DE" b="0" i="0" dirty="0">
+                <a:solidFill>
+                  <a:srgbClr val="202124"/>
+                </a:solidFill>
+                <a:effectLst/>
+                <a:latin typeface="Google Sans"/>
+              </a:rPr>
+              <a:t>Ein Audit Trail </a:t>
+            </a:r>
+            <a:r>
+              <a:rPr lang="de-DE" b="0" i="0" dirty="0">
+                <a:solidFill>
+                  <a:srgbClr val="040C28"/>
+                </a:solidFill>
+                <a:effectLst/>
+                <a:latin typeface="Google Sans"/>
+              </a:rPr>
+              <a:t>bezeichnet die korrekte Durchführung von Prozessen und die Einhaltung aller dafür definierten Schritte</a:t>
+            </a:r>
+            <a:r>
+              <a:rPr lang="de-DE" b="0" i="0" dirty="0">
+                <a:solidFill>
+                  <a:srgbClr val="202124"/>
+                </a:solidFill>
+                <a:effectLst/>
+                <a:latin typeface="Google Sans"/>
+              </a:rPr>
+              <a:t>. Dabei hinterlässt jede Abfolge einer Handlung oder eines Ereignisses eine Spur. Durch den Audit kann dieser Trail zurückverfolgt, protokolliert und archiviert werden.</a:t>
+            </a:r>
             <a:endParaRPr lang="de-DE" dirty="0"/>
-          </a:p>
-          <a:p>
-            <a:pPr marL="171450" indent="-171450">
-              <a:buFont typeface="Arial" panose="020B0604020202020204" pitchFamily="34" charset="0"/>
-              <a:buChar char="•"/>
-            </a:pPr>
-            <a:endParaRPr lang="de-DE" dirty="0"/>
-          </a:p>
-          <a:p>
-            <a:pPr marL="0" indent="0">
-              <a:buFont typeface="Arial" panose="020B0604020202020204" pitchFamily="34" charset="0"/>
-              <a:buNone/>
-            </a:pPr>
-            <a:r>
-              <a:rPr lang="de-DE" dirty="0"/>
-              <a:t>Self-</a:t>
-            </a:r>
-            <a:r>
-              <a:rPr lang="de-DE" dirty="0" err="1"/>
-              <a:t>healing</a:t>
-            </a:r>
-            <a:endParaRPr lang="de-DE" dirty="0"/>
-          </a:p>
-          <a:p>
-            <a:pPr marL="171450" indent="-171450">
-              <a:buFont typeface="Arial" panose="020B0604020202020204" pitchFamily="34" charset="0"/>
-              <a:buChar char="•"/>
-            </a:pPr>
-            <a:r>
-              <a:rPr lang="de-DE" dirty="0" err="1"/>
-              <a:t>Kontinuerliche</a:t>
-            </a:r>
-            <a:r>
-              <a:rPr lang="de-DE" dirty="0"/>
-              <a:t> Abgleichen des </a:t>
-            </a:r>
-            <a:r>
-              <a:rPr lang="de-DE" dirty="0" err="1"/>
-              <a:t>GitOps</a:t>
-            </a:r>
-            <a:r>
-              <a:rPr lang="de-DE" dirty="0"/>
-              <a:t>-Operator nicht nur gegen das </a:t>
-            </a:r>
-            <a:r>
-              <a:rPr lang="de-DE" dirty="0" err="1"/>
-              <a:t>git</a:t>
-            </a:r>
-            <a:r>
-              <a:rPr lang="de-DE" dirty="0"/>
-              <a:t> </a:t>
-            </a:r>
-            <a:r>
-              <a:rPr lang="de-DE" dirty="0" err="1"/>
-              <a:t>repo</a:t>
-            </a:r>
-            <a:r>
-              <a:rPr lang="de-DE" dirty="0"/>
-              <a:t>, sondern auch gegen den API-Server von </a:t>
-            </a:r>
-            <a:r>
-              <a:rPr lang="de-DE" dirty="0" err="1"/>
-              <a:t>Kubernetes</a:t>
-            </a:r>
-            <a:endParaRPr lang="de-DE" dirty="0"/>
-          </a:p>
-          <a:p>
-            <a:pPr marL="171450" indent="-171450">
-              <a:buFont typeface="Arial" panose="020B0604020202020204" pitchFamily="34" charset="0"/>
-              <a:buChar char="•"/>
-            </a:pPr>
-            <a:r>
-              <a:rPr lang="de-DE" dirty="0"/>
-              <a:t>Auch da würde der Operator eingreifen</a:t>
-            </a:r>
           </a:p>
         </p:txBody>
       </p:sp>
@@ -1463,7 +1346,7 @@
             <a:fld id="{18182567-388C-4D33-8B7B-A651F195F118}" type="slidenum">
               <a:rPr lang="de-DE" altLang="de-DE" smtClean="0"/>
               <a:pPr/>
-              <a:t>19</a:t>
+              <a:t>16</a:t>
             </a:fld>
             <a:endParaRPr lang="de-DE" altLang="de-DE"/>
           </a:p>
@@ -1472,7 +1355,7 @@
     </p:spTree>
     <p:extLst>
       <p:ext uri="{BB962C8B-B14F-4D97-AF65-F5344CB8AC3E}">
-        <p14:creationId xmlns:p14="http://schemas.microsoft.com/office/powerpoint/2010/main" val="681576940"/>
+        <p14:creationId xmlns:p14="http://schemas.microsoft.com/office/powerpoint/2010/main" val="695410515"/>
       </p:ext>
     </p:extLst>
   </p:cSld>
@@ -1526,585 +1409,6 @@
           <a:bodyPr/>
           <a:lstStyle/>
           <a:p>
-            <a:pPr algn="l" fontAlgn="base"/>
-            <a:r>
-              <a:rPr lang="de-DE" b="0" i="0" dirty="0">
-                <a:solidFill>
-                  <a:srgbClr val="484848"/>
-                </a:solidFill>
-                <a:effectLst/>
-                <a:latin typeface="MuseoSansRounded-700"/>
-              </a:rPr>
-              <a:t>Erhöhte Produktivität</a:t>
-            </a:r>
-          </a:p>
-          <a:p>
-            <a:pPr algn="l" fontAlgn="base"/>
-            <a:r>
-              <a:rPr lang="de-DE" b="0" i="0" dirty="0">
-                <a:solidFill>
-                  <a:srgbClr val="3C3C3B"/>
-                </a:solidFill>
-                <a:effectLst/>
-                <a:latin typeface="MuseoSansRounded-300"/>
-              </a:rPr>
-              <a:t>Durch die Automatisierung von </a:t>
-            </a:r>
-            <a:r>
-              <a:rPr lang="de-DE" b="0" i="0" dirty="0" err="1">
-                <a:solidFill>
-                  <a:srgbClr val="3C3C3B"/>
-                </a:solidFill>
-                <a:effectLst/>
-                <a:latin typeface="MuseoSansRounded-300"/>
-              </a:rPr>
-              <a:t>Deployment</a:t>
-            </a:r>
-            <a:r>
-              <a:rPr lang="de-DE" b="0" i="0" dirty="0">
-                <a:solidFill>
-                  <a:srgbClr val="3C3C3B"/>
-                </a:solidFill>
-                <a:effectLst/>
-                <a:latin typeface="MuseoSansRounded-300"/>
-              </a:rPr>
-              <a:t>-Prozessen, sowohl in der Entwicklung als auch im Betrieb von Anwendungen, wird die Produktivität der Organisation erhöht. </a:t>
-            </a:r>
-            <a:r>
-              <a:rPr lang="de-DE" b="0" i="0" dirty="0" err="1">
-                <a:solidFill>
-                  <a:srgbClr val="3C3C3B"/>
-                </a:solidFill>
-                <a:effectLst/>
-                <a:latin typeface="MuseoSansRounded-300"/>
-              </a:rPr>
-              <a:t>GitOps</a:t>
-            </a:r>
-            <a:r>
-              <a:rPr lang="de-DE" b="0" i="0" dirty="0">
-                <a:solidFill>
-                  <a:srgbClr val="3C3C3B"/>
-                </a:solidFill>
-                <a:effectLst/>
-                <a:latin typeface="MuseoSansRounded-300"/>
-              </a:rPr>
-              <a:t> ist dabei besonders effektiv und vereint die Vorteile einer Vielzahl an Tools:</a:t>
-            </a:r>
-          </a:p>
-          <a:p>
-            <a:pPr algn="l" fontAlgn="base"/>
-            <a:endParaRPr lang="de-DE" b="0" i="0" dirty="0">
-              <a:solidFill>
-                <a:srgbClr val="3C3C3B"/>
-              </a:solidFill>
-              <a:effectLst/>
-              <a:latin typeface="MuseoSansRounded-300"/>
-            </a:endParaRPr>
-          </a:p>
-          <a:p>
-            <a:pPr marL="171450" indent="-171450" algn="l" fontAlgn="base">
-              <a:buFont typeface="Arial" panose="020B0604020202020204" pitchFamily="34" charset="0"/>
-              <a:buChar char="•"/>
-            </a:pPr>
-            <a:r>
-              <a:rPr lang="de-DE" b="0" i="0" u="sng" dirty="0">
-                <a:solidFill>
-                  <a:srgbClr val="3C3C3B"/>
-                </a:solidFill>
-                <a:effectLst/>
-                <a:latin typeface="MuseoSansRounded-700"/>
-              </a:rPr>
-              <a:t>Schnelle Veröffentlichung von Änderungen</a:t>
-            </a:r>
-            <a:r>
-              <a:rPr lang="de-DE" b="0" i="0" dirty="0">
-                <a:solidFill>
-                  <a:srgbClr val="3C3C3B"/>
-                </a:solidFill>
-                <a:effectLst/>
-                <a:latin typeface="MuseoSansRounded-700"/>
-              </a:rPr>
-              <a:t>:</a:t>
-            </a:r>
-            <a:r>
-              <a:rPr lang="de-DE" b="0" i="0" dirty="0">
-                <a:solidFill>
-                  <a:srgbClr val="3C3C3B"/>
-                </a:solidFill>
-                <a:effectLst/>
-                <a:latin typeface="MuseoSansRounded-300"/>
-              </a:rPr>
-              <a:t> Durch die Nutzung von </a:t>
-            </a:r>
-            <a:r>
-              <a:rPr lang="de-DE" b="0" i="0" dirty="0" err="1">
-                <a:solidFill>
-                  <a:srgbClr val="3C3C3B"/>
-                </a:solidFill>
-                <a:effectLst/>
-                <a:latin typeface="MuseoSansRounded-300"/>
-              </a:rPr>
-              <a:t>Kubernetes</a:t>
-            </a:r>
-            <a:r>
-              <a:rPr lang="de-DE" b="0" i="0" dirty="0">
-                <a:solidFill>
-                  <a:srgbClr val="3C3C3B"/>
-                </a:solidFill>
-                <a:effectLst/>
-                <a:latin typeface="MuseoSansRounded-300"/>
-              </a:rPr>
-              <a:t> ist es möglich, </a:t>
-            </a:r>
-            <a:r>
-              <a:rPr lang="de-DE" b="0" i="0" dirty="0" err="1">
-                <a:solidFill>
-                  <a:srgbClr val="3C3C3B"/>
-                </a:solidFill>
-                <a:effectLst/>
-                <a:latin typeface="MuseoSansRounded-300"/>
-              </a:rPr>
-              <a:t>Deployments</a:t>
-            </a:r>
-            <a:r>
-              <a:rPr lang="de-DE" b="0" i="0" dirty="0">
-                <a:solidFill>
-                  <a:srgbClr val="3C3C3B"/>
-                </a:solidFill>
-                <a:effectLst/>
-                <a:latin typeface="MuseoSansRounded-300"/>
-              </a:rPr>
-              <a:t> von Anwendungen durchzuführen, ohne dass deren Verfügbarkeit unterbrochen wird (</a:t>
-            </a:r>
-            <a:r>
-              <a:rPr lang="de-DE" b="0" i="0" dirty="0" err="1">
-                <a:solidFill>
-                  <a:srgbClr val="3C3C3B"/>
-                </a:solidFill>
-                <a:effectLst/>
-                <a:latin typeface="MuseoSansRounded-300"/>
-              </a:rPr>
-              <a:t>No</a:t>
-            </a:r>
-            <a:r>
-              <a:rPr lang="de-DE" b="0" i="0" dirty="0">
-                <a:solidFill>
-                  <a:srgbClr val="3C3C3B"/>
-                </a:solidFill>
-                <a:effectLst/>
-                <a:latin typeface="MuseoSansRounded-300"/>
-              </a:rPr>
-              <a:t> Downtime </a:t>
-            </a:r>
-            <a:r>
-              <a:rPr lang="de-DE" b="0" i="0" dirty="0" err="1">
-                <a:solidFill>
-                  <a:srgbClr val="3C3C3B"/>
-                </a:solidFill>
-                <a:effectLst/>
-                <a:latin typeface="MuseoSansRounded-300"/>
-              </a:rPr>
-              <a:t>Deployments</a:t>
-            </a:r>
-            <a:r>
-              <a:rPr lang="de-DE" b="0" i="0" dirty="0">
-                <a:solidFill>
-                  <a:srgbClr val="3C3C3B"/>
-                </a:solidFill>
-                <a:effectLst/>
-                <a:latin typeface="MuseoSansRounded-300"/>
-              </a:rPr>
-              <a:t>). Im Zusammenspiel mit der Reconciliation Loop können so Code-Änderungen unverzüglich und mit minimalem manuellem Aufwand veröffentlicht werden.</a:t>
-            </a:r>
-          </a:p>
-          <a:p>
-            <a:pPr algn="l" fontAlgn="base">
-              <a:buFont typeface="Arial" panose="020B0604020202020204" pitchFamily="34" charset="0"/>
-              <a:buChar char="•"/>
-            </a:pPr>
-            <a:endParaRPr lang="de-DE" b="0" i="0" dirty="0">
-              <a:solidFill>
-                <a:srgbClr val="3C3C3B"/>
-              </a:solidFill>
-              <a:effectLst/>
-              <a:latin typeface="MuseoSansRounded-300"/>
-            </a:endParaRPr>
-          </a:p>
-          <a:p>
-            <a:pPr marL="171450" indent="-171450" algn="l" fontAlgn="base">
-              <a:buFont typeface="Arial" panose="020B0604020202020204" pitchFamily="34" charset="0"/>
-              <a:buChar char="•"/>
-            </a:pPr>
-            <a:r>
-              <a:rPr lang="de-DE" b="0" i="0" u="sng" dirty="0">
-                <a:solidFill>
-                  <a:srgbClr val="3C3C3B"/>
-                </a:solidFill>
-                <a:effectLst/>
-                <a:latin typeface="MuseoSansRounded-700"/>
-              </a:rPr>
-              <a:t>Reproduzierbarkeit der Infrastruktur</a:t>
-            </a:r>
-            <a:r>
-              <a:rPr lang="de-DE" b="0" i="0" dirty="0">
-                <a:solidFill>
-                  <a:srgbClr val="3C3C3B"/>
-                </a:solidFill>
-                <a:effectLst/>
-                <a:latin typeface="MuseoSansRounded-700"/>
-              </a:rPr>
-              <a:t>:</a:t>
-            </a:r>
-            <a:r>
-              <a:rPr lang="de-DE" b="0" i="0" dirty="0">
-                <a:solidFill>
-                  <a:srgbClr val="3C3C3B"/>
-                </a:solidFill>
-                <a:effectLst/>
-                <a:latin typeface="MuseoSansRounded-300"/>
-              </a:rPr>
-              <a:t> In </a:t>
-            </a:r>
-            <a:r>
-              <a:rPr lang="de-DE" b="0" i="0" dirty="0" err="1">
-                <a:solidFill>
-                  <a:srgbClr val="3C3C3B"/>
-                </a:solidFill>
-                <a:effectLst/>
-                <a:latin typeface="MuseoSansRounded-300"/>
-              </a:rPr>
-              <a:t>GitOps</a:t>
-            </a:r>
-            <a:r>
-              <a:rPr lang="de-DE" b="0" i="0" dirty="0">
-                <a:solidFill>
-                  <a:srgbClr val="3C3C3B"/>
-                </a:solidFill>
-                <a:effectLst/>
-                <a:latin typeface="MuseoSansRounded-300"/>
-              </a:rPr>
-              <a:t> wird die Infrastruktur nach dem Prinzip der Infrastructure </a:t>
-            </a:r>
-            <a:r>
-              <a:rPr lang="de-DE" b="0" i="0" dirty="0" err="1">
-                <a:solidFill>
-                  <a:srgbClr val="3C3C3B"/>
-                </a:solidFill>
-                <a:effectLst/>
-                <a:latin typeface="MuseoSansRounded-300"/>
-              </a:rPr>
-              <a:t>as</a:t>
-            </a:r>
-            <a:r>
-              <a:rPr lang="de-DE" b="0" i="0" dirty="0">
-                <a:solidFill>
-                  <a:srgbClr val="3C3C3B"/>
-                </a:solidFill>
-                <a:effectLst/>
-                <a:latin typeface="MuseoSansRounded-300"/>
-              </a:rPr>
-              <a:t> Code (</a:t>
-            </a:r>
-            <a:r>
-              <a:rPr lang="de-DE" b="0" i="0" dirty="0" err="1">
-                <a:solidFill>
-                  <a:srgbClr val="3C3C3B"/>
-                </a:solidFill>
-                <a:effectLst/>
-                <a:latin typeface="MuseoSansRounded-300"/>
-              </a:rPr>
-              <a:t>IaC</a:t>
-            </a:r>
-            <a:r>
-              <a:rPr lang="de-DE" b="0" i="0" dirty="0">
-                <a:solidFill>
-                  <a:srgbClr val="3C3C3B"/>
-                </a:solidFill>
-                <a:effectLst/>
-                <a:latin typeface="MuseoSansRounded-300"/>
-              </a:rPr>
-              <a:t>) deklariert. So bietet </a:t>
-            </a:r>
-            <a:r>
-              <a:rPr lang="de-DE" b="0" i="0" dirty="0" err="1">
-                <a:solidFill>
-                  <a:srgbClr val="3C3C3B"/>
-                </a:solidFill>
-                <a:effectLst/>
-                <a:latin typeface="MuseoSansRounded-300"/>
-              </a:rPr>
-              <a:t>GitOps</a:t>
-            </a:r>
-            <a:r>
-              <a:rPr lang="de-DE" b="0" i="0" dirty="0">
-                <a:solidFill>
-                  <a:srgbClr val="3C3C3B"/>
-                </a:solidFill>
-                <a:effectLst/>
-                <a:latin typeface="MuseoSansRounded-300"/>
-              </a:rPr>
-              <a:t> eine bessere Skalierbarkeit der Infrastruktur bei gleichzeitig sinkendem Verwaltungsaufwand. Dadurch wird der Betrieb kosteneffizienter als mit klassischen Prozessen.</a:t>
-            </a:r>
-          </a:p>
-          <a:p>
-            <a:pPr algn="l" fontAlgn="base">
-              <a:buFont typeface="Arial" panose="020B0604020202020204" pitchFamily="34" charset="0"/>
-              <a:buChar char="•"/>
-            </a:pPr>
-            <a:endParaRPr lang="de-DE" b="0" i="0" dirty="0">
-              <a:solidFill>
-                <a:srgbClr val="3C3C3B"/>
-              </a:solidFill>
-              <a:effectLst/>
-              <a:latin typeface="MuseoSansRounded-300"/>
-            </a:endParaRPr>
-          </a:p>
-          <a:p>
-            <a:pPr marL="171450" indent="-171450" algn="l" fontAlgn="base">
-              <a:buFont typeface="Arial" panose="020B0604020202020204" pitchFamily="34" charset="0"/>
-              <a:buChar char="•"/>
-            </a:pPr>
-            <a:r>
-              <a:rPr lang="de-DE" b="0" i="0" u="sng" dirty="0">
-                <a:solidFill>
-                  <a:srgbClr val="3C3C3B"/>
-                </a:solidFill>
-                <a:effectLst/>
-                <a:latin typeface="MuseoSansRounded-700"/>
-              </a:rPr>
-              <a:t>Schnellere Wiederherstellung nach Ausfall (Rollbacks):</a:t>
-            </a:r>
-            <a:r>
-              <a:rPr lang="de-DE" b="0" i="0" u="sng" dirty="0">
-                <a:solidFill>
-                  <a:srgbClr val="3C3C3B"/>
-                </a:solidFill>
-                <a:effectLst/>
-                <a:latin typeface="MuseoSansRounded-300"/>
-              </a:rPr>
-              <a:t> </a:t>
-            </a:r>
-            <a:r>
-              <a:rPr lang="de-DE" b="0" i="0" dirty="0">
-                <a:solidFill>
-                  <a:srgbClr val="3C3C3B"/>
-                </a:solidFill>
-                <a:effectLst/>
-                <a:latin typeface="MuseoSansRounded-300"/>
-              </a:rPr>
-              <a:t>Durch die Versionierung aller Änderungen, sowohl Code der Anwendung an sich als auch der Infrastruktur für den Betrieb in </a:t>
-            </a:r>
-            <a:r>
-              <a:rPr lang="de-DE" b="0" i="0" dirty="0" err="1">
-                <a:solidFill>
-                  <a:srgbClr val="3C3C3B"/>
-                </a:solidFill>
-                <a:effectLst/>
-                <a:latin typeface="MuseoSansRounded-300"/>
-              </a:rPr>
-              <a:t>Git</a:t>
-            </a:r>
-            <a:r>
-              <a:rPr lang="de-DE" b="0" i="0" dirty="0">
-                <a:solidFill>
-                  <a:srgbClr val="3C3C3B"/>
-                </a:solidFill>
-                <a:effectLst/>
-                <a:latin typeface="MuseoSansRounded-300"/>
-              </a:rPr>
-              <a:t>, ist es ein Leichtes, den Stand eines beliebigen </a:t>
-            </a:r>
-            <a:r>
-              <a:rPr lang="de-DE" b="0" i="0" dirty="0" err="1">
-                <a:solidFill>
-                  <a:srgbClr val="3C3C3B"/>
-                </a:solidFill>
-                <a:effectLst/>
-                <a:latin typeface="MuseoSansRounded-300"/>
-              </a:rPr>
-              <a:t>Commits</a:t>
-            </a:r>
-            <a:r>
-              <a:rPr lang="de-DE" b="0" i="0" dirty="0">
-                <a:solidFill>
-                  <a:srgbClr val="3C3C3B"/>
-                </a:solidFill>
-                <a:effectLst/>
-                <a:latin typeface="MuseoSansRounded-300"/>
-              </a:rPr>
-              <a:t> wiederherzustellen. Dadurch werden die Ausfallzeit und der Aufwand zur Wiederherstellung reduziert.</a:t>
-            </a:r>
-          </a:p>
-          <a:p>
-            <a:pPr algn="l" fontAlgn="base">
-              <a:buFont typeface="Arial" panose="020B0604020202020204" pitchFamily="34" charset="0"/>
-              <a:buChar char="•"/>
-            </a:pPr>
-            <a:endParaRPr lang="de-DE" b="0" i="0" dirty="0">
-              <a:solidFill>
-                <a:srgbClr val="3C3C3B"/>
-              </a:solidFill>
-              <a:effectLst/>
-              <a:latin typeface="MuseoSansRounded-300"/>
-            </a:endParaRPr>
-          </a:p>
-          <a:p>
-            <a:pPr marL="171450" indent="-171450" algn="l" fontAlgn="base">
-              <a:buFont typeface="Arial" panose="020B0604020202020204" pitchFamily="34" charset="0"/>
-              <a:buChar char="•"/>
-            </a:pPr>
-            <a:r>
-              <a:rPr lang="de-DE" b="0" i="0" u="sng" dirty="0">
-                <a:solidFill>
-                  <a:srgbClr val="3C3C3B"/>
-                </a:solidFill>
-                <a:effectLst/>
-                <a:latin typeface="MuseoSansRounded-700"/>
-              </a:rPr>
-              <a:t>Vereinfachte Berechtigungsstrukturen:</a:t>
-            </a:r>
-            <a:r>
-              <a:rPr lang="de-DE" b="0" i="0" u="sng" dirty="0">
-                <a:solidFill>
-                  <a:srgbClr val="3C3C3B"/>
-                </a:solidFill>
-                <a:effectLst/>
-                <a:latin typeface="MuseoSansRounded-300"/>
-              </a:rPr>
-              <a:t> </a:t>
-            </a:r>
-            <a:r>
-              <a:rPr lang="de-DE" b="0" i="0" dirty="0">
-                <a:solidFill>
-                  <a:srgbClr val="3C3C3B"/>
-                </a:solidFill>
-                <a:effectLst/>
-                <a:latin typeface="MuseoSansRounded-300"/>
-              </a:rPr>
-              <a:t>Mit </a:t>
-            </a:r>
-            <a:r>
-              <a:rPr lang="de-DE" b="0" i="0" dirty="0" err="1">
-                <a:solidFill>
-                  <a:srgbClr val="3C3C3B"/>
-                </a:solidFill>
-                <a:effectLst/>
-                <a:latin typeface="MuseoSansRounded-300"/>
-              </a:rPr>
-              <a:t>GitOps</a:t>
-            </a:r>
-            <a:r>
-              <a:rPr lang="de-DE" b="0" i="0" dirty="0">
-                <a:solidFill>
-                  <a:srgbClr val="3C3C3B"/>
-                </a:solidFill>
-                <a:effectLst/>
-                <a:latin typeface="MuseoSansRounded-300"/>
-              </a:rPr>
-              <a:t> werden Änderungen durch den </a:t>
-            </a:r>
-            <a:r>
-              <a:rPr lang="de-DE" b="0" i="0" dirty="0" err="1">
-                <a:solidFill>
-                  <a:srgbClr val="3C3C3B"/>
-                </a:solidFill>
-                <a:effectLst/>
-                <a:latin typeface="MuseoSansRounded-300"/>
-              </a:rPr>
-              <a:t>GitOps</a:t>
-            </a:r>
-            <a:r>
-              <a:rPr lang="de-DE" b="0" i="0" dirty="0">
-                <a:solidFill>
-                  <a:srgbClr val="3C3C3B"/>
-                </a:solidFill>
-                <a:effectLst/>
-                <a:latin typeface="MuseoSansRounded-300"/>
-              </a:rPr>
-              <a:t>-Operator nach dem Pull-Prinzip in den Cluster hineingezogen und nicht durch den CI-Server nach dem Push-Prinzip auf den Server geschoben. Dadurch entfallen für viele Unternehmen zeitaufwändige Freischaltungen, wenn zum Beispiel CI-Server und </a:t>
-            </a:r>
-            <a:r>
-              <a:rPr lang="de-DE" b="0" i="0" dirty="0" err="1">
-                <a:solidFill>
-                  <a:srgbClr val="3C3C3B"/>
-                </a:solidFill>
-                <a:effectLst/>
-                <a:latin typeface="MuseoSansRounded-300"/>
-              </a:rPr>
-              <a:t>Deployment</a:t>
-            </a:r>
-            <a:r>
-              <a:rPr lang="de-DE" b="0" i="0" dirty="0">
-                <a:solidFill>
-                  <a:srgbClr val="3C3C3B"/>
-                </a:solidFill>
-                <a:effectLst/>
-                <a:latin typeface="MuseoSansRounded-300"/>
-              </a:rPr>
-              <a:t>-Ziel durch eine Firewall getrennt sind oder sich in unterschiedlichen Zonen befinden. Durch die Kombination der Eigenschaften von </a:t>
-            </a:r>
-            <a:r>
-              <a:rPr lang="de-DE" b="0" i="0" dirty="0" err="1">
-                <a:solidFill>
-                  <a:srgbClr val="3C3C3B"/>
-                </a:solidFill>
-                <a:effectLst/>
-                <a:latin typeface="MuseoSansRounded-300"/>
-              </a:rPr>
-              <a:t>Kubernetes</a:t>
-            </a:r>
-            <a:r>
-              <a:rPr lang="de-DE" b="0" i="0" dirty="0">
-                <a:solidFill>
-                  <a:srgbClr val="3C3C3B"/>
-                </a:solidFill>
-                <a:effectLst/>
-                <a:latin typeface="MuseoSansRounded-300"/>
-              </a:rPr>
-              <a:t>, </a:t>
-            </a:r>
-            <a:r>
-              <a:rPr lang="de-DE" b="0" i="0" dirty="0" err="1">
-                <a:solidFill>
-                  <a:srgbClr val="3C3C3B"/>
-                </a:solidFill>
-                <a:effectLst/>
-                <a:latin typeface="MuseoSansRounded-300"/>
-              </a:rPr>
-              <a:t>IaC</a:t>
-            </a:r>
-            <a:r>
-              <a:rPr lang="de-DE" b="0" i="0" dirty="0">
-                <a:solidFill>
-                  <a:srgbClr val="3C3C3B"/>
-                </a:solidFill>
-                <a:effectLst/>
-                <a:latin typeface="MuseoSansRounded-300"/>
-              </a:rPr>
-              <a:t> und </a:t>
-            </a:r>
-            <a:r>
-              <a:rPr lang="de-DE" b="0" i="0" dirty="0" err="1">
-                <a:solidFill>
-                  <a:srgbClr val="3C3C3B"/>
-                </a:solidFill>
-                <a:effectLst/>
-                <a:latin typeface="MuseoSansRounded-300"/>
-              </a:rPr>
-              <a:t>Git</a:t>
-            </a:r>
-            <a:r>
-              <a:rPr lang="de-DE" b="0" i="0" dirty="0">
-                <a:solidFill>
-                  <a:srgbClr val="3C3C3B"/>
-                </a:solidFill>
-                <a:effectLst/>
-                <a:latin typeface="MuseoSansRounded-300"/>
-              </a:rPr>
-              <a:t> können Teams häufiger und schneller Änderungen ausliefern und dadurch ihre Produktivität erhöhen.</a:t>
-            </a:r>
-          </a:p>
-          <a:p>
             <a:endParaRPr lang="de-DE" dirty="0"/>
           </a:p>
         </p:txBody>
@@ -2127,7 +1431,7 @@
             <a:fld id="{18182567-388C-4D33-8B7B-A651F195F118}" type="slidenum">
               <a:rPr lang="de-DE" altLang="de-DE" smtClean="0"/>
               <a:pPr/>
-              <a:t>20</a:t>
+              <a:t>17</a:t>
             </a:fld>
             <a:endParaRPr lang="de-DE" altLang="de-DE"/>
           </a:p>
@@ -2136,7 +1440,7 @@
     </p:spTree>
     <p:extLst>
       <p:ext uri="{BB962C8B-B14F-4D97-AF65-F5344CB8AC3E}">
-        <p14:creationId xmlns:p14="http://schemas.microsoft.com/office/powerpoint/2010/main" val="762346922"/>
+        <p14:creationId xmlns:p14="http://schemas.microsoft.com/office/powerpoint/2010/main" val="1754135948"/>
       </p:ext>
     </p:extLst>
   </p:cSld>
@@ -2192,13 +1496,7 @@
           <a:p>
             <a:r>
               <a:rPr lang="de-DE" dirty="0"/>
-              <a:t>Quelle:</a:t>
-            </a:r>
-          </a:p>
-          <a:p>
-            <a:r>
-              <a:rPr lang="de-DE" dirty="0"/>
-              <a:t>https://github.com/weaveworks/awesome-gitops?tab=readme-ov-file</a:t>
+              <a:t>Skalierbarkeit</a:t>
             </a:r>
           </a:p>
           <a:p>
@@ -2206,20 +1504,29 @@
               <a:buFont typeface="Arial" panose="020B0604020202020204" pitchFamily="34" charset="0"/>
               <a:buChar char="•"/>
             </a:pPr>
-            <a:r>
-              <a:rPr lang="de-DE" dirty="0"/>
-              <a:t>https://github.com/argoproj/argo-cd</a:t>
-            </a:r>
+            <a:endParaRPr lang="de-DE" dirty="0"/>
           </a:p>
           <a:p>
             <a:pPr marL="171450" indent="-171450">
               <a:buFont typeface="Arial" panose="020B0604020202020204" pitchFamily="34" charset="0"/>
               <a:buChar char="•"/>
             </a:pPr>
+            <a:endParaRPr lang="de-DE" dirty="0"/>
+          </a:p>
+          <a:p>
+            <a:pPr marL="0" indent="0">
+              <a:buFont typeface="Arial" panose="020B0604020202020204" pitchFamily="34" charset="0"/>
+              <a:buNone/>
+            </a:pPr>
             <a:r>
               <a:rPr lang="de-DE" dirty="0"/>
-              <a:t>https://github.com/fluxcd/flux2</a:t>
-            </a:r>
+              <a:t>Self-</a:t>
+            </a:r>
+            <a:r>
+              <a:rPr lang="de-DE" dirty="0" err="1"/>
+              <a:t>healing</a:t>
+            </a:r>
+            <a:endParaRPr lang="de-DE" dirty="0"/>
           </a:p>
           <a:p>
             <a:pPr marL="171450" indent="-171450">
@@ -2227,9 +1534,42 @@
               <a:buChar char="•"/>
             </a:pPr>
             <a:r>
+              <a:rPr lang="de-DE" dirty="0" err="1"/>
+              <a:t>Kontinuerliche</a:t>
+            </a:r>
+            <a:r>
               <a:rPr lang="de-DE" dirty="0"/>
-              <a:t>https://github.com/fluxcd/flagger</a:t>
-            </a:r>
+              <a:t> Abgleichen des </a:t>
+            </a:r>
+            <a:r>
+              <a:rPr lang="de-DE" dirty="0" err="1"/>
+              <a:t>GitOps</a:t>
+            </a:r>
+            <a:r>
+              <a:rPr lang="de-DE" dirty="0"/>
+              <a:t>-Operator nicht nur gegen das </a:t>
+            </a:r>
+            <a:r>
+              <a:rPr lang="de-DE" dirty="0" err="1"/>
+              <a:t>git</a:t>
+            </a:r>
+            <a:r>
+              <a:rPr lang="de-DE" dirty="0"/>
+              <a:t> </a:t>
+            </a:r>
+            <a:r>
+              <a:rPr lang="de-DE" dirty="0" err="1"/>
+              <a:t>repo</a:t>
+            </a:r>
+            <a:r>
+              <a:rPr lang="de-DE" dirty="0"/>
+              <a:t>, sondern auch gegen den API-Server von </a:t>
+            </a:r>
+            <a:r>
+              <a:rPr lang="de-DE" dirty="0" err="1"/>
+              <a:t>Kubernetes</a:t>
+            </a:r>
+            <a:endParaRPr lang="de-DE" dirty="0"/>
           </a:p>
           <a:p>
             <a:pPr marL="171450" indent="-171450">
@@ -2238,47 +1578,7 @@
             </a:pPr>
             <a:r>
               <a:rPr lang="de-DE" dirty="0"/>
-              <a:t>https://jenkins-x.io/</a:t>
-            </a:r>
-          </a:p>
-          <a:p>
-            <a:pPr marL="171450" indent="-171450">
-              <a:buFont typeface="Arial" panose="020B0604020202020204" pitchFamily="34" charset="0"/>
-              <a:buChar char="•"/>
-            </a:pPr>
-            <a:r>
-              <a:rPr lang="de-DE" dirty="0"/>
-              <a:t>https://www.kubestack.com/</a:t>
-            </a:r>
-          </a:p>
-          <a:p>
-            <a:pPr marL="171450" indent="-171450">
-              <a:buFont typeface="Arial" panose="020B0604020202020204" pitchFamily="34" charset="0"/>
-              <a:buChar char="•"/>
-            </a:pPr>
-            <a:r>
-              <a:rPr lang="de-DE" dirty="0"/>
-              <a:t>https://werf.io/</a:t>
-            </a:r>
-          </a:p>
-          <a:p>
-            <a:pPr marL="171450" indent="-171450">
-              <a:buFont typeface="Arial" panose="020B0604020202020204" pitchFamily="34" charset="0"/>
-              <a:buChar char="•"/>
-            </a:pPr>
-            <a:r>
-              <a:rPr lang="de-DE" dirty="0"/>
-              <a:t>https://pipecd.dev/</a:t>
-            </a:r>
-          </a:p>
-          <a:p>
-            <a:pPr marL="171450" indent="-171450">
-              <a:buFont typeface="Arial" panose="020B0604020202020204" pitchFamily="34" charset="0"/>
-              <a:buChar char="•"/>
-            </a:pPr>
-            <a:r>
-              <a:rPr lang="de-DE" dirty="0"/>
-              <a:t>https://docs.gitlab.com/ee/user/clusters/agent/</a:t>
+              <a:t>Auch da würde der Operator eingreifen</a:t>
             </a:r>
           </a:p>
         </p:txBody>
@@ -2301,7 +1601,7 @@
             <a:fld id="{18182567-388C-4D33-8B7B-A651F195F118}" type="slidenum">
               <a:rPr lang="de-DE" altLang="de-DE" smtClean="0"/>
               <a:pPr/>
-              <a:t>21</a:t>
+              <a:t>19</a:t>
             </a:fld>
             <a:endParaRPr lang="de-DE" altLang="de-DE"/>
           </a:p>
@@ -2310,7 +1610,7 @@
     </p:spTree>
     <p:extLst>
       <p:ext uri="{BB962C8B-B14F-4D97-AF65-F5344CB8AC3E}">
-        <p14:creationId xmlns:p14="http://schemas.microsoft.com/office/powerpoint/2010/main" val="3998937363"/>
+        <p14:creationId xmlns:p14="http://schemas.microsoft.com/office/powerpoint/2010/main" val="681576940"/>
       </p:ext>
     </p:extLst>
   </p:cSld>
@@ -2364,29 +1664,585 @@
           <a:bodyPr/>
           <a:lstStyle/>
           <a:p>
-            <a:r>
-              <a:rPr lang="de-DE" dirty="0"/>
-              <a:t>Quelle</a:t>
-            </a:r>
-          </a:p>
-          <a:p>
-            <a:r>
-              <a:rPr lang="de-DE" dirty="0"/>
-              <a:t>Imgflip.com</a:t>
-            </a:r>
-          </a:p>
-          <a:p>
-            <a:endParaRPr lang="de-DE" dirty="0"/>
-          </a:p>
-          <a:p>
-            <a:r>
-              <a:rPr lang="de-DE" dirty="0"/>
-              <a:t>Side </a:t>
-            </a:r>
-            <a:r>
-              <a:rPr lang="de-DE" dirty="0" err="1"/>
-              <a:t>car</a:t>
-            </a:r>
+            <a:pPr algn="l" fontAlgn="base"/>
+            <a:r>
+              <a:rPr lang="de-DE" b="0" i="0" dirty="0">
+                <a:solidFill>
+                  <a:srgbClr val="484848"/>
+                </a:solidFill>
+                <a:effectLst/>
+                <a:latin typeface="MuseoSansRounded-700"/>
+              </a:rPr>
+              <a:t>Erhöhte Produktivität</a:t>
+            </a:r>
+          </a:p>
+          <a:p>
+            <a:pPr algn="l" fontAlgn="base"/>
+            <a:r>
+              <a:rPr lang="de-DE" b="0" i="0" dirty="0">
+                <a:solidFill>
+                  <a:srgbClr val="3C3C3B"/>
+                </a:solidFill>
+                <a:effectLst/>
+                <a:latin typeface="MuseoSansRounded-300"/>
+              </a:rPr>
+              <a:t>Durch die Automatisierung von </a:t>
+            </a:r>
+            <a:r>
+              <a:rPr lang="de-DE" b="0" i="0" dirty="0" err="1">
+                <a:solidFill>
+                  <a:srgbClr val="3C3C3B"/>
+                </a:solidFill>
+                <a:effectLst/>
+                <a:latin typeface="MuseoSansRounded-300"/>
+              </a:rPr>
+              <a:t>Deployment</a:t>
+            </a:r>
+            <a:r>
+              <a:rPr lang="de-DE" b="0" i="0" dirty="0">
+                <a:solidFill>
+                  <a:srgbClr val="3C3C3B"/>
+                </a:solidFill>
+                <a:effectLst/>
+                <a:latin typeface="MuseoSansRounded-300"/>
+              </a:rPr>
+              <a:t>-Prozessen, sowohl in der Entwicklung als auch im Betrieb von Anwendungen, wird die Produktivität der Organisation erhöht. </a:t>
+            </a:r>
+            <a:r>
+              <a:rPr lang="de-DE" b="0" i="0" dirty="0" err="1">
+                <a:solidFill>
+                  <a:srgbClr val="3C3C3B"/>
+                </a:solidFill>
+                <a:effectLst/>
+                <a:latin typeface="MuseoSansRounded-300"/>
+              </a:rPr>
+              <a:t>GitOps</a:t>
+            </a:r>
+            <a:r>
+              <a:rPr lang="de-DE" b="0" i="0" dirty="0">
+                <a:solidFill>
+                  <a:srgbClr val="3C3C3B"/>
+                </a:solidFill>
+                <a:effectLst/>
+                <a:latin typeface="MuseoSansRounded-300"/>
+              </a:rPr>
+              <a:t> ist dabei besonders effektiv und vereint die Vorteile einer Vielzahl an Tools:</a:t>
+            </a:r>
+          </a:p>
+          <a:p>
+            <a:pPr algn="l" fontAlgn="base"/>
+            <a:endParaRPr lang="de-DE" b="0" i="0" dirty="0">
+              <a:solidFill>
+                <a:srgbClr val="3C3C3B"/>
+              </a:solidFill>
+              <a:effectLst/>
+              <a:latin typeface="MuseoSansRounded-300"/>
+            </a:endParaRPr>
+          </a:p>
+          <a:p>
+            <a:pPr marL="171450" indent="-171450" algn="l" fontAlgn="base">
+              <a:buFont typeface="Arial" panose="020B0604020202020204" pitchFamily="34" charset="0"/>
+              <a:buChar char="•"/>
+            </a:pPr>
+            <a:r>
+              <a:rPr lang="de-DE" b="0" i="0" u="sng" dirty="0">
+                <a:solidFill>
+                  <a:srgbClr val="3C3C3B"/>
+                </a:solidFill>
+                <a:effectLst/>
+                <a:latin typeface="MuseoSansRounded-700"/>
+              </a:rPr>
+              <a:t>Schnelle Veröffentlichung von Änderungen</a:t>
+            </a:r>
+            <a:r>
+              <a:rPr lang="de-DE" b="0" i="0" dirty="0">
+                <a:solidFill>
+                  <a:srgbClr val="3C3C3B"/>
+                </a:solidFill>
+                <a:effectLst/>
+                <a:latin typeface="MuseoSansRounded-700"/>
+              </a:rPr>
+              <a:t>:</a:t>
+            </a:r>
+            <a:r>
+              <a:rPr lang="de-DE" b="0" i="0" dirty="0">
+                <a:solidFill>
+                  <a:srgbClr val="3C3C3B"/>
+                </a:solidFill>
+                <a:effectLst/>
+                <a:latin typeface="MuseoSansRounded-300"/>
+              </a:rPr>
+              <a:t> Durch die Nutzung von </a:t>
+            </a:r>
+            <a:r>
+              <a:rPr lang="de-DE" b="0" i="0" dirty="0" err="1">
+                <a:solidFill>
+                  <a:srgbClr val="3C3C3B"/>
+                </a:solidFill>
+                <a:effectLst/>
+                <a:latin typeface="MuseoSansRounded-300"/>
+              </a:rPr>
+              <a:t>Kubernetes</a:t>
+            </a:r>
+            <a:r>
+              <a:rPr lang="de-DE" b="0" i="0" dirty="0">
+                <a:solidFill>
+                  <a:srgbClr val="3C3C3B"/>
+                </a:solidFill>
+                <a:effectLst/>
+                <a:latin typeface="MuseoSansRounded-300"/>
+              </a:rPr>
+              <a:t> ist es möglich, </a:t>
+            </a:r>
+            <a:r>
+              <a:rPr lang="de-DE" b="0" i="0" dirty="0" err="1">
+                <a:solidFill>
+                  <a:srgbClr val="3C3C3B"/>
+                </a:solidFill>
+                <a:effectLst/>
+                <a:latin typeface="MuseoSansRounded-300"/>
+              </a:rPr>
+              <a:t>Deployments</a:t>
+            </a:r>
+            <a:r>
+              <a:rPr lang="de-DE" b="0" i="0" dirty="0">
+                <a:solidFill>
+                  <a:srgbClr val="3C3C3B"/>
+                </a:solidFill>
+                <a:effectLst/>
+                <a:latin typeface="MuseoSansRounded-300"/>
+              </a:rPr>
+              <a:t> von Anwendungen durchzuführen, ohne dass deren Verfügbarkeit unterbrochen wird (</a:t>
+            </a:r>
+            <a:r>
+              <a:rPr lang="de-DE" b="0" i="0" dirty="0" err="1">
+                <a:solidFill>
+                  <a:srgbClr val="3C3C3B"/>
+                </a:solidFill>
+                <a:effectLst/>
+                <a:latin typeface="MuseoSansRounded-300"/>
+              </a:rPr>
+              <a:t>No</a:t>
+            </a:r>
+            <a:r>
+              <a:rPr lang="de-DE" b="0" i="0" dirty="0">
+                <a:solidFill>
+                  <a:srgbClr val="3C3C3B"/>
+                </a:solidFill>
+                <a:effectLst/>
+                <a:latin typeface="MuseoSansRounded-300"/>
+              </a:rPr>
+              <a:t> Downtime </a:t>
+            </a:r>
+            <a:r>
+              <a:rPr lang="de-DE" b="0" i="0" dirty="0" err="1">
+                <a:solidFill>
+                  <a:srgbClr val="3C3C3B"/>
+                </a:solidFill>
+                <a:effectLst/>
+                <a:latin typeface="MuseoSansRounded-300"/>
+              </a:rPr>
+              <a:t>Deployments</a:t>
+            </a:r>
+            <a:r>
+              <a:rPr lang="de-DE" b="0" i="0" dirty="0">
+                <a:solidFill>
+                  <a:srgbClr val="3C3C3B"/>
+                </a:solidFill>
+                <a:effectLst/>
+                <a:latin typeface="MuseoSansRounded-300"/>
+              </a:rPr>
+              <a:t>). Im Zusammenspiel mit der Reconciliation Loop können so Code-Änderungen unverzüglich und mit minimalem manuellem Aufwand veröffentlicht werden.</a:t>
+            </a:r>
+          </a:p>
+          <a:p>
+            <a:pPr algn="l" fontAlgn="base">
+              <a:buFont typeface="Arial" panose="020B0604020202020204" pitchFamily="34" charset="0"/>
+              <a:buChar char="•"/>
+            </a:pPr>
+            <a:endParaRPr lang="de-DE" b="0" i="0" dirty="0">
+              <a:solidFill>
+                <a:srgbClr val="3C3C3B"/>
+              </a:solidFill>
+              <a:effectLst/>
+              <a:latin typeface="MuseoSansRounded-300"/>
+            </a:endParaRPr>
+          </a:p>
+          <a:p>
+            <a:pPr marL="171450" indent="-171450" algn="l" fontAlgn="base">
+              <a:buFont typeface="Arial" panose="020B0604020202020204" pitchFamily="34" charset="0"/>
+              <a:buChar char="•"/>
+            </a:pPr>
+            <a:r>
+              <a:rPr lang="de-DE" b="0" i="0" u="sng" dirty="0">
+                <a:solidFill>
+                  <a:srgbClr val="3C3C3B"/>
+                </a:solidFill>
+                <a:effectLst/>
+                <a:latin typeface="MuseoSansRounded-700"/>
+              </a:rPr>
+              <a:t>Reproduzierbarkeit der Infrastruktur</a:t>
+            </a:r>
+            <a:r>
+              <a:rPr lang="de-DE" b="0" i="0" dirty="0">
+                <a:solidFill>
+                  <a:srgbClr val="3C3C3B"/>
+                </a:solidFill>
+                <a:effectLst/>
+                <a:latin typeface="MuseoSansRounded-700"/>
+              </a:rPr>
+              <a:t>:</a:t>
+            </a:r>
+            <a:r>
+              <a:rPr lang="de-DE" b="0" i="0" dirty="0">
+                <a:solidFill>
+                  <a:srgbClr val="3C3C3B"/>
+                </a:solidFill>
+                <a:effectLst/>
+                <a:latin typeface="MuseoSansRounded-300"/>
+              </a:rPr>
+              <a:t> In </a:t>
+            </a:r>
+            <a:r>
+              <a:rPr lang="de-DE" b="0" i="0" dirty="0" err="1">
+                <a:solidFill>
+                  <a:srgbClr val="3C3C3B"/>
+                </a:solidFill>
+                <a:effectLst/>
+                <a:latin typeface="MuseoSansRounded-300"/>
+              </a:rPr>
+              <a:t>GitOps</a:t>
+            </a:r>
+            <a:r>
+              <a:rPr lang="de-DE" b="0" i="0" dirty="0">
+                <a:solidFill>
+                  <a:srgbClr val="3C3C3B"/>
+                </a:solidFill>
+                <a:effectLst/>
+                <a:latin typeface="MuseoSansRounded-300"/>
+              </a:rPr>
+              <a:t> wird die Infrastruktur nach dem Prinzip der Infrastructure </a:t>
+            </a:r>
+            <a:r>
+              <a:rPr lang="de-DE" b="0" i="0" dirty="0" err="1">
+                <a:solidFill>
+                  <a:srgbClr val="3C3C3B"/>
+                </a:solidFill>
+                <a:effectLst/>
+                <a:latin typeface="MuseoSansRounded-300"/>
+              </a:rPr>
+              <a:t>as</a:t>
+            </a:r>
+            <a:r>
+              <a:rPr lang="de-DE" b="0" i="0" dirty="0">
+                <a:solidFill>
+                  <a:srgbClr val="3C3C3B"/>
+                </a:solidFill>
+                <a:effectLst/>
+                <a:latin typeface="MuseoSansRounded-300"/>
+              </a:rPr>
+              <a:t> Code (</a:t>
+            </a:r>
+            <a:r>
+              <a:rPr lang="de-DE" b="0" i="0" dirty="0" err="1">
+                <a:solidFill>
+                  <a:srgbClr val="3C3C3B"/>
+                </a:solidFill>
+                <a:effectLst/>
+                <a:latin typeface="MuseoSansRounded-300"/>
+              </a:rPr>
+              <a:t>IaC</a:t>
+            </a:r>
+            <a:r>
+              <a:rPr lang="de-DE" b="0" i="0" dirty="0">
+                <a:solidFill>
+                  <a:srgbClr val="3C3C3B"/>
+                </a:solidFill>
+                <a:effectLst/>
+                <a:latin typeface="MuseoSansRounded-300"/>
+              </a:rPr>
+              <a:t>) deklariert. So bietet </a:t>
+            </a:r>
+            <a:r>
+              <a:rPr lang="de-DE" b="0" i="0" dirty="0" err="1">
+                <a:solidFill>
+                  <a:srgbClr val="3C3C3B"/>
+                </a:solidFill>
+                <a:effectLst/>
+                <a:latin typeface="MuseoSansRounded-300"/>
+              </a:rPr>
+              <a:t>GitOps</a:t>
+            </a:r>
+            <a:r>
+              <a:rPr lang="de-DE" b="0" i="0" dirty="0">
+                <a:solidFill>
+                  <a:srgbClr val="3C3C3B"/>
+                </a:solidFill>
+                <a:effectLst/>
+                <a:latin typeface="MuseoSansRounded-300"/>
+              </a:rPr>
+              <a:t> eine bessere Skalierbarkeit der Infrastruktur bei gleichzeitig sinkendem Verwaltungsaufwand. Dadurch wird der Betrieb kosteneffizienter als mit klassischen Prozessen.</a:t>
+            </a:r>
+          </a:p>
+          <a:p>
+            <a:pPr algn="l" fontAlgn="base">
+              <a:buFont typeface="Arial" panose="020B0604020202020204" pitchFamily="34" charset="0"/>
+              <a:buChar char="•"/>
+            </a:pPr>
+            <a:endParaRPr lang="de-DE" b="0" i="0" dirty="0">
+              <a:solidFill>
+                <a:srgbClr val="3C3C3B"/>
+              </a:solidFill>
+              <a:effectLst/>
+              <a:latin typeface="MuseoSansRounded-300"/>
+            </a:endParaRPr>
+          </a:p>
+          <a:p>
+            <a:pPr marL="171450" indent="-171450" algn="l" fontAlgn="base">
+              <a:buFont typeface="Arial" panose="020B0604020202020204" pitchFamily="34" charset="0"/>
+              <a:buChar char="•"/>
+            </a:pPr>
+            <a:r>
+              <a:rPr lang="de-DE" b="0" i="0" u="sng" dirty="0">
+                <a:solidFill>
+                  <a:srgbClr val="3C3C3B"/>
+                </a:solidFill>
+                <a:effectLst/>
+                <a:latin typeface="MuseoSansRounded-700"/>
+              </a:rPr>
+              <a:t>Schnellere Wiederherstellung nach Ausfall (Rollbacks):</a:t>
+            </a:r>
+            <a:r>
+              <a:rPr lang="de-DE" b="0" i="0" u="sng" dirty="0">
+                <a:solidFill>
+                  <a:srgbClr val="3C3C3B"/>
+                </a:solidFill>
+                <a:effectLst/>
+                <a:latin typeface="MuseoSansRounded-300"/>
+              </a:rPr>
+              <a:t> </a:t>
+            </a:r>
+            <a:r>
+              <a:rPr lang="de-DE" b="0" i="0" dirty="0">
+                <a:solidFill>
+                  <a:srgbClr val="3C3C3B"/>
+                </a:solidFill>
+                <a:effectLst/>
+                <a:latin typeface="MuseoSansRounded-300"/>
+              </a:rPr>
+              <a:t>Durch die Versionierung aller Änderungen, sowohl Code der Anwendung an sich als auch der Infrastruktur für den Betrieb in </a:t>
+            </a:r>
+            <a:r>
+              <a:rPr lang="de-DE" b="0" i="0" dirty="0" err="1">
+                <a:solidFill>
+                  <a:srgbClr val="3C3C3B"/>
+                </a:solidFill>
+                <a:effectLst/>
+                <a:latin typeface="MuseoSansRounded-300"/>
+              </a:rPr>
+              <a:t>Git</a:t>
+            </a:r>
+            <a:r>
+              <a:rPr lang="de-DE" b="0" i="0" dirty="0">
+                <a:solidFill>
+                  <a:srgbClr val="3C3C3B"/>
+                </a:solidFill>
+                <a:effectLst/>
+                <a:latin typeface="MuseoSansRounded-300"/>
+              </a:rPr>
+              <a:t>, ist es ein Leichtes, den Stand eines beliebigen </a:t>
+            </a:r>
+            <a:r>
+              <a:rPr lang="de-DE" b="0" i="0" dirty="0" err="1">
+                <a:solidFill>
+                  <a:srgbClr val="3C3C3B"/>
+                </a:solidFill>
+                <a:effectLst/>
+                <a:latin typeface="MuseoSansRounded-300"/>
+              </a:rPr>
+              <a:t>Commits</a:t>
+            </a:r>
+            <a:r>
+              <a:rPr lang="de-DE" b="0" i="0" dirty="0">
+                <a:solidFill>
+                  <a:srgbClr val="3C3C3B"/>
+                </a:solidFill>
+                <a:effectLst/>
+                <a:latin typeface="MuseoSansRounded-300"/>
+              </a:rPr>
+              <a:t> wiederherzustellen. Dadurch werden die Ausfallzeit und der Aufwand zur Wiederherstellung reduziert.</a:t>
+            </a:r>
+          </a:p>
+          <a:p>
+            <a:pPr algn="l" fontAlgn="base">
+              <a:buFont typeface="Arial" panose="020B0604020202020204" pitchFamily="34" charset="0"/>
+              <a:buChar char="•"/>
+            </a:pPr>
+            <a:endParaRPr lang="de-DE" b="0" i="0" dirty="0">
+              <a:solidFill>
+                <a:srgbClr val="3C3C3B"/>
+              </a:solidFill>
+              <a:effectLst/>
+              <a:latin typeface="MuseoSansRounded-300"/>
+            </a:endParaRPr>
+          </a:p>
+          <a:p>
+            <a:pPr marL="171450" indent="-171450" algn="l" fontAlgn="base">
+              <a:buFont typeface="Arial" panose="020B0604020202020204" pitchFamily="34" charset="0"/>
+              <a:buChar char="•"/>
+            </a:pPr>
+            <a:r>
+              <a:rPr lang="de-DE" b="0" i="0" u="sng" dirty="0">
+                <a:solidFill>
+                  <a:srgbClr val="3C3C3B"/>
+                </a:solidFill>
+                <a:effectLst/>
+                <a:latin typeface="MuseoSansRounded-700"/>
+              </a:rPr>
+              <a:t>Vereinfachte Berechtigungsstrukturen:</a:t>
+            </a:r>
+            <a:r>
+              <a:rPr lang="de-DE" b="0" i="0" u="sng" dirty="0">
+                <a:solidFill>
+                  <a:srgbClr val="3C3C3B"/>
+                </a:solidFill>
+                <a:effectLst/>
+                <a:latin typeface="MuseoSansRounded-300"/>
+              </a:rPr>
+              <a:t> </a:t>
+            </a:r>
+            <a:r>
+              <a:rPr lang="de-DE" b="0" i="0" dirty="0">
+                <a:solidFill>
+                  <a:srgbClr val="3C3C3B"/>
+                </a:solidFill>
+                <a:effectLst/>
+                <a:latin typeface="MuseoSansRounded-300"/>
+              </a:rPr>
+              <a:t>Mit </a:t>
+            </a:r>
+            <a:r>
+              <a:rPr lang="de-DE" b="0" i="0" dirty="0" err="1">
+                <a:solidFill>
+                  <a:srgbClr val="3C3C3B"/>
+                </a:solidFill>
+                <a:effectLst/>
+                <a:latin typeface="MuseoSansRounded-300"/>
+              </a:rPr>
+              <a:t>GitOps</a:t>
+            </a:r>
+            <a:r>
+              <a:rPr lang="de-DE" b="0" i="0" dirty="0">
+                <a:solidFill>
+                  <a:srgbClr val="3C3C3B"/>
+                </a:solidFill>
+                <a:effectLst/>
+                <a:latin typeface="MuseoSansRounded-300"/>
+              </a:rPr>
+              <a:t> werden Änderungen durch den </a:t>
+            </a:r>
+            <a:r>
+              <a:rPr lang="de-DE" b="0" i="0" dirty="0" err="1">
+                <a:solidFill>
+                  <a:srgbClr val="3C3C3B"/>
+                </a:solidFill>
+                <a:effectLst/>
+                <a:latin typeface="MuseoSansRounded-300"/>
+              </a:rPr>
+              <a:t>GitOps</a:t>
+            </a:r>
+            <a:r>
+              <a:rPr lang="de-DE" b="0" i="0" dirty="0">
+                <a:solidFill>
+                  <a:srgbClr val="3C3C3B"/>
+                </a:solidFill>
+                <a:effectLst/>
+                <a:latin typeface="MuseoSansRounded-300"/>
+              </a:rPr>
+              <a:t>-Operator nach dem Pull-Prinzip in den Cluster hineingezogen und nicht durch den CI-Server nach dem Push-Prinzip auf den Server geschoben. Dadurch entfallen für viele Unternehmen zeitaufwändige Freischaltungen, wenn zum Beispiel CI-Server und </a:t>
+            </a:r>
+            <a:r>
+              <a:rPr lang="de-DE" b="0" i="0" dirty="0" err="1">
+                <a:solidFill>
+                  <a:srgbClr val="3C3C3B"/>
+                </a:solidFill>
+                <a:effectLst/>
+                <a:latin typeface="MuseoSansRounded-300"/>
+              </a:rPr>
+              <a:t>Deployment</a:t>
+            </a:r>
+            <a:r>
+              <a:rPr lang="de-DE" b="0" i="0" dirty="0">
+                <a:solidFill>
+                  <a:srgbClr val="3C3C3B"/>
+                </a:solidFill>
+                <a:effectLst/>
+                <a:latin typeface="MuseoSansRounded-300"/>
+              </a:rPr>
+              <a:t>-Ziel durch eine Firewall getrennt sind oder sich in unterschiedlichen Zonen befinden. Durch die Kombination der Eigenschaften von </a:t>
+            </a:r>
+            <a:r>
+              <a:rPr lang="de-DE" b="0" i="0" dirty="0" err="1">
+                <a:solidFill>
+                  <a:srgbClr val="3C3C3B"/>
+                </a:solidFill>
+                <a:effectLst/>
+                <a:latin typeface="MuseoSansRounded-300"/>
+              </a:rPr>
+              <a:t>Kubernetes</a:t>
+            </a:r>
+            <a:r>
+              <a:rPr lang="de-DE" b="0" i="0" dirty="0">
+                <a:solidFill>
+                  <a:srgbClr val="3C3C3B"/>
+                </a:solidFill>
+                <a:effectLst/>
+                <a:latin typeface="MuseoSansRounded-300"/>
+              </a:rPr>
+              <a:t>, </a:t>
+            </a:r>
+            <a:r>
+              <a:rPr lang="de-DE" b="0" i="0" dirty="0" err="1">
+                <a:solidFill>
+                  <a:srgbClr val="3C3C3B"/>
+                </a:solidFill>
+                <a:effectLst/>
+                <a:latin typeface="MuseoSansRounded-300"/>
+              </a:rPr>
+              <a:t>IaC</a:t>
+            </a:r>
+            <a:r>
+              <a:rPr lang="de-DE" b="0" i="0" dirty="0">
+                <a:solidFill>
+                  <a:srgbClr val="3C3C3B"/>
+                </a:solidFill>
+                <a:effectLst/>
+                <a:latin typeface="MuseoSansRounded-300"/>
+              </a:rPr>
+              <a:t> und </a:t>
+            </a:r>
+            <a:r>
+              <a:rPr lang="de-DE" b="0" i="0" dirty="0" err="1">
+                <a:solidFill>
+                  <a:srgbClr val="3C3C3B"/>
+                </a:solidFill>
+                <a:effectLst/>
+                <a:latin typeface="MuseoSansRounded-300"/>
+              </a:rPr>
+              <a:t>Git</a:t>
+            </a:r>
+            <a:r>
+              <a:rPr lang="de-DE" b="0" i="0" dirty="0">
+                <a:solidFill>
+                  <a:srgbClr val="3C3C3B"/>
+                </a:solidFill>
+                <a:effectLst/>
+                <a:latin typeface="MuseoSansRounded-300"/>
+              </a:rPr>
+              <a:t> können Teams häufiger und schneller Änderungen ausliefern und dadurch ihre Produktivität erhöhen.</a:t>
+            </a:r>
+          </a:p>
+          <a:p>
             <a:endParaRPr lang="de-DE" dirty="0"/>
           </a:p>
         </p:txBody>
@@ -2409,7 +2265,7 @@
             <a:fld id="{18182567-388C-4D33-8B7B-A651F195F118}" type="slidenum">
               <a:rPr lang="de-DE" altLang="de-DE" smtClean="0"/>
               <a:pPr/>
-              <a:t>22</a:t>
+              <a:t>20</a:t>
             </a:fld>
             <a:endParaRPr lang="de-DE" altLang="de-DE"/>
           </a:p>
@@ -2418,7 +2274,7 @@
     </p:spTree>
     <p:extLst>
       <p:ext uri="{BB962C8B-B14F-4D97-AF65-F5344CB8AC3E}">
-        <p14:creationId xmlns:p14="http://schemas.microsoft.com/office/powerpoint/2010/main" val="1749284629"/>
+        <p14:creationId xmlns:p14="http://schemas.microsoft.com/office/powerpoint/2010/main" val="762346922"/>
       </p:ext>
     </p:extLst>
   </p:cSld>
@@ -2474,7 +2330,93 @@
           <a:p>
             <a:r>
               <a:rPr lang="de-DE" dirty="0"/>
-              <a:t>https://kubernetes.io/docs/concepts/workloads/pods/sidecar-containers/</a:t>
+              <a:t>Quelle:</a:t>
+            </a:r>
+          </a:p>
+          <a:p>
+            <a:r>
+              <a:rPr lang="de-DE" dirty="0"/>
+              <a:t>https://github.com/weaveworks/awesome-gitops?tab=readme-ov-file</a:t>
+            </a:r>
+          </a:p>
+          <a:p>
+            <a:pPr marL="171450" indent="-171450">
+              <a:buFont typeface="Arial" panose="020B0604020202020204" pitchFamily="34" charset="0"/>
+              <a:buChar char="•"/>
+            </a:pPr>
+            <a:r>
+              <a:rPr lang="de-DE" dirty="0"/>
+              <a:t>https://github.com/argoproj/argo-cd</a:t>
+            </a:r>
+          </a:p>
+          <a:p>
+            <a:pPr marL="171450" indent="-171450">
+              <a:buFont typeface="Arial" panose="020B0604020202020204" pitchFamily="34" charset="0"/>
+              <a:buChar char="•"/>
+            </a:pPr>
+            <a:r>
+              <a:rPr lang="de-DE" dirty="0"/>
+              <a:t>https://github.com/fluxcd/flux2</a:t>
+            </a:r>
+          </a:p>
+          <a:p>
+            <a:pPr marL="171450" indent="-171450">
+              <a:buFont typeface="Arial" panose="020B0604020202020204" pitchFamily="34" charset="0"/>
+              <a:buChar char="•"/>
+            </a:pPr>
+            <a:r>
+              <a:rPr lang="de-DE" dirty="0"/>
+              <a:t>https://github.com/fluxcd/flagger</a:t>
+            </a:r>
+          </a:p>
+          <a:p>
+            <a:pPr marL="171450" indent="-171450">
+              <a:buFont typeface="Arial" panose="020B0604020202020204" pitchFamily="34" charset="0"/>
+              <a:buChar char="•"/>
+            </a:pPr>
+            <a:r>
+              <a:rPr lang="de-DE" dirty="0"/>
+              <a:t>https://jenkins-x.io/</a:t>
+            </a:r>
+          </a:p>
+          <a:p>
+            <a:pPr marL="171450" indent="-171450">
+              <a:buFont typeface="Arial" panose="020B0604020202020204" pitchFamily="34" charset="0"/>
+              <a:buChar char="•"/>
+            </a:pPr>
+            <a:r>
+              <a:rPr lang="de-DE" dirty="0"/>
+              <a:t>https://www.kubestack.com/</a:t>
+            </a:r>
+          </a:p>
+          <a:p>
+            <a:pPr marL="171450" indent="-171450">
+              <a:buFont typeface="Arial" panose="020B0604020202020204" pitchFamily="34" charset="0"/>
+              <a:buChar char="•"/>
+            </a:pPr>
+            <a:r>
+              <a:rPr lang="de-DE" dirty="0"/>
+              <a:t>https://werf.io/</a:t>
+            </a:r>
+          </a:p>
+          <a:p>
+            <a:pPr marL="171450" indent="-171450">
+              <a:buFont typeface="Arial" panose="020B0604020202020204" pitchFamily="34" charset="0"/>
+              <a:buChar char="•"/>
+            </a:pPr>
+            <a:r>
+              <a:rPr lang="de-DE" dirty="0"/>
+              <a:t>https://pipecd.dev/</a:t>
+            </a:r>
+          </a:p>
+          <a:p>
+            <a:pPr marL="171450" indent="-171450">
+              <a:buFont typeface="Arial" panose="020B0604020202020204" pitchFamily="34" charset="0"/>
+              <a:buChar char="•"/>
+            </a:pPr>
+            <a:r>
+              <a:rPr lang="de-DE" dirty="0"/>
+              <a:t>https://docs.gitlab.com/ee/user/clusters/agent/</a:t>
             </a:r>
           </a:p>
         </p:txBody>
@@ -2497,7 +2439,7 @@
             <a:fld id="{18182567-388C-4D33-8B7B-A651F195F118}" type="slidenum">
               <a:rPr lang="de-DE" altLang="de-DE" smtClean="0"/>
               <a:pPr/>
-              <a:t>23</a:t>
+              <a:t>21</a:t>
             </a:fld>
             <a:endParaRPr lang="de-DE" altLang="de-DE"/>
           </a:p>
@@ -2506,7 +2448,7 @@
     </p:spTree>
     <p:extLst>
       <p:ext uri="{BB962C8B-B14F-4D97-AF65-F5344CB8AC3E}">
-        <p14:creationId xmlns:p14="http://schemas.microsoft.com/office/powerpoint/2010/main" val="3525946719"/>
+        <p14:creationId xmlns:p14="http://schemas.microsoft.com/office/powerpoint/2010/main" val="3998937363"/>
       </p:ext>
     </p:extLst>
   </p:cSld>
@@ -2560,6 +2502,29 @@
           <a:bodyPr/>
           <a:lstStyle/>
           <a:p>
+            <a:r>
+              <a:rPr lang="de-DE" dirty="0"/>
+              <a:t>Quelle</a:t>
+            </a:r>
+          </a:p>
+          <a:p>
+            <a:r>
+              <a:rPr lang="de-DE" dirty="0"/>
+              <a:t>Imgflip.com</a:t>
+            </a:r>
+          </a:p>
+          <a:p>
+            <a:endParaRPr lang="de-DE" dirty="0"/>
+          </a:p>
+          <a:p>
+            <a:r>
+              <a:rPr lang="de-DE" dirty="0"/>
+              <a:t>Side </a:t>
+            </a:r>
+            <a:r>
+              <a:rPr lang="de-DE" dirty="0" err="1"/>
+              <a:t>car</a:t>
+            </a:r>
             <a:endParaRPr lang="de-DE" dirty="0"/>
           </a:p>
         </p:txBody>
@@ -2582,7 +2547,7 @@
             <a:fld id="{18182567-388C-4D33-8B7B-A651F195F118}" type="slidenum">
               <a:rPr lang="de-DE" altLang="de-DE" smtClean="0"/>
               <a:pPr/>
-              <a:t>24</a:t>
+              <a:t>22</a:t>
             </a:fld>
             <a:endParaRPr lang="de-DE" altLang="de-DE"/>
           </a:p>
@@ -2591,7 +2556,7 @@
     </p:spTree>
     <p:extLst>
       <p:ext uri="{BB962C8B-B14F-4D97-AF65-F5344CB8AC3E}">
-        <p14:creationId xmlns:p14="http://schemas.microsoft.com/office/powerpoint/2010/main" val="2745888912"/>
+        <p14:creationId xmlns:p14="http://schemas.microsoft.com/office/powerpoint/2010/main" val="1749284629"/>
       </p:ext>
     </p:extLst>
   </p:cSld>
@@ -2646,250 +2611,8 @@
           <a:lstStyle/>
           <a:p>
             <a:r>
-              <a:rPr lang="de-DE" dirty="0" err="1"/>
-              <a:t>Infra</a:t>
-            </a:r>
-            <a:r>
               <a:rPr lang="de-DE" dirty="0"/>
-              <a:t> </a:t>
-            </a:r>
-            <a:r>
-              <a:rPr lang="de-DE" dirty="0" err="1"/>
-              <a:t>operator</a:t>
-            </a:r>
-            <a:endParaRPr lang="de-DE" dirty="0"/>
-          </a:p>
-          <a:p>
-            <a:r>
-              <a:rPr lang="de-DE" dirty="0"/>
-              <a:t>- stellt die deklarativen </a:t>
-            </a:r>
-            <a:r>
-              <a:rPr lang="de-DE" dirty="0" err="1"/>
-              <a:t>beschreibungen</a:t>
-            </a:r>
-            <a:r>
-              <a:rPr lang="de-DE" dirty="0"/>
-              <a:t> für </a:t>
-            </a:r>
-            <a:r>
-              <a:rPr lang="de-DE" dirty="0" err="1"/>
-              <a:t>infrastruktur</a:t>
-            </a:r>
-            <a:r>
-              <a:rPr lang="de-DE" dirty="0"/>
-              <a:t> bereit</a:t>
-            </a:r>
-          </a:p>
-          <a:p>
-            <a:r>
-              <a:rPr lang="de-DE" dirty="0"/>
-              <a:t>- sogenannte Custom </a:t>
-            </a:r>
-            <a:r>
-              <a:rPr lang="de-DE" dirty="0" err="1"/>
-              <a:t>Resource</a:t>
-            </a:r>
-            <a:r>
-              <a:rPr lang="de-DE" dirty="0"/>
-              <a:t> (CR) </a:t>
-            </a:r>
-            <a:r>
-              <a:rPr lang="de-DE" dirty="0" err="1"/>
-              <a:t>definitions</a:t>
-            </a:r>
-            <a:endParaRPr lang="de-DE" dirty="0"/>
-          </a:p>
-          <a:p>
-            <a:r>
-              <a:rPr lang="de-DE" dirty="0"/>
-              <a:t>- auf diese CRs </a:t>
-            </a:r>
-            <a:r>
-              <a:rPr lang="de-DE" dirty="0" err="1"/>
-              <a:t>watched</a:t>
-            </a:r>
-            <a:r>
-              <a:rPr lang="de-DE" dirty="0"/>
-              <a:t> der Infra-Operator beim API-Server</a:t>
-            </a:r>
-          </a:p>
-          <a:p>
-            <a:endParaRPr lang="de-DE" dirty="0"/>
-          </a:p>
-          <a:p>
-            <a:r>
-              <a:rPr lang="de-DE" dirty="0"/>
-              <a:t>Kube-Controller bleibt? Nein. </a:t>
-            </a:r>
-            <a:r>
-              <a:rPr lang="de-DE" dirty="0" err="1"/>
-              <a:t>GitOps</a:t>
-            </a:r>
-            <a:r>
-              <a:rPr lang="de-DE" dirty="0"/>
-              <a:t>-Operator/Controller!</a:t>
-            </a:r>
-          </a:p>
-          <a:p>
-            <a:endParaRPr lang="de-DE" dirty="0"/>
-          </a:p>
-          <a:p>
-            <a:r>
-              <a:rPr lang="de-DE" dirty="0" err="1"/>
-              <a:t>GitOps</a:t>
-            </a:r>
-            <a:r>
-              <a:rPr lang="de-DE" dirty="0"/>
-              <a:t>-Operator</a:t>
-            </a:r>
-          </a:p>
-          <a:p>
-            <a:r>
-              <a:rPr lang="de-DE" dirty="0"/>
-              <a:t>- pullt aus dem Cloud-Infrastruktur-Repo (</a:t>
-            </a:r>
-            <a:r>
-              <a:rPr lang="de-DE" dirty="0" err="1"/>
-              <a:t>git</a:t>
-            </a:r>
-            <a:r>
-              <a:rPr lang="de-DE" dirty="0"/>
-              <a:t>)</a:t>
-            </a:r>
-          </a:p>
-          <a:p>
-            <a:r>
-              <a:rPr lang="de-DE" dirty="0"/>
-              <a:t>- dann werden die </a:t>
-            </a:r>
-            <a:r>
-              <a:rPr lang="de-DE" dirty="0" err="1"/>
-              <a:t>resourcen</a:t>
-            </a:r>
-            <a:r>
-              <a:rPr lang="de-DE" dirty="0"/>
-              <a:t> auf den API-Server </a:t>
-            </a:r>
-            <a:r>
-              <a:rPr lang="de-DE" dirty="0" err="1"/>
-              <a:t>applied</a:t>
-            </a:r>
-            <a:endParaRPr lang="de-DE" dirty="0"/>
-          </a:p>
-          <a:p>
-            <a:r>
-              <a:rPr lang="de-DE" dirty="0"/>
-              <a:t>- und von dort aus geht es dann zum Infra-Operator und dieser setzt die (ggf. neuen) CRs dann um</a:t>
-            </a:r>
-          </a:p>
-          <a:p>
-            <a:endParaRPr lang="de-DE" dirty="0"/>
-          </a:p>
-          <a:p>
-            <a:r>
-              <a:rPr lang="de-DE" dirty="0" err="1"/>
-              <a:t>Infra</a:t>
-            </a:r>
-            <a:r>
-              <a:rPr lang="de-DE" dirty="0"/>
-              <a:t> Operator</a:t>
-            </a:r>
-          </a:p>
-          <a:p>
-            <a:r>
-              <a:rPr lang="de-DE" dirty="0"/>
-              <a:t>- umsetzen in irgendeine Cloud Plattform (= </a:t>
-            </a:r>
-            <a:r>
-              <a:rPr lang="de-DE" dirty="0" err="1"/>
-              <a:t>Infra</a:t>
-            </a:r>
-            <a:r>
-              <a:rPr lang="de-DE" dirty="0"/>
-              <a:t> </a:t>
-            </a:r>
-            <a:r>
-              <a:rPr lang="de-DE" dirty="0" err="1"/>
-              <a:t>providers</a:t>
-            </a:r>
-            <a:r>
-              <a:rPr lang="de-DE" dirty="0"/>
-              <a:t> oder auch „bare </a:t>
-            </a:r>
-            <a:r>
-              <a:rPr lang="de-DE" dirty="0" err="1"/>
-              <a:t>metal</a:t>
-            </a:r>
-            <a:r>
-              <a:rPr lang="de-DE" dirty="0"/>
-              <a:t>“ also physischer Server </a:t>
-            </a:r>
-            <a:r>
-              <a:rPr lang="de-DE" dirty="0">
-                <a:sym typeface="Wingdings" panose="05000000000000000000" pitchFamily="2" charset="2"/>
-              </a:rPr>
-              <a:t></a:t>
-            </a:r>
-            <a:r>
-              <a:rPr lang="de-DE" dirty="0"/>
-              <a:t>)</a:t>
-            </a:r>
-          </a:p>
-          <a:p>
-            <a:endParaRPr lang="de-DE" dirty="0"/>
-          </a:p>
-          <a:p>
-            <a:r>
-              <a:rPr lang="de-DE" dirty="0"/>
-              <a:t>Am „Ende“ haben wir dann unsere Target Cluster</a:t>
-            </a:r>
-          </a:p>
-          <a:p>
-            <a:r>
-              <a:rPr lang="de-DE" dirty="0"/>
-              <a:t>Und auf diese kann der </a:t>
-            </a:r>
-            <a:r>
-              <a:rPr lang="de-DE" dirty="0" err="1"/>
-              <a:t>GitOps</a:t>
-            </a:r>
-            <a:r>
-              <a:rPr lang="de-DE" dirty="0"/>
-              <a:t>-Operator auch Anwendungen/Software deployen</a:t>
-            </a:r>
-          </a:p>
-          <a:p>
-            <a:endParaRPr lang="de-DE" dirty="0"/>
-          </a:p>
-          <a:p>
-            <a:endParaRPr lang="de-DE" dirty="0"/>
-          </a:p>
-          <a:p>
-            <a:endParaRPr lang="de-DE" dirty="0"/>
-          </a:p>
-          <a:p>
-            <a:r>
-              <a:rPr lang="de-DE" dirty="0" err="1"/>
-              <a:t>Infra</a:t>
-            </a:r>
-            <a:r>
-              <a:rPr lang="de-DE" dirty="0"/>
-              <a:t> </a:t>
-            </a:r>
-            <a:r>
-              <a:rPr lang="de-DE" dirty="0" err="1"/>
-              <a:t>operator</a:t>
-            </a:r>
-            <a:r>
-              <a:rPr lang="de-DE" dirty="0"/>
-              <a:t>…?</a:t>
-            </a:r>
-          </a:p>
-          <a:p>
-            <a:r>
-              <a:rPr lang="de-DE" dirty="0"/>
-              <a:t>https://github.com/openstack-k8s-operators/infra-operator</a:t>
+              <a:t>https://kubernetes.io/docs/concepts/workloads/pods/sidecar-containers/</a:t>
             </a:r>
           </a:p>
         </p:txBody>
@@ -2912,7 +2635,7 @@
             <a:fld id="{18182567-388C-4D33-8B7B-A651F195F118}" type="slidenum">
               <a:rPr lang="de-DE" altLang="de-DE" smtClean="0"/>
               <a:pPr/>
-              <a:t>25</a:t>
+              <a:t>23</a:t>
             </a:fld>
             <a:endParaRPr lang="de-DE" altLang="de-DE"/>
           </a:p>
@@ -2921,7 +2644,7 @@
     </p:spTree>
     <p:extLst>
       <p:ext uri="{BB962C8B-B14F-4D97-AF65-F5344CB8AC3E}">
-        <p14:creationId xmlns:p14="http://schemas.microsoft.com/office/powerpoint/2010/main" val="1843041313"/>
+        <p14:creationId xmlns:p14="http://schemas.microsoft.com/office/powerpoint/2010/main" val="3525946719"/>
       </p:ext>
     </p:extLst>
   </p:cSld>
@@ -2975,21 +2698,6 @@
           <a:bodyPr/>
           <a:lstStyle/>
           <a:p>
-            <a:r>
-              <a:rPr lang="de-DE" dirty="0"/>
-              <a:t>Quelle Bild:</a:t>
-            </a:r>
-          </a:p>
-          <a:p>
-            <a:r>
-              <a:rPr lang="de-DE" dirty="0"/>
-              <a:t>https://www.hosteurope.de/blog/exx-gitops-eine-einfuehrung-in-cloud-native-continuous-delivery/</a:t>
-            </a:r>
-          </a:p>
-          <a:p>
-            <a:endParaRPr lang="de-DE" dirty="0"/>
-          </a:p>
-          <a:p>
             <a:endParaRPr lang="de-DE" dirty="0"/>
           </a:p>
         </p:txBody>
@@ -3012,7 +2720,7 @@
             <a:fld id="{18182567-388C-4D33-8B7B-A651F195F118}" type="slidenum">
               <a:rPr lang="de-DE" altLang="de-DE" smtClean="0"/>
               <a:pPr/>
-              <a:t>28</a:t>
+              <a:t>24</a:t>
             </a:fld>
             <a:endParaRPr lang="de-DE" altLang="de-DE"/>
           </a:p>
@@ -3021,7 +2729,7 @@
     </p:spTree>
     <p:extLst>
       <p:ext uri="{BB962C8B-B14F-4D97-AF65-F5344CB8AC3E}">
-        <p14:creationId xmlns:p14="http://schemas.microsoft.com/office/powerpoint/2010/main" val="2430538478"/>
+        <p14:creationId xmlns:p14="http://schemas.microsoft.com/office/powerpoint/2010/main" val="2745888912"/>
       </p:ext>
     </p:extLst>
   </p:cSld>
@@ -3075,10 +2783,7 @@
           <a:bodyPr/>
           <a:lstStyle/>
           <a:p>
-            <a:r>
-              <a:rPr lang="de-DE" dirty="0"/>
-              <a:t>Quelle: https://about.gitlab.com/topics/gitops/</a:t>
-            </a:r>
+            <a:endParaRPr lang="de-DE" dirty="0"/>
           </a:p>
         </p:txBody>
       </p:sp>
@@ -3100,7 +2805,7 @@
             <a:fld id="{18182567-388C-4D33-8B7B-A651F195F118}" type="slidenum">
               <a:rPr lang="de-DE" altLang="de-DE" smtClean="0"/>
               <a:pPr/>
-              <a:t>6</a:t>
+              <a:t>4</a:t>
             </a:fld>
             <a:endParaRPr lang="de-DE" altLang="de-DE"/>
           </a:p>
@@ -3109,7 +2814,7 @@
     </p:spTree>
     <p:extLst>
       <p:ext uri="{BB962C8B-B14F-4D97-AF65-F5344CB8AC3E}">
-        <p14:creationId xmlns:p14="http://schemas.microsoft.com/office/powerpoint/2010/main" val="3428053153"/>
+        <p14:creationId xmlns:p14="http://schemas.microsoft.com/office/powerpoint/2010/main" val="599488399"/>
       </p:ext>
     </p:extLst>
   </p:cSld>
@@ -3164,21 +2869,251 @@
           <a:lstStyle/>
           <a:p>
             <a:r>
+              <a:rPr lang="de-DE" dirty="0" err="1"/>
+              <a:t>Infra</a:t>
+            </a:r>
+            <a:r>
               <a:rPr lang="de-DE" dirty="0"/>
-              <a:t>Quelle Bild:</a:t>
-            </a:r>
+              <a:t> </a:t>
+            </a:r>
+            <a:r>
+              <a:rPr lang="de-DE" dirty="0" err="1"/>
+              <a:t>operator</a:t>
+            </a:r>
+            <a:endParaRPr lang="de-DE" dirty="0"/>
           </a:p>
           <a:p>
             <a:r>
               <a:rPr lang="de-DE" dirty="0"/>
-              <a:t>https://www.hosteurope.de/blog/exx-gitops-eine-einfuehrung-in-cloud-native-continuous-delivery/</a:t>
-            </a:r>
-          </a:p>
-          <a:p>
+              <a:t>- stellt die deklarativen </a:t>
+            </a:r>
+            <a:r>
+              <a:rPr lang="de-DE" dirty="0" err="1"/>
+              <a:t>beschreibungen</a:t>
+            </a:r>
+            <a:r>
+              <a:rPr lang="de-DE" dirty="0"/>
+              <a:t> für </a:t>
+            </a:r>
+            <a:r>
+              <a:rPr lang="de-DE" dirty="0" err="1"/>
+              <a:t>infrastruktur</a:t>
+            </a:r>
+            <a:r>
+              <a:rPr lang="de-DE" dirty="0"/>
+              <a:t> bereit</a:t>
+            </a:r>
+          </a:p>
+          <a:p>
+            <a:r>
+              <a:rPr lang="de-DE" dirty="0"/>
+              <a:t>- sogenannte Custom </a:t>
+            </a:r>
+            <a:r>
+              <a:rPr lang="de-DE" dirty="0" err="1"/>
+              <a:t>Resource</a:t>
+            </a:r>
+            <a:r>
+              <a:rPr lang="de-DE" dirty="0"/>
+              <a:t> (CR) </a:t>
+            </a:r>
+            <a:r>
+              <a:rPr lang="de-DE" dirty="0" err="1"/>
+              <a:t>definitions</a:t>
+            </a:r>
             <a:endParaRPr lang="de-DE" dirty="0"/>
           </a:p>
           <a:p>
+            <a:r>
+              <a:rPr lang="de-DE" dirty="0"/>
+              <a:t>- auf diese CRs </a:t>
+            </a:r>
+            <a:r>
+              <a:rPr lang="de-DE" dirty="0" err="1"/>
+              <a:t>watched</a:t>
+            </a:r>
+            <a:r>
+              <a:rPr lang="de-DE" dirty="0"/>
+              <a:t> der Infra-Operator beim API-Server</a:t>
+            </a:r>
+          </a:p>
+          <a:p>
             <a:endParaRPr lang="de-DE" dirty="0"/>
+          </a:p>
+          <a:p>
+            <a:r>
+              <a:rPr lang="de-DE" dirty="0"/>
+              <a:t>Kube-Controller bleibt? Nein. </a:t>
+            </a:r>
+            <a:r>
+              <a:rPr lang="de-DE" dirty="0" err="1"/>
+              <a:t>GitOps</a:t>
+            </a:r>
+            <a:r>
+              <a:rPr lang="de-DE" dirty="0"/>
+              <a:t>-Operator/Controller!</a:t>
+            </a:r>
+          </a:p>
+          <a:p>
+            <a:endParaRPr lang="de-DE" dirty="0"/>
+          </a:p>
+          <a:p>
+            <a:r>
+              <a:rPr lang="de-DE" dirty="0" err="1"/>
+              <a:t>GitOps</a:t>
+            </a:r>
+            <a:r>
+              <a:rPr lang="de-DE" dirty="0"/>
+              <a:t>-Operator</a:t>
+            </a:r>
+          </a:p>
+          <a:p>
+            <a:r>
+              <a:rPr lang="de-DE" dirty="0"/>
+              <a:t>- pullt aus dem Cloud-Infrastruktur-Repo (</a:t>
+            </a:r>
+            <a:r>
+              <a:rPr lang="de-DE" dirty="0" err="1"/>
+              <a:t>git</a:t>
+            </a:r>
+            <a:r>
+              <a:rPr lang="de-DE" dirty="0"/>
+              <a:t>)</a:t>
+            </a:r>
+          </a:p>
+          <a:p>
+            <a:r>
+              <a:rPr lang="de-DE" dirty="0"/>
+              <a:t>- dann werden die </a:t>
+            </a:r>
+            <a:r>
+              <a:rPr lang="de-DE" dirty="0" err="1"/>
+              <a:t>resourcen</a:t>
+            </a:r>
+            <a:r>
+              <a:rPr lang="de-DE" dirty="0"/>
+              <a:t> auf den API-Server </a:t>
+            </a:r>
+            <a:r>
+              <a:rPr lang="de-DE" dirty="0" err="1"/>
+              <a:t>applied</a:t>
+            </a:r>
+            <a:endParaRPr lang="de-DE" dirty="0"/>
+          </a:p>
+          <a:p>
+            <a:r>
+              <a:rPr lang="de-DE" dirty="0"/>
+              <a:t>- und von dort aus geht es dann zum Infra-Operator und dieser setzt die (ggf. neuen) CRs dann um</a:t>
+            </a:r>
+          </a:p>
+          <a:p>
+            <a:endParaRPr lang="de-DE" dirty="0"/>
+          </a:p>
+          <a:p>
+            <a:r>
+              <a:rPr lang="de-DE" dirty="0" err="1"/>
+              <a:t>Infra</a:t>
+            </a:r>
+            <a:r>
+              <a:rPr lang="de-DE" dirty="0"/>
+              <a:t> Operator</a:t>
+            </a:r>
+          </a:p>
+          <a:p>
+            <a:r>
+              <a:rPr lang="de-DE" dirty="0"/>
+              <a:t>- umsetzen in irgendeine Cloud Plattform (= </a:t>
+            </a:r>
+            <a:r>
+              <a:rPr lang="de-DE" dirty="0" err="1"/>
+              <a:t>Infra</a:t>
+            </a:r>
+            <a:r>
+              <a:rPr lang="de-DE" dirty="0"/>
+              <a:t> </a:t>
+            </a:r>
+            <a:r>
+              <a:rPr lang="de-DE" dirty="0" err="1"/>
+              <a:t>providers</a:t>
+            </a:r>
+            <a:r>
+              <a:rPr lang="de-DE" dirty="0"/>
+              <a:t> oder auch „bare </a:t>
+            </a:r>
+            <a:r>
+              <a:rPr lang="de-DE" dirty="0" err="1"/>
+              <a:t>metal</a:t>
+            </a:r>
+            <a:r>
+              <a:rPr lang="de-DE" dirty="0"/>
+              <a:t>“ also physischer Server </a:t>
+            </a:r>
+            <a:r>
+              <a:rPr lang="de-DE" dirty="0">
+                <a:sym typeface="Wingdings" panose="05000000000000000000" pitchFamily="2" charset="2"/>
+              </a:rPr>
+              <a:t></a:t>
+            </a:r>
+            <a:r>
+              <a:rPr lang="de-DE" dirty="0"/>
+              <a:t>)</a:t>
+            </a:r>
+          </a:p>
+          <a:p>
+            <a:endParaRPr lang="de-DE" dirty="0"/>
+          </a:p>
+          <a:p>
+            <a:r>
+              <a:rPr lang="de-DE" dirty="0"/>
+              <a:t>Am „Ende“ haben wir dann unsere Target Cluster</a:t>
+            </a:r>
+          </a:p>
+          <a:p>
+            <a:r>
+              <a:rPr lang="de-DE" dirty="0"/>
+              <a:t>Und auf diese kann der </a:t>
+            </a:r>
+            <a:r>
+              <a:rPr lang="de-DE" dirty="0" err="1"/>
+              <a:t>GitOps</a:t>
+            </a:r>
+            <a:r>
+              <a:rPr lang="de-DE" dirty="0"/>
+              <a:t>-Operator auch Anwendungen/Software deployen</a:t>
+            </a:r>
+          </a:p>
+          <a:p>
+            <a:endParaRPr lang="de-DE" dirty="0"/>
+          </a:p>
+          <a:p>
+            <a:endParaRPr lang="de-DE" dirty="0"/>
+          </a:p>
+          <a:p>
+            <a:endParaRPr lang="de-DE" dirty="0"/>
+          </a:p>
+          <a:p>
+            <a:r>
+              <a:rPr lang="de-DE" dirty="0" err="1"/>
+              <a:t>Infra</a:t>
+            </a:r>
+            <a:r>
+              <a:rPr lang="de-DE" dirty="0"/>
+              <a:t> </a:t>
+            </a:r>
+            <a:r>
+              <a:rPr lang="de-DE" dirty="0" err="1"/>
+              <a:t>operator</a:t>
+            </a:r>
+            <a:r>
+              <a:rPr lang="de-DE" dirty="0"/>
+              <a:t>…?</a:t>
+            </a:r>
+          </a:p>
+          <a:p>
+            <a:r>
+              <a:rPr lang="de-DE" dirty="0"/>
+              <a:t>https://github.com/openstack-k8s-operators/infra-operator</a:t>
+            </a:r>
           </a:p>
         </p:txBody>
       </p:sp>
@@ -3200,7 +3135,7 @@
             <a:fld id="{18182567-388C-4D33-8B7B-A651F195F118}" type="slidenum">
               <a:rPr lang="de-DE" altLang="de-DE" smtClean="0"/>
               <a:pPr/>
-              <a:t>29</a:t>
+              <a:t>25</a:t>
             </a:fld>
             <a:endParaRPr lang="de-DE" altLang="de-DE"/>
           </a:p>
@@ -3209,7 +3144,7 @@
     </p:spTree>
     <p:extLst>
       <p:ext uri="{BB962C8B-B14F-4D97-AF65-F5344CB8AC3E}">
-        <p14:creationId xmlns:p14="http://schemas.microsoft.com/office/powerpoint/2010/main" val="186718501"/>
+        <p14:creationId xmlns:p14="http://schemas.microsoft.com/office/powerpoint/2010/main" val="1843041313"/>
       </p:ext>
     </p:extLst>
   </p:cSld>
@@ -3265,101 +3200,20 @@
           <a:p>
             <a:r>
               <a:rPr lang="de-DE" dirty="0"/>
-              <a:t>Es gibt bei </a:t>
-            </a:r>
-            <a:r>
-              <a:rPr lang="de-DE" dirty="0" err="1"/>
-              <a:t>GitOps</a:t>
-            </a:r>
+              <a:t>Quelle Bild:</a:t>
+            </a:r>
+          </a:p>
+          <a:p>
             <a:r>
               <a:rPr lang="de-DE" dirty="0"/>
-              <a:t> Operator die Möglichkeit, dass man den Operator automatisierte </a:t>
-            </a:r>
-            <a:r>
-              <a:rPr lang="de-DE" dirty="0" err="1"/>
-              <a:t>updates</a:t>
-            </a:r>
-            <a:r>
-              <a:rPr lang="de-DE" dirty="0"/>
-              <a:t> machen lässt</a:t>
-            </a:r>
-          </a:p>
-          <a:p>
-            <a:r>
-              <a:rPr lang="de-DE" dirty="0"/>
-              <a:t>- </a:t>
-            </a:r>
-            <a:r>
-              <a:rPr lang="de-DE" dirty="0" err="1"/>
-              <a:t>operator</a:t>
-            </a:r>
-            <a:r>
-              <a:rPr lang="de-DE" dirty="0"/>
-              <a:t> kann auf die </a:t>
-            </a:r>
-            <a:r>
-              <a:rPr lang="de-DE" dirty="0" err="1"/>
-              <a:t>container</a:t>
-            </a:r>
-            <a:r>
-              <a:rPr lang="de-DE" dirty="0"/>
-              <a:t> </a:t>
-            </a:r>
-            <a:r>
-              <a:rPr lang="de-DE" dirty="0" err="1"/>
-              <a:t>registry</a:t>
-            </a:r>
-            <a:r>
-              <a:rPr lang="de-DE" dirty="0"/>
-              <a:t> horchen (daher das +</a:t>
-            </a:r>
-            <a:r>
-              <a:rPr lang="de-DE" dirty="0" err="1"/>
-              <a:t>watch</a:t>
-            </a:r>
-            <a:r>
-              <a:rPr lang="de-DE" dirty="0"/>
-              <a:t>)</a:t>
-            </a:r>
-          </a:p>
-          <a:p>
-            <a:r>
-              <a:rPr lang="de-DE" dirty="0"/>
-              <a:t>- und danach dann das </a:t>
-            </a:r>
-            <a:r>
-              <a:rPr lang="de-DE" dirty="0" err="1"/>
-              <a:t>image</a:t>
-            </a:r>
-            <a:r>
-              <a:rPr lang="de-DE" dirty="0"/>
-              <a:t> zurück in </a:t>
-            </a:r>
-            <a:r>
-              <a:rPr lang="de-DE" dirty="0" err="1"/>
-              <a:t>git</a:t>
-            </a:r>
-            <a:r>
-              <a:rPr lang="de-DE" dirty="0"/>
-              <a:t> spielen (daher das +push)</a:t>
+              <a:t>https://www.hosteurope.de/blog/exx-gitops-eine-einfuehrung-in-cloud-native-continuous-delivery/</a:t>
             </a:r>
           </a:p>
           <a:p>
             <a:endParaRPr lang="de-DE" dirty="0"/>
           </a:p>
           <a:p>
-            <a:r>
-              <a:rPr lang="de-DE" dirty="0"/>
-              <a:t>Argo und </a:t>
-            </a:r>
-            <a:r>
-              <a:rPr lang="de-DE" dirty="0" err="1"/>
-              <a:t>Flux</a:t>
-            </a:r>
-            <a:r>
-              <a:rPr lang="de-DE" dirty="0"/>
-              <a:t> haben jeweils Konstrukte dafür. Hier eig. Nicht weiter relevant.</a:t>
-            </a:r>
+            <a:endParaRPr lang="de-DE" dirty="0"/>
           </a:p>
         </p:txBody>
       </p:sp>
@@ -3381,7 +3235,7 @@
             <a:fld id="{18182567-388C-4D33-8B7B-A651F195F118}" type="slidenum">
               <a:rPr lang="de-DE" altLang="de-DE" smtClean="0"/>
               <a:pPr/>
-              <a:t>30</a:t>
+              <a:t>28</a:t>
             </a:fld>
             <a:endParaRPr lang="de-DE" altLang="de-DE"/>
           </a:p>
@@ -3390,7 +3244,7 @@
     </p:spTree>
     <p:extLst>
       <p:ext uri="{BB962C8B-B14F-4D97-AF65-F5344CB8AC3E}">
-        <p14:creationId xmlns:p14="http://schemas.microsoft.com/office/powerpoint/2010/main" val="2158994840"/>
+        <p14:creationId xmlns:p14="http://schemas.microsoft.com/office/powerpoint/2010/main" val="2430538478"/>
       </p:ext>
     </p:extLst>
   </p:cSld>
@@ -3445,224 +3299,14 @@
           <a:lstStyle/>
           <a:p>
             <a:r>
-              <a:rPr lang="de-DE" dirty="0" err="1"/>
-              <a:t>GitOps</a:t>
-            </a:r>
-            <a:r>
               <a:rPr lang="de-DE" dirty="0"/>
-              <a:t> Tools: Infrastruktur (</a:t>
-            </a:r>
-            <a:r>
-              <a:rPr lang="de-DE" dirty="0" err="1"/>
-              <a:t>IaC</a:t>
-            </a:r>
+              <a:t>Quelle Bild:</a:t>
+            </a:r>
+          </a:p>
+          <a:p>
             <a:r>
               <a:rPr lang="de-DE" dirty="0"/>
-              <a:t>) in ein separates Repo!</a:t>
-            </a:r>
-          </a:p>
-          <a:p>
-            <a:endParaRPr lang="de-DE" dirty="0"/>
-          </a:p>
-          <a:p>
-            <a:r>
-              <a:rPr lang="de-DE" dirty="0"/>
-              <a:t>https://argo-cd.readthedocs.io/en/stable/user-guide/best_practices/</a:t>
-            </a:r>
-          </a:p>
-          <a:p>
-            <a:endParaRPr lang="de-DE" dirty="0"/>
-          </a:p>
-          <a:p>
-            <a:pPr algn="l"/>
-            <a:r>
-              <a:rPr lang="en-US" b="0" i="0" dirty="0">
-                <a:effectLst/>
-                <a:latin typeface="Work Sans" pitchFamily="2" charset="0"/>
-              </a:rPr>
-              <a:t>Best Practices</a:t>
-            </a:r>
-            <a:endParaRPr lang="en-US" b="0" i="0" u="none" strike="noStrike" dirty="0">
-              <a:effectLst/>
-              <a:latin typeface="Work Sans" pitchFamily="2" charset="0"/>
-            </a:endParaRPr>
-          </a:p>
-          <a:p>
-            <a:pPr algn="l"/>
-            <a:endParaRPr lang="en-US" b="0" i="0" dirty="0">
-              <a:effectLst/>
-              <a:latin typeface="Work Sans" pitchFamily="2" charset="0"/>
-            </a:endParaRPr>
-          </a:p>
-          <a:p>
-            <a:pPr algn="l"/>
-            <a:r>
-              <a:rPr lang="en-US" b="0" i="0" dirty="0">
-                <a:effectLst/>
-                <a:latin typeface="Work Sans" pitchFamily="2" charset="0"/>
-              </a:rPr>
-              <a:t>Separating Config Vs. Source Code Repositories</a:t>
-            </a:r>
-            <a:endParaRPr lang="en-US" b="0" i="0" u="none" strike="noStrike" dirty="0">
-              <a:effectLst/>
-              <a:latin typeface="Work Sans" pitchFamily="2" charset="0"/>
-            </a:endParaRPr>
-          </a:p>
-          <a:p>
-            <a:pPr algn="l"/>
-            <a:endParaRPr lang="en-US" b="0" i="0" dirty="0">
-              <a:effectLst/>
-              <a:latin typeface="Work Sans" pitchFamily="2" charset="0"/>
-            </a:endParaRPr>
-          </a:p>
-          <a:p>
-            <a:pPr algn="l"/>
-            <a:r>
-              <a:rPr lang="en-US" b="0" i="0" dirty="0">
-                <a:effectLst/>
-                <a:latin typeface="Work Sans" pitchFamily="2" charset="0"/>
-              </a:rPr>
-              <a:t>Using a separate Git repository to hold your Kubernetes manifests, keeping the config separate from your application source code, is highly recommended for the following reasons:</a:t>
-            </a:r>
-          </a:p>
-          <a:p>
-            <a:pPr algn="l"/>
-            <a:endParaRPr lang="en-US" b="0" i="0" dirty="0">
-              <a:effectLst/>
-              <a:latin typeface="Work Sans" pitchFamily="2" charset="0"/>
-            </a:endParaRPr>
-          </a:p>
-          <a:p>
-            <a:pPr algn="l">
-              <a:buFont typeface="+mj-lt"/>
-              <a:buAutoNum type="arabicPeriod"/>
-            </a:pPr>
-            <a:r>
-              <a:rPr lang="en-US" b="0" i="0" dirty="0">
-                <a:effectLst/>
-                <a:latin typeface="Work Sans" pitchFamily="2" charset="0"/>
-              </a:rPr>
-              <a:t>It provides a clean separation of application code vs. application config. There will be times when you wish to modify just the manifests without triggering an entire CI build. For example, you likely do </a:t>
-            </a:r>
-            <a:r>
-              <a:rPr lang="en-US" b="0" i="1" dirty="0">
-                <a:effectLst/>
-                <a:latin typeface="Work Sans" pitchFamily="2" charset="0"/>
-              </a:rPr>
-              <a:t>not</a:t>
-            </a:r>
-            <a:r>
-              <a:rPr lang="en-US" b="0" i="0" dirty="0">
-                <a:effectLst/>
-                <a:latin typeface="Work Sans" pitchFamily="2" charset="0"/>
-              </a:rPr>
-              <a:t> want to trigger a build if you simply wish to bump the number of replicas in a Deployment spec.</a:t>
-            </a:r>
-          </a:p>
-          <a:p>
-            <a:pPr algn="l">
-              <a:buFont typeface="+mj-lt"/>
-              <a:buAutoNum type="arabicPeriod"/>
-            </a:pPr>
-            <a:endParaRPr lang="en-US" b="0" i="0" dirty="0">
-              <a:effectLst/>
-              <a:latin typeface="Work Sans" pitchFamily="2" charset="0"/>
-            </a:endParaRPr>
-          </a:p>
-          <a:p>
-            <a:pPr algn="l">
-              <a:buFont typeface="+mj-lt"/>
-              <a:buAutoNum type="arabicPeriod"/>
-            </a:pPr>
-            <a:r>
-              <a:rPr lang="en-US" b="0" i="0" dirty="0">
-                <a:effectLst/>
-                <a:latin typeface="Work Sans" pitchFamily="2" charset="0"/>
-              </a:rPr>
-              <a:t>Cleaner audit log. For auditing purposes, a repo which only holds configuration will have a much cleaner Git history of what changes were made, without the noise coming from check-ins due to normal development activity.</a:t>
-            </a:r>
-          </a:p>
-          <a:p>
-            <a:pPr algn="l">
-              <a:buFont typeface="+mj-lt"/>
-              <a:buAutoNum type="arabicPeriod"/>
-            </a:pPr>
-            <a:endParaRPr lang="en-US" b="0" i="0" dirty="0">
-              <a:effectLst/>
-              <a:latin typeface="Work Sans" pitchFamily="2" charset="0"/>
-            </a:endParaRPr>
-          </a:p>
-          <a:p>
-            <a:pPr algn="l">
-              <a:buFont typeface="+mj-lt"/>
-              <a:buAutoNum type="arabicPeriod"/>
-            </a:pPr>
-            <a:r>
-              <a:rPr lang="en-US" b="0" i="0" dirty="0">
-                <a:effectLst/>
-                <a:latin typeface="Work Sans" pitchFamily="2" charset="0"/>
-              </a:rPr>
-              <a:t>Your application may be comprised of services built from multiple Git repositories, but is deployed as a single unit. Oftentimes, microservices applications are comprised of services with different versioning schemes, and release cycles (e.g. ELK, Kafka + </a:t>
-            </a:r>
-            <a:r>
-              <a:rPr lang="en-US" b="0" i="0" dirty="0" err="1">
-                <a:effectLst/>
-                <a:latin typeface="Work Sans" pitchFamily="2" charset="0"/>
-              </a:rPr>
-              <a:t>ZooKeeper</a:t>
-            </a:r>
-            <a:r>
-              <a:rPr lang="en-US" b="0" i="0" dirty="0">
-                <a:effectLst/>
-                <a:latin typeface="Work Sans" pitchFamily="2" charset="0"/>
-              </a:rPr>
-              <a:t>). It may not make sense to store the manifests in one of the source code repositories of a single component.</a:t>
-            </a:r>
-          </a:p>
-          <a:p>
-            <a:pPr algn="l">
-              <a:buFont typeface="+mj-lt"/>
-              <a:buAutoNum type="arabicPeriod"/>
-            </a:pPr>
-            <a:endParaRPr lang="en-US" b="0" i="0" dirty="0">
-              <a:effectLst/>
-              <a:latin typeface="Work Sans" pitchFamily="2" charset="0"/>
-            </a:endParaRPr>
-          </a:p>
-          <a:p>
-            <a:pPr algn="l">
-              <a:buFont typeface="+mj-lt"/>
-              <a:buAutoNum type="arabicPeriod"/>
-            </a:pPr>
-            <a:r>
-              <a:rPr lang="en-US" b="0" i="0" dirty="0">
-                <a:effectLst/>
-                <a:latin typeface="Work Sans" pitchFamily="2" charset="0"/>
-              </a:rPr>
-              <a:t>Separation of access. The developers who are developing the application, may not necessarily be the same people who can/should push to production environments, either intentionally or unintentionally. By having separate repos, commit access can be given to the source code repo, and not the application config repo.</a:t>
-            </a:r>
-          </a:p>
-          <a:p>
-            <a:pPr algn="l">
-              <a:buFont typeface="+mj-lt"/>
-              <a:buAutoNum type="arabicPeriod"/>
-            </a:pPr>
-            <a:endParaRPr lang="en-US" b="0" i="0" dirty="0">
-              <a:effectLst/>
-              <a:latin typeface="Work Sans" pitchFamily="2" charset="0"/>
-            </a:endParaRPr>
-          </a:p>
-          <a:p>
-            <a:pPr algn="l">
-              <a:buFont typeface="+mj-lt"/>
-              <a:buAutoNum type="arabicPeriod"/>
-            </a:pPr>
-            <a:r>
-              <a:rPr lang="en-US" b="0" i="0" dirty="0">
-                <a:effectLst/>
-                <a:latin typeface="Work Sans" pitchFamily="2" charset="0"/>
-              </a:rPr>
-              <a:t>If you are automating your CI pipeline, pushing manifest changes to the same Git repository can trigger an infinite loop of build jobs and Git commit triggers. Having a separate repo to push config changes to, prevents this from happening.</a:t>
+              <a:t>https://www.hosteurope.de/blog/exx-gitops-eine-einfuehrung-in-cloud-native-continuous-delivery/</a:t>
             </a:r>
           </a:p>
           <a:p>
@@ -3691,7 +3335,7 @@
             <a:fld id="{18182567-388C-4D33-8B7B-A651F195F118}" type="slidenum">
               <a:rPr lang="de-DE" altLang="de-DE" smtClean="0"/>
               <a:pPr/>
-              <a:t>31</a:t>
+              <a:t>29</a:t>
             </a:fld>
             <a:endParaRPr lang="de-DE" altLang="de-DE"/>
           </a:p>
@@ -3700,7 +3344,7 @@
     </p:spTree>
     <p:extLst>
       <p:ext uri="{BB962C8B-B14F-4D97-AF65-F5344CB8AC3E}">
-        <p14:creationId xmlns:p14="http://schemas.microsoft.com/office/powerpoint/2010/main" val="1390618214"/>
+        <p14:creationId xmlns:p14="http://schemas.microsoft.com/office/powerpoint/2010/main" val="186718501"/>
       </p:ext>
     </p:extLst>
   </p:cSld>
@@ -3756,91 +3400,41 @@
           <a:p>
             <a:r>
               <a:rPr lang="de-DE" dirty="0"/>
-              <a:t>Vorteile:</a:t>
-            </a:r>
-          </a:p>
-          <a:p>
-            <a:pPr marL="171450" indent="-171450">
-              <a:buFont typeface="Arial" panose="020B0604020202020204" pitchFamily="34" charset="0"/>
-              <a:buChar char="•"/>
-            </a:pPr>
+              <a:t>Es gibt bei </a:t>
+            </a:r>
+            <a:r>
+              <a:rPr lang="de-DE" dirty="0" err="1"/>
+              <a:t>GitOps</a:t>
+            </a:r>
             <a:r>
               <a:rPr lang="de-DE" dirty="0"/>
-              <a:t>Einzelnes Repo für die Entwicklung! (Höhere Effizienz)</a:t>
-            </a:r>
-          </a:p>
-          <a:p>
-            <a:pPr marL="171450" indent="-171450">
-              <a:buFont typeface="Arial" panose="020B0604020202020204" pitchFamily="34" charset="0"/>
-              <a:buChar char="•"/>
-            </a:pPr>
+              <a:t> Operator die Möglichkeit, dass man den Operator automatisierte </a:t>
+            </a:r>
+            <a:r>
+              <a:rPr lang="de-DE" dirty="0" err="1"/>
+              <a:t>updates</a:t>
+            </a:r>
             <a:r>
               <a:rPr lang="de-DE" dirty="0"/>
-              <a:t>Automatisiertes </a:t>
+              <a:t> machen lässt</a:t>
+            </a:r>
+          </a:p>
+          <a:p>
+            <a:r>
+              <a:rPr lang="de-DE" dirty="0"/>
+              <a:t>- </a:t>
             </a:r>
             <a:r>
               <a:rPr lang="de-DE" dirty="0" err="1"/>
-              <a:t>Staging</a:t>
+              <a:t>operator</a:t>
             </a:r>
             <a:r>
               <a:rPr lang="de-DE" dirty="0"/>
-              <a:t> möglich (pull </a:t>
+              <a:t> kann auf die </a:t>
             </a:r>
             <a:r>
               <a:rPr lang="de-DE" dirty="0" err="1"/>
-              <a:t>request</a:t>
-            </a:r>
-            <a:r>
-              <a:rPr lang="de-DE" dirty="0"/>
-              <a:t> Erzeugung, Namespaces)</a:t>
-            </a:r>
-          </a:p>
-          <a:p>
-            <a:pPr marL="171450" indent="-171450">
-              <a:buFont typeface="Arial" panose="020B0604020202020204" pitchFamily="34" charset="0"/>
-              <a:buChar char="•"/>
-            </a:pPr>
-            <a:r>
-              <a:rPr lang="de-DE" dirty="0"/>
-              <a:t>Shift-</a:t>
-            </a:r>
-            <a:r>
-              <a:rPr lang="de-DE" dirty="0" err="1"/>
-              <a:t>Left</a:t>
-            </a:r>
-            <a:r>
-              <a:rPr lang="de-DE" dirty="0"/>
-              <a:t>-Ansatz möglich! (Tests, Lint, Policy Check, ….)</a:t>
-            </a:r>
-          </a:p>
-          <a:p>
-            <a:pPr marL="628650" lvl="1" indent="-171450">
-              <a:buFont typeface="Arial" panose="020B0604020202020204" pitchFamily="34" charset="0"/>
-              <a:buChar char="•"/>
-            </a:pPr>
-            <a:r>
-              <a:rPr lang="de-DE" dirty="0"/>
-              <a:t>mit </a:t>
-            </a:r>
-            <a:r>
-              <a:rPr lang="de-DE" dirty="0" err="1"/>
-              <a:t>yamlint</a:t>
-            </a:r>
-            <a:r>
-              <a:rPr lang="de-DE" dirty="0"/>
-              <a:t>, </a:t>
-            </a:r>
-            <a:r>
-              <a:rPr lang="de-DE" dirty="0" err="1"/>
-              <a:t>kubeval</a:t>
-            </a:r>
-            <a:r>
-              <a:rPr lang="de-DE" dirty="0"/>
-              <a:t>, </a:t>
-            </a:r>
-            <a:r>
-              <a:rPr lang="de-DE" dirty="0" err="1"/>
-              <a:t>helm</a:t>
+              <a:t>container</a:t>
             </a:r>
             <a:r>
               <a:rPr lang="de-DE" dirty="0"/>
@@ -3848,43 +3442,58 @@
             </a:r>
             <a:r>
               <a:rPr lang="de-DE" dirty="0" err="1"/>
-              <a:t>lint</a:t>
+              <a:t>registry</a:t>
             </a:r>
             <a:r>
               <a:rPr lang="de-DE" dirty="0"/>
-              <a:t>, </a:t>
+              <a:t> horchen (daher das +</a:t>
             </a:r>
             <a:r>
               <a:rPr lang="de-DE" dirty="0" err="1"/>
-              <a:t>conftest</a:t>
-            </a:r>
+              <a:t>watch</a:t>
+            </a:r>
+            <a:r>
+              <a:rPr lang="de-DE" dirty="0"/>
+              <a:t>)</a:t>
+            </a:r>
+          </a:p>
+          <a:p>
+            <a:r>
+              <a:rPr lang="de-DE" dirty="0"/>
+              <a:t>- und danach dann das </a:t>
+            </a:r>
+            <a:r>
+              <a:rPr lang="de-DE" dirty="0" err="1"/>
+              <a:t>image</a:t>
+            </a:r>
+            <a:r>
+              <a:rPr lang="de-DE" dirty="0"/>
+              <a:t> zurück in </a:t>
+            </a:r>
+            <a:r>
+              <a:rPr lang="de-DE" dirty="0" err="1"/>
+              <a:t>git</a:t>
+            </a:r>
+            <a:r>
+              <a:rPr lang="de-DE" dirty="0"/>
+              <a:t> spielen (daher das +push)</a:t>
+            </a:r>
+          </a:p>
+          <a:p>
             <a:endParaRPr lang="de-DE" dirty="0"/>
           </a:p>
           <a:p>
-            <a:pPr marL="171450" indent="-171450">
-              <a:buFont typeface="Arial" panose="020B0604020202020204" pitchFamily="34" charset="0"/>
-              <a:buChar char="•"/>
-            </a:pPr>
-            <a:endParaRPr lang="de-DE" dirty="0"/>
-          </a:p>
-          <a:p>
-            <a:pPr marL="0" indent="0">
-              <a:buFont typeface="Arial" panose="020B0604020202020204" pitchFamily="34" charset="0"/>
-              <a:buNone/>
-            </a:pPr>
             <a:r>
               <a:rPr lang="de-DE" dirty="0"/>
-              <a:t>Nachteile:</a:t>
-            </a:r>
-          </a:p>
-          <a:p>
-            <a:pPr marL="171450" indent="-171450">
-              <a:buFont typeface="Arial" panose="020B0604020202020204" pitchFamily="34" charset="0"/>
-              <a:buChar char="•"/>
-            </a:pPr>
+              <a:t>Argo und </a:t>
+            </a:r>
+            <a:r>
+              <a:rPr lang="de-DE" dirty="0" err="1"/>
+              <a:t>Flux</a:t>
+            </a:r>
             <a:r>
               <a:rPr lang="de-DE" dirty="0"/>
-              <a:t>Komplexität steckt im Detail… Oder eben in den CI Pipelines.</a:t>
+              <a:t> haben jeweils Konstrukte dafür. Hier eig. Nicht weiter relevant.</a:t>
             </a:r>
           </a:p>
         </p:txBody>
@@ -3907,7 +3516,7 @@
             <a:fld id="{18182567-388C-4D33-8B7B-A651F195F118}" type="slidenum">
               <a:rPr lang="de-DE" altLang="de-DE" smtClean="0"/>
               <a:pPr/>
-              <a:t>34</a:t>
+              <a:t>30</a:t>
             </a:fld>
             <a:endParaRPr lang="de-DE" altLang="de-DE"/>
           </a:p>
@@ -3916,7 +3525,7 @@
     </p:spTree>
     <p:extLst>
       <p:ext uri="{BB962C8B-B14F-4D97-AF65-F5344CB8AC3E}">
-        <p14:creationId xmlns:p14="http://schemas.microsoft.com/office/powerpoint/2010/main" val="1497522267"/>
+        <p14:creationId xmlns:p14="http://schemas.microsoft.com/office/powerpoint/2010/main" val="2158994840"/>
       </p:ext>
     </p:extLst>
   </p:cSld>
@@ -3971,137 +3580,231 @@
           <a:lstStyle/>
           <a:p>
             <a:r>
+              <a:rPr lang="de-DE" dirty="0" err="1"/>
+              <a:t>GitOps</a:t>
+            </a:r>
+            <a:r>
               <a:rPr lang="de-DE" dirty="0"/>
-              <a:t>Vorteile:</a:t>
-            </a:r>
-          </a:p>
-          <a:p>
-            <a:pPr marL="171450" indent="-171450">
-              <a:buFont typeface="Arial" panose="020B0604020202020204" pitchFamily="34" charset="0"/>
-              <a:buChar char="•"/>
-            </a:pPr>
+              <a:t> Tools: Infrastruktur (</a:t>
+            </a:r>
+            <a:r>
+              <a:rPr lang="de-DE" dirty="0" err="1"/>
+              <a:t>IaC</a:t>
+            </a:r>
             <a:r>
               <a:rPr lang="de-DE" dirty="0"/>
-              <a:t>Einzelnes Repo für die Entwicklung! (Höhere Effizienz)</a:t>
-            </a:r>
-          </a:p>
-          <a:p>
-            <a:pPr marL="171450" indent="-171450">
-              <a:buFont typeface="Arial" panose="020B0604020202020204" pitchFamily="34" charset="0"/>
-              <a:buChar char="•"/>
-            </a:pPr>
+              <a:t>) in ein separates Repo!</a:t>
+            </a:r>
+          </a:p>
+          <a:p>
+            <a:endParaRPr lang="de-DE" dirty="0"/>
+          </a:p>
+          <a:p>
             <a:r>
               <a:rPr lang="de-DE" dirty="0"/>
-              <a:t>Automatisiertes </a:t>
-            </a:r>
-            <a:r>
-              <a:rPr lang="de-DE" dirty="0" err="1"/>
-              <a:t>Staging</a:t>
-            </a:r>
-            <a:r>
-              <a:rPr lang="de-DE" dirty="0"/>
-              <a:t> möglich (pull </a:t>
-            </a:r>
-            <a:r>
-              <a:rPr lang="de-DE" dirty="0" err="1"/>
-              <a:t>request</a:t>
-            </a:r>
-            <a:r>
-              <a:rPr lang="de-DE" dirty="0"/>
-              <a:t> Erzeugung, Namespaces)</a:t>
-            </a:r>
-          </a:p>
-          <a:p>
-            <a:pPr marL="171450" indent="-171450">
-              <a:buFont typeface="Arial" panose="020B0604020202020204" pitchFamily="34" charset="0"/>
-              <a:buChar char="•"/>
-            </a:pPr>
-            <a:r>
-              <a:rPr lang="de-DE" dirty="0"/>
-              <a:t>Shift-</a:t>
-            </a:r>
-            <a:r>
-              <a:rPr lang="de-DE" dirty="0" err="1"/>
-              <a:t>Left</a:t>
-            </a:r>
-            <a:r>
-              <a:rPr lang="de-DE" dirty="0"/>
-              <a:t>-Ansatz möglich! (Tests, Lint, Policy Check, ….)</a:t>
-            </a:r>
-          </a:p>
-          <a:p>
-            <a:pPr marL="628650" lvl="1" indent="-171450">
-              <a:buFont typeface="Arial" panose="020B0604020202020204" pitchFamily="34" charset="0"/>
-              <a:buChar char="•"/>
-            </a:pPr>
-            <a:r>
-              <a:rPr lang="de-DE" dirty="0"/>
-              <a:t>mit </a:t>
-            </a:r>
-            <a:r>
-              <a:rPr lang="de-DE" dirty="0" err="1"/>
-              <a:t>yamlint</a:t>
-            </a:r>
-            <a:r>
-              <a:rPr lang="de-DE" dirty="0"/>
-              <a:t>, </a:t>
-            </a:r>
-            <a:r>
-              <a:rPr lang="de-DE" dirty="0" err="1"/>
-              <a:t>kubeval</a:t>
-            </a:r>
-            <a:r>
-              <a:rPr lang="de-DE" dirty="0"/>
-              <a:t>, </a:t>
-            </a:r>
-            <a:r>
-              <a:rPr lang="de-DE" dirty="0" err="1"/>
-              <a:t>helm</a:t>
-            </a:r>
-            <a:r>
-              <a:rPr lang="de-DE" dirty="0"/>
-              <a:t> </a:t>
-            </a:r>
-            <a:r>
-              <a:rPr lang="de-DE" dirty="0" err="1"/>
-              <a:t>lint</a:t>
-            </a:r>
-            <a:r>
-              <a:rPr lang="de-DE" dirty="0"/>
-              <a:t>, </a:t>
-            </a:r>
-            <a:r>
-              <a:rPr lang="de-DE" dirty="0" err="1"/>
-              <a:t>conftest</a:t>
-            </a:r>
+              <a:t>https://argo-cd.readthedocs.io/en/stable/user-guide/best_practices/</a:t>
+            </a:r>
+          </a:p>
+          <a:p>
             <a:endParaRPr lang="de-DE" dirty="0"/>
           </a:p>
           <a:p>
-            <a:pPr marL="171450" indent="-171450">
-              <a:buFont typeface="Arial" panose="020B0604020202020204" pitchFamily="34" charset="0"/>
-              <a:buChar char="•"/>
-            </a:pPr>
+            <a:pPr algn="l"/>
+            <a:r>
+              <a:rPr lang="en-US" b="0" i="0" dirty="0">
+                <a:effectLst/>
+                <a:latin typeface="Work Sans" pitchFamily="2" charset="0"/>
+              </a:rPr>
+              <a:t>Best Practices</a:t>
+            </a:r>
+            <a:endParaRPr lang="en-US" b="0" i="0" u="none" strike="noStrike" dirty="0">
+              <a:effectLst/>
+              <a:latin typeface="Work Sans" pitchFamily="2" charset="0"/>
+            </a:endParaRPr>
+          </a:p>
+          <a:p>
+            <a:pPr algn="l"/>
+            <a:endParaRPr lang="en-US" b="0" i="0" dirty="0">
+              <a:effectLst/>
+              <a:latin typeface="Work Sans" pitchFamily="2" charset="0"/>
+            </a:endParaRPr>
+          </a:p>
+          <a:p>
+            <a:pPr algn="l"/>
+            <a:r>
+              <a:rPr lang="en-US" b="0" i="0" dirty="0">
+                <a:effectLst/>
+                <a:latin typeface="Work Sans" pitchFamily="2" charset="0"/>
+              </a:rPr>
+              <a:t>Separating Config Vs. Source Code Repositories</a:t>
+            </a:r>
+            <a:endParaRPr lang="en-US" b="0" i="0" u="none" strike="noStrike" dirty="0">
+              <a:effectLst/>
+              <a:latin typeface="Work Sans" pitchFamily="2" charset="0"/>
+            </a:endParaRPr>
+          </a:p>
+          <a:p>
+            <a:pPr algn="l"/>
+            <a:endParaRPr lang="en-US" b="0" i="0" dirty="0">
+              <a:effectLst/>
+              <a:latin typeface="Work Sans" pitchFamily="2" charset="0"/>
+            </a:endParaRPr>
+          </a:p>
+          <a:p>
+            <a:pPr algn="l"/>
+            <a:r>
+              <a:rPr lang="en-US" b="0" i="0" dirty="0">
+                <a:effectLst/>
+                <a:latin typeface="Work Sans" pitchFamily="2" charset="0"/>
+              </a:rPr>
+              <a:t>Using a separate Git repository to hold your Kubernetes manifests, keeping the config separate from your application source code, is highly recommended for the following reasons:</a:t>
+            </a:r>
+          </a:p>
+          <a:p>
+            <a:pPr algn="l"/>
+            <a:endParaRPr lang="en-US" b="0" i="0" dirty="0">
+              <a:effectLst/>
+              <a:latin typeface="Work Sans" pitchFamily="2" charset="0"/>
+            </a:endParaRPr>
+          </a:p>
+          <a:p>
+            <a:pPr algn="l">
+              <a:buFont typeface="+mj-lt"/>
+              <a:buAutoNum type="arabicPeriod"/>
+            </a:pPr>
+            <a:r>
+              <a:rPr lang="en-US" b="0" i="0" dirty="0">
+                <a:effectLst/>
+                <a:latin typeface="Work Sans" pitchFamily="2" charset="0"/>
+              </a:rPr>
+              <a:t>It provides a clean separation of application code vs. application config. There will be times when you wish to modify just the manifests without triggering an entire CI build. For example, you likely do </a:t>
+            </a:r>
+            <a:r>
+              <a:rPr lang="en-US" b="0" i="1" dirty="0">
+                <a:effectLst/>
+                <a:latin typeface="Work Sans" pitchFamily="2" charset="0"/>
+              </a:rPr>
+              <a:t>not</a:t>
+            </a:r>
+            <a:r>
+              <a:rPr lang="en-US" b="0" i="0" dirty="0">
+                <a:effectLst/>
+                <a:latin typeface="Work Sans" pitchFamily="2" charset="0"/>
+              </a:rPr>
+              <a:t> want to trigger a build if you simply wish to bump the number of replicas in a Deployment spec.</a:t>
+            </a:r>
+          </a:p>
+          <a:p>
+            <a:pPr algn="l">
+              <a:buFont typeface="+mj-lt"/>
+              <a:buAutoNum type="arabicPeriod"/>
+            </a:pPr>
+            <a:endParaRPr lang="en-US" b="0" i="0" dirty="0">
+              <a:effectLst/>
+              <a:latin typeface="Work Sans" pitchFamily="2" charset="0"/>
+            </a:endParaRPr>
+          </a:p>
+          <a:p>
+            <a:pPr algn="l">
+              <a:buFont typeface="+mj-lt"/>
+              <a:buAutoNum type="arabicPeriod"/>
+            </a:pPr>
+            <a:r>
+              <a:rPr lang="en-US" b="0" i="0" dirty="0">
+                <a:effectLst/>
+                <a:latin typeface="Work Sans" pitchFamily="2" charset="0"/>
+              </a:rPr>
+              <a:t>Cleaner audit log. For auditing purposes, a repo which only holds configuration will have a much cleaner Git history of what changes were made, without the noise coming from check-ins due to normal development activity.</a:t>
+            </a:r>
+          </a:p>
+          <a:p>
+            <a:pPr algn="l">
+              <a:buFont typeface="+mj-lt"/>
+              <a:buAutoNum type="arabicPeriod"/>
+            </a:pPr>
+            <a:endParaRPr lang="en-US" b="0" i="0" dirty="0">
+              <a:effectLst/>
+              <a:latin typeface="Work Sans" pitchFamily="2" charset="0"/>
+            </a:endParaRPr>
+          </a:p>
+          <a:p>
+            <a:pPr algn="l">
+              <a:buFont typeface="+mj-lt"/>
+              <a:buAutoNum type="arabicPeriod"/>
+            </a:pPr>
+            <a:r>
+              <a:rPr lang="en-US" b="0" i="0" dirty="0">
+                <a:effectLst/>
+                <a:latin typeface="Work Sans" pitchFamily="2" charset="0"/>
+              </a:rPr>
+              <a:t>Your application may be comprised of services built from multiple Git repositories, but is deployed as a single unit. Oftentimes, microservices applications are comprised of services with different versioning schemes, and release cycles (e.g. ELK, Kafka + </a:t>
+            </a:r>
+            <a:r>
+              <a:rPr lang="en-US" b="0" i="0" dirty="0" err="1">
+                <a:effectLst/>
+                <a:latin typeface="Work Sans" pitchFamily="2" charset="0"/>
+              </a:rPr>
+              <a:t>ZooKeeper</a:t>
+            </a:r>
+            <a:r>
+              <a:rPr lang="en-US" b="0" i="0" dirty="0">
+                <a:effectLst/>
+                <a:latin typeface="Work Sans" pitchFamily="2" charset="0"/>
+              </a:rPr>
+              <a:t>). It may not make sense to store the manifests in one of the source code repositories of a single component.</a:t>
+            </a:r>
+          </a:p>
+          <a:p>
+            <a:pPr algn="l">
+              <a:buFont typeface="+mj-lt"/>
+              <a:buAutoNum type="arabicPeriod"/>
+            </a:pPr>
+            <a:endParaRPr lang="en-US" b="0" i="0" dirty="0">
+              <a:effectLst/>
+              <a:latin typeface="Work Sans" pitchFamily="2" charset="0"/>
+            </a:endParaRPr>
+          </a:p>
+          <a:p>
+            <a:pPr algn="l">
+              <a:buFont typeface="+mj-lt"/>
+              <a:buAutoNum type="arabicPeriod"/>
+            </a:pPr>
+            <a:r>
+              <a:rPr lang="en-US" b="0" i="0" dirty="0">
+                <a:effectLst/>
+                <a:latin typeface="Work Sans" pitchFamily="2" charset="0"/>
+              </a:rPr>
+              <a:t>Separation of access. The developers who are developing the application, may not necessarily be the same people who can/should push to production environments, either intentionally or unintentionally. By having separate repos, commit access can be given to the source code repo, and not the application config repo.</a:t>
+            </a:r>
+          </a:p>
+          <a:p>
+            <a:pPr algn="l">
+              <a:buFont typeface="+mj-lt"/>
+              <a:buAutoNum type="arabicPeriod"/>
+            </a:pPr>
+            <a:endParaRPr lang="en-US" b="0" i="0" dirty="0">
+              <a:effectLst/>
+              <a:latin typeface="Work Sans" pitchFamily="2" charset="0"/>
+            </a:endParaRPr>
+          </a:p>
+          <a:p>
+            <a:pPr algn="l">
+              <a:buFont typeface="+mj-lt"/>
+              <a:buAutoNum type="arabicPeriod"/>
+            </a:pPr>
+            <a:r>
+              <a:rPr lang="en-US" b="0" i="0" dirty="0">
+                <a:effectLst/>
+                <a:latin typeface="Work Sans" pitchFamily="2" charset="0"/>
+              </a:rPr>
+              <a:t>If you are automating your CI pipeline, pushing manifest changes to the same Git repository can trigger an infinite loop of build jobs and Git commit triggers. Having a separate repo to push config changes to, prevents this from happening.</a:t>
+            </a:r>
+          </a:p>
+          <a:p>
             <a:endParaRPr lang="de-DE" dirty="0"/>
           </a:p>
           <a:p>
-            <a:pPr marL="0" indent="0">
-              <a:buFont typeface="Arial" panose="020B0604020202020204" pitchFamily="34" charset="0"/>
-              <a:buNone/>
-            </a:pPr>
-            <a:r>
-              <a:rPr lang="de-DE" dirty="0"/>
-              <a:t>Nachteile:</a:t>
-            </a:r>
-          </a:p>
-          <a:p>
-            <a:pPr marL="171450" indent="-171450">
-              <a:buFont typeface="Arial" panose="020B0604020202020204" pitchFamily="34" charset="0"/>
-              <a:buChar char="•"/>
-            </a:pPr>
-            <a:r>
-              <a:rPr lang="de-DE" dirty="0"/>
-              <a:t>Komplexität steckt im Detail… Oder eben in den CI Pipelines.</a:t>
-            </a:r>
+            <a:endParaRPr lang="de-DE" dirty="0"/>
           </a:p>
         </p:txBody>
       </p:sp>
@@ -4123,7 +3826,7 @@
             <a:fld id="{18182567-388C-4D33-8B7B-A651F195F118}" type="slidenum">
               <a:rPr lang="de-DE" altLang="de-DE" smtClean="0"/>
               <a:pPr/>
-              <a:t>35</a:t>
+              <a:t>31</a:t>
             </a:fld>
             <a:endParaRPr lang="de-DE" altLang="de-DE"/>
           </a:p>
@@ -4132,7 +3835,7 @@
     </p:spTree>
     <p:extLst>
       <p:ext uri="{BB962C8B-B14F-4D97-AF65-F5344CB8AC3E}">
-        <p14:creationId xmlns:p14="http://schemas.microsoft.com/office/powerpoint/2010/main" val="2083903176"/>
+        <p14:creationId xmlns:p14="http://schemas.microsoft.com/office/powerpoint/2010/main" val="1390618214"/>
       </p:ext>
     </p:extLst>
   </p:cSld>
@@ -4186,7 +3889,138 @@
           <a:bodyPr/>
           <a:lstStyle/>
           <a:p>
+            <a:r>
+              <a:rPr lang="de-DE" dirty="0"/>
+              <a:t>Vorteile:</a:t>
+            </a:r>
+          </a:p>
+          <a:p>
+            <a:pPr marL="171450" indent="-171450">
+              <a:buFont typeface="Arial" panose="020B0604020202020204" pitchFamily="34" charset="0"/>
+              <a:buChar char="•"/>
+            </a:pPr>
+            <a:r>
+              <a:rPr lang="de-DE" dirty="0"/>
+              <a:t>Einzelnes Repo für die Entwicklung! (Höhere Effizienz)</a:t>
+            </a:r>
+          </a:p>
+          <a:p>
+            <a:pPr marL="171450" indent="-171450">
+              <a:buFont typeface="Arial" panose="020B0604020202020204" pitchFamily="34" charset="0"/>
+              <a:buChar char="•"/>
+            </a:pPr>
+            <a:r>
+              <a:rPr lang="de-DE" dirty="0"/>
+              <a:t>Automatisiertes </a:t>
+            </a:r>
+            <a:r>
+              <a:rPr lang="de-DE" dirty="0" err="1"/>
+              <a:t>Staging</a:t>
+            </a:r>
+            <a:r>
+              <a:rPr lang="de-DE" dirty="0"/>
+              <a:t> möglich (pull </a:t>
+            </a:r>
+            <a:r>
+              <a:rPr lang="de-DE" dirty="0" err="1"/>
+              <a:t>request</a:t>
+            </a:r>
+            <a:r>
+              <a:rPr lang="de-DE" dirty="0"/>
+              <a:t> Erzeugung, Namespaces)</a:t>
+            </a:r>
+          </a:p>
+          <a:p>
+            <a:pPr marL="171450" indent="-171450">
+              <a:buFont typeface="Arial" panose="020B0604020202020204" pitchFamily="34" charset="0"/>
+              <a:buChar char="•"/>
+            </a:pPr>
+            <a:r>
+              <a:rPr lang="de-DE" dirty="0"/>
+              <a:t>Shift-</a:t>
+            </a:r>
+            <a:r>
+              <a:rPr lang="de-DE" dirty="0" err="1"/>
+              <a:t>Left</a:t>
+            </a:r>
+            <a:r>
+              <a:rPr lang="de-DE" dirty="0"/>
+              <a:t>-Ansatz möglich! (Tests, Lint, Policy Check, ….)</a:t>
+            </a:r>
+          </a:p>
+          <a:p>
+            <a:pPr marL="628650" lvl="1" indent="-171450">
+              <a:buFont typeface="Arial" panose="020B0604020202020204" pitchFamily="34" charset="0"/>
+              <a:buChar char="•"/>
+            </a:pPr>
+            <a:r>
+              <a:rPr lang="de-DE" dirty="0"/>
+              <a:t>mit </a:t>
+            </a:r>
+            <a:r>
+              <a:rPr lang="de-DE" dirty="0" err="1"/>
+              <a:t>yamlint</a:t>
+            </a:r>
+            <a:r>
+              <a:rPr lang="de-DE" dirty="0"/>
+              <a:t>, </a:t>
+            </a:r>
+            <a:r>
+              <a:rPr lang="de-DE" dirty="0" err="1"/>
+              <a:t>kubeval</a:t>
+            </a:r>
+            <a:r>
+              <a:rPr lang="de-DE" dirty="0"/>
+              <a:t>, </a:t>
+            </a:r>
+            <a:r>
+              <a:rPr lang="de-DE" dirty="0" err="1"/>
+              <a:t>helm</a:t>
+            </a:r>
+            <a:r>
+              <a:rPr lang="de-DE" dirty="0"/>
+              <a:t> </a:t>
+            </a:r>
+            <a:r>
+              <a:rPr lang="de-DE" dirty="0" err="1"/>
+              <a:t>lint</a:t>
+            </a:r>
+            <a:r>
+              <a:rPr lang="de-DE" dirty="0"/>
+              <a:t>, </a:t>
+            </a:r>
+            <a:r>
+              <a:rPr lang="de-DE" dirty="0" err="1"/>
+              <a:t>conftest</a:t>
+            </a:r>
             <a:endParaRPr lang="de-DE" dirty="0"/>
+          </a:p>
+          <a:p>
+            <a:pPr marL="171450" indent="-171450">
+              <a:buFont typeface="Arial" panose="020B0604020202020204" pitchFamily="34" charset="0"/>
+              <a:buChar char="•"/>
+            </a:pPr>
+            <a:endParaRPr lang="de-DE" dirty="0"/>
+          </a:p>
+          <a:p>
+            <a:pPr marL="0" indent="0">
+              <a:buFont typeface="Arial" panose="020B0604020202020204" pitchFamily="34" charset="0"/>
+              <a:buNone/>
+            </a:pPr>
+            <a:r>
+              <a:rPr lang="de-DE" dirty="0"/>
+              <a:t>Nachteile:</a:t>
+            </a:r>
+          </a:p>
+          <a:p>
+            <a:pPr marL="171450" indent="-171450">
+              <a:buFont typeface="Arial" panose="020B0604020202020204" pitchFamily="34" charset="0"/>
+              <a:buChar char="•"/>
+            </a:pPr>
+            <a:r>
+              <a:rPr lang="de-DE" dirty="0"/>
+              <a:t>Komplexität steckt im Detail… Oder eben in den CI Pipelines.</a:t>
+            </a:r>
           </a:p>
         </p:txBody>
       </p:sp>
@@ -4208,6 +4042,307 @@
             <a:fld id="{18182567-388C-4D33-8B7B-A651F195F118}" type="slidenum">
               <a:rPr lang="de-DE" altLang="de-DE" smtClean="0"/>
               <a:pPr/>
+              <a:t>34</a:t>
+            </a:fld>
+            <a:endParaRPr lang="de-DE" altLang="de-DE"/>
+          </a:p>
+        </p:txBody>
+      </p:sp>
+    </p:spTree>
+    <p:extLst>
+      <p:ext uri="{BB962C8B-B14F-4D97-AF65-F5344CB8AC3E}">
+        <p14:creationId xmlns:p14="http://schemas.microsoft.com/office/powerpoint/2010/main" val="1497522267"/>
+      </p:ext>
+    </p:extLst>
+  </p:cSld>
+  <p:clrMapOvr>
+    <a:masterClrMapping/>
+  </p:clrMapOvr>
+</p:notes>
+</file>
+
+<file path=ppt/notesSlides/notesSlide26.xml><?xml version="1.0" encoding="utf-8"?>
+<p:notes xmlns:a="http://schemas.openxmlformats.org/drawingml/2006/main" xmlns:r="http://schemas.openxmlformats.org/officeDocument/2006/relationships" xmlns:p="http://schemas.openxmlformats.org/presentationml/2006/main">
+  <p:cSld>
+    <p:spTree>
+      <p:nvGrpSpPr>
+        <p:cNvPr id="1" name=""/>
+        <p:cNvGrpSpPr/>
+        <p:nvPr/>
+      </p:nvGrpSpPr>
+      <p:grpSpPr>
+        <a:xfrm>
+          <a:off x="0" y="0"/>
+          <a:ext cx="0" cy="0"/>
+          <a:chOff x="0" y="0"/>
+          <a:chExt cx="0" cy="0"/>
+        </a:xfrm>
+      </p:grpSpPr>
+      <p:sp>
+        <p:nvSpPr>
+          <p:cNvPr id="2" name="Folienbildplatzhalter 1"/>
+          <p:cNvSpPr>
+            <a:spLocks noGrp="1" noRot="1" noChangeAspect="1"/>
+          </p:cNvSpPr>
+          <p:nvPr>
+            <p:ph type="sldImg"/>
+          </p:nvPr>
+        </p:nvSpPr>
+        <p:spPr/>
+      </p:sp>
+      <p:sp>
+        <p:nvSpPr>
+          <p:cNvPr id="3" name="Notizenplatzhalter 2"/>
+          <p:cNvSpPr>
+            <a:spLocks noGrp="1"/>
+          </p:cNvSpPr>
+          <p:nvPr>
+            <p:ph type="body" idx="1"/>
+          </p:nvPr>
+        </p:nvSpPr>
+        <p:spPr/>
+        <p:txBody>
+          <a:bodyPr/>
+          <a:lstStyle/>
+          <a:p>
+            <a:r>
+              <a:rPr lang="de-DE" dirty="0"/>
+              <a:t>Vorteile:</a:t>
+            </a:r>
+          </a:p>
+          <a:p>
+            <a:pPr marL="171450" indent="-171450">
+              <a:buFont typeface="Arial" panose="020B0604020202020204" pitchFamily="34" charset="0"/>
+              <a:buChar char="•"/>
+            </a:pPr>
+            <a:r>
+              <a:rPr lang="de-DE" dirty="0"/>
+              <a:t>Einzelnes Repo für die Entwicklung! (Höhere Effizienz)</a:t>
+            </a:r>
+          </a:p>
+          <a:p>
+            <a:pPr marL="171450" indent="-171450">
+              <a:buFont typeface="Arial" panose="020B0604020202020204" pitchFamily="34" charset="0"/>
+              <a:buChar char="•"/>
+            </a:pPr>
+            <a:r>
+              <a:rPr lang="de-DE" dirty="0"/>
+              <a:t>Automatisiertes </a:t>
+            </a:r>
+            <a:r>
+              <a:rPr lang="de-DE" dirty="0" err="1"/>
+              <a:t>Staging</a:t>
+            </a:r>
+            <a:r>
+              <a:rPr lang="de-DE" dirty="0"/>
+              <a:t> möglich (pull </a:t>
+            </a:r>
+            <a:r>
+              <a:rPr lang="de-DE" dirty="0" err="1"/>
+              <a:t>request</a:t>
+            </a:r>
+            <a:r>
+              <a:rPr lang="de-DE" dirty="0"/>
+              <a:t> Erzeugung, Namespaces)</a:t>
+            </a:r>
+          </a:p>
+          <a:p>
+            <a:pPr marL="171450" indent="-171450">
+              <a:buFont typeface="Arial" panose="020B0604020202020204" pitchFamily="34" charset="0"/>
+              <a:buChar char="•"/>
+            </a:pPr>
+            <a:r>
+              <a:rPr lang="de-DE" dirty="0"/>
+              <a:t>Shift-</a:t>
+            </a:r>
+            <a:r>
+              <a:rPr lang="de-DE" dirty="0" err="1"/>
+              <a:t>Left</a:t>
+            </a:r>
+            <a:r>
+              <a:rPr lang="de-DE" dirty="0"/>
+              <a:t>-Ansatz möglich! (Tests, Lint, Policy Check, ….)</a:t>
+            </a:r>
+          </a:p>
+          <a:p>
+            <a:pPr marL="628650" lvl="1" indent="-171450">
+              <a:buFont typeface="Arial" panose="020B0604020202020204" pitchFamily="34" charset="0"/>
+              <a:buChar char="•"/>
+            </a:pPr>
+            <a:r>
+              <a:rPr lang="de-DE" dirty="0"/>
+              <a:t>mit </a:t>
+            </a:r>
+            <a:r>
+              <a:rPr lang="de-DE" dirty="0" err="1"/>
+              <a:t>yamlint</a:t>
+            </a:r>
+            <a:r>
+              <a:rPr lang="de-DE" dirty="0"/>
+              <a:t>, </a:t>
+            </a:r>
+            <a:r>
+              <a:rPr lang="de-DE" dirty="0" err="1"/>
+              <a:t>kubeval</a:t>
+            </a:r>
+            <a:r>
+              <a:rPr lang="de-DE" dirty="0"/>
+              <a:t>, </a:t>
+            </a:r>
+            <a:r>
+              <a:rPr lang="de-DE" dirty="0" err="1"/>
+              <a:t>helm</a:t>
+            </a:r>
+            <a:r>
+              <a:rPr lang="de-DE" dirty="0"/>
+              <a:t> </a:t>
+            </a:r>
+            <a:r>
+              <a:rPr lang="de-DE" dirty="0" err="1"/>
+              <a:t>lint</a:t>
+            </a:r>
+            <a:r>
+              <a:rPr lang="de-DE" dirty="0"/>
+              <a:t>, </a:t>
+            </a:r>
+            <a:r>
+              <a:rPr lang="de-DE" dirty="0" err="1"/>
+              <a:t>conftest</a:t>
+            </a:r>
+            <a:endParaRPr lang="de-DE" dirty="0"/>
+          </a:p>
+          <a:p>
+            <a:pPr marL="171450" indent="-171450">
+              <a:buFont typeface="Arial" panose="020B0604020202020204" pitchFamily="34" charset="0"/>
+              <a:buChar char="•"/>
+            </a:pPr>
+            <a:endParaRPr lang="de-DE" dirty="0"/>
+          </a:p>
+          <a:p>
+            <a:pPr marL="0" indent="0">
+              <a:buFont typeface="Arial" panose="020B0604020202020204" pitchFamily="34" charset="0"/>
+              <a:buNone/>
+            </a:pPr>
+            <a:r>
+              <a:rPr lang="de-DE" dirty="0"/>
+              <a:t>Nachteile:</a:t>
+            </a:r>
+          </a:p>
+          <a:p>
+            <a:pPr marL="171450" indent="-171450">
+              <a:buFont typeface="Arial" panose="020B0604020202020204" pitchFamily="34" charset="0"/>
+              <a:buChar char="•"/>
+            </a:pPr>
+            <a:r>
+              <a:rPr lang="de-DE" dirty="0"/>
+              <a:t>Komplexität steckt im Detail… Oder eben in den CI Pipelines.</a:t>
+            </a:r>
+          </a:p>
+        </p:txBody>
+      </p:sp>
+      <p:sp>
+        <p:nvSpPr>
+          <p:cNvPr id="4" name="Foliennummernplatzhalter 3"/>
+          <p:cNvSpPr>
+            <a:spLocks noGrp="1"/>
+          </p:cNvSpPr>
+          <p:nvPr>
+            <p:ph type="sldNum" sz="quarter" idx="5"/>
+          </p:nvPr>
+        </p:nvSpPr>
+        <p:spPr/>
+        <p:txBody>
+          <a:bodyPr/>
+          <a:lstStyle/>
+          <a:p>
+            <a:fld id="{18182567-388C-4D33-8B7B-A651F195F118}" type="slidenum">
+              <a:rPr lang="de-DE" altLang="de-DE" smtClean="0"/>
+              <a:pPr/>
+              <a:t>35</a:t>
+            </a:fld>
+            <a:endParaRPr lang="de-DE" altLang="de-DE"/>
+          </a:p>
+        </p:txBody>
+      </p:sp>
+    </p:spTree>
+    <p:extLst>
+      <p:ext uri="{BB962C8B-B14F-4D97-AF65-F5344CB8AC3E}">
+        <p14:creationId xmlns:p14="http://schemas.microsoft.com/office/powerpoint/2010/main" val="2083903176"/>
+      </p:ext>
+    </p:extLst>
+  </p:cSld>
+  <p:clrMapOvr>
+    <a:masterClrMapping/>
+  </p:clrMapOvr>
+</p:notes>
+</file>
+
+<file path=ppt/notesSlides/notesSlide27.xml><?xml version="1.0" encoding="utf-8"?>
+<p:notes xmlns:a="http://schemas.openxmlformats.org/drawingml/2006/main" xmlns:r="http://schemas.openxmlformats.org/officeDocument/2006/relationships" xmlns:p="http://schemas.openxmlformats.org/presentationml/2006/main">
+  <p:cSld>
+    <p:spTree>
+      <p:nvGrpSpPr>
+        <p:cNvPr id="1" name=""/>
+        <p:cNvGrpSpPr/>
+        <p:nvPr/>
+      </p:nvGrpSpPr>
+      <p:grpSpPr>
+        <a:xfrm>
+          <a:off x="0" y="0"/>
+          <a:ext cx="0" cy="0"/>
+          <a:chOff x="0" y="0"/>
+          <a:chExt cx="0" cy="0"/>
+        </a:xfrm>
+      </p:grpSpPr>
+      <p:sp>
+        <p:nvSpPr>
+          <p:cNvPr id="2" name="Folienbildplatzhalter 1"/>
+          <p:cNvSpPr>
+            <a:spLocks noGrp="1" noRot="1" noChangeAspect="1"/>
+          </p:cNvSpPr>
+          <p:nvPr>
+            <p:ph type="sldImg"/>
+          </p:nvPr>
+        </p:nvSpPr>
+        <p:spPr/>
+      </p:sp>
+      <p:sp>
+        <p:nvSpPr>
+          <p:cNvPr id="3" name="Notizenplatzhalter 2"/>
+          <p:cNvSpPr>
+            <a:spLocks noGrp="1"/>
+          </p:cNvSpPr>
+          <p:nvPr>
+            <p:ph type="body" idx="1"/>
+          </p:nvPr>
+        </p:nvSpPr>
+        <p:spPr/>
+        <p:txBody>
+          <a:bodyPr/>
+          <a:lstStyle/>
+          <a:p>
+            <a:endParaRPr lang="de-DE" dirty="0"/>
+          </a:p>
+        </p:txBody>
+      </p:sp>
+      <p:sp>
+        <p:nvSpPr>
+          <p:cNvPr id="4" name="Foliennummernplatzhalter 3"/>
+          <p:cNvSpPr>
+            <a:spLocks noGrp="1"/>
+          </p:cNvSpPr>
+          <p:nvPr>
+            <p:ph type="sldNum" sz="quarter" idx="5"/>
+          </p:nvPr>
+        </p:nvSpPr>
+        <p:spPr/>
+        <p:txBody>
+          <a:bodyPr/>
+          <a:lstStyle/>
+          <a:p>
+            <a:fld id="{18182567-388C-4D33-8B7B-A651F195F118}" type="slidenum">
+              <a:rPr lang="de-DE" altLang="de-DE" smtClean="0"/>
+              <a:pPr/>
               <a:t>36</a:t>
             </a:fld>
             <a:endParaRPr lang="de-DE" altLang="de-DE"/>
@@ -4227,7 +4362,7 @@
 </p:notes>
 </file>
 
-<file path=ppt/notesSlides/notesSlide26.xml><?xml version="1.0" encoding="utf-8"?>
+<file path=ppt/notesSlides/notesSlide28.xml><?xml version="1.0" encoding="utf-8"?>
 <p:notes xmlns:a="http://schemas.openxmlformats.org/drawingml/2006/main" xmlns:r="http://schemas.openxmlformats.org/officeDocument/2006/relationships" xmlns:p="http://schemas.openxmlformats.org/presentationml/2006/main">
   <p:cSld>
     <p:spTree>
@@ -4361,18 +4496,76 @@
           <a:p>
             <a:r>
               <a:rPr lang="de-DE" dirty="0"/>
-              <a:t>Quelle:</a:t>
-            </a:r>
-          </a:p>
-          <a:p>
-            <a:pPr marL="171450" indent="-171450">
-              <a:buFont typeface="Arial" panose="020B0604020202020204" pitchFamily="34" charset="0"/>
-              <a:buChar char="•"/>
-            </a:pPr>
+              <a:t>Quelle: https://opstree.com/blog/2020/02/18/why-gitops-is-so-exciting/</a:t>
+            </a:r>
+          </a:p>
+          <a:p>
+            <a:endParaRPr lang="de-DE" dirty="0"/>
+          </a:p>
+          <a:p>
             <a:r>
               <a:rPr lang="de-DE" dirty="0"/>
-              <a:t>https://www.portainer.io/blog/gitops-in-a-nutshell</a:t>
-            </a:r>
+              <a:t>Jo, was machen wir hier… Mit dem Zitat von </a:t>
+            </a:r>
+            <a:r>
+              <a:rPr lang="de-DE" dirty="0" err="1"/>
+              <a:t>GitLab</a:t>
+            </a:r>
+            <a:r>
+              <a:rPr lang="de-DE" dirty="0"/>
+              <a:t> tauschen? Also Zitat zuerst?</a:t>
+            </a:r>
+          </a:p>
+          <a:p>
+            <a:endParaRPr lang="de-DE" dirty="0"/>
+          </a:p>
+          <a:p>
+            <a:r>
+              <a:rPr lang="de-DE" dirty="0"/>
+              <a:t>Idee: Hier mal abfragen, was die Teilnehmer so kennen und wie das Ganze irgendwie zusammengehören könnte.</a:t>
+            </a:r>
+          </a:p>
+          <a:p>
+            <a:r>
+              <a:rPr lang="de-DE" dirty="0"/>
+              <a:t>Danach dann die Folie mit der „Definition“ zu </a:t>
+            </a:r>
+            <a:r>
+              <a:rPr lang="de-DE" dirty="0" err="1"/>
+              <a:t>GitOps</a:t>
+            </a:r>
+            <a:r>
+              <a:rPr lang="de-DE" dirty="0"/>
+              <a:t> von </a:t>
+            </a:r>
+            <a:r>
+              <a:rPr lang="de-DE" dirty="0" err="1"/>
+              <a:t>GitLab</a:t>
+            </a:r>
+            <a:r>
+              <a:rPr lang="de-DE" dirty="0"/>
+              <a:t> selbst.</a:t>
+            </a:r>
+          </a:p>
+          <a:p>
+            <a:endParaRPr lang="de-DE" dirty="0"/>
+          </a:p>
+          <a:p>
+            <a:r>
+              <a:rPr lang="de-DE" dirty="0" err="1"/>
+              <a:t>Kubernetes</a:t>
+            </a:r>
+            <a:r>
+              <a:rPr lang="de-DE" dirty="0"/>
+              <a:t> und Docker bräuchten auch eigentlich je einen eigenen Punkt…? Naja, könnte man auch zu Beginn erstmal so „stehen lassen“ und später dann damit aufklären </a:t>
+            </a:r>
+            <a:r>
+              <a:rPr lang="de-DE" dirty="0">
+                <a:sym typeface="Wingdings" panose="05000000000000000000" pitchFamily="2" charset="2"/>
+              </a:rPr>
+              <a:t></a:t>
+            </a:r>
+            <a:endParaRPr lang="de-DE" dirty="0"/>
           </a:p>
         </p:txBody>
       </p:sp>
@@ -4394,7 +4587,7 @@
             <a:fld id="{18182567-388C-4D33-8B7B-A651F195F118}" type="slidenum">
               <a:rPr lang="de-DE" altLang="de-DE" smtClean="0"/>
               <a:pPr/>
-              <a:t>7</a:t>
+              <a:t>5</a:t>
             </a:fld>
             <a:endParaRPr lang="de-DE" altLang="de-DE"/>
           </a:p>
@@ -4403,7 +4596,7 @@
     </p:spTree>
     <p:extLst>
       <p:ext uri="{BB962C8B-B14F-4D97-AF65-F5344CB8AC3E}">
-        <p14:creationId xmlns:p14="http://schemas.microsoft.com/office/powerpoint/2010/main" val="1742911650"/>
+        <p14:creationId xmlns:p14="http://schemas.microsoft.com/office/powerpoint/2010/main" val="214546350"/>
       </p:ext>
     </p:extLst>
   </p:cSld>
@@ -4459,75 +4652,8 @@
           <a:p>
             <a:r>
               <a:rPr lang="de-DE" dirty="0"/>
-              <a:t>Quellen:</a:t>
-            </a:r>
-          </a:p>
-          <a:p>
-            <a:pPr marL="171450" indent="-171450">
-              <a:buFont typeface="Arial" panose="020B0604020202020204" pitchFamily="34" charset="0"/>
-              <a:buChar char="•"/>
-            </a:pPr>
-            <a:r>
-              <a:rPr lang="de-DE" dirty="0"/>
-              <a:t>https://opengitops.dev/</a:t>
-            </a:r>
-          </a:p>
-          <a:p>
-            <a:pPr marL="171450" indent="-171450">
-              <a:buFont typeface="Arial" panose="020B0604020202020204" pitchFamily="34" charset="0"/>
-              <a:buChar char="•"/>
-            </a:pPr>
-            <a:r>
-              <a:rPr lang="de-DE" dirty="0"/>
-              <a:t>https://github.com/open-gitops/documents/blob/v1.0.0/GLOSSARY.md</a:t>
-            </a:r>
-          </a:p>
-          <a:p>
-            <a:pPr marL="171450" indent="-171450">
-              <a:buFont typeface="Arial" panose="020B0604020202020204" pitchFamily="34" charset="0"/>
-              <a:buChar char="•"/>
-            </a:pPr>
-            <a:endParaRPr lang="de-DE" dirty="0"/>
-          </a:p>
-          <a:p>
-            <a:pPr marL="0" indent="0">
-              <a:buFont typeface="Arial" panose="020B0604020202020204" pitchFamily="34" charset="0"/>
-              <a:buNone/>
-            </a:pPr>
-            <a:endParaRPr lang="de-DE" dirty="0"/>
-          </a:p>
-          <a:p>
-            <a:pPr marL="0" indent="0">
-              <a:buFont typeface="Arial" panose="020B0604020202020204" pitchFamily="34" charset="0"/>
-              <a:buNone/>
-            </a:pPr>
-            <a:r>
-              <a:rPr lang="de-DE" dirty="0"/>
-              <a:t>Zu 4. Der CI-Server läuft im vergleich zum </a:t>
-            </a:r>
-            <a:r>
-              <a:rPr lang="de-DE" dirty="0" err="1"/>
-              <a:t>GitOps</a:t>
-            </a:r>
-            <a:r>
-              <a:rPr lang="de-DE" dirty="0"/>
-              <a:t>-Operator nur einmalig durch. Der </a:t>
-            </a:r>
-            <a:r>
-              <a:rPr lang="de-DE" dirty="0" err="1"/>
-              <a:t>GitOps</a:t>
-            </a:r>
-            <a:r>
-              <a:rPr lang="de-DE" dirty="0"/>
-              <a:t>-Operator prüft kontinuierlich.</a:t>
-            </a:r>
-          </a:p>
-          <a:p>
-            <a:pPr marL="171450" indent="-171450">
-              <a:buFont typeface="Arial" panose="020B0604020202020204" pitchFamily="34" charset="0"/>
-              <a:buChar char="•"/>
-            </a:pPr>
-            <a:endParaRPr lang="de-DE" dirty="0"/>
+              <a:t>Quelle: https://about.gitlab.com/topics/gitops/</a:t>
+            </a:r>
           </a:p>
         </p:txBody>
       </p:sp>
@@ -4549,7 +4675,7 @@
             <a:fld id="{18182567-388C-4D33-8B7B-A651F195F118}" type="slidenum">
               <a:rPr lang="de-DE" altLang="de-DE" smtClean="0"/>
               <a:pPr/>
-              <a:t>8</a:t>
+              <a:t>6</a:t>
             </a:fld>
             <a:endParaRPr lang="de-DE" altLang="de-DE"/>
           </a:p>
@@ -4558,7 +4684,7 @@
     </p:spTree>
     <p:extLst>
       <p:ext uri="{BB962C8B-B14F-4D97-AF65-F5344CB8AC3E}">
-        <p14:creationId xmlns:p14="http://schemas.microsoft.com/office/powerpoint/2010/main" val="4030025492"/>
+        <p14:creationId xmlns:p14="http://schemas.microsoft.com/office/powerpoint/2010/main" val="3428053153"/>
       </p:ext>
     </p:extLst>
   </p:cSld>
@@ -4614,17 +4740,7 @@
           <a:p>
             <a:r>
               <a:rPr lang="de-DE" dirty="0"/>
-              <a:t>1)</a:t>
-            </a:r>
-          </a:p>
-          <a:p>
-            <a:r>
-              <a:rPr lang="de-DE" dirty="0" err="1"/>
-              <a:t>CIOps</a:t>
-            </a:r>
-            <a:r>
-              <a:rPr lang="de-DE" dirty="0"/>
-              <a:t>:</a:t>
+              <a:t>Quelle:</a:t>
             </a:r>
           </a:p>
           <a:p>
@@ -4634,541 +4750,7 @@
             </a:pPr>
             <a:r>
               <a:rPr lang="de-DE" dirty="0"/>
-              <a:t>Softwareentwickler pushen Code in ein </a:t>
-            </a:r>
-            <a:r>
-              <a:rPr lang="de-DE" dirty="0" err="1"/>
-              <a:t>Git</a:t>
-            </a:r>
-            <a:r>
-              <a:rPr lang="de-DE" dirty="0"/>
-              <a:t> Repo. </a:t>
-            </a:r>
-          </a:p>
-          <a:p>
-            <a:pPr marL="171450" indent="-171450">
-              <a:buFont typeface="Arial" panose="020B0604020202020204" pitchFamily="34" charset="0"/>
-              <a:buChar char="•"/>
-            </a:pPr>
-            <a:r>
-              <a:rPr lang="de-DE" dirty="0"/>
-              <a:t>Auf das </a:t>
-            </a:r>
-            <a:r>
-              <a:rPr lang="de-DE" dirty="0" err="1"/>
-              <a:t>Git</a:t>
-            </a:r>
-            <a:r>
-              <a:rPr lang="de-DE" dirty="0"/>
-              <a:t> Repo lauscht ein CI Server.</a:t>
-            </a:r>
-          </a:p>
-          <a:p>
-            <a:pPr marL="171450" indent="-171450">
-              <a:buFont typeface="Arial" panose="020B0604020202020204" pitchFamily="34" charset="0"/>
-              <a:buChar char="•"/>
-            </a:pPr>
-            <a:r>
-              <a:rPr lang="de-DE" dirty="0"/>
-              <a:t>Dieser baut, testet, </a:t>
-            </a:r>
-            <a:r>
-              <a:rPr lang="de-DE" dirty="0" err="1"/>
-              <a:t>linted</a:t>
-            </a:r>
-            <a:r>
-              <a:rPr lang="de-DE" dirty="0"/>
-              <a:t>, statisch analysiert und </a:t>
-            </a:r>
-          </a:p>
-          <a:p>
-            <a:pPr marL="628650" lvl="1" indent="-171450">
-              <a:buFont typeface="Arial" panose="020B0604020202020204" pitchFamily="34" charset="0"/>
-              <a:buChar char="•"/>
-            </a:pPr>
-            <a:r>
-              <a:rPr lang="de-DE" dirty="0"/>
-              <a:t>wenn das alles erfolgreich war, wird in </a:t>
-            </a:r>
-            <a:r>
-              <a:rPr lang="de-DE" dirty="0" err="1"/>
-              <a:t>in</a:t>
-            </a:r>
-            <a:r>
-              <a:rPr lang="de-DE" dirty="0"/>
-              <a:t> eine Betriebsumgebung </a:t>
-            </a:r>
-            <a:r>
-              <a:rPr lang="de-DE" dirty="0" err="1"/>
-              <a:t>deployed</a:t>
-            </a:r>
-            <a:r>
-              <a:rPr lang="de-DE" dirty="0"/>
-              <a:t>. </a:t>
-            </a:r>
-          </a:p>
-          <a:p>
-            <a:endParaRPr lang="de-DE" dirty="0"/>
-          </a:p>
-          <a:p>
-            <a:r>
-              <a:rPr lang="de-DE" dirty="0"/>
-              <a:t>„Push“-Prinzip (durch den deploy-Pfeil!), wie der Code in die produktive Umgebung kommt.</a:t>
-            </a:r>
-          </a:p>
-          <a:p>
-            <a:endParaRPr lang="de-DE" dirty="0"/>
-          </a:p>
-          <a:p>
-            <a:r>
-              <a:rPr lang="de-DE" dirty="0"/>
-              <a:t>2) </a:t>
-            </a:r>
-            <a:r>
-              <a:rPr lang="de-DE" dirty="0" err="1"/>
-              <a:t>GitOps</a:t>
-            </a:r>
-            <a:r>
-              <a:rPr lang="de-DE" dirty="0"/>
-              <a:t>, kleiner aber feiner Unterschied: „Pull“-Prinzip aus dem K8s Cluster heraus.</a:t>
-            </a:r>
-          </a:p>
-          <a:p>
-            <a:endParaRPr lang="de-DE" dirty="0"/>
-          </a:p>
-          <a:p>
-            <a:pPr marL="171450" indent="-171450">
-              <a:buFont typeface="Arial" panose="020B0604020202020204" pitchFamily="34" charset="0"/>
-              <a:buChar char="•"/>
-            </a:pPr>
-            <a:r>
-              <a:rPr lang="de-DE" dirty="0"/>
-              <a:t>Softwareentwickler pushen Code in ein </a:t>
-            </a:r>
-            <a:r>
-              <a:rPr lang="de-DE" dirty="0" err="1"/>
-              <a:t>Git</a:t>
-            </a:r>
-            <a:r>
-              <a:rPr lang="de-DE" dirty="0"/>
-              <a:t> Repo. </a:t>
-            </a:r>
-          </a:p>
-          <a:p>
-            <a:pPr marL="171450" indent="-171450">
-              <a:buFont typeface="Arial" panose="020B0604020202020204" pitchFamily="34" charset="0"/>
-              <a:buChar char="•"/>
-            </a:pPr>
-            <a:r>
-              <a:rPr lang="de-DE" dirty="0"/>
-              <a:t>Auf das </a:t>
-            </a:r>
-            <a:r>
-              <a:rPr lang="de-DE" dirty="0" err="1"/>
-              <a:t>Git</a:t>
-            </a:r>
-            <a:r>
-              <a:rPr lang="de-DE" dirty="0"/>
-              <a:t> Repo lauscht ein CI Server.</a:t>
-            </a:r>
-          </a:p>
-          <a:p>
-            <a:pPr marL="171450" indent="-171450">
-              <a:buFont typeface="Arial" panose="020B0604020202020204" pitchFamily="34" charset="0"/>
-              <a:buChar char="•"/>
-            </a:pPr>
-            <a:r>
-              <a:rPr lang="de-DE" dirty="0"/>
-              <a:t>Der/das Cluster zieht sich sein Stake aus dem </a:t>
-            </a:r>
-            <a:r>
-              <a:rPr lang="de-DE" dirty="0" err="1"/>
-              <a:t>Git</a:t>
-            </a:r>
-            <a:r>
-              <a:rPr lang="de-DE" dirty="0"/>
-              <a:t> selbst. </a:t>
-            </a:r>
-          </a:p>
-          <a:p>
-            <a:pPr marL="171450" indent="-171450">
-              <a:buFont typeface="Arial" panose="020B0604020202020204" pitchFamily="34" charset="0"/>
-              <a:buChar char="•"/>
-            </a:pPr>
-            <a:r>
-              <a:rPr lang="de-DE" dirty="0"/>
-              <a:t>Das geschieht durch die Umsetzung des Operator-Pattern im </a:t>
-            </a:r>
-            <a:r>
-              <a:rPr lang="de-DE" dirty="0" err="1"/>
-              <a:t>Kubernetes</a:t>
-            </a:r>
-            <a:r>
-              <a:rPr lang="de-DE" dirty="0"/>
-              <a:t>. </a:t>
-            </a:r>
-          </a:p>
-          <a:p>
-            <a:pPr marL="171450" indent="-171450">
-              <a:buFont typeface="Arial" panose="020B0604020202020204" pitchFamily="34" charset="0"/>
-              <a:buChar char="•"/>
-            </a:pPr>
-            <a:r>
-              <a:rPr lang="de-DE" dirty="0"/>
-              <a:t>Der </a:t>
-            </a:r>
-            <a:r>
-              <a:rPr lang="de-DE" dirty="0" err="1"/>
-              <a:t>GitOps</a:t>
-            </a:r>
-            <a:r>
-              <a:rPr lang="de-DE" dirty="0"/>
-              <a:t> Operator lauscht auf das </a:t>
-            </a:r>
-            <a:r>
-              <a:rPr lang="de-DE" dirty="0" err="1"/>
-              <a:t>Git</a:t>
-            </a:r>
-            <a:r>
-              <a:rPr lang="de-DE" dirty="0"/>
-              <a:t> Repo und dort den Zielzustand des Systems abruft (= SOLL-Zustand) und dieser wird verglichen mit dem IST-Zustand (bereitgestellt durch den API Server) des Clusters.</a:t>
-            </a:r>
-          </a:p>
-          <a:p>
-            <a:pPr marL="171450" indent="-171450">
-              <a:buFont typeface="Arial" panose="020B0604020202020204" pitchFamily="34" charset="0"/>
-              <a:buChar char="•"/>
-            </a:pPr>
-            <a:r>
-              <a:rPr lang="de-DE" dirty="0"/>
-              <a:t>Wenn es zwischen diesen beiden Zuständen einen Unterschied gibt, dann wird der </a:t>
-            </a:r>
-            <a:r>
-              <a:rPr lang="de-DE" dirty="0" err="1"/>
-              <a:t>GitOps</a:t>
-            </a:r>
-            <a:r>
-              <a:rPr lang="de-DE" dirty="0"/>
-              <a:t> Operator aktiv und gleicht den IST-Zustand and den SOLL-Zustand an.</a:t>
-            </a:r>
-          </a:p>
-          <a:p>
-            <a:endParaRPr lang="de-DE" dirty="0"/>
-          </a:p>
-          <a:p>
-            <a:r>
-              <a:rPr lang="de-DE" dirty="0"/>
-              <a:t>3) Wie wird beim </a:t>
-            </a:r>
-            <a:r>
-              <a:rPr lang="de-DE" dirty="0" err="1"/>
-              <a:t>CIOps</a:t>
-            </a:r>
-            <a:r>
-              <a:rPr lang="de-DE" dirty="0"/>
-              <a:t> das </a:t>
-            </a:r>
-            <a:r>
-              <a:rPr lang="de-DE" dirty="0" err="1"/>
-              <a:t>Deployment</a:t>
-            </a:r>
-            <a:r>
-              <a:rPr lang="de-DE" dirty="0"/>
-              <a:t> durchgeführt? (Frage in die Runde??!)</a:t>
-            </a:r>
-          </a:p>
-          <a:p>
-            <a:r>
-              <a:rPr lang="de-DE" dirty="0"/>
-              <a:t>Beim CI-Server ist es Imperativ. Beispielsweise über </a:t>
-            </a:r>
-            <a:r>
-              <a:rPr lang="de-DE" dirty="0" err="1"/>
-              <a:t>Deployment</a:t>
-            </a:r>
-            <a:r>
-              <a:rPr lang="de-DE" dirty="0"/>
-              <a:t>-Skripte.</a:t>
-            </a:r>
-          </a:p>
-          <a:p>
-            <a:endParaRPr lang="de-DE" dirty="0"/>
-          </a:p>
-          <a:p>
-            <a:r>
-              <a:rPr lang="de-DE" dirty="0"/>
-              <a:t>Wie wird das </a:t>
-            </a:r>
-            <a:r>
-              <a:rPr lang="de-DE" dirty="0" err="1"/>
-              <a:t>Deployment</a:t>
-            </a:r>
-            <a:r>
-              <a:rPr lang="de-DE" dirty="0"/>
-              <a:t> beim </a:t>
-            </a:r>
-            <a:r>
-              <a:rPr lang="de-DE" dirty="0" err="1"/>
-              <a:t>GitOps</a:t>
-            </a:r>
-            <a:r>
-              <a:rPr lang="de-DE" dirty="0"/>
-              <a:t> durchgeführt?</a:t>
-            </a:r>
-          </a:p>
-          <a:p>
-            <a:r>
-              <a:rPr lang="de-DE" dirty="0"/>
-              <a:t>Beim </a:t>
-            </a:r>
-            <a:r>
-              <a:rPr lang="de-DE" dirty="0" err="1"/>
-              <a:t>GitOps</a:t>
-            </a:r>
-            <a:r>
-              <a:rPr lang="de-DE" dirty="0"/>
-              <a:t> ist das rein deklarativ.</a:t>
-            </a:r>
-          </a:p>
-          <a:p>
-            <a:endParaRPr lang="de-DE" dirty="0"/>
-          </a:p>
-          <a:p>
-            <a:r>
-              <a:rPr lang="de-DE" dirty="0"/>
-              <a:t>4) Ausführungssemantik? </a:t>
-            </a:r>
-          </a:p>
-          <a:p>
-            <a:r>
-              <a:rPr lang="de-DE" dirty="0"/>
-              <a:t>Beim CI-Server 1x (EIN MAL), also </a:t>
-            </a:r>
-            <a:r>
-              <a:rPr lang="de-DE" dirty="0" err="1"/>
-              <a:t>once</a:t>
-            </a:r>
-            <a:r>
-              <a:rPr lang="de-DE" dirty="0"/>
-              <a:t>. Der hat eine Ausführungssemantik durch einen Push/Trigger oder eben durch das manuelle Starten</a:t>
-            </a:r>
-          </a:p>
-          <a:p>
-            <a:endParaRPr lang="de-DE" dirty="0"/>
-          </a:p>
-          <a:p>
-            <a:r>
-              <a:rPr lang="de-DE" dirty="0"/>
-              <a:t>Bei </a:t>
-            </a:r>
-            <a:r>
-              <a:rPr lang="de-DE" dirty="0" err="1"/>
-              <a:t>GitOps</a:t>
-            </a:r>
-            <a:r>
-              <a:rPr lang="de-DE" dirty="0"/>
-              <a:t>: es ist kontinuierlich. (</a:t>
-            </a:r>
-            <a:r>
-              <a:rPr lang="de-DE" dirty="0" err="1"/>
-              <a:t>continuously</a:t>
-            </a:r>
-            <a:r>
-              <a:rPr lang="de-DE" dirty="0"/>
-              <a:t>) Stichwort: </a:t>
-            </a:r>
-            <a:r>
-              <a:rPr lang="de-DE" dirty="0" err="1"/>
-              <a:t>Continuous</a:t>
-            </a:r>
-            <a:r>
-              <a:rPr lang="de-DE" dirty="0"/>
-              <a:t> </a:t>
-            </a:r>
-            <a:r>
-              <a:rPr lang="de-DE" dirty="0" err="1"/>
-              <a:t>Operations</a:t>
-            </a:r>
-            <a:r>
-              <a:rPr lang="de-DE" dirty="0"/>
-              <a:t>.</a:t>
-            </a:r>
-          </a:p>
-          <a:p>
-            <a:r>
-              <a:rPr lang="de-DE" dirty="0"/>
-              <a:t>Der Operator prüft kontinuierlich, ob es etwas neues in </a:t>
-            </a:r>
-            <a:r>
-              <a:rPr lang="de-DE" dirty="0" err="1"/>
-              <a:t>Git</a:t>
-            </a:r>
-            <a:r>
-              <a:rPr lang="de-DE" dirty="0"/>
-              <a:t> gibt oder sich der Zustand verändert hat.</a:t>
-            </a:r>
-          </a:p>
-          <a:p>
-            <a:endParaRPr lang="de-DE" dirty="0"/>
-          </a:p>
-          <a:p>
-            <a:r>
-              <a:rPr lang="de-DE" dirty="0"/>
-              <a:t>5) </a:t>
-            </a:r>
-          </a:p>
-          <a:p>
-            <a:endParaRPr lang="de-DE" dirty="0"/>
-          </a:p>
-          <a:p>
-            <a:r>
-              <a:rPr lang="de-DE" dirty="0" err="1"/>
-              <a:t>Klassiches</a:t>
-            </a:r>
-            <a:r>
-              <a:rPr lang="de-DE" dirty="0"/>
-              <a:t> </a:t>
-            </a:r>
-            <a:r>
-              <a:rPr lang="de-DE" dirty="0" err="1"/>
-              <a:t>CIOps</a:t>
-            </a:r>
-            <a:r>
-              <a:rPr lang="de-DE" dirty="0"/>
-              <a:t> macht der CI-Server CI und im Zweifel zusätzlich CD</a:t>
-            </a:r>
-          </a:p>
-          <a:p>
-            <a:endParaRPr lang="de-DE" dirty="0"/>
-          </a:p>
-          <a:p>
-            <a:r>
-              <a:rPr lang="de-DE" dirty="0"/>
-              <a:t>Das ist bei </a:t>
-            </a:r>
-            <a:r>
-              <a:rPr lang="de-DE" dirty="0" err="1"/>
-              <a:t>GitOps</a:t>
-            </a:r>
-            <a:r>
-              <a:rPr lang="de-DE" dirty="0"/>
-              <a:t> anders:</a:t>
-            </a:r>
-          </a:p>
-          <a:p>
-            <a:pPr marL="171450" indent="-171450">
-              <a:buFont typeface="Arial" panose="020B0604020202020204" pitchFamily="34" charset="0"/>
-              <a:buChar char="•"/>
-            </a:pPr>
-            <a:r>
-              <a:rPr lang="de-DE" dirty="0"/>
-              <a:t>Dort macht der CI Server tatsächlich nur CI</a:t>
-            </a:r>
-          </a:p>
-          <a:p>
-            <a:pPr marL="171450" indent="-171450">
-              <a:buFont typeface="Arial" panose="020B0604020202020204" pitchFamily="34" charset="0"/>
-              <a:buChar char="•"/>
-            </a:pPr>
-            <a:r>
-              <a:rPr lang="de-DE" dirty="0"/>
-              <a:t>Der </a:t>
-            </a:r>
-            <a:r>
-              <a:rPr lang="de-DE" dirty="0" err="1"/>
-              <a:t>GitOps</a:t>
-            </a:r>
-            <a:r>
-              <a:rPr lang="de-DE" dirty="0"/>
-              <a:t> Operator übernimmt den CD Teil</a:t>
-            </a:r>
-          </a:p>
-          <a:p>
-            <a:pPr marL="628650" lvl="1" indent="-171450">
-              <a:buFont typeface="Arial" panose="020B0604020202020204" pitchFamily="34" charset="0"/>
-              <a:buChar char="•"/>
-            </a:pPr>
-            <a:r>
-              <a:rPr lang="de-DE" dirty="0">
-                <a:sym typeface="Wingdings" panose="05000000000000000000" pitchFamily="2" charset="2"/>
-              </a:rPr>
-              <a:t></a:t>
-            </a:r>
-            <a:r>
-              <a:rPr lang="de-DE" dirty="0"/>
-              <a:t>„Man könnte </a:t>
-            </a:r>
-            <a:r>
-              <a:rPr lang="de-DE" dirty="0" err="1"/>
-              <a:t>GitOps</a:t>
-            </a:r>
-            <a:r>
-              <a:rPr lang="de-DE" dirty="0"/>
-              <a:t> als </a:t>
-            </a:r>
-            <a:r>
-              <a:rPr lang="de-DE" dirty="0" err="1"/>
-              <a:t>continuous</a:t>
-            </a:r>
-            <a:r>
-              <a:rPr lang="de-DE" dirty="0"/>
-              <a:t> </a:t>
-            </a:r>
-            <a:r>
-              <a:rPr lang="de-DE" dirty="0" err="1"/>
-              <a:t>delivery</a:t>
-            </a:r>
-            <a:r>
-              <a:rPr lang="de-DE" dirty="0"/>
-              <a:t> für </a:t>
-            </a:r>
-            <a:r>
-              <a:rPr lang="de-DE" dirty="0" err="1"/>
-              <a:t>cloud</a:t>
-            </a:r>
-            <a:r>
-              <a:rPr lang="de-DE" dirty="0"/>
-              <a:t>-native Anwendungen interpretieren“</a:t>
-            </a:r>
-          </a:p>
-          <a:p>
-            <a:pPr marL="628650" lvl="1" indent="-171450">
-              <a:buFont typeface="Arial" panose="020B0604020202020204" pitchFamily="34" charset="0"/>
-              <a:buChar char="•"/>
-            </a:pPr>
-            <a:endParaRPr lang="de-DE" dirty="0"/>
-          </a:p>
-          <a:p>
-            <a:pPr marL="628650" lvl="1" indent="-171450">
-              <a:buFont typeface="Arial" panose="020B0604020202020204" pitchFamily="34" charset="0"/>
-              <a:buChar char="•"/>
-            </a:pPr>
-            <a:endParaRPr lang="de-DE" dirty="0"/>
-          </a:p>
-          <a:p>
-            <a:pPr marL="0" lvl="0" indent="0">
-              <a:buFont typeface="Arial" panose="020B0604020202020204" pitchFamily="34" charset="0"/>
-              <a:buNone/>
-            </a:pPr>
-            <a:r>
-              <a:rPr lang="de-DE" dirty="0"/>
-              <a:t>Somit haben wir die Herleitung, wie sich </a:t>
-            </a:r>
-            <a:r>
-              <a:rPr lang="de-DE" dirty="0" err="1"/>
-              <a:t>GitOps</a:t>
-            </a:r>
-            <a:r>
-              <a:rPr lang="de-DE" dirty="0"/>
-              <a:t> von </a:t>
-            </a:r>
-            <a:r>
-              <a:rPr lang="de-DE" dirty="0" err="1"/>
-              <a:t>CIOps</a:t>
-            </a:r>
-            <a:r>
-              <a:rPr lang="de-DE" dirty="0"/>
-              <a:t> unterscheidet.</a:t>
+              <a:t>https://www.portainer.io/blog/gitops-in-a-nutshell</a:t>
             </a:r>
           </a:p>
         </p:txBody>
@@ -5191,7 +4773,7 @@
             <a:fld id="{18182567-388C-4D33-8B7B-A651F195F118}" type="slidenum">
               <a:rPr lang="de-DE" altLang="de-DE" smtClean="0"/>
               <a:pPr/>
-              <a:t>9</a:t>
+              <a:t>7</a:t>
             </a:fld>
             <a:endParaRPr lang="de-DE" altLang="de-DE"/>
           </a:p>
@@ -5200,7 +4782,7 @@
     </p:spTree>
     <p:extLst>
       <p:ext uri="{BB962C8B-B14F-4D97-AF65-F5344CB8AC3E}">
-        <p14:creationId xmlns:p14="http://schemas.microsoft.com/office/powerpoint/2010/main" val="3979204594"/>
+        <p14:creationId xmlns:p14="http://schemas.microsoft.com/office/powerpoint/2010/main" val="1742911650"/>
       </p:ext>
     </p:extLst>
   </p:cSld>
@@ -5256,8 +4838,75 @@
           <a:p>
             <a:r>
               <a:rPr lang="de-DE" dirty="0"/>
-              <a:t>Quelle: https://imageresizer.com/de/meme-generator/bearbeiten/but-why </a:t>
-            </a:r>
+              <a:t>Quellen:</a:t>
+            </a:r>
+          </a:p>
+          <a:p>
+            <a:pPr marL="171450" indent="-171450">
+              <a:buFont typeface="Arial" panose="020B0604020202020204" pitchFamily="34" charset="0"/>
+              <a:buChar char="•"/>
+            </a:pPr>
+            <a:r>
+              <a:rPr lang="de-DE" dirty="0"/>
+              <a:t>https://opengitops.dev/</a:t>
+            </a:r>
+          </a:p>
+          <a:p>
+            <a:pPr marL="171450" indent="-171450">
+              <a:buFont typeface="Arial" panose="020B0604020202020204" pitchFamily="34" charset="0"/>
+              <a:buChar char="•"/>
+            </a:pPr>
+            <a:r>
+              <a:rPr lang="de-DE" dirty="0"/>
+              <a:t>https://github.com/open-gitops/documents/blob/v1.0.0/GLOSSARY.md</a:t>
+            </a:r>
+          </a:p>
+          <a:p>
+            <a:pPr marL="171450" indent="-171450">
+              <a:buFont typeface="Arial" panose="020B0604020202020204" pitchFamily="34" charset="0"/>
+              <a:buChar char="•"/>
+            </a:pPr>
+            <a:endParaRPr lang="de-DE" dirty="0"/>
+          </a:p>
+          <a:p>
+            <a:pPr marL="0" indent="0">
+              <a:buFont typeface="Arial" panose="020B0604020202020204" pitchFamily="34" charset="0"/>
+              <a:buNone/>
+            </a:pPr>
+            <a:endParaRPr lang="de-DE" dirty="0"/>
+          </a:p>
+          <a:p>
+            <a:pPr marL="0" indent="0">
+              <a:buFont typeface="Arial" panose="020B0604020202020204" pitchFamily="34" charset="0"/>
+              <a:buNone/>
+            </a:pPr>
+            <a:r>
+              <a:rPr lang="de-DE" dirty="0"/>
+              <a:t>Zu 4. Der CI-Server läuft im vergleich zum </a:t>
+            </a:r>
+            <a:r>
+              <a:rPr lang="de-DE" dirty="0" err="1"/>
+              <a:t>GitOps</a:t>
+            </a:r>
+            <a:r>
+              <a:rPr lang="de-DE" dirty="0"/>
+              <a:t>-Operator nur einmalig durch. Der </a:t>
+            </a:r>
+            <a:r>
+              <a:rPr lang="de-DE" dirty="0" err="1"/>
+              <a:t>GitOps</a:t>
+            </a:r>
+            <a:r>
+              <a:rPr lang="de-DE" dirty="0"/>
+              <a:t>-Operator prüft kontinuierlich.</a:t>
+            </a:r>
+          </a:p>
+          <a:p>
+            <a:pPr marL="171450" indent="-171450">
+              <a:buFont typeface="Arial" panose="020B0604020202020204" pitchFamily="34" charset="0"/>
+              <a:buChar char="•"/>
+            </a:pPr>
+            <a:endParaRPr lang="de-DE" dirty="0"/>
           </a:p>
         </p:txBody>
       </p:sp>
@@ -5279,7 +4928,7 @@
             <a:fld id="{18182567-388C-4D33-8B7B-A651F195F118}" type="slidenum">
               <a:rPr lang="de-DE" altLang="de-DE" smtClean="0"/>
               <a:pPr/>
-              <a:t>10</a:t>
+              <a:t>8</a:t>
             </a:fld>
             <a:endParaRPr lang="de-DE" altLang="de-DE"/>
           </a:p>
@@ -5288,7 +4937,7 @@
     </p:spTree>
     <p:extLst>
       <p:ext uri="{BB962C8B-B14F-4D97-AF65-F5344CB8AC3E}">
-        <p14:creationId xmlns:p14="http://schemas.microsoft.com/office/powerpoint/2010/main" val="4044336700"/>
+        <p14:creationId xmlns:p14="http://schemas.microsoft.com/office/powerpoint/2010/main" val="4030025492"/>
       </p:ext>
     </p:extLst>
   </p:cSld>
@@ -5344,7 +4993,17 @@
           <a:p>
             <a:r>
               <a:rPr lang="de-DE" dirty="0"/>
-              <a:t>Quelle:</a:t>
+              <a:t>1)</a:t>
+            </a:r>
+          </a:p>
+          <a:p>
+            <a:r>
+              <a:rPr lang="de-DE" dirty="0" err="1"/>
+              <a:t>CIOps</a:t>
+            </a:r>
+            <a:r>
+              <a:rPr lang="de-DE" dirty="0"/>
+              <a:t>:</a:t>
             </a:r>
           </a:p>
           <a:p>
@@ -5354,7 +5013,541 @@
             </a:pPr>
             <a:r>
               <a:rPr lang="de-DE" dirty="0"/>
-              <a:t>https://about.gitlab.com/topics/gitops/</a:t>
+              <a:t>Softwareentwickler pushen Code in ein </a:t>
+            </a:r>
+            <a:r>
+              <a:rPr lang="de-DE" dirty="0" err="1"/>
+              <a:t>Git</a:t>
+            </a:r>
+            <a:r>
+              <a:rPr lang="de-DE" dirty="0"/>
+              <a:t> Repo. </a:t>
+            </a:r>
+          </a:p>
+          <a:p>
+            <a:pPr marL="171450" indent="-171450">
+              <a:buFont typeface="Arial" panose="020B0604020202020204" pitchFamily="34" charset="0"/>
+              <a:buChar char="•"/>
+            </a:pPr>
+            <a:r>
+              <a:rPr lang="de-DE" dirty="0"/>
+              <a:t>Auf das </a:t>
+            </a:r>
+            <a:r>
+              <a:rPr lang="de-DE" dirty="0" err="1"/>
+              <a:t>Git</a:t>
+            </a:r>
+            <a:r>
+              <a:rPr lang="de-DE" dirty="0"/>
+              <a:t> Repo lauscht ein CI Server.</a:t>
+            </a:r>
+          </a:p>
+          <a:p>
+            <a:pPr marL="171450" indent="-171450">
+              <a:buFont typeface="Arial" panose="020B0604020202020204" pitchFamily="34" charset="0"/>
+              <a:buChar char="•"/>
+            </a:pPr>
+            <a:r>
+              <a:rPr lang="de-DE" dirty="0"/>
+              <a:t>Dieser baut, testet, </a:t>
+            </a:r>
+            <a:r>
+              <a:rPr lang="de-DE" dirty="0" err="1"/>
+              <a:t>linted</a:t>
+            </a:r>
+            <a:r>
+              <a:rPr lang="de-DE" dirty="0"/>
+              <a:t>, statisch analysiert und </a:t>
+            </a:r>
+          </a:p>
+          <a:p>
+            <a:pPr marL="628650" lvl="1" indent="-171450">
+              <a:buFont typeface="Arial" panose="020B0604020202020204" pitchFamily="34" charset="0"/>
+              <a:buChar char="•"/>
+            </a:pPr>
+            <a:r>
+              <a:rPr lang="de-DE" dirty="0"/>
+              <a:t>wenn das alles erfolgreich war, wird in </a:t>
+            </a:r>
+            <a:r>
+              <a:rPr lang="de-DE" dirty="0" err="1"/>
+              <a:t>in</a:t>
+            </a:r>
+            <a:r>
+              <a:rPr lang="de-DE" dirty="0"/>
+              <a:t> eine Betriebsumgebung </a:t>
+            </a:r>
+            <a:r>
+              <a:rPr lang="de-DE" dirty="0" err="1"/>
+              <a:t>deployed</a:t>
+            </a:r>
+            <a:r>
+              <a:rPr lang="de-DE" dirty="0"/>
+              <a:t>. </a:t>
+            </a:r>
+          </a:p>
+          <a:p>
+            <a:endParaRPr lang="de-DE" dirty="0"/>
+          </a:p>
+          <a:p>
+            <a:r>
+              <a:rPr lang="de-DE" dirty="0"/>
+              <a:t>„Push“-Prinzip (durch den deploy-Pfeil!), wie der Code in die produktive Umgebung kommt.</a:t>
+            </a:r>
+          </a:p>
+          <a:p>
+            <a:endParaRPr lang="de-DE" dirty="0"/>
+          </a:p>
+          <a:p>
+            <a:r>
+              <a:rPr lang="de-DE" dirty="0"/>
+              <a:t>2) </a:t>
+            </a:r>
+            <a:r>
+              <a:rPr lang="de-DE" dirty="0" err="1"/>
+              <a:t>GitOps</a:t>
+            </a:r>
+            <a:r>
+              <a:rPr lang="de-DE" dirty="0"/>
+              <a:t>, kleiner aber feiner Unterschied: „Pull“-Prinzip aus dem K8s Cluster heraus.</a:t>
+            </a:r>
+          </a:p>
+          <a:p>
+            <a:endParaRPr lang="de-DE" dirty="0"/>
+          </a:p>
+          <a:p>
+            <a:pPr marL="171450" indent="-171450">
+              <a:buFont typeface="Arial" panose="020B0604020202020204" pitchFamily="34" charset="0"/>
+              <a:buChar char="•"/>
+            </a:pPr>
+            <a:r>
+              <a:rPr lang="de-DE" dirty="0"/>
+              <a:t>Softwareentwickler pushen Code in ein </a:t>
+            </a:r>
+            <a:r>
+              <a:rPr lang="de-DE" dirty="0" err="1"/>
+              <a:t>Git</a:t>
+            </a:r>
+            <a:r>
+              <a:rPr lang="de-DE" dirty="0"/>
+              <a:t> Repo. </a:t>
+            </a:r>
+          </a:p>
+          <a:p>
+            <a:pPr marL="171450" indent="-171450">
+              <a:buFont typeface="Arial" panose="020B0604020202020204" pitchFamily="34" charset="0"/>
+              <a:buChar char="•"/>
+            </a:pPr>
+            <a:r>
+              <a:rPr lang="de-DE" dirty="0"/>
+              <a:t>Auf das </a:t>
+            </a:r>
+            <a:r>
+              <a:rPr lang="de-DE" dirty="0" err="1"/>
+              <a:t>Git</a:t>
+            </a:r>
+            <a:r>
+              <a:rPr lang="de-DE" dirty="0"/>
+              <a:t> Repo lauscht ein CI Server.</a:t>
+            </a:r>
+          </a:p>
+          <a:p>
+            <a:pPr marL="171450" indent="-171450">
+              <a:buFont typeface="Arial" panose="020B0604020202020204" pitchFamily="34" charset="0"/>
+              <a:buChar char="•"/>
+            </a:pPr>
+            <a:r>
+              <a:rPr lang="de-DE" dirty="0"/>
+              <a:t>Der/das Cluster zieht sich sein Stake aus dem </a:t>
+            </a:r>
+            <a:r>
+              <a:rPr lang="de-DE" dirty="0" err="1"/>
+              <a:t>Git</a:t>
+            </a:r>
+            <a:r>
+              <a:rPr lang="de-DE" dirty="0"/>
+              <a:t> selbst. </a:t>
+            </a:r>
+          </a:p>
+          <a:p>
+            <a:pPr marL="171450" indent="-171450">
+              <a:buFont typeface="Arial" panose="020B0604020202020204" pitchFamily="34" charset="0"/>
+              <a:buChar char="•"/>
+            </a:pPr>
+            <a:r>
+              <a:rPr lang="de-DE" dirty="0"/>
+              <a:t>Das geschieht durch die Umsetzung des Operator-Pattern im </a:t>
+            </a:r>
+            <a:r>
+              <a:rPr lang="de-DE" dirty="0" err="1"/>
+              <a:t>Kubernetes</a:t>
+            </a:r>
+            <a:r>
+              <a:rPr lang="de-DE" dirty="0"/>
+              <a:t>. </a:t>
+            </a:r>
+          </a:p>
+          <a:p>
+            <a:pPr marL="171450" indent="-171450">
+              <a:buFont typeface="Arial" panose="020B0604020202020204" pitchFamily="34" charset="0"/>
+              <a:buChar char="•"/>
+            </a:pPr>
+            <a:r>
+              <a:rPr lang="de-DE" dirty="0"/>
+              <a:t>Der </a:t>
+            </a:r>
+            <a:r>
+              <a:rPr lang="de-DE" dirty="0" err="1"/>
+              <a:t>GitOps</a:t>
+            </a:r>
+            <a:r>
+              <a:rPr lang="de-DE" dirty="0"/>
+              <a:t> Operator lauscht auf das </a:t>
+            </a:r>
+            <a:r>
+              <a:rPr lang="de-DE" dirty="0" err="1"/>
+              <a:t>Git</a:t>
+            </a:r>
+            <a:r>
+              <a:rPr lang="de-DE" dirty="0"/>
+              <a:t> Repo und dort den Zielzustand des Systems abruft (= SOLL-Zustand) und dieser wird verglichen mit dem IST-Zustand (bereitgestellt durch den API Server) des Clusters.</a:t>
+            </a:r>
+          </a:p>
+          <a:p>
+            <a:pPr marL="171450" indent="-171450">
+              <a:buFont typeface="Arial" panose="020B0604020202020204" pitchFamily="34" charset="0"/>
+              <a:buChar char="•"/>
+            </a:pPr>
+            <a:r>
+              <a:rPr lang="de-DE" dirty="0"/>
+              <a:t>Wenn es zwischen diesen beiden Zuständen einen Unterschied gibt, dann wird der </a:t>
+            </a:r>
+            <a:r>
+              <a:rPr lang="de-DE" dirty="0" err="1"/>
+              <a:t>GitOps</a:t>
+            </a:r>
+            <a:r>
+              <a:rPr lang="de-DE" dirty="0"/>
+              <a:t> Operator aktiv und gleicht den IST-Zustand and den SOLL-Zustand an.</a:t>
+            </a:r>
+          </a:p>
+          <a:p>
+            <a:endParaRPr lang="de-DE" dirty="0"/>
+          </a:p>
+          <a:p>
+            <a:r>
+              <a:rPr lang="de-DE" dirty="0"/>
+              <a:t>3) Wie wird beim </a:t>
+            </a:r>
+            <a:r>
+              <a:rPr lang="de-DE" dirty="0" err="1"/>
+              <a:t>CIOps</a:t>
+            </a:r>
+            <a:r>
+              <a:rPr lang="de-DE" dirty="0"/>
+              <a:t> das </a:t>
+            </a:r>
+            <a:r>
+              <a:rPr lang="de-DE" dirty="0" err="1"/>
+              <a:t>Deployment</a:t>
+            </a:r>
+            <a:r>
+              <a:rPr lang="de-DE" dirty="0"/>
+              <a:t> durchgeführt? (Frage in die Runde??!)</a:t>
+            </a:r>
+          </a:p>
+          <a:p>
+            <a:r>
+              <a:rPr lang="de-DE" dirty="0"/>
+              <a:t>Beim CI-Server ist es Imperativ. Beispielsweise über </a:t>
+            </a:r>
+            <a:r>
+              <a:rPr lang="de-DE" dirty="0" err="1"/>
+              <a:t>Deployment</a:t>
+            </a:r>
+            <a:r>
+              <a:rPr lang="de-DE" dirty="0"/>
+              <a:t>-Skripte.</a:t>
+            </a:r>
+          </a:p>
+          <a:p>
+            <a:endParaRPr lang="de-DE" dirty="0"/>
+          </a:p>
+          <a:p>
+            <a:r>
+              <a:rPr lang="de-DE" dirty="0"/>
+              <a:t>Wie wird das </a:t>
+            </a:r>
+            <a:r>
+              <a:rPr lang="de-DE" dirty="0" err="1"/>
+              <a:t>Deployment</a:t>
+            </a:r>
+            <a:r>
+              <a:rPr lang="de-DE" dirty="0"/>
+              <a:t> beim </a:t>
+            </a:r>
+            <a:r>
+              <a:rPr lang="de-DE" dirty="0" err="1"/>
+              <a:t>GitOps</a:t>
+            </a:r>
+            <a:r>
+              <a:rPr lang="de-DE" dirty="0"/>
+              <a:t> durchgeführt?</a:t>
+            </a:r>
+          </a:p>
+          <a:p>
+            <a:r>
+              <a:rPr lang="de-DE" dirty="0"/>
+              <a:t>Beim </a:t>
+            </a:r>
+            <a:r>
+              <a:rPr lang="de-DE" dirty="0" err="1"/>
+              <a:t>GitOps</a:t>
+            </a:r>
+            <a:r>
+              <a:rPr lang="de-DE" dirty="0"/>
+              <a:t> ist das rein deklarativ.</a:t>
+            </a:r>
+          </a:p>
+          <a:p>
+            <a:endParaRPr lang="de-DE" dirty="0"/>
+          </a:p>
+          <a:p>
+            <a:r>
+              <a:rPr lang="de-DE" dirty="0"/>
+              <a:t>4) Ausführungssemantik? </a:t>
+            </a:r>
+          </a:p>
+          <a:p>
+            <a:r>
+              <a:rPr lang="de-DE" dirty="0"/>
+              <a:t>Beim CI-Server 1x (EIN MAL), also </a:t>
+            </a:r>
+            <a:r>
+              <a:rPr lang="de-DE" dirty="0" err="1"/>
+              <a:t>once</a:t>
+            </a:r>
+            <a:r>
+              <a:rPr lang="de-DE" dirty="0"/>
+              <a:t>. Der hat eine Ausführungssemantik durch einen Push/Trigger oder eben durch das manuelle Starten</a:t>
+            </a:r>
+          </a:p>
+          <a:p>
+            <a:endParaRPr lang="de-DE" dirty="0"/>
+          </a:p>
+          <a:p>
+            <a:r>
+              <a:rPr lang="de-DE" dirty="0"/>
+              <a:t>Bei </a:t>
+            </a:r>
+            <a:r>
+              <a:rPr lang="de-DE" dirty="0" err="1"/>
+              <a:t>GitOps</a:t>
+            </a:r>
+            <a:r>
+              <a:rPr lang="de-DE" dirty="0"/>
+              <a:t>: es ist kontinuierlich. (</a:t>
+            </a:r>
+            <a:r>
+              <a:rPr lang="de-DE" dirty="0" err="1"/>
+              <a:t>continuously</a:t>
+            </a:r>
+            <a:r>
+              <a:rPr lang="de-DE" dirty="0"/>
+              <a:t>) Stichwort: </a:t>
+            </a:r>
+            <a:r>
+              <a:rPr lang="de-DE" dirty="0" err="1"/>
+              <a:t>Continuous</a:t>
+            </a:r>
+            <a:r>
+              <a:rPr lang="de-DE" dirty="0"/>
+              <a:t> </a:t>
+            </a:r>
+            <a:r>
+              <a:rPr lang="de-DE" dirty="0" err="1"/>
+              <a:t>Operations</a:t>
+            </a:r>
+            <a:r>
+              <a:rPr lang="de-DE" dirty="0"/>
+              <a:t>.</a:t>
+            </a:r>
+          </a:p>
+          <a:p>
+            <a:r>
+              <a:rPr lang="de-DE" dirty="0"/>
+              <a:t>Der Operator prüft kontinuierlich, ob es etwas neues in </a:t>
+            </a:r>
+            <a:r>
+              <a:rPr lang="de-DE" dirty="0" err="1"/>
+              <a:t>Git</a:t>
+            </a:r>
+            <a:r>
+              <a:rPr lang="de-DE" dirty="0"/>
+              <a:t> gibt oder sich der Zustand verändert hat.</a:t>
+            </a:r>
+          </a:p>
+          <a:p>
+            <a:endParaRPr lang="de-DE" dirty="0"/>
+          </a:p>
+          <a:p>
+            <a:r>
+              <a:rPr lang="de-DE" dirty="0"/>
+              <a:t>5) </a:t>
+            </a:r>
+          </a:p>
+          <a:p>
+            <a:endParaRPr lang="de-DE" dirty="0"/>
+          </a:p>
+          <a:p>
+            <a:r>
+              <a:rPr lang="de-DE" dirty="0" err="1"/>
+              <a:t>Klassiches</a:t>
+            </a:r>
+            <a:r>
+              <a:rPr lang="de-DE" dirty="0"/>
+              <a:t> </a:t>
+            </a:r>
+            <a:r>
+              <a:rPr lang="de-DE" dirty="0" err="1"/>
+              <a:t>CIOps</a:t>
+            </a:r>
+            <a:r>
+              <a:rPr lang="de-DE" dirty="0"/>
+              <a:t> macht der CI-Server CI und im Zweifel zusätzlich CD</a:t>
+            </a:r>
+          </a:p>
+          <a:p>
+            <a:endParaRPr lang="de-DE" dirty="0"/>
+          </a:p>
+          <a:p>
+            <a:r>
+              <a:rPr lang="de-DE" dirty="0"/>
+              <a:t>Das ist bei </a:t>
+            </a:r>
+            <a:r>
+              <a:rPr lang="de-DE" dirty="0" err="1"/>
+              <a:t>GitOps</a:t>
+            </a:r>
+            <a:r>
+              <a:rPr lang="de-DE" dirty="0"/>
+              <a:t> anders:</a:t>
+            </a:r>
+          </a:p>
+          <a:p>
+            <a:pPr marL="171450" indent="-171450">
+              <a:buFont typeface="Arial" panose="020B0604020202020204" pitchFamily="34" charset="0"/>
+              <a:buChar char="•"/>
+            </a:pPr>
+            <a:r>
+              <a:rPr lang="de-DE" dirty="0"/>
+              <a:t>Dort macht der CI Server tatsächlich nur CI</a:t>
+            </a:r>
+          </a:p>
+          <a:p>
+            <a:pPr marL="171450" indent="-171450">
+              <a:buFont typeface="Arial" panose="020B0604020202020204" pitchFamily="34" charset="0"/>
+              <a:buChar char="•"/>
+            </a:pPr>
+            <a:r>
+              <a:rPr lang="de-DE" dirty="0"/>
+              <a:t>Der </a:t>
+            </a:r>
+            <a:r>
+              <a:rPr lang="de-DE" dirty="0" err="1"/>
+              <a:t>GitOps</a:t>
+            </a:r>
+            <a:r>
+              <a:rPr lang="de-DE" dirty="0"/>
+              <a:t> Operator übernimmt den CD Teil</a:t>
+            </a:r>
+          </a:p>
+          <a:p>
+            <a:pPr marL="628650" lvl="1" indent="-171450">
+              <a:buFont typeface="Arial" panose="020B0604020202020204" pitchFamily="34" charset="0"/>
+              <a:buChar char="•"/>
+            </a:pPr>
+            <a:r>
+              <a:rPr lang="de-DE" dirty="0">
+                <a:sym typeface="Wingdings" panose="05000000000000000000" pitchFamily="2" charset="2"/>
+              </a:rPr>
+              <a:t></a:t>
+            </a:r>
+            <a:r>
+              <a:rPr lang="de-DE" dirty="0"/>
+              <a:t>„Man könnte </a:t>
+            </a:r>
+            <a:r>
+              <a:rPr lang="de-DE" dirty="0" err="1"/>
+              <a:t>GitOps</a:t>
+            </a:r>
+            <a:r>
+              <a:rPr lang="de-DE" dirty="0"/>
+              <a:t> als </a:t>
+            </a:r>
+            <a:r>
+              <a:rPr lang="de-DE" dirty="0" err="1"/>
+              <a:t>continuous</a:t>
+            </a:r>
+            <a:r>
+              <a:rPr lang="de-DE" dirty="0"/>
+              <a:t> </a:t>
+            </a:r>
+            <a:r>
+              <a:rPr lang="de-DE" dirty="0" err="1"/>
+              <a:t>delivery</a:t>
+            </a:r>
+            <a:r>
+              <a:rPr lang="de-DE" dirty="0"/>
+              <a:t> für </a:t>
+            </a:r>
+            <a:r>
+              <a:rPr lang="de-DE" dirty="0" err="1"/>
+              <a:t>cloud</a:t>
+            </a:r>
+            <a:r>
+              <a:rPr lang="de-DE" dirty="0"/>
+              <a:t>-native Anwendungen interpretieren“</a:t>
+            </a:r>
+          </a:p>
+          <a:p>
+            <a:pPr marL="628650" lvl="1" indent="-171450">
+              <a:buFont typeface="Arial" panose="020B0604020202020204" pitchFamily="34" charset="0"/>
+              <a:buChar char="•"/>
+            </a:pPr>
+            <a:endParaRPr lang="de-DE" dirty="0"/>
+          </a:p>
+          <a:p>
+            <a:pPr marL="628650" lvl="1" indent="-171450">
+              <a:buFont typeface="Arial" panose="020B0604020202020204" pitchFamily="34" charset="0"/>
+              <a:buChar char="•"/>
+            </a:pPr>
+            <a:endParaRPr lang="de-DE" dirty="0"/>
+          </a:p>
+          <a:p>
+            <a:pPr marL="0" lvl="0" indent="0">
+              <a:buFont typeface="Arial" panose="020B0604020202020204" pitchFamily="34" charset="0"/>
+              <a:buNone/>
+            </a:pPr>
+            <a:r>
+              <a:rPr lang="de-DE" dirty="0"/>
+              <a:t>Somit haben wir die Herleitung, wie sich </a:t>
+            </a:r>
+            <a:r>
+              <a:rPr lang="de-DE" dirty="0" err="1"/>
+              <a:t>GitOps</a:t>
+            </a:r>
+            <a:r>
+              <a:rPr lang="de-DE" dirty="0"/>
+              <a:t> von </a:t>
+            </a:r>
+            <a:r>
+              <a:rPr lang="de-DE" dirty="0" err="1"/>
+              <a:t>CIOps</a:t>
+            </a:r>
+            <a:r>
+              <a:rPr lang="de-DE" dirty="0"/>
+              <a:t> unterscheidet.</a:t>
             </a:r>
           </a:p>
         </p:txBody>
@@ -5377,7 +5570,7 @@
             <a:fld id="{18182567-388C-4D33-8B7B-A651F195F118}" type="slidenum">
               <a:rPr lang="de-DE" altLang="de-DE" smtClean="0"/>
               <a:pPr/>
-              <a:t>11</a:t>
+              <a:t>9</a:t>
             </a:fld>
             <a:endParaRPr lang="de-DE" altLang="de-DE"/>
           </a:p>
@@ -5386,7 +5579,7 @@
     </p:spTree>
     <p:extLst>
       <p:ext uri="{BB962C8B-B14F-4D97-AF65-F5344CB8AC3E}">
-        <p14:creationId xmlns:p14="http://schemas.microsoft.com/office/powerpoint/2010/main" val="904260392"/>
+        <p14:creationId xmlns:p14="http://schemas.microsoft.com/office/powerpoint/2010/main" val="3979204594"/>
       </p:ext>
     </p:extLst>
   </p:cSld>
@@ -5442,19 +5635,8 @@
           <a:p>
             <a:r>
               <a:rPr lang="de-DE" dirty="0"/>
-              <a:t>Quelle: </a:t>
-            </a:r>
-          </a:p>
-          <a:p>
-            <a:pPr marL="171450" indent="-171450">
-              <a:buFont typeface="Arial" panose="020B0604020202020204" pitchFamily="34" charset="0"/>
-              <a:buChar char="•"/>
-            </a:pPr>
-            <a:r>
-              <a:rPr lang="de-DE" dirty="0" err="1"/>
-              <a:t>gitlab-ebook</a:t>
-            </a:r>
-            <a:endParaRPr lang="de-DE" dirty="0"/>
+              <a:t>Quelle: https://imageresizer.com/de/meme-generator/bearbeiten/but-why </a:t>
+            </a:r>
           </a:p>
         </p:txBody>
       </p:sp>
@@ -5476,7 +5658,7 @@
             <a:fld id="{18182567-388C-4D33-8B7B-A651F195F118}" type="slidenum">
               <a:rPr lang="de-DE" altLang="de-DE" smtClean="0"/>
               <a:pPr/>
-              <a:t>14</a:t>
+              <a:t>10</a:t>
             </a:fld>
             <a:endParaRPr lang="de-DE" altLang="de-DE"/>
           </a:p>
@@ -5485,7 +5667,7 @@
     </p:spTree>
     <p:extLst>
       <p:ext uri="{BB962C8B-B14F-4D97-AF65-F5344CB8AC3E}">
-        <p14:creationId xmlns:p14="http://schemas.microsoft.com/office/powerpoint/2010/main" val="696351830"/>
+        <p14:creationId xmlns:p14="http://schemas.microsoft.com/office/powerpoint/2010/main" val="4044336700"/>
       </p:ext>
     </p:extLst>
   </p:cSld>
@@ -5540,31 +5722,19 @@
           <a:lstStyle/>
           <a:p>
             <a:r>
-              <a:rPr lang="de-DE" dirty="0" err="1"/>
-              <a:t>Ggf</a:t>
-            </a:r>
-            <a:r>
               <a:rPr lang="de-DE" dirty="0"/>
-              <a:t> Quelle tauschen? </a:t>
-            </a:r>
-          </a:p>
-          <a:p>
+              <a:t>Quelle:</a:t>
+            </a:r>
+          </a:p>
+          <a:p>
+            <a:pPr marL="171450" indent="-171450">
+              <a:buFont typeface="Arial" panose="020B0604020202020204" pitchFamily="34" charset="0"/>
+              <a:buChar char="•"/>
+            </a:pPr>
             <a:r>
               <a:rPr lang="de-DE" dirty="0"/>
-              <a:t>https://services.google.com/fh/files/misc/state-of-devops-2021.pdf</a:t>
-            </a:r>
-          </a:p>
-          <a:p>
-            <a:endParaRPr lang="de-DE" dirty="0"/>
-          </a:p>
-          <a:p>
-            <a:r>
-              <a:rPr lang="de-DE" dirty="0"/>
-              <a:t>https://services.google.com/fh/files/misc/2023_final_report_sodr.pdf</a:t>
-            </a:r>
-          </a:p>
-          <a:p>
-            <a:endParaRPr lang="de-DE" dirty="0"/>
+              <a:t>https://about.gitlab.com/topics/gitops/</a:t>
+            </a:r>
           </a:p>
         </p:txBody>
       </p:sp>
@@ -5586,7 +5756,7 @@
             <a:fld id="{18182567-388C-4D33-8B7B-A651F195F118}" type="slidenum">
               <a:rPr lang="de-DE" altLang="de-DE" smtClean="0"/>
               <a:pPr/>
-              <a:t>15</a:t>
+              <a:t>11</a:t>
             </a:fld>
             <a:endParaRPr lang="de-DE" altLang="de-DE"/>
           </a:p>
@@ -5595,7 +5765,7 @@
     </p:spTree>
     <p:extLst>
       <p:ext uri="{BB962C8B-B14F-4D97-AF65-F5344CB8AC3E}">
-        <p14:creationId xmlns:p14="http://schemas.microsoft.com/office/powerpoint/2010/main" val="4231016066"/>
+        <p14:creationId xmlns:p14="http://schemas.microsoft.com/office/powerpoint/2010/main" val="904260392"/>
       </p:ext>
     </p:extLst>
   </p:cSld>
@@ -6080,7 +6250,7 @@
               <a:pPr algn="ctr">
                 <a:defRPr/>
               </a:pPr>
-              <a:t>07.06.2024</a:t>
+              <a:t>10.06.2024</a:t>
             </a:fld>
             <a:endParaRPr lang="de-DE" sz="1000">
               <a:solidFill>
@@ -6443,7 +6613,7 @@
                 </a:solidFill>
                 <a:latin typeface="Arial" charset="0"/>
               </a:rPr>
-              <a:t>&lt;Autor&gt;</a:t>
+              <a:t>Daniel Krämer &amp; Malte Fischer</a:t>
             </a:r>
           </a:p>
         </p:txBody>
@@ -6465,7 +6635,7 @@
         <p:spPr bwMode="auto">
           <a:xfrm>
             <a:off x="4252913" y="6424613"/>
-            <a:ext cx="1311578" cy="246221"/>
+            <a:ext cx="1375698" cy="246221"/>
           </a:xfrm>
           <a:prstGeom prst="rect">
             <a:avLst/>
@@ -6495,7 +6665,7 @@
                 </a:solidFill>
                 <a:latin typeface="Arial" charset="0"/>
               </a:rPr>
-              <a:t>Tag-2_5-GitOps.ppt</a:t>
+              <a:t>Tag-3_1-GitOps.pptx</a:t>
             </a:r>
             <a:endParaRPr lang="de-DE" dirty="0">
               <a:solidFill>
@@ -8049,7 +8219,7 @@
         <p:spPr bwMode="auto">
           <a:xfrm>
             <a:off x="468313" y="2562225"/>
-            <a:ext cx="4967287" cy="938213"/>
+            <a:ext cx="5471839" cy="938213"/>
           </a:xfrm>
           <a:prstGeom prst="rect">
             <a:avLst/>
@@ -8082,21 +8252,31 @@
             <a:pPr algn="l" eaLnBrk="1" hangingPunct="1"/>
             <a:r>
               <a:rPr lang="de-DE" altLang="de-DE" sz="3200" dirty="0"/>
-              <a:t>Tag 2: Vertiefung </a:t>
-            </a:r>
-            <a:r>
-              <a:rPr lang="de-DE" altLang="de-DE" sz="3200" dirty="0" err="1"/>
-              <a:t>Git</a:t>
-            </a:r>
-            <a:r>
-              <a:rPr lang="de-DE" altLang="de-DE" sz="3200" dirty="0"/>
-              <a:t>-Workflow, CI/CD &amp; </a:t>
+              <a:t>Tag 3: </a:t>
             </a:r>
             <a:r>
               <a:rPr lang="de-DE" altLang="de-DE" sz="3200" dirty="0" err="1"/>
               <a:t>GitOps</a:t>
             </a:r>
-            <a:endParaRPr lang="de-DE" altLang="de-DE" sz="3200" dirty="0"/>
+            <a:r>
+              <a:rPr lang="de-DE" altLang="de-DE" sz="3200" dirty="0"/>
+              <a:t>,</a:t>
+            </a:r>
+            <a:br>
+              <a:rPr lang="de-DE" altLang="de-DE" sz="3200" dirty="0"/>
+            </a:br>
+            <a:r>
+              <a:rPr lang="de-DE" altLang="de-DE" sz="3200" dirty="0"/>
+              <a:t>Docker in der Entwicklung und </a:t>
+            </a:r>
+            <a:r>
+              <a:rPr lang="de-DE" altLang="de-DE" sz="3200" dirty="0" err="1"/>
+              <a:t>Deployment</a:t>
+            </a:r>
+            <a:r>
+              <a:rPr lang="de-DE" altLang="de-DE" sz="3200" dirty="0"/>
+              <a:t>-Strategien</a:t>
+            </a:r>
           </a:p>
         </p:txBody>
       </p:sp>
@@ -8118,8 +8298,8 @@
         </p:nvSpPr>
         <p:spPr bwMode="auto">
           <a:xfrm>
-            <a:off x="468313" y="4462463"/>
-            <a:ext cx="2159000" cy="622300"/>
+            <a:off x="468312" y="4462463"/>
+            <a:ext cx="4190603" cy="622300"/>
           </a:xfrm>
           <a:prstGeom prst="rect">
             <a:avLst/>
@@ -8154,8 +8334,8 @@
               <a:buNone/>
             </a:pPr>
             <a:r>
-              <a:rPr lang="de-DE" altLang="de-DE" sz="1600"/>
-              <a:t>&lt;Datum, Autor&gt;</a:t>
+              <a:rPr lang="de-DE" altLang="de-DE" sz="1600" dirty="0"/>
+              <a:t>19.06.2024, Daniel Krämer &amp; Malte Fischer</a:t>
             </a:r>
           </a:p>
         </p:txBody>
@@ -8308,18 +8488,54 @@
           </a:lstStyle>
           <a:p>
             <a:pPr eaLnBrk="1" hangingPunct="1"/>
-            <a:r>
-              <a:rPr lang="de-DE" altLang="de-DE" sz="4400">
-                <a:solidFill>
-                  <a:schemeClr val="tx2"/>
-                </a:solidFill>
-                <a:latin typeface="Arial" panose="020B0604020202020204" pitchFamily="34" charset="0"/>
-              </a:rPr>
-              <a:t>&lt;Kundenlogo&gt;</a:t>
-            </a:r>
+            <a:endParaRPr lang="de-DE" altLang="de-DE" sz="4400" dirty="0">
+              <a:solidFill>
+                <a:schemeClr val="tx2"/>
+              </a:solidFill>
+              <a:latin typeface="Arial" panose="020B0604020202020204" pitchFamily="34" charset="0"/>
+            </a:endParaRPr>
           </a:p>
         </p:txBody>
       </p:sp>
+      <p:pic>
+        <p:nvPicPr>
+          <p:cNvPr id="3" name="Grafik 2">
+            <a:extLst>
+              <a:ext uri="{FF2B5EF4-FFF2-40B4-BE49-F238E27FC236}">
+                <a16:creationId xmlns:a16="http://schemas.microsoft.com/office/drawing/2014/main" id="{F795EC6A-86ED-78D6-3916-EC81E8315965}"/>
+              </a:ext>
+            </a:extLst>
+          </p:cNvPr>
+          <p:cNvPicPr>
+            <a:picLocks noChangeAspect="1"/>
+          </p:cNvPicPr>
+          <p:nvPr/>
+        </p:nvPicPr>
+        <p:blipFill>
+          <a:blip r:embed="rId3">
+            <a:extLst>
+              <a:ext uri="{28A0092B-C50C-407E-A947-70E740481C1C}">
+                <a14:useLocalDpi xmlns:a14="http://schemas.microsoft.com/office/drawing/2010/main" val="0"/>
+              </a:ext>
+              <a:ext uri="{96DAC541-7B7A-43D3-8B79-37D633B846F1}">
+                <asvg:svgBlip xmlns:asvg="http://schemas.microsoft.com/office/drawing/2016/SVG/main" r:embed="rId4"/>
+              </a:ext>
+            </a:extLst>
+          </a:blip>
+          <a:stretch>
+            <a:fillRect/>
+          </a:stretch>
+        </p:blipFill>
+        <p:spPr>
+          <a:xfrm>
+            <a:off x="309959" y="263970"/>
+            <a:ext cx="4348957" cy="1508822"/>
+          </a:xfrm>
+          <a:prstGeom prst="rect">
+            <a:avLst/>
+          </a:prstGeom>
+        </p:spPr>
+      </p:pic>
     </p:spTree>
   </p:cSld>
   <p:clrMapOvr>
@@ -10723,7 +10939,132 @@
               <a:buFont typeface="Arial" panose="020B0604020202020204" pitchFamily="34" charset="0"/>
               <a:buChar char="•"/>
             </a:pPr>
-            <a:endParaRPr lang="de-DE" altLang="de-DE" sz="1800" b="1" dirty="0"/>
+            <a:r>
+              <a:rPr lang="de-DE" altLang="de-DE" sz="1800" b="1" dirty="0"/>
+              <a:t>Tag 1 – Einführung in </a:t>
+            </a:r>
+            <a:r>
+              <a:rPr lang="de-DE" altLang="de-DE" sz="1800" b="1" dirty="0" err="1"/>
+              <a:t>Git</a:t>
+            </a:r>
+            <a:r>
+              <a:rPr lang="de-DE" altLang="de-DE" sz="1800" b="1" dirty="0"/>
+              <a:t> und </a:t>
+            </a:r>
+            <a:r>
+              <a:rPr lang="de-DE" altLang="de-DE" sz="1800" b="1" dirty="0" err="1"/>
+              <a:t>GitLab</a:t>
+            </a:r>
+            <a:r>
+              <a:rPr lang="de-DE" altLang="de-DE" sz="1800" b="1" dirty="0"/>
+              <a:t>, </a:t>
+            </a:r>
+            <a:r>
+              <a:rPr lang="de-DE" altLang="de-DE" sz="1800" b="1" dirty="0" err="1"/>
+              <a:t>Git</a:t>
+            </a:r>
+            <a:r>
+              <a:rPr lang="de-DE" altLang="de-DE" sz="1800" b="1" dirty="0"/>
+              <a:t>-Workflow im Team</a:t>
+            </a:r>
+          </a:p>
+          <a:p>
+            <a:pPr lvl="1">
+              <a:buFont typeface="Arial" panose="020B0604020202020204" pitchFamily="34" charset="0"/>
+              <a:buChar char="•"/>
+            </a:pPr>
+            <a:r>
+              <a:rPr lang="de-DE" altLang="de-DE" sz="1400" dirty="0"/>
+              <a:t>Einführung &amp; Kursüberblick</a:t>
+            </a:r>
+          </a:p>
+          <a:p>
+            <a:pPr lvl="1">
+              <a:buFont typeface="Arial" panose="020B0604020202020204" pitchFamily="34" charset="0"/>
+              <a:buChar char="•"/>
+            </a:pPr>
+            <a:r>
+              <a:rPr lang="de-DE" altLang="de-DE" sz="1400" dirty="0"/>
+              <a:t>Grundlagen von </a:t>
+            </a:r>
+            <a:r>
+              <a:rPr lang="de-DE" altLang="de-DE" sz="1400" dirty="0" err="1"/>
+              <a:t>Git</a:t>
+            </a:r>
+            <a:endParaRPr lang="de-DE" altLang="de-DE" sz="1400" dirty="0"/>
+          </a:p>
+          <a:p>
+            <a:pPr lvl="1">
+              <a:buFont typeface="Arial" panose="020B0604020202020204" pitchFamily="34" charset="0"/>
+              <a:buChar char="•"/>
+            </a:pPr>
+            <a:r>
+              <a:rPr lang="de-DE" altLang="de-DE" sz="1400" dirty="0" err="1"/>
+              <a:t>Git</a:t>
+            </a:r>
+            <a:r>
+              <a:rPr lang="de-DE" altLang="de-DE" sz="1400" dirty="0"/>
+              <a:t> </a:t>
+            </a:r>
+            <a:r>
+              <a:rPr lang="de-DE" altLang="de-DE" sz="1400" dirty="0" err="1"/>
+              <a:t>Rebase</a:t>
+            </a:r>
+            <a:r>
+              <a:rPr lang="de-DE" altLang="de-DE" sz="1400" dirty="0"/>
+              <a:t> und </a:t>
+            </a:r>
+            <a:r>
+              <a:rPr lang="de-DE" altLang="de-DE" sz="1400" dirty="0" err="1"/>
+              <a:t>Merge</a:t>
+            </a:r>
+            <a:r>
+              <a:rPr lang="de-DE" altLang="de-DE" sz="1400" dirty="0"/>
+              <a:t>-Strategien</a:t>
+            </a:r>
+          </a:p>
+          <a:p>
+            <a:pPr lvl="1">
+              <a:buFont typeface="Arial" panose="020B0604020202020204" pitchFamily="34" charset="0"/>
+              <a:buChar char="•"/>
+            </a:pPr>
+            <a:r>
+              <a:rPr lang="de-DE" altLang="de-DE" sz="1400" dirty="0" err="1"/>
+              <a:t>Git</a:t>
+            </a:r>
+            <a:r>
+              <a:rPr lang="de-DE" altLang="de-DE" sz="1400" dirty="0"/>
+              <a:t> Remote</a:t>
+            </a:r>
+          </a:p>
+          <a:p>
+            <a:pPr lvl="1">
+              <a:buFont typeface="Arial" panose="020B0604020202020204" pitchFamily="34" charset="0"/>
+              <a:buChar char="•"/>
+            </a:pPr>
+            <a:r>
+              <a:rPr lang="de-DE" altLang="de-DE" sz="1400" dirty="0"/>
+              <a:t>Grundlagen von </a:t>
+            </a:r>
+            <a:r>
+              <a:rPr lang="de-DE" altLang="de-DE" sz="1400" dirty="0" err="1"/>
+              <a:t>GitLab</a:t>
+            </a:r>
+            <a:endParaRPr lang="de-DE" altLang="de-DE" sz="1400" dirty="0"/>
+          </a:p>
+          <a:p>
+            <a:pPr lvl="1">
+              <a:buFont typeface="Arial" panose="020B0604020202020204" pitchFamily="34" charset="0"/>
+              <a:buChar char="•"/>
+            </a:pPr>
+            <a:r>
+              <a:rPr lang="de-DE" altLang="de-DE" sz="1400" dirty="0" err="1"/>
+              <a:t>Git</a:t>
+            </a:r>
+            <a:r>
+              <a:rPr lang="de-DE" altLang="de-DE" sz="1400" dirty="0"/>
+              <a:t>-Workflow im Team</a:t>
+            </a:r>
           </a:p>
           <a:p>
             <a:pPr>
@@ -10732,7 +11073,7 @@
             </a:pPr>
             <a:r>
               <a:rPr lang="de-DE" altLang="de-DE" sz="1800" b="1" dirty="0"/>
-              <a:t>Tag 1 – Einführung in </a:t>
+              <a:t>Tag 2 – Vertiefung </a:t>
             </a:r>
             <a:r>
               <a:rPr lang="de-DE" altLang="de-DE" sz="1800" b="1" dirty="0" err="1"/>
@@ -10740,7 +11081,7 @@
             </a:r>
             <a:r>
               <a:rPr lang="de-DE" altLang="de-DE" sz="1800" b="1" dirty="0"/>
-              <a:t> und </a:t>
+              <a:t>-Workflow, CI/CD &amp; </a:t>
             </a:r>
             <a:r>
               <a:rPr lang="de-DE" altLang="de-DE" sz="1800" b="1" dirty="0" err="1"/>
@@ -10748,15 +11089,7 @@
             </a:r>
             <a:r>
               <a:rPr lang="de-DE" altLang="de-DE" sz="1800" b="1" dirty="0"/>
-              <a:t>, </a:t>
-            </a:r>
-            <a:r>
-              <a:rPr lang="de-DE" altLang="de-DE" sz="1800" b="1" dirty="0" err="1"/>
-              <a:t>Git</a:t>
-            </a:r>
-            <a:r>
-              <a:rPr lang="de-DE" altLang="de-DE" sz="1800" b="1" dirty="0"/>
-              <a:t>-Workflow im Team</a:t>
+              <a:t> CI </a:t>
             </a:r>
           </a:p>
           <a:p>
@@ -10765,8 +11098,12 @@
               <a:buChar char="•"/>
             </a:pPr>
             <a:r>
+              <a:rPr lang="de-DE" altLang="de-DE" sz="1400" dirty="0" err="1"/>
+              <a:t>Gitflow</a:t>
+            </a:r>
+            <a:r>
               <a:rPr lang="de-DE" altLang="de-DE" sz="1400" dirty="0"/>
-              <a:t>Einführung &amp; Kursüberblick</a:t>
+              <a:t>-Workflow</a:t>
             </a:r>
           </a:p>
           <a:p>
@@ -10776,21 +11113,8 @@
             </a:pPr>
             <a:r>
               <a:rPr lang="de-DE" altLang="de-DE" sz="1400" dirty="0"/>
-              <a:t>Grundlagen von </a:t>
-            </a:r>
-            <a:r>
-              <a:rPr lang="de-DE" altLang="de-DE" sz="1400" dirty="0" err="1"/>
-              <a:t>Git</a:t>
-            </a:r>
-            <a:r>
-              <a:rPr lang="de-DE" altLang="de-DE" sz="1400" dirty="0"/>
-              <a:t> und </a:t>
-            </a:r>
-            <a:r>
-              <a:rPr lang="de-DE" altLang="de-DE" sz="1400" dirty="0" err="1"/>
-              <a:t>GitLab</a:t>
-            </a:r>
-            <a:endParaRPr lang="de-DE" altLang="de-DE" sz="1400" dirty="0"/>
+              <a:t>Tags, Releases &amp; deren Verwaltung</a:t>
+            </a:r>
           </a:p>
           <a:p>
             <a:pPr lvl="1">
@@ -10799,27 +11123,11 @@
             </a:pPr>
             <a:r>
               <a:rPr lang="de-DE" altLang="de-DE" sz="1400" dirty="0" err="1"/>
-              <a:t>Git</a:t>
+              <a:t>GitLab</a:t>
             </a:r>
             <a:r>
               <a:rPr lang="de-DE" altLang="de-DE" sz="1400" dirty="0"/>
-              <a:t> </a:t>
-            </a:r>
-            <a:r>
-              <a:rPr lang="de-DE" altLang="de-DE" sz="1400" dirty="0" err="1"/>
-              <a:t>Rebase</a:t>
-            </a:r>
-            <a:r>
-              <a:rPr lang="de-DE" altLang="de-DE" sz="1400" dirty="0"/>
-              <a:t> &amp; </a:t>
-            </a:r>
-            <a:r>
-              <a:rPr lang="de-DE" altLang="de-DE" sz="1400" dirty="0" err="1"/>
-              <a:t>Merge</a:t>
-            </a:r>
-            <a:r>
-              <a:rPr lang="de-DE" altLang="de-DE" sz="1400" dirty="0"/>
-              <a:t>-Strategien</a:t>
+              <a:t>-Runner</a:t>
             </a:r>
           </a:p>
           <a:p>
@@ -10828,12 +11136,47 @@
               <a:buChar char="•"/>
             </a:pPr>
             <a:r>
+              <a:rPr lang="de-DE" altLang="de-DE" sz="1400" dirty="0"/>
+              <a:t>Einführung in </a:t>
+            </a:r>
+            <a:r>
               <a:rPr lang="de-DE" altLang="de-DE" sz="1400" dirty="0" err="1"/>
-              <a:t>Git</a:t>
+              <a:t>GitLab</a:t>
             </a:r>
             <a:r>
               <a:rPr lang="de-DE" altLang="de-DE" sz="1400" dirty="0"/>
-              <a:t>-Workflow im Team</a:t>
+              <a:t> CI/CD &amp; </a:t>
+            </a:r>
+            <a:r>
+              <a:rPr lang="de-DE" altLang="de-DE" sz="1400" dirty="0" err="1"/>
+              <a:t>gitlab.yml</a:t>
+            </a:r>
+            <a:endParaRPr lang="de-DE" altLang="de-DE" sz="1400" dirty="0"/>
+          </a:p>
+          <a:p>
+            <a:pPr>
+              <a:buFont typeface="Arial" panose="020B0604020202020204" pitchFamily="34" charset="0"/>
+              <a:buChar char="•"/>
+            </a:pPr>
+            <a:r>
+              <a:rPr lang="de-DE" altLang="de-DE" sz="1800" b="1" dirty="0"/>
+              <a:t>Tag 3 – </a:t>
+            </a:r>
+            <a:r>
+              <a:rPr lang="de-DE" altLang="de-DE" sz="1800" b="1" dirty="0" err="1"/>
+              <a:t>GitOps</a:t>
+            </a:r>
+            <a:r>
+              <a:rPr lang="de-DE" altLang="de-DE" sz="1800" b="1" dirty="0"/>
+              <a:t>, Docker in der Entwicklung und </a:t>
+            </a:r>
+            <a:r>
+              <a:rPr lang="de-DE" altLang="de-DE" sz="1800" b="1" dirty="0" err="1"/>
+              <a:t>Deployment</a:t>
+            </a:r>
+            <a:r>
+              <a:rPr lang="de-DE" altLang="de-DE" sz="1800" b="1" dirty="0"/>
+              <a:t>-Strategien</a:t>
             </a:r>
           </a:p>
           <a:p>
@@ -10841,30 +11184,14 @@
               <a:buFont typeface="Arial" panose="020B0604020202020204" pitchFamily="34" charset="0"/>
               <a:buChar char="•"/>
             </a:pPr>
-            <a:endParaRPr lang="de-DE" altLang="de-DE" sz="1400" dirty="0"/>
-          </a:p>
-          <a:p>
-            <a:pPr>
-              <a:buFont typeface="Arial" panose="020B0604020202020204" pitchFamily="34" charset="0"/>
-              <a:buChar char="•"/>
-            </a:pPr>
-            <a:r>
-              <a:rPr lang="de-DE" altLang="de-DE" sz="1800" b="1" dirty="0"/>
-              <a:t>Tag 2 – Vertiefung </a:t>
-            </a:r>
-            <a:r>
-              <a:rPr lang="de-DE" altLang="de-DE" sz="1800" b="1" dirty="0" err="1"/>
-              <a:t>Git</a:t>
-            </a:r>
-            <a:r>
-              <a:rPr lang="de-DE" altLang="de-DE" sz="1800" b="1" dirty="0"/>
-              <a:t>-Workflow, CI/CD &amp; </a:t>
-            </a:r>
-            <a:r>
-              <a:rPr lang="de-DE" altLang="de-DE" sz="1800" b="1" dirty="0" err="1"/>
+            <a:r>
+              <a:rPr lang="de-DE" altLang="de-DE" sz="1400" dirty="0" err="1"/>
               <a:t>GitOps</a:t>
             </a:r>
-            <a:endParaRPr lang="de-DE" altLang="de-DE" sz="1800" b="1" dirty="0"/>
+            <a:r>
+              <a:rPr lang="de-DE" altLang="de-DE" sz="1400" dirty="0"/>
+              <a:t> Grundlagen</a:t>
+            </a:r>
           </a:p>
           <a:p>
             <a:pPr lvl="1">
@@ -10872,12 +11199,8 @@
               <a:buChar char="•"/>
             </a:pPr>
             <a:r>
-              <a:rPr lang="de-DE" altLang="de-DE" sz="1400" dirty="0" err="1"/>
-              <a:t>Gitflow</a:t>
-            </a:r>
-            <a:r>
               <a:rPr lang="de-DE" altLang="de-DE" sz="1400" dirty="0"/>
-              <a:t>-Workflow</a:t>
+              <a:t>Lokale Entwicklung mit Docker</a:t>
             </a:r>
           </a:p>
           <a:p>
@@ -10887,7 +11210,7 @@
             </a:pPr>
             <a:r>
               <a:rPr lang="de-DE" altLang="de-DE" sz="1400" dirty="0"/>
-              <a:t>Tags, Releases &amp; deren Verwaltung</a:t>
+              <a:t>Container/Docker-Registry</a:t>
             </a:r>
           </a:p>
           <a:p>
@@ -10897,21 +11220,16 @@
             </a:pPr>
             <a:r>
               <a:rPr lang="de-DE" altLang="de-DE" sz="1400" dirty="0"/>
-              <a:t>Einführung in </a:t>
+              <a:t>Erstellen von Release- und </a:t>
             </a:r>
             <a:r>
               <a:rPr lang="de-DE" altLang="de-DE" sz="1400" dirty="0" err="1"/>
-              <a:t>GitLab</a:t>
+              <a:t>Tagged</a:t>
             </a:r>
             <a:r>
               <a:rPr lang="de-DE" altLang="de-DE" sz="1400" dirty="0"/>
-              <a:t> CI/CD &amp; </a:t>
-            </a:r>
-            <a:r>
-              <a:rPr lang="de-DE" altLang="de-DE" sz="1400" dirty="0" err="1"/>
-              <a:t>gitlab.yml</a:t>
-            </a:r>
-            <a:endParaRPr lang="de-DE" altLang="de-DE" sz="1400" dirty="0"/>
+              <a:t>-Images</a:t>
+            </a:r>
           </a:p>
           <a:p>
             <a:pPr lvl="1">
@@ -10920,105 +11238,25 @@
             </a:pPr>
             <a:r>
               <a:rPr lang="de-DE" altLang="de-DE" sz="1400" dirty="0"/>
-              <a:t>Grundlagen von </a:t>
+              <a:t>Möglichkeiten des </a:t>
             </a:r>
             <a:r>
               <a:rPr lang="de-DE" altLang="de-DE" sz="1400" dirty="0" err="1"/>
-              <a:t>GitOps</a:t>
-            </a:r>
-            <a:endParaRPr lang="de-DE" altLang="de-DE" sz="1400" dirty="0"/>
+              <a:t>Deployments</a:t>
+            </a:r>
+            <a:r>
+              <a:rPr lang="de-DE" altLang="de-DE" sz="1400" dirty="0"/>
+              <a:t> &amp; Verwaltung von Konfiguration</a:t>
+            </a:r>
           </a:p>
           <a:p>
             <a:pPr lvl="1">
               <a:buFont typeface="Arial" panose="020B0604020202020204" pitchFamily="34" charset="0"/>
               <a:buChar char="•"/>
             </a:pPr>
-            <a:endParaRPr lang="de-DE" altLang="de-DE" sz="1400" dirty="0"/>
-          </a:p>
-          <a:p>
-            <a:pPr>
-              <a:buFont typeface="Arial" panose="020B0604020202020204" pitchFamily="34" charset="0"/>
-              <a:buChar char="•"/>
-            </a:pPr>
-            <a:r>
-              <a:rPr lang="de-DE" altLang="de-DE" sz="1800" b="1" dirty="0"/>
-              <a:t>Tag 3 – Docker in der Entwicklung, </a:t>
-            </a:r>
-            <a:r>
-              <a:rPr lang="de-DE" altLang="de-DE" sz="1800" b="1" dirty="0" err="1"/>
-              <a:t>GitLab</a:t>
-            </a:r>
-            <a:r>
-              <a:rPr lang="de-DE" altLang="de-DE" sz="1800" b="1" dirty="0"/>
-              <a:t> CI und </a:t>
-            </a:r>
-            <a:r>
-              <a:rPr lang="de-DE" altLang="de-DE" sz="1800" b="1" dirty="0" err="1"/>
-              <a:t>Deployment</a:t>
-            </a:r>
-            <a:r>
-              <a:rPr lang="de-DE" altLang="de-DE" sz="1800" b="1" dirty="0"/>
-              <a:t>-Strategien</a:t>
-            </a:r>
-          </a:p>
-          <a:p>
-            <a:pPr lvl="1">
-              <a:buFont typeface="Arial" panose="020B0604020202020204" pitchFamily="34" charset="0"/>
-              <a:buChar char="•"/>
-            </a:pPr>
             <a:r>
               <a:rPr lang="de-DE" altLang="de-DE" sz="1400" dirty="0"/>
-              <a:t>Lokale Entwicklung mit Docker</a:t>
-            </a:r>
-          </a:p>
-          <a:p>
-            <a:pPr lvl="1">
-              <a:buFont typeface="Arial" panose="020B0604020202020204" pitchFamily="34" charset="0"/>
-              <a:buChar char="•"/>
-            </a:pPr>
-            <a:r>
-              <a:rPr lang="de-DE" altLang="de-DE" sz="1400" dirty="0" err="1"/>
-              <a:t>GitLab</a:t>
-            </a:r>
-            <a:r>
-              <a:rPr lang="de-DE" altLang="de-DE" sz="1400" dirty="0"/>
-              <a:t>-Runner &amp; Docker-Registry</a:t>
-            </a:r>
-          </a:p>
-          <a:p>
-            <a:pPr lvl="1">
-              <a:buFont typeface="Arial" panose="020B0604020202020204" pitchFamily="34" charset="0"/>
-              <a:buChar char="•"/>
-            </a:pPr>
-            <a:r>
-              <a:rPr lang="de-DE" altLang="de-DE" sz="1400" dirty="0"/>
-              <a:t>Erstellen von Release- und </a:t>
-            </a:r>
-            <a:r>
-              <a:rPr lang="de-DE" altLang="de-DE" sz="1400" dirty="0" err="1"/>
-              <a:t>Tagged</a:t>
-            </a:r>
-            <a:r>
-              <a:rPr lang="de-DE" altLang="de-DE" sz="1400" dirty="0"/>
-              <a:t>-Images</a:t>
-            </a:r>
-          </a:p>
-          <a:p>
-            <a:pPr lvl="1">
-              <a:buFont typeface="Arial" panose="020B0604020202020204" pitchFamily="34" charset="0"/>
-              <a:buChar char="•"/>
-            </a:pPr>
-            <a:r>
-              <a:rPr lang="de-DE" altLang="de-DE" sz="1400" dirty="0"/>
-              <a:t>Möglichkeiten des </a:t>
-            </a:r>
-            <a:r>
-              <a:rPr lang="de-DE" altLang="de-DE" sz="1400" dirty="0" err="1"/>
-              <a:t>Deployments</a:t>
-            </a:r>
-            <a:r>
-              <a:rPr lang="de-DE" altLang="de-DE" sz="1400" dirty="0"/>
-              <a:t> &amp; Verwaltung von Konfiguration</a:t>
+              <a:t>Abschlussübung &amp; Diskussion</a:t>
             </a:r>
           </a:p>
           <a:p>
@@ -16963,7 +17201,132 @@
               <a:buFont typeface="Arial" panose="020B0604020202020204" pitchFamily="34" charset="0"/>
               <a:buChar char="•"/>
             </a:pPr>
-            <a:endParaRPr lang="de-DE" altLang="de-DE" sz="1800" b="1" dirty="0"/>
+            <a:r>
+              <a:rPr lang="de-DE" altLang="de-DE" sz="1800" b="1" dirty="0"/>
+              <a:t>Tag 1 – Einführung in </a:t>
+            </a:r>
+            <a:r>
+              <a:rPr lang="de-DE" altLang="de-DE" sz="1800" b="1" dirty="0" err="1"/>
+              <a:t>Git</a:t>
+            </a:r>
+            <a:r>
+              <a:rPr lang="de-DE" altLang="de-DE" sz="1800" b="1" dirty="0"/>
+              <a:t> und </a:t>
+            </a:r>
+            <a:r>
+              <a:rPr lang="de-DE" altLang="de-DE" sz="1800" b="1" dirty="0" err="1"/>
+              <a:t>GitLab</a:t>
+            </a:r>
+            <a:r>
+              <a:rPr lang="de-DE" altLang="de-DE" sz="1800" b="1" dirty="0"/>
+              <a:t>, </a:t>
+            </a:r>
+            <a:r>
+              <a:rPr lang="de-DE" altLang="de-DE" sz="1800" b="1" dirty="0" err="1"/>
+              <a:t>Git</a:t>
+            </a:r>
+            <a:r>
+              <a:rPr lang="de-DE" altLang="de-DE" sz="1800" b="1" dirty="0"/>
+              <a:t>-Workflow im Team</a:t>
+            </a:r>
+          </a:p>
+          <a:p>
+            <a:pPr lvl="1">
+              <a:buFont typeface="Arial" panose="020B0604020202020204" pitchFamily="34" charset="0"/>
+              <a:buChar char="•"/>
+            </a:pPr>
+            <a:r>
+              <a:rPr lang="de-DE" altLang="de-DE" sz="1400" dirty="0"/>
+              <a:t>Einführung &amp; Kursüberblick</a:t>
+            </a:r>
+          </a:p>
+          <a:p>
+            <a:pPr lvl="1">
+              <a:buFont typeface="Arial" panose="020B0604020202020204" pitchFamily="34" charset="0"/>
+              <a:buChar char="•"/>
+            </a:pPr>
+            <a:r>
+              <a:rPr lang="de-DE" altLang="de-DE" sz="1400" dirty="0"/>
+              <a:t>Grundlagen von </a:t>
+            </a:r>
+            <a:r>
+              <a:rPr lang="de-DE" altLang="de-DE" sz="1400" dirty="0" err="1"/>
+              <a:t>Git</a:t>
+            </a:r>
+            <a:endParaRPr lang="de-DE" altLang="de-DE" sz="1400" dirty="0"/>
+          </a:p>
+          <a:p>
+            <a:pPr lvl="1">
+              <a:buFont typeface="Arial" panose="020B0604020202020204" pitchFamily="34" charset="0"/>
+              <a:buChar char="•"/>
+            </a:pPr>
+            <a:r>
+              <a:rPr lang="de-DE" altLang="de-DE" sz="1400" dirty="0" err="1"/>
+              <a:t>Git</a:t>
+            </a:r>
+            <a:r>
+              <a:rPr lang="de-DE" altLang="de-DE" sz="1400" dirty="0"/>
+              <a:t> </a:t>
+            </a:r>
+            <a:r>
+              <a:rPr lang="de-DE" altLang="de-DE" sz="1400" dirty="0" err="1"/>
+              <a:t>Rebase</a:t>
+            </a:r>
+            <a:r>
+              <a:rPr lang="de-DE" altLang="de-DE" sz="1400" dirty="0"/>
+              <a:t> und </a:t>
+            </a:r>
+            <a:r>
+              <a:rPr lang="de-DE" altLang="de-DE" sz="1400" dirty="0" err="1"/>
+              <a:t>Merge</a:t>
+            </a:r>
+            <a:r>
+              <a:rPr lang="de-DE" altLang="de-DE" sz="1400" dirty="0"/>
+              <a:t>-Strategien</a:t>
+            </a:r>
+          </a:p>
+          <a:p>
+            <a:pPr lvl="1">
+              <a:buFont typeface="Arial" panose="020B0604020202020204" pitchFamily="34" charset="0"/>
+              <a:buChar char="•"/>
+            </a:pPr>
+            <a:r>
+              <a:rPr lang="de-DE" altLang="de-DE" sz="1400" dirty="0" err="1"/>
+              <a:t>Git</a:t>
+            </a:r>
+            <a:r>
+              <a:rPr lang="de-DE" altLang="de-DE" sz="1400" dirty="0"/>
+              <a:t> Remote</a:t>
+            </a:r>
+          </a:p>
+          <a:p>
+            <a:pPr lvl="1">
+              <a:buFont typeface="Arial" panose="020B0604020202020204" pitchFamily="34" charset="0"/>
+              <a:buChar char="•"/>
+            </a:pPr>
+            <a:r>
+              <a:rPr lang="de-DE" altLang="de-DE" sz="1400" dirty="0"/>
+              <a:t>Grundlagen von </a:t>
+            </a:r>
+            <a:r>
+              <a:rPr lang="de-DE" altLang="de-DE" sz="1400" dirty="0" err="1"/>
+              <a:t>GitLab</a:t>
+            </a:r>
+            <a:endParaRPr lang="de-DE" altLang="de-DE" sz="1400" dirty="0"/>
+          </a:p>
+          <a:p>
+            <a:pPr lvl="1">
+              <a:buFont typeface="Arial" panose="020B0604020202020204" pitchFamily="34" charset="0"/>
+              <a:buChar char="•"/>
+            </a:pPr>
+            <a:r>
+              <a:rPr lang="de-DE" altLang="de-DE" sz="1400" dirty="0" err="1"/>
+              <a:t>Git</a:t>
+            </a:r>
+            <a:r>
+              <a:rPr lang="de-DE" altLang="de-DE" sz="1400" dirty="0"/>
+              <a:t>-Workflow im Team</a:t>
+            </a:r>
           </a:p>
           <a:p>
             <a:pPr>
@@ -16972,7 +17335,7 @@
             </a:pPr>
             <a:r>
               <a:rPr lang="de-DE" altLang="de-DE" sz="1800" b="1" dirty="0"/>
-              <a:t>Tag 1 – Einführung in </a:t>
+              <a:t>Tag 2 – Vertiefung </a:t>
             </a:r>
             <a:r>
               <a:rPr lang="de-DE" altLang="de-DE" sz="1800" b="1" dirty="0" err="1"/>
@@ -16980,7 +17343,7 @@
             </a:r>
             <a:r>
               <a:rPr lang="de-DE" altLang="de-DE" sz="1800" b="1" dirty="0"/>
-              <a:t> und </a:t>
+              <a:t>-Workflow, CI/CD &amp; </a:t>
             </a:r>
             <a:r>
               <a:rPr lang="de-DE" altLang="de-DE" sz="1800" b="1" dirty="0" err="1"/>
@@ -16988,15 +17351,7 @@
             </a:r>
             <a:r>
               <a:rPr lang="de-DE" altLang="de-DE" sz="1800" b="1" dirty="0"/>
-              <a:t>, </a:t>
-            </a:r>
-            <a:r>
-              <a:rPr lang="de-DE" altLang="de-DE" sz="1800" b="1" dirty="0" err="1"/>
-              <a:t>Git</a:t>
-            </a:r>
-            <a:r>
-              <a:rPr lang="de-DE" altLang="de-DE" sz="1800" b="1" dirty="0"/>
-              <a:t>-Workflow im Team</a:t>
+              <a:t> CI </a:t>
             </a:r>
           </a:p>
           <a:p>
@@ -17005,8 +17360,12 @@
               <a:buChar char="•"/>
             </a:pPr>
             <a:r>
+              <a:rPr lang="de-DE" altLang="de-DE" sz="1400" dirty="0" err="1"/>
+              <a:t>Gitflow</a:t>
+            </a:r>
+            <a:r>
               <a:rPr lang="de-DE" altLang="de-DE" sz="1400" dirty="0"/>
-              <a:t>Einführung &amp; Kursüberblick</a:t>
+              <a:t>-Workflow</a:t>
             </a:r>
           </a:p>
           <a:p>
@@ -17016,21 +17375,8 @@
             </a:pPr>
             <a:r>
               <a:rPr lang="de-DE" altLang="de-DE" sz="1400" dirty="0"/>
-              <a:t>Grundlagen von </a:t>
-            </a:r>
-            <a:r>
-              <a:rPr lang="de-DE" altLang="de-DE" sz="1400" dirty="0" err="1"/>
-              <a:t>Git</a:t>
-            </a:r>
-            <a:r>
-              <a:rPr lang="de-DE" altLang="de-DE" sz="1400" dirty="0"/>
-              <a:t> und </a:t>
-            </a:r>
-            <a:r>
-              <a:rPr lang="de-DE" altLang="de-DE" sz="1400" dirty="0" err="1"/>
-              <a:t>GitLab</a:t>
-            </a:r>
-            <a:endParaRPr lang="de-DE" altLang="de-DE" sz="1400" dirty="0"/>
+              <a:t>Tags, Releases &amp; deren Verwaltung</a:t>
+            </a:r>
           </a:p>
           <a:p>
             <a:pPr lvl="1">
@@ -17039,27 +17385,11 @@
             </a:pPr>
             <a:r>
               <a:rPr lang="de-DE" altLang="de-DE" sz="1400" dirty="0" err="1"/>
-              <a:t>Git</a:t>
+              <a:t>GitLab</a:t>
             </a:r>
             <a:r>
               <a:rPr lang="de-DE" altLang="de-DE" sz="1400" dirty="0"/>
-              <a:t> </a:t>
-            </a:r>
-            <a:r>
-              <a:rPr lang="de-DE" altLang="de-DE" sz="1400" dirty="0" err="1"/>
-              <a:t>Rebase</a:t>
-            </a:r>
-            <a:r>
-              <a:rPr lang="de-DE" altLang="de-DE" sz="1400" dirty="0"/>
-              <a:t> &amp; </a:t>
-            </a:r>
-            <a:r>
-              <a:rPr lang="de-DE" altLang="de-DE" sz="1400" dirty="0" err="1"/>
-              <a:t>Merge</a:t>
-            </a:r>
-            <a:r>
-              <a:rPr lang="de-DE" altLang="de-DE" sz="1400" dirty="0"/>
-              <a:t>-Strategien</a:t>
+              <a:t>-Runner</a:t>
             </a:r>
           </a:p>
           <a:p>
@@ -17068,12 +17398,47 @@
               <a:buChar char="•"/>
             </a:pPr>
             <a:r>
+              <a:rPr lang="de-DE" altLang="de-DE" sz="1400" dirty="0"/>
+              <a:t>Einführung in </a:t>
+            </a:r>
+            <a:r>
               <a:rPr lang="de-DE" altLang="de-DE" sz="1400" dirty="0" err="1"/>
-              <a:t>Git</a:t>
+              <a:t>GitLab</a:t>
             </a:r>
             <a:r>
               <a:rPr lang="de-DE" altLang="de-DE" sz="1400" dirty="0"/>
-              <a:t>-Workflow im Team</a:t>
+              <a:t> CI/CD &amp; </a:t>
+            </a:r>
+            <a:r>
+              <a:rPr lang="de-DE" altLang="de-DE" sz="1400" dirty="0" err="1"/>
+              <a:t>gitlab.yml</a:t>
+            </a:r>
+            <a:endParaRPr lang="de-DE" altLang="de-DE" sz="1400" dirty="0"/>
+          </a:p>
+          <a:p>
+            <a:pPr>
+              <a:buFont typeface="Arial" panose="020B0604020202020204" pitchFamily="34" charset="0"/>
+              <a:buChar char="•"/>
+            </a:pPr>
+            <a:r>
+              <a:rPr lang="de-DE" altLang="de-DE" sz="1800" b="1" dirty="0"/>
+              <a:t>Tag 3 – </a:t>
+            </a:r>
+            <a:r>
+              <a:rPr lang="de-DE" altLang="de-DE" sz="1800" b="1" dirty="0" err="1"/>
+              <a:t>GitOps</a:t>
+            </a:r>
+            <a:r>
+              <a:rPr lang="de-DE" altLang="de-DE" sz="1800" b="1" dirty="0"/>
+              <a:t>, Docker in der Entwicklung und </a:t>
+            </a:r>
+            <a:r>
+              <a:rPr lang="de-DE" altLang="de-DE" sz="1800" b="1" dirty="0" err="1"/>
+              <a:t>Deployment</a:t>
+            </a:r>
+            <a:r>
+              <a:rPr lang="de-DE" altLang="de-DE" sz="1800" b="1" dirty="0"/>
+              <a:t>-Strategien</a:t>
             </a:r>
           </a:p>
           <a:p>
@@ -17081,30 +17446,14 @@
               <a:buFont typeface="Arial" panose="020B0604020202020204" pitchFamily="34" charset="0"/>
               <a:buChar char="•"/>
             </a:pPr>
-            <a:endParaRPr lang="de-DE" altLang="de-DE" sz="1400" dirty="0"/>
-          </a:p>
-          <a:p>
-            <a:pPr>
-              <a:buFont typeface="Arial" panose="020B0604020202020204" pitchFamily="34" charset="0"/>
-              <a:buChar char="•"/>
-            </a:pPr>
-            <a:r>
-              <a:rPr lang="de-DE" altLang="de-DE" sz="1800" b="1" dirty="0"/>
-              <a:t>Tag 2 – Vertiefung </a:t>
-            </a:r>
-            <a:r>
-              <a:rPr lang="de-DE" altLang="de-DE" sz="1800" b="1" dirty="0" err="1"/>
-              <a:t>Git</a:t>
-            </a:r>
-            <a:r>
-              <a:rPr lang="de-DE" altLang="de-DE" sz="1800" b="1" dirty="0"/>
-              <a:t>-Workflow, CI/CD &amp; </a:t>
-            </a:r>
-            <a:r>
-              <a:rPr lang="de-DE" altLang="de-DE" sz="1800" b="1" dirty="0" err="1"/>
+            <a:r>
+              <a:rPr lang="de-DE" altLang="de-DE" sz="1400" u="sng" dirty="0" err="1"/>
               <a:t>GitOps</a:t>
             </a:r>
-            <a:endParaRPr lang="de-DE" altLang="de-DE" sz="1800" b="1" dirty="0"/>
+            <a:r>
+              <a:rPr lang="de-DE" altLang="de-DE" sz="1400" u="sng" dirty="0"/>
+              <a:t> Grundlagen</a:t>
+            </a:r>
           </a:p>
           <a:p>
             <a:pPr lvl="1">
@@ -17112,12 +17461,8 @@
               <a:buChar char="•"/>
             </a:pPr>
             <a:r>
-              <a:rPr lang="de-DE" altLang="de-DE" sz="1400" dirty="0" err="1"/>
-              <a:t>Gitflow</a:t>
-            </a:r>
-            <a:r>
               <a:rPr lang="de-DE" altLang="de-DE" sz="1400" dirty="0"/>
-              <a:t>-Workflow</a:t>
+              <a:t>Lokale Entwicklung mit Docker</a:t>
             </a:r>
           </a:p>
           <a:p>
@@ -17127,7 +17472,7 @@
             </a:pPr>
             <a:r>
               <a:rPr lang="de-DE" altLang="de-DE" sz="1400" dirty="0"/>
-              <a:t>Tags, Releases &amp; deren Verwaltung</a:t>
+              <a:t>Container/Docker-Registry</a:t>
             </a:r>
           </a:p>
           <a:p>
@@ -17137,21 +17482,16 @@
             </a:pPr>
             <a:r>
               <a:rPr lang="de-DE" altLang="de-DE" sz="1400" dirty="0"/>
-              <a:t>Einführung in </a:t>
+              <a:t>Erstellen von Release- und </a:t>
             </a:r>
             <a:r>
               <a:rPr lang="de-DE" altLang="de-DE" sz="1400" dirty="0" err="1"/>
-              <a:t>GitLab</a:t>
+              <a:t>Tagged</a:t>
             </a:r>
             <a:r>
               <a:rPr lang="de-DE" altLang="de-DE" sz="1400" dirty="0"/>
-              <a:t> CI/CD &amp; </a:t>
-            </a:r>
-            <a:r>
-              <a:rPr lang="de-DE" altLang="de-DE" sz="1400" dirty="0" err="1"/>
-              <a:t>gitlab.yml</a:t>
-            </a:r>
-            <a:endParaRPr lang="de-DE" altLang="de-DE" sz="1400" dirty="0"/>
+              <a:t>-Images</a:t>
+            </a:r>
           </a:p>
           <a:p>
             <a:pPr lvl="1">
@@ -17159,110 +17499,26 @@
               <a:buChar char="•"/>
             </a:pPr>
             <a:r>
-              <a:rPr lang="de-DE" altLang="de-DE" sz="1400" u="sng" dirty="0"/>
-              <a:t>Grundlagen von </a:t>
-            </a:r>
-            <a:r>
-              <a:rPr lang="de-DE" altLang="de-DE" sz="1400" u="sng" dirty="0" err="1"/>
-              <a:t>GitOps</a:t>
-            </a:r>
-            <a:endParaRPr lang="de-DE" altLang="de-DE" sz="1400" u="sng" dirty="0"/>
+              <a:rPr lang="de-DE" altLang="de-DE" sz="1400" dirty="0"/>
+              <a:t>Möglichkeiten des </a:t>
+            </a:r>
+            <a:r>
+              <a:rPr lang="de-DE" altLang="de-DE" sz="1400" dirty="0" err="1"/>
+              <a:t>Deployments</a:t>
+            </a:r>
+            <a:r>
+              <a:rPr lang="de-DE" altLang="de-DE" sz="1400" dirty="0"/>
+              <a:t> &amp; Verwaltung von Konfiguration</a:t>
+            </a:r>
           </a:p>
           <a:p>
             <a:pPr lvl="1">
               <a:buFont typeface="Arial" panose="020B0604020202020204" pitchFamily="34" charset="0"/>
               <a:buChar char="•"/>
             </a:pPr>
-            <a:endParaRPr lang="de-DE" altLang="de-DE" sz="1400" dirty="0"/>
-          </a:p>
-          <a:p>
-            <a:pPr>
-              <a:buFont typeface="Arial" panose="020B0604020202020204" pitchFamily="34" charset="0"/>
-              <a:buChar char="•"/>
-            </a:pPr>
-            <a:r>
-              <a:rPr lang="de-DE" altLang="de-DE" sz="1800" b="1" dirty="0"/>
-              <a:t>Tag 3 – Docker in der Entwicklung, </a:t>
-            </a:r>
-            <a:r>
-              <a:rPr lang="de-DE" altLang="de-DE" sz="1800" b="1" dirty="0" err="1"/>
-              <a:t>GitLab</a:t>
-            </a:r>
-            <a:r>
-              <a:rPr lang="de-DE" altLang="de-DE" sz="1800" b="1" dirty="0"/>
-              <a:t> CI und </a:t>
-            </a:r>
-            <a:r>
-              <a:rPr lang="de-DE" altLang="de-DE" sz="1800" b="1" dirty="0" err="1"/>
-              <a:t>Deployment</a:t>
-            </a:r>
-            <a:r>
-              <a:rPr lang="de-DE" altLang="de-DE" sz="1800" b="1" dirty="0"/>
-              <a:t>-Strategien</a:t>
-            </a:r>
-          </a:p>
-          <a:p>
-            <a:pPr lvl="1">
-              <a:buFont typeface="Arial" panose="020B0604020202020204" pitchFamily="34" charset="0"/>
-              <a:buChar char="•"/>
-            </a:pPr>
             <a:r>
               <a:rPr lang="de-DE" altLang="de-DE" sz="1400" dirty="0"/>
-              <a:t>Lokale Entwicklung mit Docker</a:t>
-            </a:r>
-          </a:p>
-          <a:p>
-            <a:pPr lvl="1">
-              <a:buFont typeface="Arial" panose="020B0604020202020204" pitchFamily="34" charset="0"/>
-              <a:buChar char="•"/>
-            </a:pPr>
-            <a:r>
-              <a:rPr lang="de-DE" altLang="de-DE" sz="1400" dirty="0" err="1"/>
-              <a:t>GitLab</a:t>
-            </a:r>
-            <a:r>
-              <a:rPr lang="de-DE" altLang="de-DE" sz="1400" dirty="0"/>
-              <a:t>-Runner &amp; Docker-Registry</a:t>
-            </a:r>
-          </a:p>
-          <a:p>
-            <a:pPr lvl="1">
-              <a:buFont typeface="Arial" panose="020B0604020202020204" pitchFamily="34" charset="0"/>
-              <a:buChar char="•"/>
-            </a:pPr>
-            <a:r>
-              <a:rPr lang="de-DE" altLang="de-DE" sz="1400" dirty="0"/>
-              <a:t>Erstellen von Release- und </a:t>
-            </a:r>
-            <a:r>
-              <a:rPr lang="de-DE" altLang="de-DE" sz="1400" dirty="0" err="1"/>
-              <a:t>Tagged</a:t>
-            </a:r>
-            <a:r>
-              <a:rPr lang="de-DE" altLang="de-DE" sz="1400"/>
-              <a:t>-Images</a:t>
-            </a:r>
-          </a:p>
-          <a:p>
-            <a:pPr lvl="1">
-              <a:buFont typeface="Arial" panose="020B0604020202020204" pitchFamily="34" charset="0"/>
-              <a:buChar char="•"/>
-            </a:pPr>
-            <a:r>
-              <a:rPr lang="de-DE" altLang="de-DE" sz="1400"/>
-              <a:t>Möglichkeiten </a:t>
-            </a:r>
-            <a:r>
-              <a:rPr lang="de-DE" altLang="de-DE" sz="1400" dirty="0"/>
-              <a:t>des </a:t>
-            </a:r>
-            <a:r>
-              <a:rPr lang="de-DE" altLang="de-DE" sz="1400" dirty="0" err="1"/>
-              <a:t>Deployments</a:t>
-            </a:r>
-            <a:r>
-              <a:rPr lang="de-DE" altLang="de-DE" sz="1400" dirty="0"/>
-              <a:t> &amp; Verwaltung von Konfiguration</a:t>
+              <a:t>Abschlussübung &amp; Diskussion</a:t>
             </a:r>
           </a:p>
           <a:p>
@@ -17310,7 +17566,7 @@
     </p:spTree>
     <p:extLst>
       <p:ext uri="{BB962C8B-B14F-4D97-AF65-F5344CB8AC3E}">
-        <p14:creationId xmlns:p14="http://schemas.microsoft.com/office/powerpoint/2010/main" val="3071277897"/>
+        <p14:creationId xmlns:p14="http://schemas.microsoft.com/office/powerpoint/2010/main" val="423169401"/>
       </p:ext>
     </p:extLst>
   </p:cSld>

--- a/slides/Tag-3_1-GitOps.pptx
+++ b/slides/Tag-3_1-GitOps.pptx
@@ -7099,6 +7099,42 @@
           </a:p>
         </p:txBody>
       </p:sp>
+      <p:pic>
+        <p:nvPicPr>
+          <p:cNvPr id="3" name="Grafik 2">
+            <a:extLst>
+              <a:ext uri="{FF2B5EF4-FFF2-40B4-BE49-F238E27FC236}">
+                <a16:creationId xmlns:a16="http://schemas.microsoft.com/office/drawing/2014/main" id="{4B2D1D8D-96FF-F855-ACAF-D35F6222ABD0}"/>
+              </a:ext>
+            </a:extLst>
+          </p:cNvPr>
+          <p:cNvPicPr>
+            <a:picLocks noChangeAspect="1"/>
+          </p:cNvPicPr>
+          <p:nvPr userDrawn="1"/>
+        </p:nvPicPr>
+        <p:blipFill>
+          <a:blip r:embed="rId7">
+            <a:extLst>
+              <a:ext uri="{28A0092B-C50C-407E-A947-70E740481C1C}">
+                <a14:useLocalDpi xmlns:a14="http://schemas.microsoft.com/office/drawing/2010/main" val="0"/>
+              </a:ext>
+            </a:extLst>
+          </a:blip>
+          <a:stretch>
+            <a:fillRect/>
+          </a:stretch>
+        </p:blipFill>
+        <p:spPr>
+          <a:xfrm>
+            <a:off x="8486775" y="-15729"/>
+            <a:ext cx="636272" cy="636272"/>
+          </a:xfrm>
+          <a:prstGeom prst="rect">
+            <a:avLst/>
+          </a:prstGeom>
+        </p:spPr>
+      </p:pic>
     </p:spTree>
   </p:cSld>
   <p:clrMap bg1="lt1" tx1="dk1" bg2="lt2" tx2="dk2" accent1="accent1" accent2="accent2" accent3="accent3" accent4="accent4" accent5="accent5" accent6="accent6" hlink="hlink" folHlink="folHlink"/>
@@ -7808,6 +7844,42 @@
           </a:p>
         </p:txBody>
       </p:sp>
+      <p:pic>
+        <p:nvPicPr>
+          <p:cNvPr id="2" name="Grafik 1">
+            <a:extLst>
+              <a:ext uri="{FF2B5EF4-FFF2-40B4-BE49-F238E27FC236}">
+                <a16:creationId xmlns:a16="http://schemas.microsoft.com/office/drawing/2014/main" id="{4931B16B-28A2-CCA1-F01A-637939B14131}"/>
+              </a:ext>
+            </a:extLst>
+          </p:cNvPr>
+          <p:cNvPicPr>
+            <a:picLocks noChangeAspect="1"/>
+          </p:cNvPicPr>
+          <p:nvPr userDrawn="1"/>
+        </p:nvPicPr>
+        <p:blipFill>
+          <a:blip r:embed="rId5">
+            <a:extLst>
+              <a:ext uri="{28A0092B-C50C-407E-A947-70E740481C1C}">
+                <a14:useLocalDpi xmlns:a14="http://schemas.microsoft.com/office/drawing/2010/main" val="0"/>
+              </a:ext>
+            </a:extLst>
+          </a:blip>
+          <a:stretch>
+            <a:fillRect/>
+          </a:stretch>
+        </p:blipFill>
+        <p:spPr>
+          <a:xfrm>
+            <a:off x="3383868" y="4481736"/>
+            <a:ext cx="2376264" cy="2376264"/>
+          </a:xfrm>
+          <a:prstGeom prst="rect">
+            <a:avLst/>
+          </a:prstGeom>
+        </p:spPr>
+      </p:pic>
     </p:spTree>
   </p:cSld>
   <p:clrMap bg1="lt1" tx1="dk1" bg2="lt2" tx2="dk2" accent1="accent1" accent2="accent2" accent3="accent3" accent4="accent4" accent5="accent5" accent6="accent6" hlink="hlink" folHlink="folHlink"/>

--- a/slides/Tag-3_1-GitOps.pptx
+++ b/slides/Tag-3_1-GitOps.pptx
@@ -6889,7 +6889,7 @@
               <a:pPr algn="ctr">
                 <a:defRPr/>
               </a:pPr>
-              <a:t>12.06.2024</a:t>
+              <a:t>14.06.2024</a:t>
             </a:fld>
             <a:endParaRPr lang="de-DE" sz="1000">
               <a:solidFill>
@@ -7317,53 +7317,6 @@
       </p:sp>
       <p:sp>
         <p:nvSpPr>
-          <p:cNvPr id="1063" name="Rectangle 39">
-            <a:hlinkClick r:id="rId4"/>
-            <a:extLst>
-              <a:ext uri="{FF2B5EF4-FFF2-40B4-BE49-F238E27FC236}">
-                <a16:creationId xmlns:a16="http://schemas.microsoft.com/office/drawing/2014/main" id="{613611E0-DAA0-F230-CD0B-8592F1472163}"/>
-              </a:ext>
-            </a:extLst>
-          </p:cNvPr>
-          <p:cNvSpPr>
-            <a:spLocks noChangeArrowheads="1"/>
-          </p:cNvSpPr>
-          <p:nvPr userDrawn="1"/>
-        </p:nvSpPr>
-        <p:spPr bwMode="auto">
-          <a:xfrm>
-            <a:off x="3914775" y="3105150"/>
-            <a:ext cx="9144000" cy="461963"/>
-          </a:xfrm>
-          <a:prstGeom prst="rect">
-            <a:avLst/>
-          </a:prstGeom>
-          <a:noFill/>
-          <a:ln w="12700">
-            <a:noFill/>
-            <a:miter lim="800000"/>
-            <a:headEnd type="none" w="sm" len="sm"/>
-            <a:tailEnd type="none" w="sm" len="sm"/>
-          </a:ln>
-          <a:effectLst/>
-        </p:spPr>
-        <p:txBody>
-          <a:bodyPr>
-            <a:spAutoFit/>
-          </a:bodyPr>
-          <a:lstStyle/>
-          <a:p>
-            <a:pPr>
-              <a:defRPr/>
-            </a:pPr>
-            <a:endParaRPr lang="de-DE" dirty="0">
-              <a:latin typeface="Arial" pitchFamily="34" charset="0"/>
-            </a:endParaRPr>
-          </a:p>
-        </p:txBody>
-      </p:sp>
-      <p:sp>
-        <p:nvSpPr>
           <p:cNvPr id="1064" name="Rectangle 40">
             <a:extLst>
               <a:ext uri="{FF2B5EF4-FFF2-40B4-BE49-F238E27FC236}">
@@ -7569,7 +7522,7 @@
           <p:nvPr userDrawn="1"/>
         </p:nvPicPr>
         <p:blipFill>
-          <a:blip r:embed="rId5">
+          <a:blip r:embed="rId4">
             <a:extLst>
               <a:ext uri="{28A0092B-C50C-407E-A947-70E740481C1C}">
                 <a14:useLocalDpi xmlns:a14="http://schemas.microsoft.com/office/drawing/2010/main" val="0"/>
@@ -7629,7 +7582,7 @@
           <p:nvPr userDrawn="1"/>
         </p:nvPicPr>
         <p:blipFill>
-          <a:blip r:embed="rId6">
+          <a:blip r:embed="rId5">
             <a:extLst>
               <a:ext uri="{28A0092B-C50C-407E-A947-70E740481C1C}">
                 <a14:useLocalDpi xmlns:a14="http://schemas.microsoft.com/office/drawing/2010/main" val="0"/>

--- a/slides/Tag-3_1-GitOps.pptx
+++ b/slides/Tag-3_1-GitOps.pptx
@@ -13,8 +13,8 @@
   </p:handoutMasterIdLst>
   <p:sldIdLst>
     <p:sldId id="624" r:id="rId3"/>
-    <p:sldId id="606" r:id="rId4"/>
-    <p:sldId id="625" r:id="rId5"/>
+    <p:sldId id="289" r:id="rId4"/>
+    <p:sldId id="626" r:id="rId5"/>
     <p:sldId id="587" r:id="rId6"/>
     <p:sldId id="590" r:id="rId7"/>
     <p:sldId id="290" r:id="rId8"/>
@@ -6889,7 +6889,7 @@
               <a:pPr algn="ctr">
                 <a:defRPr/>
               </a:pPr>
-              <a:t>14.06.2024</a:t>
+              <a:t>18.06.2024</a:t>
             </a:fld>
             <a:endParaRPr lang="de-DE" sz="1000">
               <a:solidFill>
@@ -7252,7 +7252,7 @@
                 </a:solidFill>
                 <a:latin typeface="Arial" charset="0"/>
               </a:rPr>
-              <a:t>Daniel Krämer &amp; Malte Fischer</a:t>
+              <a:t>Daniel Krämer</a:t>
             </a:r>
           </a:p>
         </p:txBody>
@@ -7274,7 +7274,7 @@
         <p:spPr bwMode="auto">
           <a:xfrm>
             <a:off x="4001540" y="6451600"/>
-            <a:ext cx="1721946" cy="246221"/>
+            <a:ext cx="1375698" cy="246221"/>
           </a:xfrm>
           <a:prstGeom prst="rect">
             <a:avLst/>
@@ -7304,7 +7304,7 @@
                 </a:solidFill>
                 <a:latin typeface="Arial" charset="0"/>
               </a:rPr>
-              <a:t>Tag-3_1-GitOps_Light.pptx</a:t>
+              <a:t>Tag-3_1-GitOps.pptx</a:t>
             </a:r>
             <a:endParaRPr lang="de-DE" dirty="0">
               <a:solidFill>
@@ -8859,7 +8859,7 @@
             </a:br>
             <a:r>
               <a:rPr lang="de-DE" altLang="de-DE" sz="3200" dirty="0"/>
-              <a:t>Docker in der Entwicklung und </a:t>
+              <a:t>Docker, </a:t>
             </a:r>
             <a:r>
               <a:rPr lang="de-DE" altLang="de-DE" sz="3200" dirty="0" err="1"/>
@@ -8927,7 +8927,7 @@
             </a:pPr>
             <a:r>
               <a:rPr lang="de-DE" altLang="de-DE" sz="1600" dirty="0"/>
-              <a:t>19.06.2024, Daniel Krämer &amp; Malte Fischer</a:t>
+              <a:t>19.06.2024, Daniel Krämer</a:t>
             </a:r>
           </a:p>
         </p:txBody>
@@ -11579,18 +11579,7 @@
               <a:rPr lang="de-DE" altLang="de-DE" sz="1800" b="1" dirty="0" err="1"/>
               <a:t>GitLab</a:t>
             </a:r>
-            <a:r>
-              <a:rPr lang="de-DE" altLang="de-DE" sz="1800" b="1" dirty="0"/>
-              <a:t>, </a:t>
-            </a:r>
-            <a:r>
-              <a:rPr lang="de-DE" altLang="de-DE" sz="1800" b="1" dirty="0" err="1"/>
-              <a:t>Git</a:t>
-            </a:r>
-            <a:r>
-              <a:rPr lang="de-DE" altLang="de-DE" sz="1800" b="1" dirty="0"/>
-              <a:t>-Workflow im Team</a:t>
-            </a:r>
+            <a:endParaRPr lang="de-DE" altLang="de-DE" sz="1800" b="1" dirty="0"/>
           </a:p>
           <a:p>
             <a:pPr lvl="1">
@@ -11677,6 +11666,32 @@
             <a:endParaRPr lang="de-DE" altLang="de-DE" sz="1400" dirty="0"/>
           </a:p>
           <a:p>
+            <a:pPr>
+              <a:buFont typeface="Arial" panose="020B0604020202020204" pitchFamily="34" charset="0"/>
+              <a:buChar char="•"/>
+            </a:pPr>
+            <a:r>
+              <a:rPr lang="de-DE" altLang="de-DE" sz="1800" b="1" dirty="0"/>
+              <a:t>Tag 2 – </a:t>
+            </a:r>
+            <a:r>
+              <a:rPr lang="de-DE" altLang="de-DE" sz="1800" b="1" dirty="0" err="1"/>
+              <a:t>Git</a:t>
+            </a:r>
+            <a:r>
+              <a:rPr lang="de-DE" altLang="de-DE" sz="1800" b="1" dirty="0"/>
+              <a:t>-Workflows, CI/CD, </a:t>
+            </a:r>
+            <a:r>
+              <a:rPr lang="de-DE" altLang="de-DE" sz="1800" b="1" dirty="0" err="1"/>
+              <a:t>GitLab</a:t>
+            </a:r>
+            <a:r>
+              <a:rPr lang="de-DE" altLang="de-DE" sz="1800" b="1" dirty="0"/>
+              <a:t> CI </a:t>
+            </a:r>
+          </a:p>
+          <a:p>
             <a:pPr lvl="1">
               <a:buFont typeface="Arial" panose="020B0604020202020204" pitchFamily="34" charset="0"/>
               <a:buChar char="•"/>
@@ -11691,29 +11706,90 @@
             </a:r>
           </a:p>
           <a:p>
+            <a:pPr lvl="1">
+              <a:buFont typeface="Arial" panose="020B0604020202020204" pitchFamily="34" charset="0"/>
+              <a:buChar char="•"/>
+            </a:pPr>
+            <a:r>
+              <a:rPr lang="de-DE" altLang="de-DE" sz="1400" dirty="0" err="1"/>
+              <a:t>Gitflow</a:t>
+            </a:r>
+            <a:r>
+              <a:rPr lang="de-DE" altLang="de-DE" sz="1400" dirty="0"/>
+              <a:t>-Workflow</a:t>
+            </a:r>
+          </a:p>
+          <a:p>
+            <a:pPr lvl="1">
+              <a:buFont typeface="Arial" panose="020B0604020202020204" pitchFamily="34" charset="0"/>
+              <a:buChar char="•"/>
+            </a:pPr>
+            <a:r>
+              <a:rPr lang="de-DE" altLang="de-DE" sz="1400" dirty="0"/>
+              <a:t>Tags, Releases &amp; deren Verwaltung</a:t>
+            </a:r>
+          </a:p>
+          <a:p>
+            <a:pPr lvl="1">
+              <a:buFont typeface="Arial" panose="020B0604020202020204" pitchFamily="34" charset="0"/>
+              <a:buChar char="•"/>
+            </a:pPr>
+            <a:r>
+              <a:rPr lang="de-DE" altLang="de-DE" sz="1400" dirty="0"/>
+              <a:t>Einführung in </a:t>
+            </a:r>
+            <a:r>
+              <a:rPr lang="de-DE" altLang="de-DE" sz="1400" dirty="0" err="1"/>
+              <a:t>GitLab</a:t>
+            </a:r>
+            <a:r>
+              <a:rPr lang="de-DE" altLang="de-DE" sz="1400" dirty="0"/>
+              <a:t> CI/CD &amp; </a:t>
+            </a:r>
+            <a:r>
+              <a:rPr lang="de-DE" altLang="de-DE" sz="1400" dirty="0" err="1"/>
+              <a:t>gitlab-ci.yml</a:t>
+            </a:r>
+            <a:endParaRPr lang="de-DE" altLang="de-DE" sz="1400" dirty="0"/>
+          </a:p>
+          <a:p>
+            <a:pPr lvl="1">
+              <a:buFont typeface="Arial" panose="020B0604020202020204" pitchFamily="34" charset="0"/>
+              <a:buChar char="•"/>
+            </a:pPr>
+            <a:r>
+              <a:rPr lang="de-DE" altLang="de-DE" sz="1400" dirty="0" err="1"/>
+              <a:t>GitLab</a:t>
+            </a:r>
+            <a:r>
+              <a:rPr lang="de-DE" altLang="de-DE" sz="1400" dirty="0"/>
+              <a:t> Runner</a:t>
+            </a:r>
+          </a:p>
+          <a:p>
             <a:pPr>
               <a:buFont typeface="Arial" panose="020B0604020202020204" pitchFamily="34" charset="0"/>
               <a:buChar char="•"/>
             </a:pPr>
             <a:r>
               <a:rPr lang="de-DE" altLang="de-DE" sz="1800" b="1" dirty="0"/>
-              <a:t>Tag 2 – Vertiefung </a:t>
+              <a:t>Tag 3 – </a:t>
             </a:r>
             <a:r>
               <a:rPr lang="de-DE" altLang="de-DE" sz="1800" b="1" dirty="0" err="1"/>
-              <a:t>Git</a:t>
+              <a:t>GitOps</a:t>
             </a:r>
             <a:r>
               <a:rPr lang="de-DE" altLang="de-DE" sz="1800" b="1" dirty="0"/>
-              <a:t>-Workflow, CI/CD &amp; </a:t>
+              <a:t>, Docker, </a:t>
             </a:r>
             <a:r>
               <a:rPr lang="de-DE" altLang="de-DE" sz="1800" b="1" dirty="0" err="1"/>
-              <a:t>GitLab</a:t>
+              <a:t>Deployment</a:t>
             </a:r>
             <a:r>
               <a:rPr lang="de-DE" altLang="de-DE" sz="1800" b="1" dirty="0"/>
-              <a:t> CI </a:t>
+              <a:t>-Strategien</a:t>
             </a:r>
           </a:p>
           <a:p>
@@ -11723,11 +11799,11 @@
             </a:pPr>
             <a:r>
               <a:rPr lang="de-DE" altLang="de-DE" sz="1400" dirty="0" err="1"/>
-              <a:t>Gitflow</a:t>
+              <a:t>GitOps</a:t>
             </a:r>
             <a:r>
               <a:rPr lang="de-DE" altLang="de-DE" sz="1400" dirty="0"/>
-              <a:t>-Workflow</a:t>
+              <a:t> Grundlagen</a:t>
             </a:r>
           </a:p>
           <a:p>
@@ -11737,94 +11813,7 @@
             </a:pPr>
             <a:r>
               <a:rPr lang="de-DE" altLang="de-DE" sz="1400" dirty="0"/>
-              <a:t>Tags, Releases &amp; deren Verwaltung</a:t>
-            </a:r>
-          </a:p>
-          <a:p>
-            <a:pPr lvl="1">
-              <a:buFont typeface="Arial" panose="020B0604020202020204" pitchFamily="34" charset="0"/>
-              <a:buChar char="•"/>
-            </a:pPr>
-            <a:r>
-              <a:rPr lang="de-DE" altLang="de-DE" sz="1400" dirty="0" err="1"/>
-              <a:t>GitLab</a:t>
-            </a:r>
-            <a:r>
-              <a:rPr lang="de-DE" altLang="de-DE" sz="1400" dirty="0"/>
-              <a:t>-Runner</a:t>
-            </a:r>
-          </a:p>
-          <a:p>
-            <a:pPr lvl="1">
-              <a:buFont typeface="Arial" panose="020B0604020202020204" pitchFamily="34" charset="0"/>
-              <a:buChar char="•"/>
-            </a:pPr>
-            <a:r>
-              <a:rPr lang="de-DE" altLang="de-DE" sz="1400" dirty="0"/>
-              <a:t>Einführung in </a:t>
-            </a:r>
-            <a:r>
-              <a:rPr lang="de-DE" altLang="de-DE" sz="1400" dirty="0" err="1"/>
-              <a:t>GitLab</a:t>
-            </a:r>
-            <a:r>
-              <a:rPr lang="de-DE" altLang="de-DE" sz="1400" dirty="0"/>
-              <a:t> CI/CD &amp; </a:t>
-            </a:r>
-            <a:r>
-              <a:rPr lang="de-DE" altLang="de-DE" sz="1400" dirty="0" err="1"/>
-              <a:t>gitlab.yml</a:t>
-            </a:r>
-            <a:endParaRPr lang="de-DE" altLang="de-DE" sz="1400" dirty="0"/>
-          </a:p>
-          <a:p>
-            <a:pPr>
-              <a:buFont typeface="Arial" panose="020B0604020202020204" pitchFamily="34" charset="0"/>
-              <a:buChar char="•"/>
-            </a:pPr>
-            <a:r>
-              <a:rPr lang="de-DE" altLang="de-DE" sz="1800" b="1" dirty="0"/>
-              <a:t>Tag 3 – </a:t>
-            </a:r>
-            <a:r>
-              <a:rPr lang="de-DE" altLang="de-DE" sz="1800" b="1" dirty="0" err="1"/>
-              <a:t>GitOps</a:t>
-            </a:r>
-            <a:r>
-              <a:rPr lang="de-DE" altLang="de-DE" sz="1800" b="1" dirty="0"/>
-              <a:t>, Docker in der Entwicklung und </a:t>
-            </a:r>
-            <a:r>
-              <a:rPr lang="de-DE" altLang="de-DE" sz="1800" b="1" dirty="0" err="1"/>
-              <a:t>Deployment</a:t>
-            </a:r>
-            <a:r>
-              <a:rPr lang="de-DE" altLang="de-DE" sz="1800" b="1" dirty="0"/>
-              <a:t>-Strategien</a:t>
-            </a:r>
-          </a:p>
-          <a:p>
-            <a:pPr lvl="1">
-              <a:buFont typeface="Arial" panose="020B0604020202020204" pitchFamily="34" charset="0"/>
-              <a:buChar char="•"/>
-            </a:pPr>
-            <a:r>
-              <a:rPr lang="de-DE" altLang="de-DE" sz="1400" dirty="0" err="1"/>
-              <a:t>GitOps</a:t>
-            </a:r>
-            <a:r>
-              <a:rPr lang="de-DE" altLang="de-DE" sz="1400" dirty="0"/>
-              <a:t> Grundlagen</a:t>
-            </a:r>
-          </a:p>
-          <a:p>
-            <a:pPr lvl="1">
-              <a:buFont typeface="Arial" panose="020B0604020202020204" pitchFamily="34" charset="0"/>
-              <a:buChar char="•"/>
-            </a:pPr>
-            <a:r>
-              <a:rPr lang="de-DE" altLang="de-DE" sz="1400" dirty="0"/>
-              <a:t>Lokale Entwicklung mit Docker</a:t>
+              <a:t>Entwicklung mit Docker</a:t>
             </a:r>
           </a:p>
           <a:p>
@@ -17848,18 +17837,7 @@
               <a:rPr lang="de-DE" altLang="de-DE" sz="1800" b="1" dirty="0" err="1"/>
               <a:t>GitLab</a:t>
             </a:r>
-            <a:r>
-              <a:rPr lang="de-DE" altLang="de-DE" sz="1800" b="1" dirty="0"/>
-              <a:t>, </a:t>
-            </a:r>
-            <a:r>
-              <a:rPr lang="de-DE" altLang="de-DE" sz="1800" b="1" dirty="0" err="1"/>
-              <a:t>Git</a:t>
-            </a:r>
-            <a:r>
-              <a:rPr lang="de-DE" altLang="de-DE" sz="1800" b="1" dirty="0"/>
-              <a:t>-Workflow im Team</a:t>
-            </a:r>
+            <a:endParaRPr lang="de-DE" altLang="de-DE" sz="1800" b="1" dirty="0"/>
           </a:p>
           <a:p>
             <a:pPr lvl="1">
@@ -17946,6 +17924,32 @@
             <a:endParaRPr lang="de-DE" altLang="de-DE" sz="1400" dirty="0"/>
           </a:p>
           <a:p>
+            <a:pPr>
+              <a:buFont typeface="Arial" panose="020B0604020202020204" pitchFamily="34" charset="0"/>
+              <a:buChar char="•"/>
+            </a:pPr>
+            <a:r>
+              <a:rPr lang="de-DE" altLang="de-DE" sz="1800" b="1" dirty="0"/>
+              <a:t>Tag 2 – </a:t>
+            </a:r>
+            <a:r>
+              <a:rPr lang="de-DE" altLang="de-DE" sz="1800" b="1" dirty="0" err="1"/>
+              <a:t>Git</a:t>
+            </a:r>
+            <a:r>
+              <a:rPr lang="de-DE" altLang="de-DE" sz="1800" b="1" dirty="0"/>
+              <a:t>-Workflows, CI/CD, </a:t>
+            </a:r>
+            <a:r>
+              <a:rPr lang="de-DE" altLang="de-DE" sz="1800" b="1" dirty="0" err="1"/>
+              <a:t>GitLab</a:t>
+            </a:r>
+            <a:r>
+              <a:rPr lang="de-DE" altLang="de-DE" sz="1800" b="1" dirty="0"/>
+              <a:t> CI </a:t>
+            </a:r>
+          </a:p>
+          <a:p>
             <a:pPr lvl="1">
               <a:buFont typeface="Arial" panose="020B0604020202020204" pitchFamily="34" charset="0"/>
               <a:buChar char="•"/>
@@ -17960,29 +17964,90 @@
             </a:r>
           </a:p>
           <a:p>
+            <a:pPr lvl="1">
+              <a:buFont typeface="Arial" panose="020B0604020202020204" pitchFamily="34" charset="0"/>
+              <a:buChar char="•"/>
+            </a:pPr>
+            <a:r>
+              <a:rPr lang="de-DE" altLang="de-DE" sz="1400" dirty="0" err="1"/>
+              <a:t>Gitflow</a:t>
+            </a:r>
+            <a:r>
+              <a:rPr lang="de-DE" altLang="de-DE" sz="1400" dirty="0"/>
+              <a:t>-Workflow</a:t>
+            </a:r>
+          </a:p>
+          <a:p>
+            <a:pPr lvl="1">
+              <a:buFont typeface="Arial" panose="020B0604020202020204" pitchFamily="34" charset="0"/>
+              <a:buChar char="•"/>
+            </a:pPr>
+            <a:r>
+              <a:rPr lang="de-DE" altLang="de-DE" sz="1400" dirty="0"/>
+              <a:t>Tags, Releases &amp; deren Verwaltung</a:t>
+            </a:r>
+          </a:p>
+          <a:p>
+            <a:pPr lvl="1">
+              <a:buFont typeface="Arial" panose="020B0604020202020204" pitchFamily="34" charset="0"/>
+              <a:buChar char="•"/>
+            </a:pPr>
+            <a:r>
+              <a:rPr lang="de-DE" altLang="de-DE" sz="1400" dirty="0"/>
+              <a:t>Einführung in </a:t>
+            </a:r>
+            <a:r>
+              <a:rPr lang="de-DE" altLang="de-DE" sz="1400" dirty="0" err="1"/>
+              <a:t>GitLab</a:t>
+            </a:r>
+            <a:r>
+              <a:rPr lang="de-DE" altLang="de-DE" sz="1400" dirty="0"/>
+              <a:t> CI/CD &amp; </a:t>
+            </a:r>
+            <a:r>
+              <a:rPr lang="de-DE" altLang="de-DE" sz="1400" dirty="0" err="1"/>
+              <a:t>gitlab-ci.yml</a:t>
+            </a:r>
+            <a:endParaRPr lang="de-DE" altLang="de-DE" sz="1400" dirty="0"/>
+          </a:p>
+          <a:p>
+            <a:pPr lvl="1">
+              <a:buFont typeface="Arial" panose="020B0604020202020204" pitchFamily="34" charset="0"/>
+              <a:buChar char="•"/>
+            </a:pPr>
+            <a:r>
+              <a:rPr lang="de-DE" altLang="de-DE" sz="1400" dirty="0" err="1"/>
+              <a:t>GitLab</a:t>
+            </a:r>
+            <a:r>
+              <a:rPr lang="de-DE" altLang="de-DE" sz="1400" dirty="0"/>
+              <a:t> Runner</a:t>
+            </a:r>
+          </a:p>
+          <a:p>
             <a:pPr>
               <a:buFont typeface="Arial" panose="020B0604020202020204" pitchFamily="34" charset="0"/>
               <a:buChar char="•"/>
             </a:pPr>
             <a:r>
               <a:rPr lang="de-DE" altLang="de-DE" sz="1800" b="1" dirty="0"/>
-              <a:t>Tag 2 – Vertiefung </a:t>
+              <a:t>Tag 3 – </a:t>
             </a:r>
             <a:r>
               <a:rPr lang="de-DE" altLang="de-DE" sz="1800" b="1" dirty="0" err="1"/>
-              <a:t>Git</a:t>
+              <a:t>GitOps</a:t>
             </a:r>
             <a:r>
               <a:rPr lang="de-DE" altLang="de-DE" sz="1800" b="1" dirty="0"/>
-              <a:t>-Workflow, CI/CD &amp; </a:t>
+              <a:t>, Docker, </a:t>
             </a:r>
             <a:r>
               <a:rPr lang="de-DE" altLang="de-DE" sz="1800" b="1" dirty="0" err="1"/>
-              <a:t>GitLab</a:t>
+              <a:t>Deployment</a:t>
             </a:r>
             <a:r>
               <a:rPr lang="de-DE" altLang="de-DE" sz="1800" b="1" dirty="0"/>
-              <a:t> CI </a:t>
+              <a:t>-Strategien</a:t>
             </a:r>
           </a:p>
           <a:p>
@@ -17991,12 +18056,12 @@
               <a:buChar char="•"/>
             </a:pPr>
             <a:r>
-              <a:rPr lang="de-DE" altLang="de-DE" sz="1400" dirty="0" err="1"/>
-              <a:t>Gitflow</a:t>
-            </a:r>
-            <a:r>
-              <a:rPr lang="de-DE" altLang="de-DE" sz="1400" dirty="0"/>
-              <a:t>-Workflow</a:t>
+              <a:rPr lang="de-DE" altLang="de-DE" sz="1400" u="sng" dirty="0" err="1"/>
+              <a:t>GitOps</a:t>
+            </a:r>
+            <a:r>
+              <a:rPr lang="de-DE" altLang="de-DE" sz="1400" u="sng" dirty="0"/>
+              <a:t> Grundlagen</a:t>
             </a:r>
           </a:p>
           <a:p>
@@ -18006,94 +18071,7 @@
             </a:pPr>
             <a:r>
               <a:rPr lang="de-DE" altLang="de-DE" sz="1400" dirty="0"/>
-              <a:t>Tags, Releases &amp; deren Verwaltung</a:t>
-            </a:r>
-          </a:p>
-          <a:p>
-            <a:pPr lvl="1">
-              <a:buFont typeface="Arial" panose="020B0604020202020204" pitchFamily="34" charset="0"/>
-              <a:buChar char="•"/>
-            </a:pPr>
-            <a:r>
-              <a:rPr lang="de-DE" altLang="de-DE" sz="1400" dirty="0" err="1"/>
-              <a:t>GitLab</a:t>
-            </a:r>
-            <a:r>
-              <a:rPr lang="de-DE" altLang="de-DE" sz="1400" dirty="0"/>
-              <a:t>-Runner</a:t>
-            </a:r>
-          </a:p>
-          <a:p>
-            <a:pPr lvl="1">
-              <a:buFont typeface="Arial" panose="020B0604020202020204" pitchFamily="34" charset="0"/>
-              <a:buChar char="•"/>
-            </a:pPr>
-            <a:r>
-              <a:rPr lang="de-DE" altLang="de-DE" sz="1400" dirty="0"/>
-              <a:t>Einführung in </a:t>
-            </a:r>
-            <a:r>
-              <a:rPr lang="de-DE" altLang="de-DE" sz="1400" dirty="0" err="1"/>
-              <a:t>GitLab</a:t>
-            </a:r>
-            <a:r>
-              <a:rPr lang="de-DE" altLang="de-DE" sz="1400" dirty="0"/>
-              <a:t> CI/CD &amp; </a:t>
-            </a:r>
-            <a:r>
-              <a:rPr lang="de-DE" altLang="de-DE" sz="1400" dirty="0" err="1"/>
-              <a:t>gitlab.yml</a:t>
-            </a:r>
-            <a:endParaRPr lang="de-DE" altLang="de-DE" sz="1400" dirty="0"/>
-          </a:p>
-          <a:p>
-            <a:pPr>
-              <a:buFont typeface="Arial" panose="020B0604020202020204" pitchFamily="34" charset="0"/>
-              <a:buChar char="•"/>
-            </a:pPr>
-            <a:r>
-              <a:rPr lang="de-DE" altLang="de-DE" sz="1800" b="1" dirty="0"/>
-              <a:t>Tag 3 – </a:t>
-            </a:r>
-            <a:r>
-              <a:rPr lang="de-DE" altLang="de-DE" sz="1800" b="1" dirty="0" err="1"/>
-              <a:t>GitOps</a:t>
-            </a:r>
-            <a:r>
-              <a:rPr lang="de-DE" altLang="de-DE" sz="1800" b="1" dirty="0"/>
-              <a:t>, Docker in der Entwicklung und </a:t>
-            </a:r>
-            <a:r>
-              <a:rPr lang="de-DE" altLang="de-DE" sz="1800" b="1" dirty="0" err="1"/>
-              <a:t>Deployment</a:t>
-            </a:r>
-            <a:r>
-              <a:rPr lang="de-DE" altLang="de-DE" sz="1800" b="1" dirty="0"/>
-              <a:t>-Strategien</a:t>
-            </a:r>
-          </a:p>
-          <a:p>
-            <a:pPr lvl="1">
-              <a:buFont typeface="Arial" panose="020B0604020202020204" pitchFamily="34" charset="0"/>
-              <a:buChar char="•"/>
-            </a:pPr>
-            <a:r>
-              <a:rPr lang="de-DE" altLang="de-DE" sz="1400" u="sng" dirty="0" err="1"/>
-              <a:t>GitOps</a:t>
-            </a:r>
-            <a:r>
-              <a:rPr lang="de-DE" altLang="de-DE" sz="1400" u="sng" dirty="0"/>
-              <a:t> Grundlagen</a:t>
-            </a:r>
-          </a:p>
-          <a:p>
-            <a:pPr lvl="1">
-              <a:buFont typeface="Arial" panose="020B0604020202020204" pitchFamily="34" charset="0"/>
-              <a:buChar char="•"/>
-            </a:pPr>
-            <a:r>
-              <a:rPr lang="de-DE" altLang="de-DE" sz="1400" dirty="0"/>
-              <a:t>Lokale Entwicklung mit Docker</a:t>
+              <a:t>Entwicklung mit Docker</a:t>
             </a:r>
           </a:p>
           <a:p>
@@ -18195,11 +18173,6 @@
         </p:txBody>
       </p:sp>
     </p:spTree>
-    <p:extLst>
-      <p:ext uri="{BB962C8B-B14F-4D97-AF65-F5344CB8AC3E}">
-        <p14:creationId xmlns:p14="http://schemas.microsoft.com/office/powerpoint/2010/main" val="423169401"/>
-      </p:ext>
-    </p:extLst>
   </p:cSld>
   <p:clrMapOvr>
     <a:masterClrMapping/>

--- a/slides/Tag-3_1-GitOps.pptx
+++ b/slides/Tag-3_1-GitOps.pptx
@@ -9311,6 +9311,12 @@
             </a:r>
           </a:p>
           <a:p>
+            <a:pPr marL="0" indent="0">
+              <a:buNone/>
+            </a:pPr>
+            <a:endParaRPr lang="de-DE" altLang="de-DE" b="1" dirty="0"/>
+          </a:p>
+          <a:p>
             <a:pPr>
               <a:buFont typeface="Arial" panose="020B0604020202020204" pitchFamily="34" charset="0"/>
               <a:buChar char="•"/>
@@ -9766,6 +9772,12 @@
             </a:r>
           </a:p>
           <a:p>
+            <a:pPr marL="0" indent="0">
+              <a:buNone/>
+            </a:pPr>
+            <a:endParaRPr lang="de-DE" b="1" dirty="0"/>
+          </a:p>
+          <a:p>
             <a:pPr>
               <a:buFont typeface="Arial" panose="020B0604020202020204" pitchFamily="34" charset="0"/>
               <a:buChar char="•"/>
@@ -9773,24 +9785,6 @@
             <a:r>
               <a:rPr lang="de-DE" dirty="0"/>
               <a:t>Workflow für Anwendungsbereitstellung</a:t>
-            </a:r>
-          </a:p>
-          <a:p>
-            <a:pPr>
-              <a:buFont typeface="Arial" panose="020B0604020202020204" pitchFamily="34" charset="0"/>
-              <a:buChar char="•"/>
-            </a:pPr>
-            <a:r>
-              <a:rPr lang="de-DE" dirty="0"/>
-              <a:t>Transparenz (</a:t>
-            </a:r>
-            <a:r>
-              <a:rPr lang="de-DE" dirty="0" err="1"/>
-              <a:t>git</a:t>
-            </a:r>
-            <a:r>
-              <a:rPr lang="de-DE" dirty="0"/>
-              <a:t>)</a:t>
             </a:r>
           </a:p>
           <a:p>
@@ -10072,7 +10066,7 @@
 </file>
 
 <file path=ppt/slides/slide15.xml><?xml version="1.0" encoding="utf-8"?>
-<p:sld xmlns:a="http://schemas.openxmlformats.org/drawingml/2006/main" xmlns:r="http://schemas.openxmlformats.org/officeDocument/2006/relationships" xmlns:p="http://schemas.openxmlformats.org/presentationml/2006/main">
+<p:sld xmlns:a="http://schemas.openxmlformats.org/drawingml/2006/main" xmlns:r="http://schemas.openxmlformats.org/officeDocument/2006/relationships" xmlns:p="http://schemas.openxmlformats.org/presentationml/2006/main" show="0">
   <p:cSld>
     <p:spTree>
       <p:nvGrpSpPr>
@@ -10384,7 +10378,7 @@
 </file>
 
 <file path=ppt/slides/slide16.xml><?xml version="1.0" encoding="utf-8"?>
-<p:sld xmlns:a="http://schemas.openxmlformats.org/drawingml/2006/main" xmlns:r="http://schemas.openxmlformats.org/officeDocument/2006/relationships" xmlns:p="http://schemas.openxmlformats.org/presentationml/2006/main">
+<p:sld xmlns:a="http://schemas.openxmlformats.org/drawingml/2006/main" xmlns:r="http://schemas.openxmlformats.org/officeDocument/2006/relationships" xmlns:p="http://schemas.openxmlformats.org/presentationml/2006/main" show="0">
   <p:cSld>
     <p:spTree>
       <p:nvGrpSpPr>
@@ -10620,7 +10614,7 @@
 </file>
 
 <file path=ppt/slides/slide17.xml><?xml version="1.0" encoding="utf-8"?>
-<p:sld xmlns:a="http://schemas.openxmlformats.org/drawingml/2006/main" xmlns:r="http://schemas.openxmlformats.org/officeDocument/2006/relationships" xmlns:p="http://schemas.openxmlformats.org/presentationml/2006/main">
+<p:sld xmlns:a="http://schemas.openxmlformats.org/drawingml/2006/main" xmlns:r="http://schemas.openxmlformats.org/officeDocument/2006/relationships" xmlns:p="http://schemas.openxmlformats.org/presentationml/2006/main" show="0">
   <p:cSld>
     <p:spTree>
       <p:nvGrpSpPr>
@@ -11137,7 +11131,15 @@
             </a:pPr>
             <a:r>
               <a:rPr lang="de-DE" sz="2000" dirty="0"/>
-              <a:t>Neues Release?! PR in </a:t>
+              <a:t>Neues </a:t>
+            </a:r>
+            <a:r>
+              <a:rPr lang="de-DE" sz="2000" dirty="0" err="1"/>
+              <a:t>Deployment</a:t>
+            </a:r>
+            <a:r>
+              <a:rPr lang="de-DE" sz="2000" dirty="0"/>
+              <a:t>?! PR in </a:t>
             </a:r>
             <a:r>
               <a:rPr lang="de-DE" sz="2000" dirty="0" err="1"/>
@@ -11250,7 +11252,7 @@
               <a:rPr lang="de-DE" sz="1600" dirty="0">
                 <a:sym typeface="Wingdings" panose="05000000000000000000" pitchFamily="2" charset="2"/>
               </a:rPr>
-              <a:t>-Teams nutzen weiterhin CI/CD Praktiken</a:t>
+              <a:t>-Teams nutzen weiterhin bekannte CI/CD Praktiken</a:t>
             </a:r>
             <a:endParaRPr lang="de-DE" sz="1600" dirty="0"/>
           </a:p>
@@ -12099,7 +12101,7 @@
 </file>
 
 <file path=ppt/slides/slide21.xml><?xml version="1.0" encoding="utf-8"?>
-<p:sld xmlns:a="http://schemas.openxmlformats.org/drawingml/2006/main" xmlns:r="http://schemas.openxmlformats.org/officeDocument/2006/relationships" xmlns:p="http://schemas.openxmlformats.org/presentationml/2006/main">
+<p:sld xmlns:a="http://schemas.openxmlformats.org/drawingml/2006/main" xmlns:r="http://schemas.openxmlformats.org/officeDocument/2006/relationships" xmlns:p="http://schemas.openxmlformats.org/presentationml/2006/main" show="0">
   <p:cSld>
     <p:spTree>
       <p:nvGrpSpPr>
@@ -17018,7 +17020,7 @@
             </a:pPr>
             <a:r>
               <a:rPr lang="de-DE" dirty="0"/>
-              <a:t>Rolle des CI Servers</a:t>
+              <a:t>Übliche Rolle des CI Servers</a:t>
             </a:r>
           </a:p>
           <a:p>
@@ -18430,7 +18432,7 @@
             </a:pPr>
             <a:r>
               <a:rPr lang="de-DE" b="1" kern="0" dirty="0"/>
-              <a:t>Rolle des CI Servers</a:t>
+              <a:t>Übliche Rolle des CI Servers</a:t>
             </a:r>
           </a:p>
           <a:p>
@@ -25970,6 +25972,12 @@
             </a:r>
           </a:p>
           <a:p>
+            <a:pPr marL="0" indent="0">
+              <a:buNone/>
+            </a:pPr>
+            <a:endParaRPr lang="de-DE" b="1" dirty="0"/>
+          </a:p>
+          <a:p>
             <a:pPr>
               <a:buFont typeface="Arial" panose="020B0604020202020204" pitchFamily="34" charset="0"/>
               <a:buChar char="•"/>
@@ -26234,6 +26242,12 @@
               <a:rPr lang="de-DE" b="1" dirty="0"/>
               <a:t>Abschließende Herausforderungen</a:t>
             </a:r>
+          </a:p>
+          <a:p>
+            <a:pPr marL="0" indent="0">
+              <a:buNone/>
+            </a:pPr>
+            <a:endParaRPr lang="de-DE" b="1" dirty="0"/>
           </a:p>
           <a:p>
             <a:pPr>
@@ -27163,7 +27177,7 @@
               <a:buAutoNum type="arabicPeriod"/>
             </a:pPr>
             <a:r>
-              <a:rPr lang="de-DE" b="1" dirty="0"/>
+              <a:rPr lang="de-DE" dirty="0"/>
               <a:t>Deklarativ (statt programmatisch)</a:t>
             </a:r>
           </a:p>
@@ -27173,7 +27187,7 @@
               <a:buAutoNum type="arabicPeriod"/>
             </a:pPr>
             <a:r>
-              <a:rPr lang="de-DE" b="1" dirty="0"/>
+              <a:rPr lang="de-DE" dirty="0"/>
               <a:t>Versioniert und unveränderlich</a:t>
             </a:r>
           </a:p>
@@ -27183,14 +27197,14 @@
               <a:buAutoNum type="arabicPeriod"/>
             </a:pPr>
             <a:r>
-              <a:rPr lang="de-DE" b="1" dirty="0"/>
+              <a:rPr lang="de-DE" dirty="0"/>
               <a:t>Automatische </a:t>
             </a:r>
             <a:r>
-              <a:rPr lang="de-DE" b="1" dirty="0" err="1"/>
+              <a:rPr lang="de-DE" dirty="0" err="1"/>
               <a:t>Pulls</a:t>
             </a:r>
-            <a:endParaRPr lang="de-DE" b="1" dirty="0"/>
+            <a:endParaRPr lang="de-DE" dirty="0"/>
           </a:p>
           <a:p>
             <a:pPr marL="457200" indent="-457200">
@@ -27198,7 +27212,7 @@
               <a:buAutoNum type="arabicPeriod"/>
             </a:pPr>
             <a:r>
-              <a:rPr lang="de-DE" b="1" dirty="0"/>
+              <a:rPr lang="de-DE" dirty="0"/>
               <a:t>Kontinuierliche Anpassung</a:t>
             </a:r>
           </a:p>

--- a/slides/Tag-3_1-GitOps.pptx
+++ b/slides/Tag-3_1-GitOps.pptx
@@ -6,10 +6,10 @@
     <p:sldMasterId id="2147483649" r:id="rId2"/>
   </p:sldMasterIdLst>
   <p:notesMasterIdLst>
-    <p:notesMasterId r:id="rId40"/>
+    <p:notesMasterId r:id="rId41"/>
   </p:notesMasterIdLst>
   <p:handoutMasterIdLst>
-    <p:handoutMasterId r:id="rId41"/>
+    <p:handoutMasterId r:id="rId42"/>
   </p:handoutMasterIdLst>
   <p:sldIdLst>
     <p:sldId id="624" r:id="rId3"/>
@@ -31,24 +31,25 @@
     <p:sldId id="601" r:id="rId19"/>
     <p:sldId id="604" r:id="rId20"/>
     <p:sldId id="603" r:id="rId21"/>
-    <p:sldId id="617" r:id="rId22"/>
-    <p:sldId id="609" r:id="rId23"/>
-    <p:sldId id="605" r:id="rId24"/>
-    <p:sldId id="608" r:id="rId25"/>
-    <p:sldId id="610" r:id="rId26"/>
-    <p:sldId id="611" r:id="rId27"/>
-    <p:sldId id="607" r:id="rId28"/>
-    <p:sldId id="619" r:id="rId29"/>
-    <p:sldId id="621" r:id="rId30"/>
-    <p:sldId id="620" r:id="rId31"/>
-    <p:sldId id="612" r:id="rId32"/>
-    <p:sldId id="613" r:id="rId33"/>
-    <p:sldId id="615" r:id="rId34"/>
-    <p:sldId id="616" r:id="rId35"/>
-    <p:sldId id="622" r:id="rId36"/>
-    <p:sldId id="623" r:id="rId37"/>
-    <p:sldId id="618" r:id="rId38"/>
-    <p:sldId id="598" r:id="rId39"/>
+    <p:sldId id="627" r:id="rId22"/>
+    <p:sldId id="617" r:id="rId23"/>
+    <p:sldId id="609" r:id="rId24"/>
+    <p:sldId id="605" r:id="rId25"/>
+    <p:sldId id="608" r:id="rId26"/>
+    <p:sldId id="610" r:id="rId27"/>
+    <p:sldId id="611" r:id="rId28"/>
+    <p:sldId id="607" r:id="rId29"/>
+    <p:sldId id="619" r:id="rId30"/>
+    <p:sldId id="621" r:id="rId31"/>
+    <p:sldId id="620" r:id="rId32"/>
+    <p:sldId id="612" r:id="rId33"/>
+    <p:sldId id="613" r:id="rId34"/>
+    <p:sldId id="615" r:id="rId35"/>
+    <p:sldId id="616" r:id="rId36"/>
+    <p:sldId id="622" r:id="rId37"/>
+    <p:sldId id="623" r:id="rId38"/>
+    <p:sldId id="618" r:id="rId39"/>
+    <p:sldId id="598" r:id="rId40"/>
   </p:sldIdLst>
   <p:sldSz cx="9144000" cy="6858000" type="screen4x3"/>
   <p:notesSz cx="6784975" cy="9921875"/>
@@ -1832,585 +1833,6 @@
           <a:bodyPr/>
           <a:lstStyle/>
           <a:p>
-            <a:pPr algn="l" fontAlgn="base"/>
-            <a:r>
-              <a:rPr lang="de-DE" b="0" i="0" dirty="0">
-                <a:solidFill>
-                  <a:srgbClr val="484848"/>
-                </a:solidFill>
-                <a:effectLst/>
-                <a:latin typeface="MuseoSansRounded-700"/>
-              </a:rPr>
-              <a:t>Erhöhte Produktivität</a:t>
-            </a:r>
-          </a:p>
-          <a:p>
-            <a:pPr algn="l" fontAlgn="base"/>
-            <a:r>
-              <a:rPr lang="de-DE" b="0" i="0" dirty="0">
-                <a:solidFill>
-                  <a:srgbClr val="3C3C3B"/>
-                </a:solidFill>
-                <a:effectLst/>
-                <a:latin typeface="MuseoSansRounded-300"/>
-              </a:rPr>
-              <a:t>Durch die Automatisierung von </a:t>
-            </a:r>
-            <a:r>
-              <a:rPr lang="de-DE" b="0" i="0" dirty="0" err="1">
-                <a:solidFill>
-                  <a:srgbClr val="3C3C3B"/>
-                </a:solidFill>
-                <a:effectLst/>
-                <a:latin typeface="MuseoSansRounded-300"/>
-              </a:rPr>
-              <a:t>Deployment</a:t>
-            </a:r>
-            <a:r>
-              <a:rPr lang="de-DE" b="0" i="0" dirty="0">
-                <a:solidFill>
-                  <a:srgbClr val="3C3C3B"/>
-                </a:solidFill>
-                <a:effectLst/>
-                <a:latin typeface="MuseoSansRounded-300"/>
-              </a:rPr>
-              <a:t>-Prozessen, sowohl in der Entwicklung als auch im Betrieb von Anwendungen, wird die Produktivität der Organisation erhöht. </a:t>
-            </a:r>
-            <a:r>
-              <a:rPr lang="de-DE" b="0" i="0" dirty="0" err="1">
-                <a:solidFill>
-                  <a:srgbClr val="3C3C3B"/>
-                </a:solidFill>
-                <a:effectLst/>
-                <a:latin typeface="MuseoSansRounded-300"/>
-              </a:rPr>
-              <a:t>GitOps</a:t>
-            </a:r>
-            <a:r>
-              <a:rPr lang="de-DE" b="0" i="0" dirty="0">
-                <a:solidFill>
-                  <a:srgbClr val="3C3C3B"/>
-                </a:solidFill>
-                <a:effectLst/>
-                <a:latin typeface="MuseoSansRounded-300"/>
-              </a:rPr>
-              <a:t> ist dabei besonders effektiv und vereint die Vorteile einer Vielzahl an Tools:</a:t>
-            </a:r>
-          </a:p>
-          <a:p>
-            <a:pPr algn="l" fontAlgn="base"/>
-            <a:endParaRPr lang="de-DE" b="0" i="0" dirty="0">
-              <a:solidFill>
-                <a:srgbClr val="3C3C3B"/>
-              </a:solidFill>
-              <a:effectLst/>
-              <a:latin typeface="MuseoSansRounded-300"/>
-            </a:endParaRPr>
-          </a:p>
-          <a:p>
-            <a:pPr marL="171450" indent="-171450" algn="l" fontAlgn="base">
-              <a:buFont typeface="Arial" panose="020B0604020202020204" pitchFamily="34" charset="0"/>
-              <a:buChar char="•"/>
-            </a:pPr>
-            <a:r>
-              <a:rPr lang="de-DE" b="0" i="0" u="sng" dirty="0">
-                <a:solidFill>
-                  <a:srgbClr val="3C3C3B"/>
-                </a:solidFill>
-                <a:effectLst/>
-                <a:latin typeface="MuseoSansRounded-700"/>
-              </a:rPr>
-              <a:t>Schnelle Veröffentlichung von Änderungen</a:t>
-            </a:r>
-            <a:r>
-              <a:rPr lang="de-DE" b="0" i="0" dirty="0">
-                <a:solidFill>
-                  <a:srgbClr val="3C3C3B"/>
-                </a:solidFill>
-                <a:effectLst/>
-                <a:latin typeface="MuseoSansRounded-700"/>
-              </a:rPr>
-              <a:t>:</a:t>
-            </a:r>
-            <a:r>
-              <a:rPr lang="de-DE" b="0" i="0" dirty="0">
-                <a:solidFill>
-                  <a:srgbClr val="3C3C3B"/>
-                </a:solidFill>
-                <a:effectLst/>
-                <a:latin typeface="MuseoSansRounded-300"/>
-              </a:rPr>
-              <a:t> Durch die Nutzung von </a:t>
-            </a:r>
-            <a:r>
-              <a:rPr lang="de-DE" b="0" i="0" dirty="0" err="1">
-                <a:solidFill>
-                  <a:srgbClr val="3C3C3B"/>
-                </a:solidFill>
-                <a:effectLst/>
-                <a:latin typeface="MuseoSansRounded-300"/>
-              </a:rPr>
-              <a:t>Kubernetes</a:t>
-            </a:r>
-            <a:r>
-              <a:rPr lang="de-DE" b="0" i="0" dirty="0">
-                <a:solidFill>
-                  <a:srgbClr val="3C3C3B"/>
-                </a:solidFill>
-                <a:effectLst/>
-                <a:latin typeface="MuseoSansRounded-300"/>
-              </a:rPr>
-              <a:t> ist es möglich, </a:t>
-            </a:r>
-            <a:r>
-              <a:rPr lang="de-DE" b="0" i="0" dirty="0" err="1">
-                <a:solidFill>
-                  <a:srgbClr val="3C3C3B"/>
-                </a:solidFill>
-                <a:effectLst/>
-                <a:latin typeface="MuseoSansRounded-300"/>
-              </a:rPr>
-              <a:t>Deployments</a:t>
-            </a:r>
-            <a:r>
-              <a:rPr lang="de-DE" b="0" i="0" dirty="0">
-                <a:solidFill>
-                  <a:srgbClr val="3C3C3B"/>
-                </a:solidFill>
-                <a:effectLst/>
-                <a:latin typeface="MuseoSansRounded-300"/>
-              </a:rPr>
-              <a:t> von Anwendungen durchzuführen, ohne dass deren Verfügbarkeit unterbrochen wird (</a:t>
-            </a:r>
-            <a:r>
-              <a:rPr lang="de-DE" b="0" i="0" dirty="0" err="1">
-                <a:solidFill>
-                  <a:srgbClr val="3C3C3B"/>
-                </a:solidFill>
-                <a:effectLst/>
-                <a:latin typeface="MuseoSansRounded-300"/>
-              </a:rPr>
-              <a:t>No</a:t>
-            </a:r>
-            <a:r>
-              <a:rPr lang="de-DE" b="0" i="0" dirty="0">
-                <a:solidFill>
-                  <a:srgbClr val="3C3C3B"/>
-                </a:solidFill>
-                <a:effectLst/>
-                <a:latin typeface="MuseoSansRounded-300"/>
-              </a:rPr>
-              <a:t> Downtime </a:t>
-            </a:r>
-            <a:r>
-              <a:rPr lang="de-DE" b="0" i="0" dirty="0" err="1">
-                <a:solidFill>
-                  <a:srgbClr val="3C3C3B"/>
-                </a:solidFill>
-                <a:effectLst/>
-                <a:latin typeface="MuseoSansRounded-300"/>
-              </a:rPr>
-              <a:t>Deployments</a:t>
-            </a:r>
-            <a:r>
-              <a:rPr lang="de-DE" b="0" i="0" dirty="0">
-                <a:solidFill>
-                  <a:srgbClr val="3C3C3B"/>
-                </a:solidFill>
-                <a:effectLst/>
-                <a:latin typeface="MuseoSansRounded-300"/>
-              </a:rPr>
-              <a:t>). Im Zusammenspiel mit der Reconciliation Loop können so Code-Änderungen unverzüglich und mit minimalem manuellem Aufwand veröffentlicht werden.</a:t>
-            </a:r>
-          </a:p>
-          <a:p>
-            <a:pPr algn="l" fontAlgn="base">
-              <a:buFont typeface="Arial" panose="020B0604020202020204" pitchFamily="34" charset="0"/>
-              <a:buChar char="•"/>
-            </a:pPr>
-            <a:endParaRPr lang="de-DE" b="0" i="0" dirty="0">
-              <a:solidFill>
-                <a:srgbClr val="3C3C3B"/>
-              </a:solidFill>
-              <a:effectLst/>
-              <a:latin typeface="MuseoSansRounded-300"/>
-            </a:endParaRPr>
-          </a:p>
-          <a:p>
-            <a:pPr marL="171450" indent="-171450" algn="l" fontAlgn="base">
-              <a:buFont typeface="Arial" panose="020B0604020202020204" pitchFamily="34" charset="0"/>
-              <a:buChar char="•"/>
-            </a:pPr>
-            <a:r>
-              <a:rPr lang="de-DE" b="0" i="0" u="sng" dirty="0">
-                <a:solidFill>
-                  <a:srgbClr val="3C3C3B"/>
-                </a:solidFill>
-                <a:effectLst/>
-                <a:latin typeface="MuseoSansRounded-700"/>
-              </a:rPr>
-              <a:t>Reproduzierbarkeit der Infrastruktur</a:t>
-            </a:r>
-            <a:r>
-              <a:rPr lang="de-DE" b="0" i="0" dirty="0">
-                <a:solidFill>
-                  <a:srgbClr val="3C3C3B"/>
-                </a:solidFill>
-                <a:effectLst/>
-                <a:latin typeface="MuseoSansRounded-700"/>
-              </a:rPr>
-              <a:t>:</a:t>
-            </a:r>
-            <a:r>
-              <a:rPr lang="de-DE" b="0" i="0" dirty="0">
-                <a:solidFill>
-                  <a:srgbClr val="3C3C3B"/>
-                </a:solidFill>
-                <a:effectLst/>
-                <a:latin typeface="MuseoSansRounded-300"/>
-              </a:rPr>
-              <a:t> In </a:t>
-            </a:r>
-            <a:r>
-              <a:rPr lang="de-DE" b="0" i="0" dirty="0" err="1">
-                <a:solidFill>
-                  <a:srgbClr val="3C3C3B"/>
-                </a:solidFill>
-                <a:effectLst/>
-                <a:latin typeface="MuseoSansRounded-300"/>
-              </a:rPr>
-              <a:t>GitOps</a:t>
-            </a:r>
-            <a:r>
-              <a:rPr lang="de-DE" b="0" i="0" dirty="0">
-                <a:solidFill>
-                  <a:srgbClr val="3C3C3B"/>
-                </a:solidFill>
-                <a:effectLst/>
-                <a:latin typeface="MuseoSansRounded-300"/>
-              </a:rPr>
-              <a:t> wird die Infrastruktur nach dem Prinzip der Infrastructure </a:t>
-            </a:r>
-            <a:r>
-              <a:rPr lang="de-DE" b="0" i="0" dirty="0" err="1">
-                <a:solidFill>
-                  <a:srgbClr val="3C3C3B"/>
-                </a:solidFill>
-                <a:effectLst/>
-                <a:latin typeface="MuseoSansRounded-300"/>
-              </a:rPr>
-              <a:t>as</a:t>
-            </a:r>
-            <a:r>
-              <a:rPr lang="de-DE" b="0" i="0" dirty="0">
-                <a:solidFill>
-                  <a:srgbClr val="3C3C3B"/>
-                </a:solidFill>
-                <a:effectLst/>
-                <a:latin typeface="MuseoSansRounded-300"/>
-              </a:rPr>
-              <a:t> Code (</a:t>
-            </a:r>
-            <a:r>
-              <a:rPr lang="de-DE" b="0" i="0" dirty="0" err="1">
-                <a:solidFill>
-                  <a:srgbClr val="3C3C3B"/>
-                </a:solidFill>
-                <a:effectLst/>
-                <a:latin typeface="MuseoSansRounded-300"/>
-              </a:rPr>
-              <a:t>IaC</a:t>
-            </a:r>
-            <a:r>
-              <a:rPr lang="de-DE" b="0" i="0" dirty="0">
-                <a:solidFill>
-                  <a:srgbClr val="3C3C3B"/>
-                </a:solidFill>
-                <a:effectLst/>
-                <a:latin typeface="MuseoSansRounded-300"/>
-              </a:rPr>
-              <a:t>) deklariert. So bietet </a:t>
-            </a:r>
-            <a:r>
-              <a:rPr lang="de-DE" b="0" i="0" dirty="0" err="1">
-                <a:solidFill>
-                  <a:srgbClr val="3C3C3B"/>
-                </a:solidFill>
-                <a:effectLst/>
-                <a:latin typeface="MuseoSansRounded-300"/>
-              </a:rPr>
-              <a:t>GitOps</a:t>
-            </a:r>
-            <a:r>
-              <a:rPr lang="de-DE" b="0" i="0" dirty="0">
-                <a:solidFill>
-                  <a:srgbClr val="3C3C3B"/>
-                </a:solidFill>
-                <a:effectLst/>
-                <a:latin typeface="MuseoSansRounded-300"/>
-              </a:rPr>
-              <a:t> eine bessere Skalierbarkeit der Infrastruktur bei gleichzeitig sinkendem Verwaltungsaufwand. Dadurch wird der Betrieb kosteneffizienter als mit klassischen Prozessen.</a:t>
-            </a:r>
-          </a:p>
-          <a:p>
-            <a:pPr algn="l" fontAlgn="base">
-              <a:buFont typeface="Arial" panose="020B0604020202020204" pitchFamily="34" charset="0"/>
-              <a:buChar char="•"/>
-            </a:pPr>
-            <a:endParaRPr lang="de-DE" b="0" i="0" dirty="0">
-              <a:solidFill>
-                <a:srgbClr val="3C3C3B"/>
-              </a:solidFill>
-              <a:effectLst/>
-              <a:latin typeface="MuseoSansRounded-300"/>
-            </a:endParaRPr>
-          </a:p>
-          <a:p>
-            <a:pPr marL="171450" indent="-171450" algn="l" fontAlgn="base">
-              <a:buFont typeface="Arial" panose="020B0604020202020204" pitchFamily="34" charset="0"/>
-              <a:buChar char="•"/>
-            </a:pPr>
-            <a:r>
-              <a:rPr lang="de-DE" b="0" i="0" u="sng" dirty="0">
-                <a:solidFill>
-                  <a:srgbClr val="3C3C3B"/>
-                </a:solidFill>
-                <a:effectLst/>
-                <a:latin typeface="MuseoSansRounded-700"/>
-              </a:rPr>
-              <a:t>Schnellere Wiederherstellung nach Ausfall (Rollbacks):</a:t>
-            </a:r>
-            <a:r>
-              <a:rPr lang="de-DE" b="0" i="0" u="sng" dirty="0">
-                <a:solidFill>
-                  <a:srgbClr val="3C3C3B"/>
-                </a:solidFill>
-                <a:effectLst/>
-                <a:latin typeface="MuseoSansRounded-300"/>
-              </a:rPr>
-              <a:t> </a:t>
-            </a:r>
-            <a:r>
-              <a:rPr lang="de-DE" b="0" i="0" dirty="0">
-                <a:solidFill>
-                  <a:srgbClr val="3C3C3B"/>
-                </a:solidFill>
-                <a:effectLst/>
-                <a:latin typeface="MuseoSansRounded-300"/>
-              </a:rPr>
-              <a:t>Durch die Versionierung aller Änderungen, sowohl Code der Anwendung an sich als auch der Infrastruktur für den Betrieb in </a:t>
-            </a:r>
-            <a:r>
-              <a:rPr lang="de-DE" b="0" i="0" dirty="0" err="1">
-                <a:solidFill>
-                  <a:srgbClr val="3C3C3B"/>
-                </a:solidFill>
-                <a:effectLst/>
-                <a:latin typeface="MuseoSansRounded-300"/>
-              </a:rPr>
-              <a:t>Git</a:t>
-            </a:r>
-            <a:r>
-              <a:rPr lang="de-DE" b="0" i="0" dirty="0">
-                <a:solidFill>
-                  <a:srgbClr val="3C3C3B"/>
-                </a:solidFill>
-                <a:effectLst/>
-                <a:latin typeface="MuseoSansRounded-300"/>
-              </a:rPr>
-              <a:t>, ist es ein Leichtes, den Stand eines beliebigen </a:t>
-            </a:r>
-            <a:r>
-              <a:rPr lang="de-DE" b="0" i="0" dirty="0" err="1">
-                <a:solidFill>
-                  <a:srgbClr val="3C3C3B"/>
-                </a:solidFill>
-                <a:effectLst/>
-                <a:latin typeface="MuseoSansRounded-300"/>
-              </a:rPr>
-              <a:t>Commits</a:t>
-            </a:r>
-            <a:r>
-              <a:rPr lang="de-DE" b="0" i="0" dirty="0">
-                <a:solidFill>
-                  <a:srgbClr val="3C3C3B"/>
-                </a:solidFill>
-                <a:effectLst/>
-                <a:latin typeface="MuseoSansRounded-300"/>
-              </a:rPr>
-              <a:t> wiederherzustellen. Dadurch werden die Ausfallzeit und der Aufwand zur Wiederherstellung reduziert.</a:t>
-            </a:r>
-          </a:p>
-          <a:p>
-            <a:pPr algn="l" fontAlgn="base">
-              <a:buFont typeface="Arial" panose="020B0604020202020204" pitchFamily="34" charset="0"/>
-              <a:buChar char="•"/>
-            </a:pPr>
-            <a:endParaRPr lang="de-DE" b="0" i="0" dirty="0">
-              <a:solidFill>
-                <a:srgbClr val="3C3C3B"/>
-              </a:solidFill>
-              <a:effectLst/>
-              <a:latin typeface="MuseoSansRounded-300"/>
-            </a:endParaRPr>
-          </a:p>
-          <a:p>
-            <a:pPr marL="171450" indent="-171450" algn="l" fontAlgn="base">
-              <a:buFont typeface="Arial" panose="020B0604020202020204" pitchFamily="34" charset="0"/>
-              <a:buChar char="•"/>
-            </a:pPr>
-            <a:r>
-              <a:rPr lang="de-DE" b="0" i="0" u="sng" dirty="0">
-                <a:solidFill>
-                  <a:srgbClr val="3C3C3B"/>
-                </a:solidFill>
-                <a:effectLst/>
-                <a:latin typeface="MuseoSansRounded-700"/>
-              </a:rPr>
-              <a:t>Vereinfachte Berechtigungsstrukturen:</a:t>
-            </a:r>
-            <a:r>
-              <a:rPr lang="de-DE" b="0" i="0" u="sng" dirty="0">
-                <a:solidFill>
-                  <a:srgbClr val="3C3C3B"/>
-                </a:solidFill>
-                <a:effectLst/>
-                <a:latin typeface="MuseoSansRounded-300"/>
-              </a:rPr>
-              <a:t> </a:t>
-            </a:r>
-            <a:r>
-              <a:rPr lang="de-DE" b="0" i="0" dirty="0">
-                <a:solidFill>
-                  <a:srgbClr val="3C3C3B"/>
-                </a:solidFill>
-                <a:effectLst/>
-                <a:latin typeface="MuseoSansRounded-300"/>
-              </a:rPr>
-              <a:t>Mit </a:t>
-            </a:r>
-            <a:r>
-              <a:rPr lang="de-DE" b="0" i="0" dirty="0" err="1">
-                <a:solidFill>
-                  <a:srgbClr val="3C3C3B"/>
-                </a:solidFill>
-                <a:effectLst/>
-                <a:latin typeface="MuseoSansRounded-300"/>
-              </a:rPr>
-              <a:t>GitOps</a:t>
-            </a:r>
-            <a:r>
-              <a:rPr lang="de-DE" b="0" i="0" dirty="0">
-                <a:solidFill>
-                  <a:srgbClr val="3C3C3B"/>
-                </a:solidFill>
-                <a:effectLst/>
-                <a:latin typeface="MuseoSansRounded-300"/>
-              </a:rPr>
-              <a:t> werden Änderungen durch den </a:t>
-            </a:r>
-            <a:r>
-              <a:rPr lang="de-DE" b="0" i="0" dirty="0" err="1">
-                <a:solidFill>
-                  <a:srgbClr val="3C3C3B"/>
-                </a:solidFill>
-                <a:effectLst/>
-                <a:latin typeface="MuseoSansRounded-300"/>
-              </a:rPr>
-              <a:t>GitOps</a:t>
-            </a:r>
-            <a:r>
-              <a:rPr lang="de-DE" b="0" i="0" dirty="0">
-                <a:solidFill>
-                  <a:srgbClr val="3C3C3B"/>
-                </a:solidFill>
-                <a:effectLst/>
-                <a:latin typeface="MuseoSansRounded-300"/>
-              </a:rPr>
-              <a:t>-Operator nach dem Pull-Prinzip in den Cluster hineingezogen und nicht durch den CI-Server nach dem Push-Prinzip auf den Server geschoben. Dadurch entfallen für viele Unternehmen zeitaufwändige Freischaltungen, wenn zum Beispiel CI-Server und </a:t>
-            </a:r>
-            <a:r>
-              <a:rPr lang="de-DE" b="0" i="0" dirty="0" err="1">
-                <a:solidFill>
-                  <a:srgbClr val="3C3C3B"/>
-                </a:solidFill>
-                <a:effectLst/>
-                <a:latin typeface="MuseoSansRounded-300"/>
-              </a:rPr>
-              <a:t>Deployment</a:t>
-            </a:r>
-            <a:r>
-              <a:rPr lang="de-DE" b="0" i="0" dirty="0">
-                <a:solidFill>
-                  <a:srgbClr val="3C3C3B"/>
-                </a:solidFill>
-                <a:effectLst/>
-                <a:latin typeface="MuseoSansRounded-300"/>
-              </a:rPr>
-              <a:t>-Ziel durch eine Firewall getrennt sind oder sich in unterschiedlichen Zonen befinden. Durch die Kombination der Eigenschaften von </a:t>
-            </a:r>
-            <a:r>
-              <a:rPr lang="de-DE" b="0" i="0" dirty="0" err="1">
-                <a:solidFill>
-                  <a:srgbClr val="3C3C3B"/>
-                </a:solidFill>
-                <a:effectLst/>
-                <a:latin typeface="MuseoSansRounded-300"/>
-              </a:rPr>
-              <a:t>Kubernetes</a:t>
-            </a:r>
-            <a:r>
-              <a:rPr lang="de-DE" b="0" i="0" dirty="0">
-                <a:solidFill>
-                  <a:srgbClr val="3C3C3B"/>
-                </a:solidFill>
-                <a:effectLst/>
-                <a:latin typeface="MuseoSansRounded-300"/>
-              </a:rPr>
-              <a:t>, </a:t>
-            </a:r>
-            <a:r>
-              <a:rPr lang="de-DE" b="0" i="0" dirty="0" err="1">
-                <a:solidFill>
-                  <a:srgbClr val="3C3C3B"/>
-                </a:solidFill>
-                <a:effectLst/>
-                <a:latin typeface="MuseoSansRounded-300"/>
-              </a:rPr>
-              <a:t>IaC</a:t>
-            </a:r>
-            <a:r>
-              <a:rPr lang="de-DE" b="0" i="0" dirty="0">
-                <a:solidFill>
-                  <a:srgbClr val="3C3C3B"/>
-                </a:solidFill>
-                <a:effectLst/>
-                <a:latin typeface="MuseoSansRounded-300"/>
-              </a:rPr>
-              <a:t> und </a:t>
-            </a:r>
-            <a:r>
-              <a:rPr lang="de-DE" b="0" i="0" dirty="0" err="1">
-                <a:solidFill>
-                  <a:srgbClr val="3C3C3B"/>
-                </a:solidFill>
-                <a:effectLst/>
-                <a:latin typeface="MuseoSansRounded-300"/>
-              </a:rPr>
-              <a:t>Git</a:t>
-            </a:r>
-            <a:r>
-              <a:rPr lang="de-DE" b="0" i="0" dirty="0">
-                <a:solidFill>
-                  <a:srgbClr val="3C3C3B"/>
-                </a:solidFill>
-                <a:effectLst/>
-                <a:latin typeface="MuseoSansRounded-300"/>
-              </a:rPr>
-              <a:t> können Teams häufiger und schneller Änderungen ausliefern und dadurch ihre Produktivität erhöhen.</a:t>
-            </a:r>
-          </a:p>
-          <a:p>
             <a:endParaRPr lang="de-DE" dirty="0"/>
           </a:p>
         </p:txBody>
@@ -2442,7 +1864,7 @@
     </p:spTree>
     <p:extLst>
       <p:ext uri="{BB962C8B-B14F-4D97-AF65-F5344CB8AC3E}">
-        <p14:creationId xmlns:p14="http://schemas.microsoft.com/office/powerpoint/2010/main" val="762346922"/>
+        <p14:creationId xmlns:p14="http://schemas.microsoft.com/office/powerpoint/2010/main" val="1720739291"/>
       </p:ext>
     </p:extLst>
   </p:cSld>
@@ -2496,96 +1918,586 @@
           <a:bodyPr/>
           <a:lstStyle/>
           <a:p>
-            <a:r>
-              <a:rPr lang="de-DE" dirty="0"/>
-              <a:t>Quelle:</a:t>
-            </a:r>
-          </a:p>
-          <a:p>
-            <a:r>
-              <a:rPr lang="de-DE" dirty="0"/>
-              <a:t>https://github.com/weaveworks/awesome-gitops?tab=readme-ov-file</a:t>
-            </a:r>
-          </a:p>
-          <a:p>
-            <a:pPr marL="171450" indent="-171450">
+            <a:pPr algn="l" fontAlgn="base"/>
+            <a:r>
+              <a:rPr lang="de-DE" b="0" i="0" dirty="0">
+                <a:solidFill>
+                  <a:srgbClr val="484848"/>
+                </a:solidFill>
+                <a:effectLst/>
+                <a:latin typeface="MuseoSansRounded-700"/>
+              </a:rPr>
+              <a:t>Erhöhte Produktivität</a:t>
+            </a:r>
+          </a:p>
+          <a:p>
+            <a:pPr algn="l" fontAlgn="base"/>
+            <a:r>
+              <a:rPr lang="de-DE" b="0" i="0" dirty="0">
+                <a:solidFill>
+                  <a:srgbClr val="3C3C3B"/>
+                </a:solidFill>
+                <a:effectLst/>
+                <a:latin typeface="MuseoSansRounded-300"/>
+              </a:rPr>
+              <a:t>Durch die Automatisierung von </a:t>
+            </a:r>
+            <a:r>
+              <a:rPr lang="de-DE" b="0" i="0" dirty="0" err="1">
+                <a:solidFill>
+                  <a:srgbClr val="3C3C3B"/>
+                </a:solidFill>
+                <a:effectLst/>
+                <a:latin typeface="MuseoSansRounded-300"/>
+              </a:rPr>
+              <a:t>Deployment</a:t>
+            </a:r>
+            <a:r>
+              <a:rPr lang="de-DE" b="0" i="0" dirty="0">
+                <a:solidFill>
+                  <a:srgbClr val="3C3C3B"/>
+                </a:solidFill>
+                <a:effectLst/>
+                <a:latin typeface="MuseoSansRounded-300"/>
+              </a:rPr>
+              <a:t>-Prozessen, sowohl in der Entwicklung als auch im Betrieb von Anwendungen, wird die Produktivität der Organisation erhöht. </a:t>
+            </a:r>
+            <a:r>
+              <a:rPr lang="de-DE" b="0" i="0" dirty="0" err="1">
+                <a:solidFill>
+                  <a:srgbClr val="3C3C3B"/>
+                </a:solidFill>
+                <a:effectLst/>
+                <a:latin typeface="MuseoSansRounded-300"/>
+              </a:rPr>
+              <a:t>GitOps</a:t>
+            </a:r>
+            <a:r>
+              <a:rPr lang="de-DE" b="0" i="0" dirty="0">
+                <a:solidFill>
+                  <a:srgbClr val="3C3C3B"/>
+                </a:solidFill>
+                <a:effectLst/>
+                <a:latin typeface="MuseoSansRounded-300"/>
+              </a:rPr>
+              <a:t> ist dabei besonders effektiv und vereint die Vorteile einer Vielzahl an Tools:</a:t>
+            </a:r>
+          </a:p>
+          <a:p>
+            <a:pPr algn="l" fontAlgn="base"/>
+            <a:endParaRPr lang="de-DE" b="0" i="0" dirty="0">
+              <a:solidFill>
+                <a:srgbClr val="3C3C3B"/>
+              </a:solidFill>
+              <a:effectLst/>
+              <a:latin typeface="MuseoSansRounded-300"/>
+            </a:endParaRPr>
+          </a:p>
+          <a:p>
+            <a:pPr marL="171450" indent="-171450" algn="l" fontAlgn="base">
               <a:buFont typeface="Arial" panose="020B0604020202020204" pitchFamily="34" charset="0"/>
               <a:buChar char="•"/>
             </a:pPr>
             <a:r>
-              <a:rPr lang="de-DE" dirty="0"/>
-              <a:t>https://github.com/argoproj/argo-cd</a:t>
-            </a:r>
-          </a:p>
-          <a:p>
-            <a:pPr marL="171450" indent="-171450">
+              <a:rPr lang="de-DE" b="0" i="0" u="sng" dirty="0">
+                <a:solidFill>
+                  <a:srgbClr val="3C3C3B"/>
+                </a:solidFill>
+                <a:effectLst/>
+                <a:latin typeface="MuseoSansRounded-700"/>
+              </a:rPr>
+              <a:t>Schnelle Veröffentlichung von Änderungen</a:t>
+            </a:r>
+            <a:r>
+              <a:rPr lang="de-DE" b="0" i="0" dirty="0">
+                <a:solidFill>
+                  <a:srgbClr val="3C3C3B"/>
+                </a:solidFill>
+                <a:effectLst/>
+                <a:latin typeface="MuseoSansRounded-700"/>
+              </a:rPr>
+              <a:t>:</a:t>
+            </a:r>
+            <a:r>
+              <a:rPr lang="de-DE" b="0" i="0" dirty="0">
+                <a:solidFill>
+                  <a:srgbClr val="3C3C3B"/>
+                </a:solidFill>
+                <a:effectLst/>
+                <a:latin typeface="MuseoSansRounded-300"/>
+              </a:rPr>
+              <a:t> Durch die Nutzung von </a:t>
+            </a:r>
+            <a:r>
+              <a:rPr lang="de-DE" b="0" i="0" dirty="0" err="1">
+                <a:solidFill>
+                  <a:srgbClr val="3C3C3B"/>
+                </a:solidFill>
+                <a:effectLst/>
+                <a:latin typeface="MuseoSansRounded-300"/>
+              </a:rPr>
+              <a:t>Kubernetes</a:t>
+            </a:r>
+            <a:r>
+              <a:rPr lang="de-DE" b="0" i="0" dirty="0">
+                <a:solidFill>
+                  <a:srgbClr val="3C3C3B"/>
+                </a:solidFill>
+                <a:effectLst/>
+                <a:latin typeface="MuseoSansRounded-300"/>
+              </a:rPr>
+              <a:t> ist es möglich, </a:t>
+            </a:r>
+            <a:r>
+              <a:rPr lang="de-DE" b="0" i="0" dirty="0" err="1">
+                <a:solidFill>
+                  <a:srgbClr val="3C3C3B"/>
+                </a:solidFill>
+                <a:effectLst/>
+                <a:latin typeface="MuseoSansRounded-300"/>
+              </a:rPr>
+              <a:t>Deployments</a:t>
+            </a:r>
+            <a:r>
+              <a:rPr lang="de-DE" b="0" i="0" dirty="0">
+                <a:solidFill>
+                  <a:srgbClr val="3C3C3B"/>
+                </a:solidFill>
+                <a:effectLst/>
+                <a:latin typeface="MuseoSansRounded-300"/>
+              </a:rPr>
+              <a:t> von Anwendungen durchzuführen, ohne dass deren Verfügbarkeit unterbrochen wird (</a:t>
+            </a:r>
+            <a:r>
+              <a:rPr lang="de-DE" b="0" i="0" dirty="0" err="1">
+                <a:solidFill>
+                  <a:srgbClr val="3C3C3B"/>
+                </a:solidFill>
+                <a:effectLst/>
+                <a:latin typeface="MuseoSansRounded-300"/>
+              </a:rPr>
+              <a:t>No</a:t>
+            </a:r>
+            <a:r>
+              <a:rPr lang="de-DE" b="0" i="0" dirty="0">
+                <a:solidFill>
+                  <a:srgbClr val="3C3C3B"/>
+                </a:solidFill>
+                <a:effectLst/>
+                <a:latin typeface="MuseoSansRounded-300"/>
+              </a:rPr>
+              <a:t> Downtime </a:t>
+            </a:r>
+            <a:r>
+              <a:rPr lang="de-DE" b="0" i="0" dirty="0" err="1">
+                <a:solidFill>
+                  <a:srgbClr val="3C3C3B"/>
+                </a:solidFill>
+                <a:effectLst/>
+                <a:latin typeface="MuseoSansRounded-300"/>
+              </a:rPr>
+              <a:t>Deployments</a:t>
+            </a:r>
+            <a:r>
+              <a:rPr lang="de-DE" b="0" i="0" dirty="0">
+                <a:solidFill>
+                  <a:srgbClr val="3C3C3B"/>
+                </a:solidFill>
+                <a:effectLst/>
+                <a:latin typeface="MuseoSansRounded-300"/>
+              </a:rPr>
+              <a:t>). Im Zusammenspiel mit der Reconciliation Loop können so Code-Änderungen unverzüglich und mit minimalem manuellem Aufwand veröffentlicht werden.</a:t>
+            </a:r>
+          </a:p>
+          <a:p>
+            <a:pPr algn="l" fontAlgn="base">
               <a:buFont typeface="Arial" panose="020B0604020202020204" pitchFamily="34" charset="0"/>
               <a:buChar char="•"/>
             </a:pPr>
-            <a:r>
-              <a:rPr lang="de-DE" dirty="0"/>
-              <a:t>https://github.com/fluxcd/flux2</a:t>
-            </a:r>
-          </a:p>
-          <a:p>
-            <a:pPr marL="171450" indent="-171450">
+            <a:endParaRPr lang="de-DE" b="0" i="0" dirty="0">
+              <a:solidFill>
+                <a:srgbClr val="3C3C3B"/>
+              </a:solidFill>
+              <a:effectLst/>
+              <a:latin typeface="MuseoSansRounded-300"/>
+            </a:endParaRPr>
+          </a:p>
+          <a:p>
+            <a:pPr marL="171450" indent="-171450" algn="l" fontAlgn="base">
               <a:buFont typeface="Arial" panose="020B0604020202020204" pitchFamily="34" charset="0"/>
               <a:buChar char="•"/>
             </a:pPr>
             <a:r>
-              <a:rPr lang="de-DE" dirty="0"/>
-              <a:t>https://github.com/fluxcd/flagger</a:t>
-            </a:r>
-          </a:p>
-          <a:p>
-            <a:pPr marL="171450" indent="-171450">
+              <a:rPr lang="de-DE" b="0" i="0" u="sng" dirty="0">
+                <a:solidFill>
+                  <a:srgbClr val="3C3C3B"/>
+                </a:solidFill>
+                <a:effectLst/>
+                <a:latin typeface="MuseoSansRounded-700"/>
+              </a:rPr>
+              <a:t>Reproduzierbarkeit der Infrastruktur</a:t>
+            </a:r>
+            <a:r>
+              <a:rPr lang="de-DE" b="0" i="0" dirty="0">
+                <a:solidFill>
+                  <a:srgbClr val="3C3C3B"/>
+                </a:solidFill>
+                <a:effectLst/>
+                <a:latin typeface="MuseoSansRounded-700"/>
+              </a:rPr>
+              <a:t>:</a:t>
+            </a:r>
+            <a:r>
+              <a:rPr lang="de-DE" b="0" i="0" dirty="0">
+                <a:solidFill>
+                  <a:srgbClr val="3C3C3B"/>
+                </a:solidFill>
+                <a:effectLst/>
+                <a:latin typeface="MuseoSansRounded-300"/>
+              </a:rPr>
+              <a:t> In </a:t>
+            </a:r>
+            <a:r>
+              <a:rPr lang="de-DE" b="0" i="0" dirty="0" err="1">
+                <a:solidFill>
+                  <a:srgbClr val="3C3C3B"/>
+                </a:solidFill>
+                <a:effectLst/>
+                <a:latin typeface="MuseoSansRounded-300"/>
+              </a:rPr>
+              <a:t>GitOps</a:t>
+            </a:r>
+            <a:r>
+              <a:rPr lang="de-DE" b="0" i="0" dirty="0">
+                <a:solidFill>
+                  <a:srgbClr val="3C3C3B"/>
+                </a:solidFill>
+                <a:effectLst/>
+                <a:latin typeface="MuseoSansRounded-300"/>
+              </a:rPr>
+              <a:t> wird die Infrastruktur nach dem Prinzip der Infrastructure </a:t>
+            </a:r>
+            <a:r>
+              <a:rPr lang="de-DE" b="0" i="0" dirty="0" err="1">
+                <a:solidFill>
+                  <a:srgbClr val="3C3C3B"/>
+                </a:solidFill>
+                <a:effectLst/>
+                <a:latin typeface="MuseoSansRounded-300"/>
+              </a:rPr>
+              <a:t>as</a:t>
+            </a:r>
+            <a:r>
+              <a:rPr lang="de-DE" b="0" i="0" dirty="0">
+                <a:solidFill>
+                  <a:srgbClr val="3C3C3B"/>
+                </a:solidFill>
+                <a:effectLst/>
+                <a:latin typeface="MuseoSansRounded-300"/>
+              </a:rPr>
+              <a:t> Code (</a:t>
+            </a:r>
+            <a:r>
+              <a:rPr lang="de-DE" b="0" i="0" dirty="0" err="1">
+                <a:solidFill>
+                  <a:srgbClr val="3C3C3B"/>
+                </a:solidFill>
+                <a:effectLst/>
+                <a:latin typeface="MuseoSansRounded-300"/>
+              </a:rPr>
+              <a:t>IaC</a:t>
+            </a:r>
+            <a:r>
+              <a:rPr lang="de-DE" b="0" i="0" dirty="0">
+                <a:solidFill>
+                  <a:srgbClr val="3C3C3B"/>
+                </a:solidFill>
+                <a:effectLst/>
+                <a:latin typeface="MuseoSansRounded-300"/>
+              </a:rPr>
+              <a:t>) deklariert. So bietet </a:t>
+            </a:r>
+            <a:r>
+              <a:rPr lang="de-DE" b="0" i="0" dirty="0" err="1">
+                <a:solidFill>
+                  <a:srgbClr val="3C3C3B"/>
+                </a:solidFill>
+                <a:effectLst/>
+                <a:latin typeface="MuseoSansRounded-300"/>
+              </a:rPr>
+              <a:t>GitOps</a:t>
+            </a:r>
+            <a:r>
+              <a:rPr lang="de-DE" b="0" i="0" dirty="0">
+                <a:solidFill>
+                  <a:srgbClr val="3C3C3B"/>
+                </a:solidFill>
+                <a:effectLst/>
+                <a:latin typeface="MuseoSansRounded-300"/>
+              </a:rPr>
+              <a:t> eine bessere Skalierbarkeit der Infrastruktur bei gleichzeitig sinkendem Verwaltungsaufwand. Dadurch wird der Betrieb kosteneffizienter als mit klassischen Prozessen.</a:t>
+            </a:r>
+          </a:p>
+          <a:p>
+            <a:pPr algn="l" fontAlgn="base">
               <a:buFont typeface="Arial" panose="020B0604020202020204" pitchFamily="34" charset="0"/>
               <a:buChar char="•"/>
             </a:pPr>
-            <a:r>
-              <a:rPr lang="de-DE" dirty="0"/>
-              <a:t>https://jenkins-x.io/</a:t>
-            </a:r>
-          </a:p>
-          <a:p>
-            <a:pPr marL="171450" indent="-171450">
+            <a:endParaRPr lang="de-DE" b="0" i="0" dirty="0">
+              <a:solidFill>
+                <a:srgbClr val="3C3C3B"/>
+              </a:solidFill>
+              <a:effectLst/>
+              <a:latin typeface="MuseoSansRounded-300"/>
+            </a:endParaRPr>
+          </a:p>
+          <a:p>
+            <a:pPr marL="171450" indent="-171450" algn="l" fontAlgn="base">
               <a:buFont typeface="Arial" panose="020B0604020202020204" pitchFamily="34" charset="0"/>
               <a:buChar char="•"/>
             </a:pPr>
             <a:r>
-              <a:rPr lang="de-DE" dirty="0"/>
-              <a:t>https://www.kubestack.com/</a:t>
-            </a:r>
-          </a:p>
-          <a:p>
-            <a:pPr marL="171450" indent="-171450">
+              <a:rPr lang="de-DE" b="0" i="0" u="sng" dirty="0">
+                <a:solidFill>
+                  <a:srgbClr val="3C3C3B"/>
+                </a:solidFill>
+                <a:effectLst/>
+                <a:latin typeface="MuseoSansRounded-700"/>
+              </a:rPr>
+              <a:t>Schnellere Wiederherstellung nach Ausfall (Rollbacks):</a:t>
+            </a:r>
+            <a:r>
+              <a:rPr lang="de-DE" b="0" i="0" u="sng" dirty="0">
+                <a:solidFill>
+                  <a:srgbClr val="3C3C3B"/>
+                </a:solidFill>
+                <a:effectLst/>
+                <a:latin typeface="MuseoSansRounded-300"/>
+              </a:rPr>
+              <a:t> </a:t>
+            </a:r>
+            <a:r>
+              <a:rPr lang="de-DE" b="0" i="0" dirty="0">
+                <a:solidFill>
+                  <a:srgbClr val="3C3C3B"/>
+                </a:solidFill>
+                <a:effectLst/>
+                <a:latin typeface="MuseoSansRounded-300"/>
+              </a:rPr>
+              <a:t>Durch die Versionierung aller Änderungen, sowohl Code der Anwendung an sich als auch der Infrastruktur für den Betrieb in </a:t>
+            </a:r>
+            <a:r>
+              <a:rPr lang="de-DE" b="0" i="0" dirty="0" err="1">
+                <a:solidFill>
+                  <a:srgbClr val="3C3C3B"/>
+                </a:solidFill>
+                <a:effectLst/>
+                <a:latin typeface="MuseoSansRounded-300"/>
+              </a:rPr>
+              <a:t>Git</a:t>
+            </a:r>
+            <a:r>
+              <a:rPr lang="de-DE" b="0" i="0" dirty="0">
+                <a:solidFill>
+                  <a:srgbClr val="3C3C3B"/>
+                </a:solidFill>
+                <a:effectLst/>
+                <a:latin typeface="MuseoSansRounded-300"/>
+              </a:rPr>
+              <a:t>, ist es ein Leichtes, den Stand eines beliebigen </a:t>
+            </a:r>
+            <a:r>
+              <a:rPr lang="de-DE" b="0" i="0" dirty="0" err="1">
+                <a:solidFill>
+                  <a:srgbClr val="3C3C3B"/>
+                </a:solidFill>
+                <a:effectLst/>
+                <a:latin typeface="MuseoSansRounded-300"/>
+              </a:rPr>
+              <a:t>Commits</a:t>
+            </a:r>
+            <a:r>
+              <a:rPr lang="de-DE" b="0" i="0" dirty="0">
+                <a:solidFill>
+                  <a:srgbClr val="3C3C3B"/>
+                </a:solidFill>
+                <a:effectLst/>
+                <a:latin typeface="MuseoSansRounded-300"/>
+              </a:rPr>
+              <a:t> wiederherzustellen. Dadurch werden die Ausfallzeit und der Aufwand zur Wiederherstellung reduziert.</a:t>
+            </a:r>
+          </a:p>
+          <a:p>
+            <a:pPr algn="l" fontAlgn="base">
               <a:buFont typeface="Arial" panose="020B0604020202020204" pitchFamily="34" charset="0"/>
               <a:buChar char="•"/>
             </a:pPr>
-            <a:r>
-              <a:rPr lang="de-DE" dirty="0"/>
-              <a:t>https://werf.io/</a:t>
-            </a:r>
-          </a:p>
-          <a:p>
-            <a:pPr marL="171450" indent="-171450">
+            <a:endParaRPr lang="de-DE" b="0" i="0" dirty="0">
+              <a:solidFill>
+                <a:srgbClr val="3C3C3B"/>
+              </a:solidFill>
+              <a:effectLst/>
+              <a:latin typeface="MuseoSansRounded-300"/>
+            </a:endParaRPr>
+          </a:p>
+          <a:p>
+            <a:pPr marL="171450" indent="-171450" algn="l" fontAlgn="base">
               <a:buFont typeface="Arial" panose="020B0604020202020204" pitchFamily="34" charset="0"/>
               <a:buChar char="•"/>
             </a:pPr>
             <a:r>
-              <a:rPr lang="de-DE" dirty="0"/>
-              <a:t>https://pipecd.dev/</a:t>
-            </a:r>
-          </a:p>
-          <a:p>
-            <a:pPr marL="171450" indent="-171450">
-              <a:buFont typeface="Arial" panose="020B0604020202020204" pitchFamily="34" charset="0"/>
-              <a:buChar char="•"/>
-            </a:pPr>
-            <a:r>
-              <a:rPr lang="de-DE" dirty="0"/>
-              <a:t>https://docs.gitlab.com/ee/user/clusters/agent/</a:t>
-            </a:r>
+              <a:rPr lang="de-DE" b="0" i="0" u="sng" dirty="0">
+                <a:solidFill>
+                  <a:srgbClr val="3C3C3B"/>
+                </a:solidFill>
+                <a:effectLst/>
+                <a:latin typeface="MuseoSansRounded-700"/>
+              </a:rPr>
+              <a:t>Vereinfachte Berechtigungsstrukturen:</a:t>
+            </a:r>
+            <a:r>
+              <a:rPr lang="de-DE" b="0" i="0" u="sng" dirty="0">
+                <a:solidFill>
+                  <a:srgbClr val="3C3C3B"/>
+                </a:solidFill>
+                <a:effectLst/>
+                <a:latin typeface="MuseoSansRounded-300"/>
+              </a:rPr>
+              <a:t> </a:t>
+            </a:r>
+            <a:r>
+              <a:rPr lang="de-DE" b="0" i="0" dirty="0">
+                <a:solidFill>
+                  <a:srgbClr val="3C3C3B"/>
+                </a:solidFill>
+                <a:effectLst/>
+                <a:latin typeface="MuseoSansRounded-300"/>
+              </a:rPr>
+              <a:t>Mit </a:t>
+            </a:r>
+            <a:r>
+              <a:rPr lang="de-DE" b="0" i="0" dirty="0" err="1">
+                <a:solidFill>
+                  <a:srgbClr val="3C3C3B"/>
+                </a:solidFill>
+                <a:effectLst/>
+                <a:latin typeface="MuseoSansRounded-300"/>
+              </a:rPr>
+              <a:t>GitOps</a:t>
+            </a:r>
+            <a:r>
+              <a:rPr lang="de-DE" b="0" i="0" dirty="0">
+                <a:solidFill>
+                  <a:srgbClr val="3C3C3B"/>
+                </a:solidFill>
+                <a:effectLst/>
+                <a:latin typeface="MuseoSansRounded-300"/>
+              </a:rPr>
+              <a:t> werden Änderungen durch den </a:t>
+            </a:r>
+            <a:r>
+              <a:rPr lang="de-DE" b="0" i="0" dirty="0" err="1">
+                <a:solidFill>
+                  <a:srgbClr val="3C3C3B"/>
+                </a:solidFill>
+                <a:effectLst/>
+                <a:latin typeface="MuseoSansRounded-300"/>
+              </a:rPr>
+              <a:t>GitOps</a:t>
+            </a:r>
+            <a:r>
+              <a:rPr lang="de-DE" b="0" i="0" dirty="0">
+                <a:solidFill>
+                  <a:srgbClr val="3C3C3B"/>
+                </a:solidFill>
+                <a:effectLst/>
+                <a:latin typeface="MuseoSansRounded-300"/>
+              </a:rPr>
+              <a:t>-Operator nach dem Pull-Prinzip in den Cluster hineingezogen und nicht durch den CI-Server nach dem Push-Prinzip auf den Server geschoben. Dadurch entfallen für viele Unternehmen zeitaufwändige Freischaltungen, wenn zum Beispiel CI-Server und </a:t>
+            </a:r>
+            <a:r>
+              <a:rPr lang="de-DE" b="0" i="0" dirty="0" err="1">
+                <a:solidFill>
+                  <a:srgbClr val="3C3C3B"/>
+                </a:solidFill>
+                <a:effectLst/>
+                <a:latin typeface="MuseoSansRounded-300"/>
+              </a:rPr>
+              <a:t>Deployment</a:t>
+            </a:r>
+            <a:r>
+              <a:rPr lang="de-DE" b="0" i="0" dirty="0">
+                <a:solidFill>
+                  <a:srgbClr val="3C3C3B"/>
+                </a:solidFill>
+                <a:effectLst/>
+                <a:latin typeface="MuseoSansRounded-300"/>
+              </a:rPr>
+              <a:t>-Ziel durch eine Firewall getrennt sind oder sich in unterschiedlichen Zonen befinden. Durch die Kombination der Eigenschaften von </a:t>
+            </a:r>
+            <a:r>
+              <a:rPr lang="de-DE" b="0" i="0" dirty="0" err="1">
+                <a:solidFill>
+                  <a:srgbClr val="3C3C3B"/>
+                </a:solidFill>
+                <a:effectLst/>
+                <a:latin typeface="MuseoSansRounded-300"/>
+              </a:rPr>
+              <a:t>Kubernetes</a:t>
+            </a:r>
+            <a:r>
+              <a:rPr lang="de-DE" b="0" i="0" dirty="0">
+                <a:solidFill>
+                  <a:srgbClr val="3C3C3B"/>
+                </a:solidFill>
+                <a:effectLst/>
+                <a:latin typeface="MuseoSansRounded-300"/>
+              </a:rPr>
+              <a:t>, </a:t>
+            </a:r>
+            <a:r>
+              <a:rPr lang="de-DE" b="0" i="0" dirty="0" err="1">
+                <a:solidFill>
+                  <a:srgbClr val="3C3C3B"/>
+                </a:solidFill>
+                <a:effectLst/>
+                <a:latin typeface="MuseoSansRounded-300"/>
+              </a:rPr>
+              <a:t>IaC</a:t>
+            </a:r>
+            <a:r>
+              <a:rPr lang="de-DE" b="0" i="0" dirty="0">
+                <a:solidFill>
+                  <a:srgbClr val="3C3C3B"/>
+                </a:solidFill>
+                <a:effectLst/>
+                <a:latin typeface="MuseoSansRounded-300"/>
+              </a:rPr>
+              <a:t> und </a:t>
+            </a:r>
+            <a:r>
+              <a:rPr lang="de-DE" b="0" i="0" dirty="0" err="1">
+                <a:solidFill>
+                  <a:srgbClr val="3C3C3B"/>
+                </a:solidFill>
+                <a:effectLst/>
+                <a:latin typeface="MuseoSansRounded-300"/>
+              </a:rPr>
+              <a:t>Git</a:t>
+            </a:r>
+            <a:r>
+              <a:rPr lang="de-DE" b="0" i="0" dirty="0">
+                <a:solidFill>
+                  <a:srgbClr val="3C3C3B"/>
+                </a:solidFill>
+                <a:effectLst/>
+                <a:latin typeface="MuseoSansRounded-300"/>
+              </a:rPr>
+              <a:t> können Teams häufiger und schneller Änderungen ausliefern und dadurch ihre Produktivität erhöhen.</a:t>
+            </a:r>
+          </a:p>
+          <a:p>
+            <a:endParaRPr lang="de-DE" dirty="0"/>
           </a:p>
         </p:txBody>
       </p:sp>
@@ -2616,7 +2528,7 @@
     </p:spTree>
     <p:extLst>
       <p:ext uri="{BB962C8B-B14F-4D97-AF65-F5344CB8AC3E}">
-        <p14:creationId xmlns:p14="http://schemas.microsoft.com/office/powerpoint/2010/main" val="3998937363"/>
+        <p14:creationId xmlns:p14="http://schemas.microsoft.com/office/powerpoint/2010/main" val="762346922"/>
       </p:ext>
     </p:extLst>
   </p:cSld>
@@ -2672,28 +2584,94 @@
           <a:p>
             <a:r>
               <a:rPr lang="de-DE" dirty="0"/>
-              <a:t>Quelle</a:t>
+              <a:t>Quelle:</a:t>
             </a:r>
           </a:p>
           <a:p>
             <a:r>
               <a:rPr lang="de-DE" dirty="0"/>
-              <a:t>Imgflip.com</a:t>
-            </a:r>
-          </a:p>
-          <a:p>
-            <a:endParaRPr lang="de-DE" dirty="0"/>
-          </a:p>
-          <a:p>
+              <a:t>https://github.com/weaveworks/awesome-gitops?tab=readme-ov-file</a:t>
+            </a:r>
+          </a:p>
+          <a:p>
+            <a:pPr marL="171450" indent="-171450">
+              <a:buFont typeface="Arial" panose="020B0604020202020204" pitchFamily="34" charset="0"/>
+              <a:buChar char="•"/>
+            </a:pPr>
             <a:r>
               <a:rPr lang="de-DE" dirty="0"/>
-              <a:t>Side </a:t>
-            </a:r>
-            <a:r>
-              <a:rPr lang="de-DE" dirty="0" err="1"/>
-              <a:t>car</a:t>
-            </a:r>
-            <a:endParaRPr lang="de-DE" dirty="0"/>
+              <a:t>https://github.com/argoproj/argo-cd</a:t>
+            </a:r>
+          </a:p>
+          <a:p>
+            <a:pPr marL="171450" indent="-171450">
+              <a:buFont typeface="Arial" panose="020B0604020202020204" pitchFamily="34" charset="0"/>
+              <a:buChar char="•"/>
+            </a:pPr>
+            <a:r>
+              <a:rPr lang="de-DE" dirty="0"/>
+              <a:t>https://github.com/fluxcd/flux2</a:t>
+            </a:r>
+          </a:p>
+          <a:p>
+            <a:pPr marL="171450" indent="-171450">
+              <a:buFont typeface="Arial" panose="020B0604020202020204" pitchFamily="34" charset="0"/>
+              <a:buChar char="•"/>
+            </a:pPr>
+            <a:r>
+              <a:rPr lang="de-DE" dirty="0"/>
+              <a:t>https://github.com/fluxcd/flagger</a:t>
+            </a:r>
+          </a:p>
+          <a:p>
+            <a:pPr marL="171450" indent="-171450">
+              <a:buFont typeface="Arial" panose="020B0604020202020204" pitchFamily="34" charset="0"/>
+              <a:buChar char="•"/>
+            </a:pPr>
+            <a:r>
+              <a:rPr lang="de-DE" dirty="0"/>
+              <a:t>https://jenkins-x.io/</a:t>
+            </a:r>
+          </a:p>
+          <a:p>
+            <a:pPr marL="171450" indent="-171450">
+              <a:buFont typeface="Arial" panose="020B0604020202020204" pitchFamily="34" charset="0"/>
+              <a:buChar char="•"/>
+            </a:pPr>
+            <a:r>
+              <a:rPr lang="de-DE" dirty="0"/>
+              <a:t>https://www.kubestack.com/</a:t>
+            </a:r>
+          </a:p>
+          <a:p>
+            <a:pPr marL="171450" indent="-171450">
+              <a:buFont typeface="Arial" panose="020B0604020202020204" pitchFamily="34" charset="0"/>
+              <a:buChar char="•"/>
+            </a:pPr>
+            <a:r>
+              <a:rPr lang="de-DE" dirty="0"/>
+              <a:t>https://werf.io/</a:t>
+            </a:r>
+          </a:p>
+          <a:p>
+            <a:pPr marL="171450" indent="-171450">
+              <a:buFont typeface="Arial" panose="020B0604020202020204" pitchFamily="34" charset="0"/>
+              <a:buChar char="•"/>
+            </a:pPr>
+            <a:r>
+              <a:rPr lang="de-DE" dirty="0"/>
+              <a:t>https://pipecd.dev/</a:t>
+            </a:r>
+          </a:p>
+          <a:p>
+            <a:pPr marL="171450" indent="-171450">
+              <a:buFont typeface="Arial" panose="020B0604020202020204" pitchFamily="34" charset="0"/>
+              <a:buChar char="•"/>
+            </a:pPr>
+            <a:r>
+              <a:rPr lang="de-DE" dirty="0"/>
+              <a:t>https://docs.gitlab.com/ee/user/clusters/agent/</a:t>
+            </a:r>
           </a:p>
         </p:txBody>
       </p:sp>
@@ -2724,7 +2702,7 @@
     </p:spTree>
     <p:extLst>
       <p:ext uri="{BB962C8B-B14F-4D97-AF65-F5344CB8AC3E}">
-        <p14:creationId xmlns:p14="http://schemas.microsoft.com/office/powerpoint/2010/main" val="1749284629"/>
+        <p14:creationId xmlns:p14="http://schemas.microsoft.com/office/powerpoint/2010/main" val="3998937363"/>
       </p:ext>
     </p:extLst>
   </p:cSld>
@@ -2780,8 +2758,28 @@
           <a:p>
             <a:r>
               <a:rPr lang="de-DE" dirty="0"/>
-              <a:t>https://kubernetes.io/docs/concepts/workloads/pods/sidecar-containers/</a:t>
-            </a:r>
+              <a:t>Quelle</a:t>
+            </a:r>
+          </a:p>
+          <a:p>
+            <a:r>
+              <a:rPr lang="de-DE" dirty="0"/>
+              <a:t>Imgflip.com</a:t>
+            </a:r>
+          </a:p>
+          <a:p>
+            <a:endParaRPr lang="de-DE" dirty="0"/>
+          </a:p>
+          <a:p>
+            <a:r>
+              <a:rPr lang="de-DE" dirty="0"/>
+              <a:t>Side </a:t>
+            </a:r>
+            <a:r>
+              <a:rPr lang="de-DE" dirty="0" err="1"/>
+              <a:t>car</a:t>
+            </a:r>
+            <a:endParaRPr lang="de-DE" dirty="0"/>
           </a:p>
         </p:txBody>
       </p:sp>
@@ -2812,7 +2810,7 @@
     </p:spTree>
     <p:extLst>
       <p:ext uri="{BB962C8B-B14F-4D97-AF65-F5344CB8AC3E}">
-        <p14:creationId xmlns:p14="http://schemas.microsoft.com/office/powerpoint/2010/main" val="3525946719"/>
+        <p14:creationId xmlns:p14="http://schemas.microsoft.com/office/powerpoint/2010/main" val="1749284629"/>
       </p:ext>
     </p:extLst>
   </p:cSld>
@@ -3022,7 +3020,10 @@
           <a:bodyPr/>
           <a:lstStyle/>
           <a:p>
-            <a:endParaRPr lang="de-DE" dirty="0"/>
+            <a:r>
+              <a:rPr lang="de-DE" dirty="0"/>
+              <a:t>https://kubernetes.io/docs/concepts/workloads/pods/sidecar-containers/</a:t>
+            </a:r>
           </a:p>
         </p:txBody>
       </p:sp>
@@ -3053,7 +3054,7 @@
     </p:spTree>
     <p:extLst>
       <p:ext uri="{BB962C8B-B14F-4D97-AF65-F5344CB8AC3E}">
-        <p14:creationId xmlns:p14="http://schemas.microsoft.com/office/powerpoint/2010/main" val="2745888912"/>
+        <p14:creationId xmlns:p14="http://schemas.microsoft.com/office/powerpoint/2010/main" val="3525946719"/>
       </p:ext>
     </p:extLst>
   </p:cSld>
@@ -3107,243 +3108,7 @@
           <a:bodyPr/>
           <a:lstStyle/>
           <a:p>
-            <a:r>
-              <a:rPr lang="de-DE" dirty="0"/>
-              <a:t>API Server</a:t>
-            </a:r>
-          </a:p>
-          <a:p>
-            <a:r>
-              <a:rPr lang="de-DE" dirty="0"/>
-              <a:t>- stellt die deklarativen </a:t>
-            </a:r>
-            <a:r>
-              <a:rPr lang="de-DE" dirty="0" err="1"/>
-              <a:t>beschreibungen</a:t>
-            </a:r>
-            <a:r>
-              <a:rPr lang="de-DE" dirty="0"/>
-              <a:t> für </a:t>
-            </a:r>
-            <a:r>
-              <a:rPr lang="de-DE" dirty="0" err="1"/>
-              <a:t>infrastruktur</a:t>
-            </a:r>
-            <a:r>
-              <a:rPr lang="de-DE" dirty="0"/>
-              <a:t> bereit</a:t>
-            </a:r>
-          </a:p>
-          <a:p>
-            <a:r>
-              <a:rPr lang="de-DE" dirty="0"/>
-              <a:t>- sogenannte Custom </a:t>
-            </a:r>
-            <a:r>
-              <a:rPr lang="de-DE" dirty="0" err="1"/>
-              <a:t>Resource</a:t>
-            </a:r>
-            <a:r>
-              <a:rPr lang="de-DE" dirty="0"/>
-              <a:t> (CR) </a:t>
-            </a:r>
-            <a:r>
-              <a:rPr lang="de-DE" dirty="0" err="1"/>
-              <a:t>definitions</a:t>
-            </a:r>
             <a:endParaRPr lang="de-DE" dirty="0"/>
-          </a:p>
-          <a:p>
-            <a:r>
-              <a:rPr lang="de-DE" dirty="0"/>
-              <a:t>- auf diese CRs </a:t>
-            </a:r>
-            <a:r>
-              <a:rPr lang="de-DE" dirty="0" err="1"/>
-              <a:t>watched</a:t>
-            </a:r>
-            <a:r>
-              <a:rPr lang="de-DE" dirty="0"/>
-              <a:t> der Infra-Operator beim API-Server</a:t>
-            </a:r>
-          </a:p>
-          <a:p>
-            <a:endParaRPr lang="de-DE" dirty="0"/>
-          </a:p>
-          <a:p>
-            <a:r>
-              <a:rPr lang="de-DE" dirty="0"/>
-              <a:t>Kube-Controller bleibt? Nein. </a:t>
-            </a:r>
-            <a:r>
-              <a:rPr lang="de-DE" dirty="0" err="1"/>
-              <a:t>GitOps</a:t>
-            </a:r>
-            <a:r>
-              <a:rPr lang="de-DE" dirty="0"/>
-              <a:t>-Operator/Controller!</a:t>
-            </a:r>
-          </a:p>
-          <a:p>
-            <a:endParaRPr lang="de-DE" dirty="0"/>
-          </a:p>
-          <a:p>
-            <a:r>
-              <a:rPr lang="de-DE" dirty="0" err="1"/>
-              <a:t>GitOps</a:t>
-            </a:r>
-            <a:r>
-              <a:rPr lang="de-DE" dirty="0"/>
-              <a:t>-Operator</a:t>
-            </a:r>
-          </a:p>
-          <a:p>
-            <a:r>
-              <a:rPr lang="de-DE" dirty="0"/>
-              <a:t>- pullt aus dem Cloud-Infrastruktur-Repo (</a:t>
-            </a:r>
-            <a:r>
-              <a:rPr lang="de-DE" dirty="0" err="1"/>
-              <a:t>git</a:t>
-            </a:r>
-            <a:r>
-              <a:rPr lang="de-DE" dirty="0"/>
-              <a:t>)</a:t>
-            </a:r>
-          </a:p>
-          <a:p>
-            <a:r>
-              <a:rPr lang="de-DE" dirty="0"/>
-              <a:t>- dann werden die </a:t>
-            </a:r>
-            <a:r>
-              <a:rPr lang="de-DE" dirty="0" err="1"/>
-              <a:t>resourcen</a:t>
-            </a:r>
-            <a:r>
-              <a:rPr lang="de-DE" dirty="0"/>
-              <a:t> auf den API-Server </a:t>
-            </a:r>
-            <a:r>
-              <a:rPr lang="de-DE" dirty="0" err="1"/>
-              <a:t>applied</a:t>
-            </a:r>
-            <a:endParaRPr lang="de-DE" dirty="0"/>
-          </a:p>
-          <a:p>
-            <a:r>
-              <a:rPr lang="de-DE" dirty="0"/>
-              <a:t>- und von dort aus geht es dann zum Infra-Operator und dieser setzt die (ggf. neuen) CRs dann um</a:t>
-            </a:r>
-          </a:p>
-          <a:p>
-            <a:endParaRPr lang="de-DE" dirty="0"/>
-          </a:p>
-          <a:p>
-            <a:r>
-              <a:rPr lang="de-DE" dirty="0" err="1"/>
-              <a:t>Infra</a:t>
-            </a:r>
-            <a:r>
-              <a:rPr lang="de-DE" dirty="0"/>
-              <a:t> Operator</a:t>
-            </a:r>
-          </a:p>
-          <a:p>
-            <a:r>
-              <a:rPr lang="de-DE" dirty="0"/>
-              <a:t>- umsetzen in irgendeine Cloud Plattform (= </a:t>
-            </a:r>
-            <a:r>
-              <a:rPr lang="de-DE" dirty="0" err="1"/>
-              <a:t>Infra</a:t>
-            </a:r>
-            <a:r>
-              <a:rPr lang="de-DE" dirty="0"/>
-              <a:t> </a:t>
-            </a:r>
-            <a:r>
-              <a:rPr lang="de-DE" dirty="0" err="1"/>
-              <a:t>providers</a:t>
-            </a:r>
-            <a:r>
-              <a:rPr lang="de-DE" dirty="0"/>
-              <a:t> oder auch „bare </a:t>
-            </a:r>
-            <a:r>
-              <a:rPr lang="de-DE" dirty="0" err="1"/>
-              <a:t>metal</a:t>
-            </a:r>
-            <a:r>
-              <a:rPr lang="de-DE" dirty="0"/>
-              <a:t>“ also physischer Server </a:t>
-            </a:r>
-            <a:r>
-              <a:rPr lang="de-DE" dirty="0">
-                <a:sym typeface="Wingdings" panose="05000000000000000000" pitchFamily="2" charset="2"/>
-              </a:rPr>
-              <a:t></a:t>
-            </a:r>
-            <a:r>
-              <a:rPr lang="de-DE" dirty="0"/>
-              <a:t>)</a:t>
-            </a:r>
-          </a:p>
-          <a:p>
-            <a:endParaRPr lang="de-DE" dirty="0"/>
-          </a:p>
-          <a:p>
-            <a:r>
-              <a:rPr lang="de-DE" dirty="0"/>
-              <a:t>Am „Ende“ haben wir dann unsere Target Cluster</a:t>
-            </a:r>
-          </a:p>
-          <a:p>
-            <a:r>
-              <a:rPr lang="de-DE" dirty="0"/>
-              <a:t>Und auf diese kann der </a:t>
-            </a:r>
-            <a:r>
-              <a:rPr lang="de-DE" dirty="0" err="1"/>
-              <a:t>GitOps</a:t>
-            </a:r>
-            <a:r>
-              <a:rPr lang="de-DE" dirty="0"/>
-              <a:t>-Operator auch Anwendungen/Software deployen</a:t>
-            </a:r>
-          </a:p>
-          <a:p>
-            <a:endParaRPr lang="de-DE" dirty="0"/>
-          </a:p>
-          <a:p>
-            <a:endParaRPr lang="de-DE" dirty="0"/>
-          </a:p>
-          <a:p>
-            <a:endParaRPr lang="de-DE" dirty="0"/>
-          </a:p>
-          <a:p>
-            <a:r>
-              <a:rPr lang="de-DE" dirty="0" err="1"/>
-              <a:t>Infra</a:t>
-            </a:r>
-            <a:r>
-              <a:rPr lang="de-DE" dirty="0"/>
-              <a:t> </a:t>
-            </a:r>
-            <a:r>
-              <a:rPr lang="de-DE" dirty="0" err="1"/>
-              <a:t>operator</a:t>
-            </a:r>
-            <a:r>
-              <a:rPr lang="de-DE" dirty="0"/>
-              <a:t>…?</a:t>
-            </a:r>
-          </a:p>
-          <a:p>
-            <a:r>
-              <a:rPr lang="de-DE" dirty="0"/>
-              <a:t>https://github.com/openstack-k8s-operators/infra-operator</a:t>
-            </a:r>
           </a:p>
         </p:txBody>
       </p:sp>
@@ -3374,7 +3139,7 @@
     </p:spTree>
     <p:extLst>
       <p:ext uri="{BB962C8B-B14F-4D97-AF65-F5344CB8AC3E}">
-        <p14:creationId xmlns:p14="http://schemas.microsoft.com/office/powerpoint/2010/main" val="1843041313"/>
+        <p14:creationId xmlns:p14="http://schemas.microsoft.com/office/powerpoint/2010/main" val="2745888912"/>
       </p:ext>
     </p:extLst>
   </p:cSld>
@@ -3430,20 +3195,241 @@
           <a:p>
             <a:r>
               <a:rPr lang="de-DE" dirty="0"/>
-              <a:t>Quelle Bild:</a:t>
+              <a:t>API Server</a:t>
             </a:r>
           </a:p>
           <a:p>
             <a:r>
               <a:rPr lang="de-DE" dirty="0"/>
-              <a:t>https://www.hosteurope.de/blog/exx-gitops-eine-einfuehrung-in-cloud-native-continuous-delivery/</a:t>
-            </a:r>
-          </a:p>
-          <a:p>
+              <a:t>- stellt die deklarativen </a:t>
+            </a:r>
+            <a:r>
+              <a:rPr lang="de-DE" dirty="0" err="1"/>
+              <a:t>beschreibungen</a:t>
+            </a:r>
+            <a:r>
+              <a:rPr lang="de-DE" dirty="0"/>
+              <a:t> für </a:t>
+            </a:r>
+            <a:r>
+              <a:rPr lang="de-DE" dirty="0" err="1"/>
+              <a:t>infrastruktur</a:t>
+            </a:r>
+            <a:r>
+              <a:rPr lang="de-DE" dirty="0"/>
+              <a:t> bereit</a:t>
+            </a:r>
+          </a:p>
+          <a:p>
+            <a:r>
+              <a:rPr lang="de-DE" dirty="0"/>
+              <a:t>- sogenannte Custom </a:t>
+            </a:r>
+            <a:r>
+              <a:rPr lang="de-DE" dirty="0" err="1"/>
+              <a:t>Resource</a:t>
+            </a:r>
+            <a:r>
+              <a:rPr lang="de-DE" dirty="0"/>
+              <a:t> (CR) </a:t>
+            </a:r>
+            <a:r>
+              <a:rPr lang="de-DE" dirty="0" err="1"/>
+              <a:t>definitions</a:t>
+            </a:r>
             <a:endParaRPr lang="de-DE" dirty="0"/>
           </a:p>
           <a:p>
+            <a:r>
+              <a:rPr lang="de-DE" dirty="0"/>
+              <a:t>- auf diese CRs </a:t>
+            </a:r>
+            <a:r>
+              <a:rPr lang="de-DE" dirty="0" err="1"/>
+              <a:t>watched</a:t>
+            </a:r>
+            <a:r>
+              <a:rPr lang="de-DE" dirty="0"/>
+              <a:t> der Infra-Operator beim API-Server</a:t>
+            </a:r>
+          </a:p>
+          <a:p>
             <a:endParaRPr lang="de-DE" dirty="0"/>
+          </a:p>
+          <a:p>
+            <a:r>
+              <a:rPr lang="de-DE" dirty="0"/>
+              <a:t>Kube-Controller bleibt? Nein. </a:t>
+            </a:r>
+            <a:r>
+              <a:rPr lang="de-DE" dirty="0" err="1"/>
+              <a:t>GitOps</a:t>
+            </a:r>
+            <a:r>
+              <a:rPr lang="de-DE" dirty="0"/>
+              <a:t>-Operator/Controller!</a:t>
+            </a:r>
+          </a:p>
+          <a:p>
+            <a:endParaRPr lang="de-DE" dirty="0"/>
+          </a:p>
+          <a:p>
+            <a:r>
+              <a:rPr lang="de-DE" dirty="0" err="1"/>
+              <a:t>GitOps</a:t>
+            </a:r>
+            <a:r>
+              <a:rPr lang="de-DE" dirty="0"/>
+              <a:t>-Operator</a:t>
+            </a:r>
+          </a:p>
+          <a:p>
+            <a:r>
+              <a:rPr lang="de-DE" dirty="0"/>
+              <a:t>- pullt aus dem Cloud-Infrastruktur-Repo (</a:t>
+            </a:r>
+            <a:r>
+              <a:rPr lang="de-DE" dirty="0" err="1"/>
+              <a:t>git</a:t>
+            </a:r>
+            <a:r>
+              <a:rPr lang="de-DE" dirty="0"/>
+              <a:t>)</a:t>
+            </a:r>
+          </a:p>
+          <a:p>
+            <a:r>
+              <a:rPr lang="de-DE" dirty="0"/>
+              <a:t>- dann werden die </a:t>
+            </a:r>
+            <a:r>
+              <a:rPr lang="de-DE" dirty="0" err="1"/>
+              <a:t>resourcen</a:t>
+            </a:r>
+            <a:r>
+              <a:rPr lang="de-DE" dirty="0"/>
+              <a:t> auf den API-Server </a:t>
+            </a:r>
+            <a:r>
+              <a:rPr lang="de-DE" dirty="0" err="1"/>
+              <a:t>applied</a:t>
+            </a:r>
+            <a:endParaRPr lang="de-DE" dirty="0"/>
+          </a:p>
+          <a:p>
+            <a:r>
+              <a:rPr lang="de-DE" dirty="0"/>
+              <a:t>- und von dort aus geht es dann zum Infra-Operator und dieser setzt die (ggf. neuen) CRs dann um</a:t>
+            </a:r>
+          </a:p>
+          <a:p>
+            <a:endParaRPr lang="de-DE" dirty="0"/>
+          </a:p>
+          <a:p>
+            <a:r>
+              <a:rPr lang="de-DE" dirty="0" err="1"/>
+              <a:t>Infra</a:t>
+            </a:r>
+            <a:r>
+              <a:rPr lang="de-DE" dirty="0"/>
+              <a:t> Operator</a:t>
+            </a:r>
+          </a:p>
+          <a:p>
+            <a:r>
+              <a:rPr lang="de-DE" dirty="0"/>
+              <a:t>- umsetzen in irgendeine Cloud Plattform (= </a:t>
+            </a:r>
+            <a:r>
+              <a:rPr lang="de-DE" dirty="0" err="1"/>
+              <a:t>Infra</a:t>
+            </a:r>
+            <a:r>
+              <a:rPr lang="de-DE" dirty="0"/>
+              <a:t> </a:t>
+            </a:r>
+            <a:r>
+              <a:rPr lang="de-DE" dirty="0" err="1"/>
+              <a:t>providers</a:t>
+            </a:r>
+            <a:r>
+              <a:rPr lang="de-DE" dirty="0"/>
+              <a:t> oder auch „bare </a:t>
+            </a:r>
+            <a:r>
+              <a:rPr lang="de-DE" dirty="0" err="1"/>
+              <a:t>metal</a:t>
+            </a:r>
+            <a:r>
+              <a:rPr lang="de-DE" dirty="0"/>
+              <a:t>“ also physischer Server </a:t>
+            </a:r>
+            <a:r>
+              <a:rPr lang="de-DE" dirty="0">
+                <a:sym typeface="Wingdings" panose="05000000000000000000" pitchFamily="2" charset="2"/>
+              </a:rPr>
+              <a:t></a:t>
+            </a:r>
+            <a:r>
+              <a:rPr lang="de-DE" dirty="0"/>
+              <a:t>)</a:t>
+            </a:r>
+          </a:p>
+          <a:p>
+            <a:endParaRPr lang="de-DE" dirty="0"/>
+          </a:p>
+          <a:p>
+            <a:r>
+              <a:rPr lang="de-DE" dirty="0"/>
+              <a:t>Am „Ende“ haben wir dann unsere Target Cluster</a:t>
+            </a:r>
+          </a:p>
+          <a:p>
+            <a:r>
+              <a:rPr lang="de-DE" dirty="0"/>
+              <a:t>Und auf diese kann der </a:t>
+            </a:r>
+            <a:r>
+              <a:rPr lang="de-DE" dirty="0" err="1"/>
+              <a:t>GitOps</a:t>
+            </a:r>
+            <a:r>
+              <a:rPr lang="de-DE" dirty="0"/>
+              <a:t>-Operator auch Anwendungen/Software deployen</a:t>
+            </a:r>
+          </a:p>
+          <a:p>
+            <a:endParaRPr lang="de-DE" dirty="0"/>
+          </a:p>
+          <a:p>
+            <a:endParaRPr lang="de-DE" dirty="0"/>
+          </a:p>
+          <a:p>
+            <a:endParaRPr lang="de-DE" dirty="0"/>
+          </a:p>
+          <a:p>
+            <a:r>
+              <a:rPr lang="de-DE" dirty="0" err="1"/>
+              <a:t>Infra</a:t>
+            </a:r>
+            <a:r>
+              <a:rPr lang="de-DE" dirty="0"/>
+              <a:t> </a:t>
+            </a:r>
+            <a:r>
+              <a:rPr lang="de-DE" dirty="0" err="1"/>
+              <a:t>operator</a:t>
+            </a:r>
+            <a:r>
+              <a:rPr lang="de-DE" dirty="0"/>
+              <a:t>…?</a:t>
+            </a:r>
+          </a:p>
+          <a:p>
+            <a:r>
+              <a:rPr lang="de-DE" dirty="0"/>
+              <a:t>https://github.com/openstack-k8s-operators/infra-operator</a:t>
+            </a:r>
           </a:p>
         </p:txBody>
       </p:sp>
@@ -3465,7 +3451,7 @@
             <a:fld id="{18182567-388C-4D33-8B7B-A651F195F118}" type="slidenum">
               <a:rPr lang="de-DE" altLang="de-DE" smtClean="0"/>
               <a:pPr/>
-              <a:t>28</a:t>
+              <a:t>26</a:t>
             </a:fld>
             <a:endParaRPr lang="de-DE" altLang="de-DE"/>
           </a:p>
@@ -3474,7 +3460,7 @@
     </p:spTree>
     <p:extLst>
       <p:ext uri="{BB962C8B-B14F-4D97-AF65-F5344CB8AC3E}">
-        <p14:creationId xmlns:p14="http://schemas.microsoft.com/office/powerpoint/2010/main" val="2430538478"/>
+        <p14:creationId xmlns:p14="http://schemas.microsoft.com/office/powerpoint/2010/main" val="1843041313"/>
       </p:ext>
     </p:extLst>
   </p:cSld>
@@ -3574,7 +3560,7 @@
     </p:spTree>
     <p:extLst>
       <p:ext uri="{BB962C8B-B14F-4D97-AF65-F5344CB8AC3E}">
-        <p14:creationId xmlns:p14="http://schemas.microsoft.com/office/powerpoint/2010/main" val="186718501"/>
+        <p14:creationId xmlns:p14="http://schemas.microsoft.com/office/powerpoint/2010/main" val="2430538478"/>
       </p:ext>
     </p:extLst>
   </p:cSld>
@@ -3630,101 +3616,20 @@
           <a:p>
             <a:r>
               <a:rPr lang="de-DE" dirty="0"/>
-              <a:t>Es gibt bei </a:t>
-            </a:r>
-            <a:r>
-              <a:rPr lang="de-DE" dirty="0" err="1"/>
-              <a:t>GitOps</a:t>
-            </a:r>
+              <a:t>Quelle Bild:</a:t>
+            </a:r>
+          </a:p>
+          <a:p>
             <a:r>
               <a:rPr lang="de-DE" dirty="0"/>
-              <a:t> Operator die Möglichkeit, dass man den Operator automatisierte </a:t>
-            </a:r>
-            <a:r>
-              <a:rPr lang="de-DE" dirty="0" err="1"/>
-              <a:t>updates</a:t>
-            </a:r>
-            <a:r>
-              <a:rPr lang="de-DE" dirty="0"/>
-              <a:t> machen lässt</a:t>
-            </a:r>
-          </a:p>
-          <a:p>
-            <a:r>
-              <a:rPr lang="de-DE" dirty="0"/>
-              <a:t>- </a:t>
-            </a:r>
-            <a:r>
-              <a:rPr lang="de-DE" dirty="0" err="1"/>
-              <a:t>operator</a:t>
-            </a:r>
-            <a:r>
-              <a:rPr lang="de-DE" dirty="0"/>
-              <a:t> kann auf die </a:t>
-            </a:r>
-            <a:r>
-              <a:rPr lang="de-DE" dirty="0" err="1"/>
-              <a:t>container</a:t>
-            </a:r>
-            <a:r>
-              <a:rPr lang="de-DE" dirty="0"/>
-              <a:t> </a:t>
-            </a:r>
-            <a:r>
-              <a:rPr lang="de-DE" dirty="0" err="1"/>
-              <a:t>registry</a:t>
-            </a:r>
-            <a:r>
-              <a:rPr lang="de-DE" dirty="0"/>
-              <a:t> horchen (daher das +</a:t>
-            </a:r>
-            <a:r>
-              <a:rPr lang="de-DE" dirty="0" err="1"/>
-              <a:t>watch</a:t>
-            </a:r>
-            <a:r>
-              <a:rPr lang="de-DE" dirty="0"/>
-              <a:t>)</a:t>
-            </a:r>
-          </a:p>
-          <a:p>
-            <a:r>
-              <a:rPr lang="de-DE" dirty="0"/>
-              <a:t>- und danach dann das </a:t>
-            </a:r>
-            <a:r>
-              <a:rPr lang="de-DE" dirty="0" err="1"/>
-              <a:t>image</a:t>
-            </a:r>
-            <a:r>
-              <a:rPr lang="de-DE" dirty="0"/>
-              <a:t> zurück in </a:t>
-            </a:r>
-            <a:r>
-              <a:rPr lang="de-DE" dirty="0" err="1"/>
-              <a:t>git</a:t>
-            </a:r>
-            <a:r>
-              <a:rPr lang="de-DE" dirty="0"/>
-              <a:t> spielen (daher das +push)</a:t>
+              <a:t>https://www.hosteurope.de/blog/exx-gitops-eine-einfuehrung-in-cloud-native-continuous-delivery/</a:t>
             </a:r>
           </a:p>
           <a:p>
             <a:endParaRPr lang="de-DE" dirty="0"/>
           </a:p>
           <a:p>
-            <a:r>
-              <a:rPr lang="de-DE" dirty="0"/>
-              <a:t>Argo und </a:t>
-            </a:r>
-            <a:r>
-              <a:rPr lang="de-DE" dirty="0" err="1"/>
-              <a:t>Flux</a:t>
-            </a:r>
-            <a:r>
-              <a:rPr lang="de-DE" dirty="0"/>
-              <a:t> haben jeweils Konstrukte dafür. Hier eig. Nicht weiter relevant.</a:t>
-            </a:r>
+            <a:endParaRPr lang="de-DE" dirty="0"/>
           </a:p>
         </p:txBody>
       </p:sp>
@@ -3755,7 +3660,7 @@
     </p:spTree>
     <p:extLst>
       <p:ext uri="{BB962C8B-B14F-4D97-AF65-F5344CB8AC3E}">
-        <p14:creationId xmlns:p14="http://schemas.microsoft.com/office/powerpoint/2010/main" val="2158994840"/>
+        <p14:creationId xmlns:p14="http://schemas.microsoft.com/office/powerpoint/2010/main" val="186718501"/>
       </p:ext>
     </p:extLst>
   </p:cSld>
@@ -3810,20 +3715,84 @@
           <a:lstStyle/>
           <a:p>
             <a:r>
+              <a:rPr lang="de-DE" dirty="0"/>
+              <a:t>Es gibt bei </a:t>
+            </a:r>
+            <a:r>
               <a:rPr lang="de-DE" dirty="0" err="1"/>
               <a:t>GitOps</a:t>
             </a:r>
             <a:r>
               <a:rPr lang="de-DE" dirty="0"/>
-              <a:t> Tools: Infrastruktur (</a:t>
+              <a:t> Operator die Möglichkeit, dass man den Operator automatisierte </a:t>
             </a:r>
             <a:r>
               <a:rPr lang="de-DE" dirty="0" err="1"/>
-              <a:t>IaC</a:t>
+              <a:t>updates</a:t>
             </a:r>
             <a:r>
               <a:rPr lang="de-DE" dirty="0"/>
-              <a:t>) in ein separates Repo!</a:t>
+              <a:t> machen lässt</a:t>
+            </a:r>
+          </a:p>
+          <a:p>
+            <a:r>
+              <a:rPr lang="de-DE" dirty="0"/>
+              <a:t>- </a:t>
+            </a:r>
+            <a:r>
+              <a:rPr lang="de-DE" dirty="0" err="1"/>
+              <a:t>operator</a:t>
+            </a:r>
+            <a:r>
+              <a:rPr lang="de-DE" dirty="0"/>
+              <a:t> kann auf die </a:t>
+            </a:r>
+            <a:r>
+              <a:rPr lang="de-DE" dirty="0" err="1"/>
+              <a:t>container</a:t>
+            </a:r>
+            <a:r>
+              <a:rPr lang="de-DE" dirty="0"/>
+              <a:t> </a:t>
+            </a:r>
+            <a:r>
+              <a:rPr lang="de-DE" dirty="0" err="1"/>
+              <a:t>registry</a:t>
+            </a:r>
+            <a:r>
+              <a:rPr lang="de-DE" dirty="0"/>
+              <a:t> horchen (daher das +</a:t>
+            </a:r>
+            <a:r>
+              <a:rPr lang="de-DE" dirty="0" err="1"/>
+              <a:t>watch</a:t>
+            </a:r>
+            <a:r>
+              <a:rPr lang="de-DE" dirty="0"/>
+              <a:t>)</a:t>
+            </a:r>
+          </a:p>
+          <a:p>
+            <a:r>
+              <a:rPr lang="de-DE" dirty="0"/>
+              <a:t>- und danach dann das </a:t>
+            </a:r>
+            <a:r>
+              <a:rPr lang="de-DE" dirty="0" err="1"/>
+              <a:t>image</a:t>
+            </a:r>
+            <a:r>
+              <a:rPr lang="de-DE" dirty="0"/>
+              <a:t> zurück in </a:t>
+            </a:r>
+            <a:r>
+              <a:rPr lang="de-DE" dirty="0" err="1"/>
+              <a:t>git</a:t>
+            </a:r>
+            <a:r>
+              <a:rPr lang="de-DE" dirty="0"/>
+              <a:t> spielen (daher das +push)</a:t>
             </a:r>
           </a:p>
           <a:p>
@@ -3832,209 +3801,16 @@
           <a:p>
             <a:r>
               <a:rPr lang="de-DE" dirty="0"/>
-              <a:t>https://argo-cd.readthedocs.io/en/stable/user-guide/best_practices/</a:t>
-            </a:r>
-          </a:p>
-          <a:p>
-            <a:endParaRPr lang="de-DE" dirty="0"/>
-          </a:p>
-          <a:p>
-            <a:pPr algn="l"/>
-            <a:r>
-              <a:rPr lang="en-US" b="0" i="0" dirty="0">
-                <a:effectLst/>
-                <a:latin typeface="Work Sans" pitchFamily="2" charset="0"/>
-              </a:rPr>
-              <a:t>Best Practices</a:t>
-            </a:r>
-            <a:endParaRPr lang="en-US" b="0" i="0" u="none" strike="noStrike" dirty="0">
-              <a:effectLst/>
-              <a:latin typeface="Work Sans" pitchFamily="2" charset="0"/>
-            </a:endParaRPr>
-          </a:p>
-          <a:p>
-            <a:pPr algn="l"/>
-            <a:endParaRPr lang="en-US" b="0" i="0" dirty="0">
-              <a:effectLst/>
-              <a:latin typeface="Work Sans" pitchFamily="2" charset="0"/>
-            </a:endParaRPr>
-          </a:p>
-          <a:p>
-            <a:pPr algn="l"/>
-            <a:r>
-              <a:rPr lang="en-US" b="0" i="0" dirty="0">
-                <a:effectLst/>
-                <a:latin typeface="Work Sans" pitchFamily="2" charset="0"/>
-              </a:rPr>
-              <a:t>Separating Config Vs. Source Code Repositories</a:t>
-            </a:r>
-            <a:endParaRPr lang="en-US" b="0" i="0" u="none" strike="noStrike" dirty="0">
-              <a:effectLst/>
-              <a:latin typeface="Work Sans" pitchFamily="2" charset="0"/>
-            </a:endParaRPr>
-          </a:p>
-          <a:p>
-            <a:pPr algn="l"/>
-            <a:endParaRPr lang="en-US" b="0" i="0" dirty="0">
-              <a:effectLst/>
-              <a:latin typeface="Work Sans" pitchFamily="2" charset="0"/>
-            </a:endParaRPr>
-          </a:p>
-          <a:p>
-            <a:pPr algn="l"/>
-            <a:r>
-              <a:rPr lang="en-US" b="0" i="0" dirty="0">
-                <a:effectLst/>
-                <a:latin typeface="Work Sans" pitchFamily="2" charset="0"/>
-              </a:rPr>
-              <a:t>Using a separate Git repository to hold your Kubernetes manifests, keeping the config separate from your application source code, is highly recommended for the following reasons:</a:t>
-            </a:r>
-          </a:p>
-          <a:p>
-            <a:pPr algn="l"/>
-            <a:endParaRPr lang="en-US" b="0" i="0" dirty="0">
-              <a:effectLst/>
-              <a:latin typeface="Work Sans" pitchFamily="2" charset="0"/>
-            </a:endParaRPr>
-          </a:p>
-          <a:p>
-            <a:pPr algn="l">
-              <a:buFont typeface="+mj-lt"/>
-              <a:buAutoNum type="arabicPeriod"/>
-            </a:pPr>
-            <a:r>
-              <a:rPr lang="en-US" b="0" i="0" dirty="0">
-                <a:effectLst/>
-                <a:latin typeface="Work Sans" pitchFamily="2" charset="0"/>
-              </a:rPr>
-              <a:t>It provides a clean separation of application code vs. application config. There will be times when you wish to modify just the manifests without triggering an entire CI build. For example, you likely do </a:t>
-            </a:r>
-            <a:r>
-              <a:rPr lang="en-US" b="0" i="1" dirty="0">
-                <a:effectLst/>
-                <a:latin typeface="Work Sans" pitchFamily="2" charset="0"/>
-              </a:rPr>
-              <a:t>not</a:t>
-            </a:r>
-            <a:r>
-              <a:rPr lang="en-US" b="0" i="0" dirty="0">
-                <a:effectLst/>
-                <a:latin typeface="Work Sans" pitchFamily="2" charset="0"/>
-              </a:rPr>
-              <a:t> want to trigger a build if you simply wish to bump the number of replicas in a Deployment spec.</a:t>
-            </a:r>
-          </a:p>
-          <a:p>
-            <a:pPr algn="l">
-              <a:buFont typeface="+mj-lt"/>
-              <a:buAutoNum type="arabicPeriod"/>
-            </a:pPr>
-            <a:endParaRPr lang="en-US" b="0" i="0" dirty="0">
-              <a:effectLst/>
-              <a:latin typeface="Work Sans" pitchFamily="2" charset="0"/>
-            </a:endParaRPr>
-          </a:p>
-          <a:p>
-            <a:pPr algn="l">
-              <a:buFont typeface="+mj-lt"/>
-              <a:buAutoNum type="arabicPeriod"/>
-            </a:pPr>
-            <a:r>
-              <a:rPr lang="en-US" b="0" i="0" dirty="0">
-                <a:effectLst/>
-                <a:latin typeface="Work Sans" pitchFamily="2" charset="0"/>
-              </a:rPr>
-              <a:t>Cleaner audit log. For auditing purposes, a repo which only holds configuration will have a much cleaner Git history of what changes were made, without the noise coming from check-ins due to normal development activity.</a:t>
-            </a:r>
-          </a:p>
-          <a:p>
-            <a:pPr algn="l">
-              <a:buFont typeface="+mj-lt"/>
-              <a:buAutoNum type="arabicPeriod"/>
-            </a:pPr>
-            <a:endParaRPr lang="en-US" b="0" i="0" dirty="0">
-              <a:effectLst/>
-              <a:latin typeface="Work Sans" pitchFamily="2" charset="0"/>
-            </a:endParaRPr>
-          </a:p>
-          <a:p>
-            <a:pPr algn="l">
-              <a:buFont typeface="+mj-lt"/>
-              <a:buAutoNum type="arabicPeriod"/>
-            </a:pPr>
-            <a:r>
-              <a:rPr lang="en-US" b="0" i="0" dirty="0">
-                <a:effectLst/>
-                <a:latin typeface="Work Sans" pitchFamily="2" charset="0"/>
-              </a:rPr>
-              <a:t>Your application may be comprised of services built from multiple Git repositories, but is deployed as a single unit. Oftentimes, microservices applications are comprised of services with different versioning schemes, and release cycles (e.g. ELK, Kafka + </a:t>
-            </a:r>
-            <a:r>
-              <a:rPr lang="en-US" b="0" i="0" dirty="0" err="1">
-                <a:effectLst/>
-                <a:latin typeface="Work Sans" pitchFamily="2" charset="0"/>
-              </a:rPr>
-              <a:t>ZooKeeper</a:t>
-            </a:r>
-            <a:r>
-              <a:rPr lang="en-US" b="0" i="0" dirty="0">
-                <a:effectLst/>
-                <a:latin typeface="Work Sans" pitchFamily="2" charset="0"/>
-              </a:rPr>
-              <a:t>). It may not make sense to store the manifests in one of the source code repositories of a single component.</a:t>
-            </a:r>
-          </a:p>
-          <a:p>
-            <a:pPr algn="l">
-              <a:buFont typeface="+mj-lt"/>
-              <a:buAutoNum type="arabicPeriod"/>
-            </a:pPr>
-            <a:endParaRPr lang="en-US" b="0" i="0" dirty="0">
-              <a:effectLst/>
-              <a:latin typeface="Work Sans" pitchFamily="2" charset="0"/>
-            </a:endParaRPr>
-          </a:p>
-          <a:p>
-            <a:pPr algn="l">
-              <a:buFont typeface="+mj-lt"/>
-              <a:buAutoNum type="arabicPeriod"/>
-            </a:pPr>
-            <a:r>
-              <a:rPr lang="en-US" b="0" i="0" dirty="0">
-                <a:effectLst/>
-                <a:latin typeface="Work Sans" pitchFamily="2" charset="0"/>
-              </a:rPr>
-              <a:t>Separation of access. The developers who are developing the application, may not necessarily be the same people who can/should push to production environments, either intentionally or unintentionally. By having separate repos, commit access can be given to the source code repo, and not the application config repo.</a:t>
-            </a:r>
-          </a:p>
-          <a:p>
-            <a:pPr algn="l">
-              <a:buFont typeface="+mj-lt"/>
-              <a:buAutoNum type="arabicPeriod"/>
-            </a:pPr>
-            <a:endParaRPr lang="en-US" b="0" i="0" dirty="0">
-              <a:effectLst/>
-              <a:latin typeface="Work Sans" pitchFamily="2" charset="0"/>
-            </a:endParaRPr>
-          </a:p>
-          <a:p>
-            <a:pPr algn="l">
-              <a:buFont typeface="+mj-lt"/>
-              <a:buAutoNum type="arabicPeriod"/>
-            </a:pPr>
-            <a:r>
-              <a:rPr lang="en-US" b="0" i="0" dirty="0">
-                <a:effectLst/>
-                <a:latin typeface="Work Sans" pitchFamily="2" charset="0"/>
-              </a:rPr>
-              <a:t>If you are automating your CI pipeline, pushing manifest changes to the same Git repository can trigger an infinite loop of build jobs and Git commit triggers. Having a separate repo to push config changes to, prevents this from happening.</a:t>
-            </a:r>
-          </a:p>
-          <a:p>
-            <a:endParaRPr lang="de-DE" dirty="0"/>
-          </a:p>
-          <a:p>
-            <a:endParaRPr lang="de-DE" dirty="0"/>
+              <a:t>Argo und </a:t>
+            </a:r>
+            <a:r>
+              <a:rPr lang="de-DE" dirty="0" err="1"/>
+              <a:t>Flux</a:t>
+            </a:r>
+            <a:r>
+              <a:rPr lang="de-DE" dirty="0"/>
+              <a:t> haben jeweils Konstrukte dafür. Hier eig. Nicht weiter relevant.</a:t>
+            </a:r>
           </a:p>
         </p:txBody>
       </p:sp>
@@ -4065,7 +3841,7 @@
     </p:spTree>
     <p:extLst>
       <p:ext uri="{BB962C8B-B14F-4D97-AF65-F5344CB8AC3E}">
-        <p14:creationId xmlns:p14="http://schemas.microsoft.com/office/powerpoint/2010/main" val="1390618214"/>
+        <p14:creationId xmlns:p14="http://schemas.microsoft.com/office/powerpoint/2010/main" val="2158994840"/>
       </p:ext>
     </p:extLst>
   </p:cSld>
@@ -4119,6 +3895,231 @@
           <a:bodyPr/>
           <a:lstStyle/>
           <a:p>
+            <a:r>
+              <a:rPr lang="de-DE" dirty="0" err="1"/>
+              <a:t>GitOps</a:t>
+            </a:r>
+            <a:r>
+              <a:rPr lang="de-DE" dirty="0"/>
+              <a:t> Tools: Infrastruktur (</a:t>
+            </a:r>
+            <a:r>
+              <a:rPr lang="de-DE" dirty="0" err="1"/>
+              <a:t>IaC</a:t>
+            </a:r>
+            <a:r>
+              <a:rPr lang="de-DE" dirty="0"/>
+              <a:t>) in ein separates Repo!</a:t>
+            </a:r>
+          </a:p>
+          <a:p>
+            <a:endParaRPr lang="de-DE" dirty="0"/>
+          </a:p>
+          <a:p>
+            <a:r>
+              <a:rPr lang="de-DE" dirty="0"/>
+              <a:t>https://argo-cd.readthedocs.io/en/stable/user-guide/best_practices/</a:t>
+            </a:r>
+          </a:p>
+          <a:p>
+            <a:endParaRPr lang="de-DE" dirty="0"/>
+          </a:p>
+          <a:p>
+            <a:pPr algn="l"/>
+            <a:r>
+              <a:rPr lang="en-US" b="0" i="0" dirty="0">
+                <a:effectLst/>
+                <a:latin typeface="Work Sans" pitchFamily="2" charset="0"/>
+              </a:rPr>
+              <a:t>Best Practices</a:t>
+            </a:r>
+            <a:endParaRPr lang="en-US" b="0" i="0" u="none" strike="noStrike" dirty="0">
+              <a:effectLst/>
+              <a:latin typeface="Work Sans" pitchFamily="2" charset="0"/>
+            </a:endParaRPr>
+          </a:p>
+          <a:p>
+            <a:pPr algn="l"/>
+            <a:endParaRPr lang="en-US" b="0" i="0" dirty="0">
+              <a:effectLst/>
+              <a:latin typeface="Work Sans" pitchFamily="2" charset="0"/>
+            </a:endParaRPr>
+          </a:p>
+          <a:p>
+            <a:pPr algn="l"/>
+            <a:r>
+              <a:rPr lang="en-US" b="0" i="0" dirty="0">
+                <a:effectLst/>
+                <a:latin typeface="Work Sans" pitchFamily="2" charset="0"/>
+              </a:rPr>
+              <a:t>Separating Config Vs. Source Code Repositories</a:t>
+            </a:r>
+            <a:endParaRPr lang="en-US" b="0" i="0" u="none" strike="noStrike" dirty="0">
+              <a:effectLst/>
+              <a:latin typeface="Work Sans" pitchFamily="2" charset="0"/>
+            </a:endParaRPr>
+          </a:p>
+          <a:p>
+            <a:pPr algn="l"/>
+            <a:endParaRPr lang="en-US" b="0" i="0" dirty="0">
+              <a:effectLst/>
+              <a:latin typeface="Work Sans" pitchFamily="2" charset="0"/>
+            </a:endParaRPr>
+          </a:p>
+          <a:p>
+            <a:pPr algn="l"/>
+            <a:r>
+              <a:rPr lang="en-US" b="0" i="0" dirty="0">
+                <a:effectLst/>
+                <a:latin typeface="Work Sans" pitchFamily="2" charset="0"/>
+              </a:rPr>
+              <a:t>Using a separate Git repository to hold your Kubernetes manifests, keeping the config separate from your application source code, is highly recommended for the following reasons:</a:t>
+            </a:r>
+          </a:p>
+          <a:p>
+            <a:pPr algn="l"/>
+            <a:endParaRPr lang="en-US" b="0" i="0" dirty="0">
+              <a:effectLst/>
+              <a:latin typeface="Work Sans" pitchFamily="2" charset="0"/>
+            </a:endParaRPr>
+          </a:p>
+          <a:p>
+            <a:pPr algn="l">
+              <a:buFont typeface="+mj-lt"/>
+              <a:buAutoNum type="arabicPeriod"/>
+            </a:pPr>
+            <a:r>
+              <a:rPr lang="en-US" b="0" i="0" dirty="0">
+                <a:effectLst/>
+                <a:latin typeface="Work Sans" pitchFamily="2" charset="0"/>
+              </a:rPr>
+              <a:t>It provides a clean separation of application code vs. application config. There will be times when you wish to modify just the manifests without triggering an entire CI build. For example, you likely do </a:t>
+            </a:r>
+            <a:r>
+              <a:rPr lang="en-US" b="0" i="1" dirty="0">
+                <a:effectLst/>
+                <a:latin typeface="Work Sans" pitchFamily="2" charset="0"/>
+              </a:rPr>
+              <a:t>not</a:t>
+            </a:r>
+            <a:r>
+              <a:rPr lang="en-US" b="0" i="0" dirty="0">
+                <a:effectLst/>
+                <a:latin typeface="Work Sans" pitchFamily="2" charset="0"/>
+              </a:rPr>
+              <a:t> want to trigger a build if you simply wish to bump the number of replicas in a Deployment spec.</a:t>
+            </a:r>
+          </a:p>
+          <a:p>
+            <a:pPr algn="l">
+              <a:buFont typeface="+mj-lt"/>
+              <a:buAutoNum type="arabicPeriod"/>
+            </a:pPr>
+            <a:endParaRPr lang="en-US" b="0" i="0" dirty="0">
+              <a:effectLst/>
+              <a:latin typeface="Work Sans" pitchFamily="2" charset="0"/>
+            </a:endParaRPr>
+          </a:p>
+          <a:p>
+            <a:pPr algn="l">
+              <a:buFont typeface="+mj-lt"/>
+              <a:buAutoNum type="arabicPeriod"/>
+            </a:pPr>
+            <a:r>
+              <a:rPr lang="en-US" b="0" i="0" dirty="0">
+                <a:effectLst/>
+                <a:latin typeface="Work Sans" pitchFamily="2" charset="0"/>
+              </a:rPr>
+              <a:t>Cleaner audit log. For auditing purposes, a repo which only holds configuration will have a much cleaner Git history of what changes were made, without the noise coming from check-ins due to normal development activity.</a:t>
+            </a:r>
+          </a:p>
+          <a:p>
+            <a:pPr algn="l">
+              <a:buFont typeface="+mj-lt"/>
+              <a:buAutoNum type="arabicPeriod"/>
+            </a:pPr>
+            <a:endParaRPr lang="en-US" b="0" i="0" dirty="0">
+              <a:effectLst/>
+              <a:latin typeface="Work Sans" pitchFamily="2" charset="0"/>
+            </a:endParaRPr>
+          </a:p>
+          <a:p>
+            <a:pPr algn="l">
+              <a:buFont typeface="+mj-lt"/>
+              <a:buAutoNum type="arabicPeriod"/>
+            </a:pPr>
+            <a:r>
+              <a:rPr lang="en-US" b="0" i="0" dirty="0">
+                <a:effectLst/>
+                <a:latin typeface="Work Sans" pitchFamily="2" charset="0"/>
+              </a:rPr>
+              <a:t>Your application may be comprised of services built from multiple Git repositories, but is deployed as a single unit. Oftentimes, microservices applications are comprised of services with different versioning schemes, and release cycles (e.g. ELK, Kafka + </a:t>
+            </a:r>
+            <a:r>
+              <a:rPr lang="en-US" b="0" i="0" dirty="0" err="1">
+                <a:effectLst/>
+                <a:latin typeface="Work Sans" pitchFamily="2" charset="0"/>
+              </a:rPr>
+              <a:t>ZooKeeper</a:t>
+            </a:r>
+            <a:r>
+              <a:rPr lang="en-US" b="0" i="0" dirty="0">
+                <a:effectLst/>
+                <a:latin typeface="Work Sans" pitchFamily="2" charset="0"/>
+              </a:rPr>
+              <a:t>). It may not make sense to store the manifests in one of the source code repositories of a single component.</a:t>
+            </a:r>
+          </a:p>
+          <a:p>
+            <a:pPr algn="l">
+              <a:buFont typeface="+mj-lt"/>
+              <a:buAutoNum type="arabicPeriod"/>
+            </a:pPr>
+            <a:endParaRPr lang="en-US" b="0" i="0" dirty="0">
+              <a:effectLst/>
+              <a:latin typeface="Work Sans" pitchFamily="2" charset="0"/>
+            </a:endParaRPr>
+          </a:p>
+          <a:p>
+            <a:pPr algn="l">
+              <a:buFont typeface="+mj-lt"/>
+              <a:buAutoNum type="arabicPeriod"/>
+            </a:pPr>
+            <a:r>
+              <a:rPr lang="en-US" b="0" i="0" dirty="0">
+                <a:effectLst/>
+                <a:latin typeface="Work Sans" pitchFamily="2" charset="0"/>
+              </a:rPr>
+              <a:t>Separation of access. The developers who are developing the application, may not necessarily be the same people who can/should push to production environments, either intentionally or unintentionally. By having separate repos, commit access can be given to the source code repo, and not the application config repo.</a:t>
+            </a:r>
+          </a:p>
+          <a:p>
+            <a:pPr algn="l">
+              <a:buFont typeface="+mj-lt"/>
+              <a:buAutoNum type="arabicPeriod"/>
+            </a:pPr>
+            <a:endParaRPr lang="en-US" b="0" i="0" dirty="0">
+              <a:effectLst/>
+              <a:latin typeface="Work Sans" pitchFamily="2" charset="0"/>
+            </a:endParaRPr>
+          </a:p>
+          <a:p>
+            <a:pPr algn="l">
+              <a:buFont typeface="+mj-lt"/>
+              <a:buAutoNum type="arabicPeriod"/>
+            </a:pPr>
+            <a:r>
+              <a:rPr lang="en-US" b="0" i="0" dirty="0">
+                <a:effectLst/>
+                <a:latin typeface="Work Sans" pitchFamily="2" charset="0"/>
+              </a:rPr>
+              <a:t>If you are automating your CI pipeline, pushing manifest changes to the same Git repository can trigger an infinite loop of build jobs and Git commit triggers. Having a separate repo to push config changes to, prevents this from happening.</a:t>
+            </a:r>
+          </a:p>
+          <a:p>
+            <a:endParaRPr lang="de-DE" dirty="0"/>
+          </a:p>
+          <a:p>
             <a:endParaRPr lang="de-DE" dirty="0"/>
           </a:p>
         </p:txBody>
@@ -4141,7 +4142,7 @@
             <a:fld id="{18182567-388C-4D33-8B7B-A651F195F118}" type="slidenum">
               <a:rPr lang="de-DE" altLang="de-DE" smtClean="0"/>
               <a:pPr/>
-              <a:t>34</a:t>
+              <a:t>32</a:t>
             </a:fld>
             <a:endParaRPr lang="de-DE" altLang="de-DE"/>
           </a:p>
@@ -4150,7 +4151,7 @@
     </p:spTree>
     <p:extLst>
       <p:ext uri="{BB962C8B-B14F-4D97-AF65-F5344CB8AC3E}">
-        <p14:creationId xmlns:p14="http://schemas.microsoft.com/office/powerpoint/2010/main" val="1497522267"/>
+        <p14:creationId xmlns:p14="http://schemas.microsoft.com/office/powerpoint/2010/main" val="1390618214"/>
       </p:ext>
     </p:extLst>
   </p:cSld>
@@ -4204,138 +4205,7 @@
           <a:bodyPr/>
           <a:lstStyle/>
           <a:p>
-            <a:r>
-              <a:rPr lang="de-DE" dirty="0"/>
-              <a:t>Vorteile:</a:t>
-            </a:r>
-          </a:p>
-          <a:p>
-            <a:pPr marL="171450" indent="-171450">
-              <a:buFont typeface="Arial" panose="020B0604020202020204" pitchFamily="34" charset="0"/>
-              <a:buChar char="•"/>
-            </a:pPr>
-            <a:r>
-              <a:rPr lang="de-DE" dirty="0"/>
-              <a:t>Einzelnes Repo für die Entwicklung! (Höhere Effizienz)</a:t>
-            </a:r>
-          </a:p>
-          <a:p>
-            <a:pPr marL="171450" indent="-171450">
-              <a:buFont typeface="Arial" panose="020B0604020202020204" pitchFamily="34" charset="0"/>
-              <a:buChar char="•"/>
-            </a:pPr>
-            <a:r>
-              <a:rPr lang="de-DE" dirty="0"/>
-              <a:t>Automatisiertes </a:t>
-            </a:r>
-            <a:r>
-              <a:rPr lang="de-DE" dirty="0" err="1"/>
-              <a:t>Staging</a:t>
-            </a:r>
-            <a:r>
-              <a:rPr lang="de-DE" dirty="0"/>
-              <a:t> möglich (pull </a:t>
-            </a:r>
-            <a:r>
-              <a:rPr lang="de-DE" dirty="0" err="1"/>
-              <a:t>request</a:t>
-            </a:r>
-            <a:r>
-              <a:rPr lang="de-DE" dirty="0"/>
-              <a:t> Erzeugung, Namespaces)</a:t>
-            </a:r>
-          </a:p>
-          <a:p>
-            <a:pPr marL="171450" indent="-171450">
-              <a:buFont typeface="Arial" panose="020B0604020202020204" pitchFamily="34" charset="0"/>
-              <a:buChar char="•"/>
-            </a:pPr>
-            <a:r>
-              <a:rPr lang="de-DE" dirty="0"/>
-              <a:t>Shift-</a:t>
-            </a:r>
-            <a:r>
-              <a:rPr lang="de-DE" dirty="0" err="1"/>
-              <a:t>Left</a:t>
-            </a:r>
-            <a:r>
-              <a:rPr lang="de-DE" dirty="0"/>
-              <a:t>-Ansatz möglich! (Tests, Lint, Policy Check, ….)</a:t>
-            </a:r>
-          </a:p>
-          <a:p>
-            <a:pPr marL="628650" lvl="1" indent="-171450">
-              <a:buFont typeface="Arial" panose="020B0604020202020204" pitchFamily="34" charset="0"/>
-              <a:buChar char="•"/>
-            </a:pPr>
-            <a:r>
-              <a:rPr lang="de-DE" dirty="0"/>
-              <a:t>mit </a:t>
-            </a:r>
-            <a:r>
-              <a:rPr lang="de-DE" dirty="0" err="1"/>
-              <a:t>yamlint</a:t>
-            </a:r>
-            <a:r>
-              <a:rPr lang="de-DE" dirty="0"/>
-              <a:t>, </a:t>
-            </a:r>
-            <a:r>
-              <a:rPr lang="de-DE" dirty="0" err="1"/>
-              <a:t>kubeval</a:t>
-            </a:r>
-            <a:r>
-              <a:rPr lang="de-DE" dirty="0"/>
-              <a:t>, </a:t>
-            </a:r>
-            <a:r>
-              <a:rPr lang="de-DE" dirty="0" err="1"/>
-              <a:t>helm</a:t>
-            </a:r>
-            <a:r>
-              <a:rPr lang="de-DE" dirty="0"/>
-              <a:t> </a:t>
-            </a:r>
-            <a:r>
-              <a:rPr lang="de-DE" dirty="0" err="1"/>
-              <a:t>lint</a:t>
-            </a:r>
-            <a:r>
-              <a:rPr lang="de-DE" dirty="0"/>
-              <a:t>, </a:t>
-            </a:r>
-            <a:r>
-              <a:rPr lang="de-DE" dirty="0" err="1"/>
-              <a:t>conftest</a:t>
-            </a:r>
             <a:endParaRPr lang="de-DE" dirty="0"/>
-          </a:p>
-          <a:p>
-            <a:pPr marL="171450" indent="-171450">
-              <a:buFont typeface="Arial" panose="020B0604020202020204" pitchFamily="34" charset="0"/>
-              <a:buChar char="•"/>
-            </a:pPr>
-            <a:endParaRPr lang="de-DE" dirty="0"/>
-          </a:p>
-          <a:p>
-            <a:pPr marL="0" indent="0">
-              <a:buFont typeface="Arial" panose="020B0604020202020204" pitchFamily="34" charset="0"/>
-              <a:buNone/>
-            </a:pPr>
-            <a:r>
-              <a:rPr lang="de-DE" dirty="0"/>
-              <a:t>Nachteile:</a:t>
-            </a:r>
-          </a:p>
-          <a:p>
-            <a:pPr marL="171450" indent="-171450">
-              <a:buFont typeface="Arial" panose="020B0604020202020204" pitchFamily="34" charset="0"/>
-              <a:buChar char="•"/>
-            </a:pPr>
-            <a:r>
-              <a:rPr lang="de-DE" dirty="0"/>
-              <a:t>Komplexität steckt im Detail… Oder eben in den CI Pipelines.</a:t>
-            </a:r>
           </a:p>
         </p:txBody>
       </p:sp>
@@ -4366,7 +4236,7 @@
     </p:spTree>
     <p:extLst>
       <p:ext uri="{BB962C8B-B14F-4D97-AF65-F5344CB8AC3E}">
-        <p14:creationId xmlns:p14="http://schemas.microsoft.com/office/powerpoint/2010/main" val="2083903176"/>
+        <p14:creationId xmlns:p14="http://schemas.microsoft.com/office/powerpoint/2010/main" val="1497522267"/>
       </p:ext>
     </p:extLst>
   </p:cSld>
@@ -4420,7 +4290,138 @@
           <a:bodyPr/>
           <a:lstStyle/>
           <a:p>
+            <a:r>
+              <a:rPr lang="de-DE" dirty="0"/>
+              <a:t>Vorteile:</a:t>
+            </a:r>
+          </a:p>
+          <a:p>
+            <a:pPr marL="171450" indent="-171450">
+              <a:buFont typeface="Arial" panose="020B0604020202020204" pitchFamily="34" charset="0"/>
+              <a:buChar char="•"/>
+            </a:pPr>
+            <a:r>
+              <a:rPr lang="de-DE" dirty="0"/>
+              <a:t>Einzelnes Repo für die Entwicklung! (Höhere Effizienz)</a:t>
+            </a:r>
+          </a:p>
+          <a:p>
+            <a:pPr marL="171450" indent="-171450">
+              <a:buFont typeface="Arial" panose="020B0604020202020204" pitchFamily="34" charset="0"/>
+              <a:buChar char="•"/>
+            </a:pPr>
+            <a:r>
+              <a:rPr lang="de-DE" dirty="0"/>
+              <a:t>Automatisiertes </a:t>
+            </a:r>
+            <a:r>
+              <a:rPr lang="de-DE" dirty="0" err="1"/>
+              <a:t>Staging</a:t>
+            </a:r>
+            <a:r>
+              <a:rPr lang="de-DE" dirty="0"/>
+              <a:t> möglich (pull </a:t>
+            </a:r>
+            <a:r>
+              <a:rPr lang="de-DE" dirty="0" err="1"/>
+              <a:t>request</a:t>
+            </a:r>
+            <a:r>
+              <a:rPr lang="de-DE" dirty="0"/>
+              <a:t> Erzeugung, Namespaces)</a:t>
+            </a:r>
+          </a:p>
+          <a:p>
+            <a:pPr marL="171450" indent="-171450">
+              <a:buFont typeface="Arial" panose="020B0604020202020204" pitchFamily="34" charset="0"/>
+              <a:buChar char="•"/>
+            </a:pPr>
+            <a:r>
+              <a:rPr lang="de-DE" dirty="0"/>
+              <a:t>Shift-</a:t>
+            </a:r>
+            <a:r>
+              <a:rPr lang="de-DE" dirty="0" err="1"/>
+              <a:t>Left</a:t>
+            </a:r>
+            <a:r>
+              <a:rPr lang="de-DE" dirty="0"/>
+              <a:t>-Ansatz möglich! (Tests, Lint, Policy Check, ….)</a:t>
+            </a:r>
+          </a:p>
+          <a:p>
+            <a:pPr marL="628650" lvl="1" indent="-171450">
+              <a:buFont typeface="Arial" panose="020B0604020202020204" pitchFamily="34" charset="0"/>
+              <a:buChar char="•"/>
+            </a:pPr>
+            <a:r>
+              <a:rPr lang="de-DE" dirty="0"/>
+              <a:t>mit </a:t>
+            </a:r>
+            <a:r>
+              <a:rPr lang="de-DE" dirty="0" err="1"/>
+              <a:t>yamlint</a:t>
+            </a:r>
+            <a:r>
+              <a:rPr lang="de-DE" dirty="0"/>
+              <a:t>, </a:t>
+            </a:r>
+            <a:r>
+              <a:rPr lang="de-DE" dirty="0" err="1"/>
+              <a:t>kubeval</a:t>
+            </a:r>
+            <a:r>
+              <a:rPr lang="de-DE" dirty="0"/>
+              <a:t>, </a:t>
+            </a:r>
+            <a:r>
+              <a:rPr lang="de-DE" dirty="0" err="1"/>
+              <a:t>helm</a:t>
+            </a:r>
+            <a:r>
+              <a:rPr lang="de-DE" dirty="0"/>
+              <a:t> </a:t>
+            </a:r>
+            <a:r>
+              <a:rPr lang="de-DE" dirty="0" err="1"/>
+              <a:t>lint</a:t>
+            </a:r>
+            <a:r>
+              <a:rPr lang="de-DE" dirty="0"/>
+              <a:t>, </a:t>
+            </a:r>
+            <a:r>
+              <a:rPr lang="de-DE" dirty="0" err="1"/>
+              <a:t>conftest</a:t>
+            </a:r>
             <a:endParaRPr lang="de-DE" dirty="0"/>
+          </a:p>
+          <a:p>
+            <a:pPr marL="171450" indent="-171450">
+              <a:buFont typeface="Arial" panose="020B0604020202020204" pitchFamily="34" charset="0"/>
+              <a:buChar char="•"/>
+            </a:pPr>
+            <a:endParaRPr lang="de-DE" dirty="0"/>
+          </a:p>
+          <a:p>
+            <a:pPr marL="0" indent="0">
+              <a:buFont typeface="Arial" panose="020B0604020202020204" pitchFamily="34" charset="0"/>
+              <a:buNone/>
+            </a:pPr>
+            <a:r>
+              <a:rPr lang="de-DE" dirty="0"/>
+              <a:t>Nachteile:</a:t>
+            </a:r>
+          </a:p>
+          <a:p>
+            <a:pPr marL="171450" indent="-171450">
+              <a:buFont typeface="Arial" panose="020B0604020202020204" pitchFamily="34" charset="0"/>
+              <a:buChar char="•"/>
+            </a:pPr>
+            <a:r>
+              <a:rPr lang="de-DE" dirty="0"/>
+              <a:t>Komplexität steckt im Detail… Oder eben in den CI Pipelines.</a:t>
+            </a:r>
           </a:p>
         </p:txBody>
       </p:sp>
@@ -4451,7 +4452,7 @@
     </p:spTree>
     <p:extLst>
       <p:ext uri="{BB962C8B-B14F-4D97-AF65-F5344CB8AC3E}">
-        <p14:creationId xmlns:p14="http://schemas.microsoft.com/office/powerpoint/2010/main" val="3352445793"/>
+        <p14:creationId xmlns:p14="http://schemas.microsoft.com/office/powerpoint/2010/main" val="2083903176"/>
       </p:ext>
     </p:extLst>
   </p:cSld>
@@ -4505,10 +4506,7 @@
           <a:bodyPr/>
           <a:lstStyle/>
           <a:p>
-            <a:r>
-              <a:rPr lang="de-DE" dirty="0"/>
-              <a:t>Quelle: https://blog.kubesimplify.com/gitops-demystified</a:t>
-            </a:r>
+            <a:endParaRPr lang="de-DE" dirty="0"/>
           </a:p>
         </p:txBody>
       </p:sp>
@@ -4539,7 +4537,7 @@
     </p:spTree>
     <p:extLst>
       <p:ext uri="{BB962C8B-B14F-4D97-AF65-F5344CB8AC3E}">
-        <p14:creationId xmlns:p14="http://schemas.microsoft.com/office/powerpoint/2010/main" val="4219327637"/>
+        <p14:creationId xmlns:p14="http://schemas.microsoft.com/office/powerpoint/2010/main" val="3352445793"/>
       </p:ext>
     </p:extLst>
   </p:cSld>
@@ -4628,6 +4626,94 @@
     <p:extLst>
       <p:ext uri="{BB962C8B-B14F-4D97-AF65-F5344CB8AC3E}">
         <p14:creationId xmlns:p14="http://schemas.microsoft.com/office/powerpoint/2010/main" val="3428053153"/>
+      </p:ext>
+    </p:extLst>
+  </p:cSld>
+  <p:clrMapOvr>
+    <a:masterClrMapping/>
+  </p:clrMapOvr>
+</p:notes>
+</file>
+
+<file path=ppt/notesSlides/notesSlide30.xml><?xml version="1.0" encoding="utf-8"?>
+<p:notes xmlns:a="http://schemas.openxmlformats.org/drawingml/2006/main" xmlns:r="http://schemas.openxmlformats.org/officeDocument/2006/relationships" xmlns:p="http://schemas.openxmlformats.org/presentationml/2006/main">
+  <p:cSld>
+    <p:spTree>
+      <p:nvGrpSpPr>
+        <p:cNvPr id="1" name=""/>
+        <p:cNvGrpSpPr/>
+        <p:nvPr/>
+      </p:nvGrpSpPr>
+      <p:grpSpPr>
+        <a:xfrm>
+          <a:off x="0" y="0"/>
+          <a:ext cx="0" cy="0"/>
+          <a:chOff x="0" y="0"/>
+          <a:chExt cx="0" cy="0"/>
+        </a:xfrm>
+      </p:grpSpPr>
+      <p:sp>
+        <p:nvSpPr>
+          <p:cNvPr id="2" name="Folienbildplatzhalter 1"/>
+          <p:cNvSpPr>
+            <a:spLocks noGrp="1" noRot="1" noChangeAspect="1"/>
+          </p:cNvSpPr>
+          <p:nvPr>
+            <p:ph type="sldImg"/>
+          </p:nvPr>
+        </p:nvSpPr>
+        <p:spPr/>
+      </p:sp>
+      <p:sp>
+        <p:nvSpPr>
+          <p:cNvPr id="3" name="Notizenplatzhalter 2"/>
+          <p:cNvSpPr>
+            <a:spLocks noGrp="1"/>
+          </p:cNvSpPr>
+          <p:nvPr>
+            <p:ph type="body" idx="1"/>
+          </p:nvPr>
+        </p:nvSpPr>
+        <p:spPr/>
+        <p:txBody>
+          <a:bodyPr/>
+          <a:lstStyle/>
+          <a:p>
+            <a:r>
+              <a:rPr lang="de-DE" dirty="0"/>
+              <a:t>Quelle: https://blog.kubesimplify.com/gitops-demystified</a:t>
+            </a:r>
+          </a:p>
+        </p:txBody>
+      </p:sp>
+      <p:sp>
+        <p:nvSpPr>
+          <p:cNvPr id="4" name="Foliennummernplatzhalter 3"/>
+          <p:cNvSpPr>
+            <a:spLocks noGrp="1"/>
+          </p:cNvSpPr>
+          <p:nvPr>
+            <p:ph type="sldNum" sz="quarter" idx="5"/>
+          </p:nvPr>
+        </p:nvSpPr>
+        <p:spPr/>
+        <p:txBody>
+          <a:bodyPr/>
+          <a:lstStyle/>
+          <a:p>
+            <a:fld id="{18182567-388C-4D33-8B7B-A651F195F118}" type="slidenum">
+              <a:rPr lang="de-DE" altLang="de-DE" smtClean="0"/>
+              <a:pPr/>
+              <a:t>38</a:t>
+            </a:fld>
+            <a:endParaRPr lang="de-DE" altLang="de-DE"/>
+          </a:p>
+        </p:txBody>
+      </p:sp>
+    </p:spTree>
+    <p:extLst>
+      <p:ext uri="{BB962C8B-B14F-4D97-AF65-F5344CB8AC3E}">
+        <p14:creationId xmlns:p14="http://schemas.microsoft.com/office/powerpoint/2010/main" val="4219327637"/>
       </p:ext>
     </p:extLst>
   </p:cSld>
@@ -6889,7 +6975,7 @@
               <a:pPr algn="ctr">
                 <a:defRPr/>
               </a:pPr>
-              <a:t>18.06.2024</a:t>
+              <a:t>19.06.2024</a:t>
             </a:fld>
             <a:endParaRPr lang="de-DE" sz="1000">
               <a:solidFill>
@@ -9307,7 +9393,7 @@
             </a:pPr>
             <a:r>
               <a:rPr lang="de-DE" altLang="de-DE" b="1" dirty="0"/>
-              <a:t>Die Idee dahinter</a:t>
+              <a:t>Beobachtungen</a:t>
             </a:r>
           </a:p>
           <a:p>
@@ -9323,7 +9409,7 @@
             </a:pPr>
             <a:r>
               <a:rPr lang="de-DE" altLang="de-DE" dirty="0"/>
-              <a:t>Softwareentwicklungs-Lebenszyklus automatisiert</a:t>
+              <a:t>Softwareentwicklungs-Lebenszyklus bereits automatisiert</a:t>
             </a:r>
           </a:p>
           <a:p>
@@ -9333,7 +9419,7 @@
             </a:pPr>
             <a:r>
               <a:rPr lang="de-DE" altLang="de-DE" sz="1900" dirty="0"/>
-              <a:t>Infrastruktur weitgehend manuell </a:t>
+              <a:t>Infrastruktur meist weitgehend manuell </a:t>
             </a:r>
             <a:r>
               <a:rPr lang="de-DE" altLang="de-DE" sz="1700" dirty="0">
@@ -9370,7 +9456,7 @@
             </a:pPr>
             <a:r>
               <a:rPr lang="de-DE" altLang="de-DE" dirty="0"/>
-              <a:t>Fokus auf Geschwindigkeit und Skalierbarkeit</a:t>
+              <a:t>Zunehmender Fokus auf Geschwindigkeit und Skalierbarkeit</a:t>
             </a:r>
           </a:p>
           <a:p>
@@ -9406,12 +9492,24 @@
               <a:buChar char="•"/>
             </a:pPr>
             <a:r>
-              <a:rPr lang="de-DE" altLang="de-DE" sz="1900" dirty="0" err="1"/>
-              <a:t>Operations</a:t>
-            </a:r>
-            <a:r>
-              <a:rPr lang="de-DE" altLang="de-DE" sz="1900" dirty="0"/>
-              <a:t> nutzt Konfigurationsdateien als Code</a:t>
+              <a:rPr lang="de-DE" altLang="de-DE" dirty="0"/>
+              <a:t>Verlagerung des </a:t>
+            </a:r>
+            <a:r>
+              <a:rPr lang="de-DE" altLang="de-DE" dirty="0" err="1"/>
+              <a:t>Know</a:t>
+            </a:r>
+            <a:r>
+              <a:rPr lang="de-DE" altLang="de-DE" dirty="0"/>
+              <a:t> </a:t>
+            </a:r>
+            <a:r>
+              <a:rPr lang="de-DE" altLang="de-DE" dirty="0" err="1"/>
+              <a:t>Hows</a:t>
+            </a:r>
+            <a:r>
+              <a:rPr lang="de-DE" altLang="de-DE" dirty="0"/>
+              <a:t> in die Pipelines</a:t>
             </a:r>
           </a:p>
           <a:p>
@@ -9427,14 +9525,12 @@
             </a:r>
             <a:r>
               <a:rPr lang="de-DE" altLang="de-DE" sz="1900" dirty="0"/>
-              <a:t>Konsistente Infrastruktur; analog Softwarecode (konsistente Binärdateien)</a:t>
-            </a:r>
-          </a:p>
-          <a:p>
-            <a:pPr>
-              <a:buFont typeface="Arial" panose="020B0604020202020204" pitchFamily="34" charset="0"/>
-              <a:buChar char="•"/>
-            </a:pPr>
+              <a:t>Konsistente Infrastruktur; analog </a:t>
+            </a:r>
+            <a:r>
+              <a:rPr lang="de-DE" altLang="de-DE" sz="1900" dirty="0" err="1"/>
+              <a:t>Deployables</a:t>
+            </a:r>
             <a:endParaRPr lang="de-DE" altLang="de-DE" dirty="0"/>
           </a:p>
         </p:txBody>
@@ -9528,33 +9624,19 @@
             </a:r>
           </a:p>
           <a:p>
+            <a:pPr marL="0" indent="0">
+              <a:buNone/>
+            </a:pPr>
+            <a:endParaRPr lang="de-DE" dirty="0"/>
+          </a:p>
+          <a:p>
             <a:pPr>
               <a:buFont typeface="Arial" panose="020B0604020202020204" pitchFamily="34" charset="0"/>
               <a:buChar char="•"/>
             </a:pPr>
             <a:r>
-              <a:rPr lang="de-DE" dirty="0" err="1"/>
-              <a:t>Git</a:t>
-            </a:r>
-            <a:r>
               <a:rPr lang="de-DE" dirty="0"/>
-              <a:t> </a:t>
-            </a:r>
-            <a:r>
-              <a:rPr lang="de-DE" dirty="0" err="1"/>
-              <a:t>Repositories</a:t>
-            </a:r>
-            <a:r>
-              <a:rPr lang="de-DE" dirty="0"/>
-              <a:t> als Single Source </a:t>
-            </a:r>
-            <a:r>
-              <a:rPr lang="de-DE" dirty="0" err="1"/>
-              <a:t>of</a:t>
-            </a:r>
-            <a:r>
-              <a:rPr lang="de-DE" dirty="0"/>
-              <a:t> Truth</a:t>
+              <a:t>Workflow zur Anwendungsbereitstellung</a:t>
             </a:r>
           </a:p>
           <a:p>
@@ -9572,7 +9654,7 @@
             </a:r>
             <a:r>
               <a:rPr lang="de-DE" dirty="0"/>
-              <a:t>) bereitstellen</a:t>
+              <a:t>)</a:t>
             </a:r>
           </a:p>
           <a:p>
@@ -9580,7 +9662,30 @@
               <a:buFont typeface="Arial" panose="020B0604020202020204" pitchFamily="34" charset="0"/>
               <a:buChar char="•"/>
             </a:pPr>
-            <a:endParaRPr lang="de-DE" dirty="0"/>
+            <a:r>
+              <a:rPr lang="de-DE" dirty="0" err="1"/>
+              <a:t>Git</a:t>
+            </a:r>
+            <a:r>
+              <a:rPr lang="de-DE" dirty="0"/>
+              <a:t> </a:t>
+            </a:r>
+            <a:r>
+              <a:rPr lang="de-DE" dirty="0" err="1"/>
+              <a:t>Repositories</a:t>
+            </a:r>
+            <a:r>
+              <a:rPr lang="de-DE" dirty="0"/>
+              <a:t> als Single Source </a:t>
+            </a:r>
+            <a:r>
+              <a:rPr lang="de-DE" dirty="0" err="1"/>
+              <a:t>of</a:t>
+            </a:r>
+            <a:r>
+              <a:rPr lang="de-DE" dirty="0"/>
+              <a:t> Truth</a:t>
+            </a:r>
           </a:p>
           <a:p>
             <a:pPr>
@@ -9589,97 +9694,8 @@
             </a:pPr>
             <a:r>
               <a:rPr lang="de-DE" dirty="0"/>
-              <a:t>Vorgehen:</a:t>
-            </a:r>
-          </a:p>
-          <a:p>
-            <a:pPr lvl="1">
-              <a:buFont typeface="Arial" panose="020B0604020202020204" pitchFamily="34" charset="0"/>
-              <a:buChar char="•"/>
-            </a:pPr>
-            <a:r>
-              <a:rPr lang="de-DE" dirty="0"/>
-              <a:t>CI-Prozess prüft eingecheckten Code</a:t>
-            </a:r>
-          </a:p>
-          <a:p>
-            <a:pPr lvl="1">
-              <a:buFont typeface="Arial" panose="020B0604020202020204" pitchFamily="34" charset="0"/>
-              <a:buChar char="•"/>
-            </a:pPr>
-            <a:r>
-              <a:rPr lang="de-DE" dirty="0"/>
-              <a:t>CD-Prozess prüft Anforderungen und wendet diese an</a:t>
-            </a:r>
-            <a:br>
-              <a:rPr lang="de-DE" dirty="0"/>
-            </a:br>
-            <a:r>
-              <a:rPr lang="de-DE" dirty="0"/>
-              <a:t>(IST vs. SOLL)</a:t>
-            </a:r>
-          </a:p>
-          <a:p>
-            <a:pPr lvl="1">
-              <a:buFont typeface="Arial" panose="020B0604020202020204" pitchFamily="34" charset="0"/>
-              <a:buChar char="•"/>
-            </a:pPr>
-            <a:endParaRPr lang="de-DE" dirty="0"/>
-          </a:p>
-          <a:p>
-            <a:pPr>
-              <a:buFont typeface="Arial" panose="020B0604020202020204" pitchFamily="34" charset="0"/>
-              <a:buChar char="•"/>
-            </a:pPr>
-            <a:r>
-              <a:rPr lang="de-DE" dirty="0"/>
-              <a:t>Codeänderungen sind nachvollziehbar (</a:t>
-            </a:r>
-            <a:r>
-              <a:rPr lang="de-DE" dirty="0" err="1"/>
-              <a:t>git</a:t>
-            </a:r>
-            <a:r>
-              <a:rPr lang="de-DE" dirty="0"/>
-              <a:t>)</a:t>
-            </a:r>
-          </a:p>
-          <a:p>
-            <a:pPr lvl="1">
-              <a:buFont typeface="Arial" panose="020B0604020202020204" pitchFamily="34" charset="0"/>
-              <a:buChar char="•"/>
-            </a:pPr>
-            <a:r>
-              <a:rPr lang="de-DE" dirty="0">
-                <a:sym typeface="Wingdings" panose="05000000000000000000" pitchFamily="2" charset="2"/>
-              </a:rPr>
-              <a:t> Updates vereinfacht</a:t>
-            </a:r>
-          </a:p>
-          <a:p>
-            <a:pPr lvl="1">
-              <a:buFont typeface="Arial" panose="020B0604020202020204" pitchFamily="34" charset="0"/>
-              <a:buChar char="•"/>
-            </a:pPr>
-            <a:r>
-              <a:rPr lang="de-DE" dirty="0">
-                <a:sym typeface="Wingdings" panose="05000000000000000000" pitchFamily="2" charset="2"/>
-              </a:rPr>
-              <a:t> Rollbacks möglich</a:t>
-            </a:r>
-          </a:p>
-          <a:p>
-            <a:pPr lvl="1">
-              <a:buFont typeface="Arial" panose="020B0604020202020204" pitchFamily="34" charset="0"/>
-              <a:buChar char="•"/>
-            </a:pPr>
-            <a:r>
-              <a:rPr lang="de-DE" dirty="0">
-                <a:sym typeface="Wingdings" panose="05000000000000000000" pitchFamily="2" charset="2"/>
-              </a:rPr>
-              <a:t> Nachweisbarkeit gegeben</a:t>
-            </a:r>
-            <a:endParaRPr lang="de-DE" dirty="0"/>
+              <a:t>Umgebungen passen sich automatisch der aktuellen Konfiguration an</a:t>
+            </a:r>
           </a:p>
         </p:txBody>
       </p:sp>
@@ -9768,7 +9784,7 @@
             </a:pPr>
             <a:r>
               <a:rPr lang="de-DE" b="1" dirty="0"/>
-              <a:t>Was bietet mir das?</a:t>
+              <a:t>Was genau ist das jetzt?</a:t>
             </a:r>
           </a:p>
           <a:p>
@@ -9784,7 +9800,34 @@
             </a:pPr>
             <a:r>
               <a:rPr lang="de-DE" dirty="0"/>
-              <a:t>Workflow für Anwendungsbereitstellung</a:t>
+              <a:t>Vorgehen</a:t>
+            </a:r>
+          </a:p>
+          <a:p>
+            <a:pPr lvl="1">
+              <a:buFont typeface="Arial" panose="020B0604020202020204" pitchFamily="34" charset="0"/>
+              <a:buChar char="•"/>
+            </a:pPr>
+            <a:r>
+              <a:rPr lang="de-DE" dirty="0"/>
+              <a:t>CI-Prozess prüft eingecheckten Code</a:t>
+            </a:r>
+          </a:p>
+          <a:p>
+            <a:pPr lvl="1">
+              <a:buFont typeface="Arial" panose="020B0604020202020204" pitchFamily="34" charset="0"/>
+              <a:buChar char="•"/>
+            </a:pPr>
+            <a:r>
+              <a:rPr lang="de-DE" dirty="0"/>
+              <a:t>CD-Prozess prüft Anforderungen und wendet diese an</a:t>
+            </a:r>
+            <a:br>
+              <a:rPr lang="de-DE" dirty="0"/>
+            </a:br>
+            <a:r>
+              <a:rPr lang="de-DE" dirty="0"/>
+              <a:t>(IST vs. SOLL)</a:t>
             </a:r>
           </a:p>
           <a:p>
@@ -9792,18 +9835,7 @@
               <a:buFont typeface="Arial" panose="020B0604020202020204" pitchFamily="34" charset="0"/>
               <a:buChar char="•"/>
             </a:pPr>
-            <a:r>
-              <a:rPr lang="de-DE" dirty="0"/>
-              <a:t>Konsistenz (für Cluster, Clouds und On-</a:t>
-            </a:r>
-            <a:r>
-              <a:rPr lang="de-DE" dirty="0" err="1"/>
-              <a:t>Premise</a:t>
-            </a:r>
-            <a:r>
-              <a:rPr lang="de-DE" dirty="0"/>
-              <a:t>)</a:t>
-            </a:r>
+            <a:endParaRPr lang="de-DE" dirty="0"/>
           </a:p>
           <a:p>
             <a:pPr>
@@ -9838,7 +9870,15 @@
             </a:pPr>
             <a:r>
               <a:rPr lang="de-DE" dirty="0" err="1"/>
-              <a:t>Git-Repositories</a:t>
+              <a:t>Git</a:t>
+            </a:r>
+            <a:r>
+              <a:rPr lang="de-DE" dirty="0"/>
+              <a:t> </a:t>
+            </a:r>
+            <a:r>
+              <a:rPr lang="de-DE" dirty="0" err="1"/>
+              <a:t>Repositories</a:t>
             </a:r>
             <a:endParaRPr lang="de-DE" dirty="0"/>
           </a:p>
@@ -9877,7 +9917,10 @@
               <a:rPr lang="de-DE" dirty="0" err="1"/>
               <a:t>Kubernetes</a:t>
             </a:r>
-            <a:endParaRPr lang="de-DE" dirty="0"/>
+            <a:r>
+              <a:rPr lang="de-DE" dirty="0"/>
+              <a:t>, Virtuelle Maschinen</a:t>
+            </a:r>
           </a:p>
           <a:p>
             <a:pPr lvl="1">
@@ -11079,9 +11122,12 @@
               <a:buChar char="•"/>
             </a:pPr>
             <a:r>
-              <a:rPr lang="de-DE" sz="2000" dirty="0"/>
-              <a:t>CI/CD-Pipelines durch externes Event ausgelöst</a:t>
-            </a:r>
+              <a:rPr lang="de-DE" sz="2000" dirty="0">
+                <a:sym typeface="Wingdings" panose="05000000000000000000" pitchFamily="2" charset="2"/>
+              </a:rPr>
+              <a:t>Teams nutzen weiterhin bekannte CI/CD Praktiken</a:t>
+            </a:r>
+            <a:endParaRPr lang="de-DE" sz="2000" dirty="0"/>
           </a:p>
           <a:p>
             <a:pPr>
@@ -11090,31 +11136,7 @@
             </a:pPr>
             <a:r>
               <a:rPr lang="de-DE" sz="2000" dirty="0"/>
-              <a:t>Bei </a:t>
-            </a:r>
-            <a:r>
-              <a:rPr lang="de-DE" sz="2000" dirty="0" err="1"/>
-              <a:t>GitOps</a:t>
-            </a:r>
-            <a:r>
-              <a:rPr lang="de-DE" sz="2000" dirty="0"/>
-              <a:t>: Änderungen über Pull-</a:t>
-            </a:r>
-            <a:r>
-              <a:rPr lang="de-DE" sz="2000" dirty="0" err="1"/>
-              <a:t>Requests</a:t>
-            </a:r>
-            <a:r>
-              <a:rPr lang="de-DE" sz="2000" dirty="0"/>
-              <a:t> (PR) oder </a:t>
-            </a:r>
-            <a:r>
-              <a:rPr lang="de-DE" sz="2000" dirty="0" err="1"/>
-              <a:t>Merge-Requests</a:t>
-            </a:r>
-            <a:r>
-              <a:rPr lang="de-DE" sz="2000" dirty="0"/>
-              <a:t> (MR)</a:t>
+              <a:t>CI/CD-Pipelines durch externes Event ausgelöst</a:t>
             </a:r>
           </a:p>
           <a:p>
@@ -11122,13 +11144,47 @@
               <a:buFont typeface="Arial" panose="020B0604020202020204" pitchFamily="34" charset="0"/>
               <a:buChar char="•"/>
             </a:pPr>
-            <a:endParaRPr lang="de-DE" sz="2000" dirty="0"/>
+            <a:r>
+              <a:rPr lang="de-DE" sz="2000" dirty="0"/>
+              <a:t>Änderungen nur über Pull </a:t>
+            </a:r>
+            <a:r>
+              <a:rPr lang="de-DE" sz="2000" dirty="0" err="1"/>
+              <a:t>Requests</a:t>
+            </a:r>
+            <a:r>
+              <a:rPr lang="de-DE" sz="2000" dirty="0"/>
+              <a:t> (PR) oder </a:t>
+            </a:r>
+            <a:r>
+              <a:rPr lang="de-DE" sz="2000" dirty="0" err="1"/>
+              <a:t>Merge</a:t>
+            </a:r>
+            <a:r>
+              <a:rPr lang="de-DE" sz="2000" dirty="0"/>
+              <a:t> </a:t>
+            </a:r>
+            <a:r>
+              <a:rPr lang="de-DE" sz="2000" dirty="0" err="1"/>
+              <a:t>Requests</a:t>
+            </a:r>
+            <a:r>
+              <a:rPr lang="de-DE" sz="2000" dirty="0"/>
+              <a:t> (MR)</a:t>
+            </a:r>
           </a:p>
           <a:p>
             <a:pPr>
               <a:buFont typeface="Arial" panose="020B0604020202020204" pitchFamily="34" charset="0"/>
               <a:buChar char="•"/>
             </a:pPr>
+            <a:endParaRPr lang="de-DE" sz="2000" dirty="0"/>
+          </a:p>
+          <a:p>
+            <a:pPr>
+              <a:buFont typeface="Arial" panose="020B0604020202020204" pitchFamily="34" charset="0"/>
+              <a:buChar char="•"/>
+            </a:pPr>
             <a:r>
               <a:rPr lang="de-DE" sz="2000" dirty="0"/>
               <a:t>Neues </a:t>
@@ -11187,74 +11243,8 @@
             </a:r>
             <a:r>
               <a:rPr lang="de-DE" sz="1800" dirty="0"/>
-              <a:t>), holt neuen Zustand aus </a:t>
-            </a:r>
-            <a:r>
-              <a:rPr lang="de-DE" sz="1800" dirty="0" err="1"/>
-              <a:t>git</a:t>
-            </a:r>
-            <a:endParaRPr lang="de-DE" sz="1800" dirty="0"/>
-          </a:p>
-          <a:p>
-            <a:pPr lvl="1">
-              <a:buFont typeface="Arial" panose="020B0604020202020204" pitchFamily="34" charset="0"/>
-              <a:buChar char="•"/>
-            </a:pPr>
-            <a:endParaRPr lang="de-DE" sz="1800" dirty="0"/>
-          </a:p>
-          <a:p>
-            <a:pPr>
-              <a:buFont typeface="Arial" panose="020B0604020202020204" pitchFamily="34" charset="0"/>
-              <a:buChar char="•"/>
-            </a:pPr>
-            <a:r>
-              <a:rPr lang="de-DE" sz="2000" dirty="0"/>
-              <a:t>Änderungen im PR </a:t>
-            </a:r>
-            <a:r>
-              <a:rPr lang="de-DE" sz="2000" dirty="0" err="1"/>
-              <a:t>approved</a:t>
-            </a:r>
-            <a:r>
-              <a:rPr lang="de-DE" sz="2000" dirty="0"/>
-              <a:t> und </a:t>
-            </a:r>
-            <a:r>
-              <a:rPr lang="de-DE" sz="2000" dirty="0" err="1"/>
-              <a:t>merged</a:t>
-            </a:r>
-            <a:endParaRPr lang="de-DE" sz="2000" dirty="0"/>
-          </a:p>
-          <a:p>
-            <a:pPr lvl="1">
-              <a:buFont typeface="Arial" panose="020B0604020202020204" pitchFamily="34" charset="0"/>
-              <a:buChar char="•"/>
-            </a:pPr>
-            <a:r>
-              <a:rPr lang="de-DE" sz="1600" dirty="0">
-                <a:sym typeface="Wingdings" panose="05000000000000000000" pitchFamily="2" charset="2"/>
-              </a:rPr>
-              <a:t> Infrastruktur aktualisiert</a:t>
-            </a:r>
-          </a:p>
-          <a:p>
-            <a:pPr lvl="1">
-              <a:buFont typeface="Arial" panose="020B0604020202020204" pitchFamily="34" charset="0"/>
-              <a:buChar char="•"/>
-            </a:pPr>
-            <a:r>
-              <a:rPr lang="de-DE" sz="1600" dirty="0" err="1">
-                <a:sym typeface="Wingdings" panose="05000000000000000000" pitchFamily="2" charset="2"/>
-              </a:rPr>
-              <a:t>Dev</a:t>
-            </a:r>
-            <a:r>
-              <a:rPr lang="de-DE" sz="1600" dirty="0">
-                <a:sym typeface="Wingdings" panose="05000000000000000000" pitchFamily="2" charset="2"/>
-              </a:rPr>
-              <a:t>-Teams nutzen weiterhin bekannte CI/CD Praktiken</a:t>
-            </a:r>
-            <a:endParaRPr lang="de-DE" sz="1600" dirty="0"/>
+              <a:t>)</a:t>
+            </a:r>
           </a:p>
         </p:txBody>
       </p:sp>
@@ -11412,39 +11402,13 @@
             </a:r>
           </a:p>
           <a:p>
-            <a:pPr lvl="1">
-              <a:buFont typeface="Arial" panose="020B0604020202020204" pitchFamily="34" charset="0"/>
-              <a:buChar char="•"/>
-            </a:pPr>
-            <a:r>
-              <a:rPr lang="de-DE" sz="2200" dirty="0"/>
-              <a:t>Keine Änderungen am CI Server selbst</a:t>
-            </a:r>
-          </a:p>
-          <a:p>
             <a:pPr>
               <a:buFont typeface="Arial" panose="020B0604020202020204" pitchFamily="34" charset="0"/>
               <a:buChar char="•"/>
             </a:pPr>
             <a:r>
               <a:rPr lang="de-DE" sz="2200" dirty="0"/>
-              <a:t>Infrastruktur (als Code) ist </a:t>
-            </a:r>
-            <a:r>
-              <a:rPr lang="de-DE" sz="2200" dirty="0" err="1"/>
-              <a:t>auditierbar</a:t>
-            </a:r>
-            <a:r>
-              <a:rPr lang="de-DE" sz="2200" dirty="0"/>
-              <a:t> (</a:t>
-            </a:r>
-            <a:r>
-              <a:rPr lang="de-DE" sz="2200" dirty="0" err="1"/>
-              <a:t>git</a:t>
-            </a:r>
-            <a:r>
-              <a:rPr lang="de-DE" sz="2200" dirty="0"/>
-              <a:t>)</a:t>
+              <a:t>Keine Änderungen am CI Server selbst</a:t>
             </a:r>
           </a:p>
           <a:p>
@@ -12006,6 +11970,187 @@
             </a:pPr>
             <a:r>
               <a:rPr lang="de-DE" dirty="0"/>
+              <a:t>Codeänderungen sind nachvollziehbar (</a:t>
+            </a:r>
+            <a:r>
+              <a:rPr lang="de-DE" dirty="0" err="1"/>
+              <a:t>git</a:t>
+            </a:r>
+            <a:r>
+              <a:rPr lang="de-DE" dirty="0"/>
+              <a:t>)</a:t>
+            </a:r>
+          </a:p>
+          <a:p>
+            <a:pPr lvl="1">
+              <a:buFont typeface="Arial" panose="020B0604020202020204" pitchFamily="34" charset="0"/>
+              <a:buChar char="•"/>
+            </a:pPr>
+            <a:r>
+              <a:rPr lang="de-DE" dirty="0">
+                <a:sym typeface="Wingdings" panose="05000000000000000000" pitchFamily="2" charset="2"/>
+              </a:rPr>
+              <a:t> Updates vereinfacht</a:t>
+            </a:r>
+          </a:p>
+          <a:p>
+            <a:pPr lvl="1">
+              <a:buFont typeface="Arial" panose="020B0604020202020204" pitchFamily="34" charset="0"/>
+              <a:buChar char="•"/>
+            </a:pPr>
+            <a:r>
+              <a:rPr lang="de-DE" dirty="0">
+                <a:sym typeface="Wingdings" panose="05000000000000000000" pitchFamily="2" charset="2"/>
+              </a:rPr>
+              <a:t> Rollbacks möglich</a:t>
+            </a:r>
+          </a:p>
+          <a:p>
+            <a:pPr lvl="1">
+              <a:buFont typeface="Arial" panose="020B0604020202020204" pitchFamily="34" charset="0"/>
+              <a:buChar char="•"/>
+            </a:pPr>
+            <a:r>
+              <a:rPr lang="de-DE" dirty="0">
+                <a:sym typeface="Wingdings" panose="05000000000000000000" pitchFamily="2" charset="2"/>
+              </a:rPr>
+              <a:t> Nachweisbarkeit (Audits) gegeben</a:t>
+            </a:r>
+            <a:endParaRPr lang="de-DE" dirty="0"/>
+          </a:p>
+        </p:txBody>
+      </p:sp>
+      <p:pic>
+        <p:nvPicPr>
+          <p:cNvPr id="29" name="Grafik 28">
+            <a:extLst>
+              <a:ext uri="{FF2B5EF4-FFF2-40B4-BE49-F238E27FC236}">
+                <a16:creationId xmlns:a16="http://schemas.microsoft.com/office/drawing/2014/main" id="{4B38AFE5-8487-1A15-A3DD-51D25FC0B398}"/>
+              </a:ext>
+            </a:extLst>
+          </p:cNvPr>
+          <p:cNvPicPr>
+            <a:picLocks noChangeAspect="1"/>
+          </p:cNvPicPr>
+          <p:nvPr/>
+        </p:nvPicPr>
+        <p:blipFill>
+          <a:blip r:embed="rId3">
+            <a:extLst>
+              <a:ext uri="{28A0092B-C50C-407E-A947-70E740481C1C}">
+                <a14:useLocalDpi xmlns:a14="http://schemas.microsoft.com/office/drawing/2010/main" val="0"/>
+              </a:ext>
+            </a:extLst>
+          </a:blip>
+          <a:stretch>
+            <a:fillRect/>
+          </a:stretch>
+        </p:blipFill>
+        <p:spPr>
+          <a:xfrm>
+            <a:off x="2943867" y="4005064"/>
+            <a:ext cx="5896920" cy="2208450"/>
+          </a:xfrm>
+          <a:prstGeom prst="rect">
+            <a:avLst/>
+          </a:prstGeom>
+        </p:spPr>
+      </p:pic>
+    </p:spTree>
+    <p:extLst>
+      <p:ext uri="{BB962C8B-B14F-4D97-AF65-F5344CB8AC3E}">
+        <p14:creationId xmlns:p14="http://schemas.microsoft.com/office/powerpoint/2010/main" val="3282078948"/>
+      </p:ext>
+    </p:extLst>
+  </p:cSld>
+  <p:clrMapOvr>
+    <a:masterClrMapping/>
+  </p:clrMapOvr>
+</p:sld>
+</file>
+
+<file path=ppt/slides/slide21.xml><?xml version="1.0" encoding="utf-8"?>
+<p:sld xmlns:a="http://schemas.openxmlformats.org/drawingml/2006/main" xmlns:r="http://schemas.openxmlformats.org/officeDocument/2006/relationships" xmlns:p="http://schemas.openxmlformats.org/presentationml/2006/main">
+  <p:cSld>
+    <p:spTree>
+      <p:nvGrpSpPr>
+        <p:cNvPr id="1" name=""/>
+        <p:cNvGrpSpPr/>
+        <p:nvPr/>
+      </p:nvGrpSpPr>
+      <p:grpSpPr>
+        <a:xfrm>
+          <a:off x="0" y="0"/>
+          <a:ext cx="0" cy="0"/>
+          <a:chOff x="0" y="0"/>
+          <a:chExt cx="0" cy="0"/>
+        </a:xfrm>
+      </p:grpSpPr>
+      <p:sp>
+        <p:nvSpPr>
+          <p:cNvPr id="2" name="Titel 1">
+            <a:extLst>
+              <a:ext uri="{FF2B5EF4-FFF2-40B4-BE49-F238E27FC236}">
+                <a16:creationId xmlns:a16="http://schemas.microsoft.com/office/drawing/2014/main" id="{74F61811-DDD3-CD36-300B-D3CAEEBD8E91}"/>
+              </a:ext>
+            </a:extLst>
+          </p:cNvPr>
+          <p:cNvSpPr>
+            <a:spLocks noGrp="1"/>
+          </p:cNvSpPr>
+          <p:nvPr>
+            <p:ph type="title"/>
+          </p:nvPr>
+        </p:nvSpPr>
+        <p:spPr/>
+        <p:txBody>
+          <a:bodyPr/>
+          <a:lstStyle/>
+          <a:p>
+            <a:r>
+              <a:rPr lang="de-DE" dirty="0" err="1"/>
+              <a:t>GitOps</a:t>
+            </a:r>
+            <a:endParaRPr lang="de-DE" dirty="0"/>
+          </a:p>
+        </p:txBody>
+      </p:sp>
+      <p:sp>
+        <p:nvSpPr>
+          <p:cNvPr id="3" name="Inhaltsplatzhalter 2">
+            <a:extLst>
+              <a:ext uri="{FF2B5EF4-FFF2-40B4-BE49-F238E27FC236}">
+                <a16:creationId xmlns:a16="http://schemas.microsoft.com/office/drawing/2014/main" id="{6C7165DD-A317-28CB-0414-EA8CA4155508}"/>
+              </a:ext>
+            </a:extLst>
+          </p:cNvPr>
+          <p:cNvSpPr>
+            <a:spLocks noGrp="1"/>
+          </p:cNvSpPr>
+          <p:nvPr>
+            <p:ph idx="1"/>
+          </p:nvPr>
+        </p:nvSpPr>
+        <p:spPr/>
+        <p:txBody>
+          <a:bodyPr/>
+          <a:lstStyle/>
+          <a:p>
+            <a:pPr marL="0" indent="0">
+              <a:buNone/>
+            </a:pPr>
+            <a:r>
+              <a:rPr lang="de-DE" b="1" dirty="0"/>
+              <a:t>Vorteile</a:t>
+            </a:r>
+          </a:p>
+          <a:p>
+            <a:pPr>
+              <a:buFont typeface="Arial" panose="020B0604020202020204" pitchFamily="34" charset="0"/>
+              <a:buChar char="•"/>
+            </a:pPr>
+            <a:r>
+              <a:rPr lang="de-DE" dirty="0"/>
               <a:t>Erhöhte Produktivität</a:t>
             </a:r>
           </a:p>
@@ -12100,7 +12245,7 @@
 </p:sld>
 </file>
 
-<file path=ppt/slides/slide21.xml><?xml version="1.0" encoding="utf-8"?>
+<file path=ppt/slides/slide22.xml><?xml version="1.0" encoding="utf-8"?>
 <p:sld xmlns:a="http://schemas.openxmlformats.org/drawingml/2006/main" xmlns:r="http://schemas.openxmlformats.org/officeDocument/2006/relationships" xmlns:p="http://schemas.openxmlformats.org/presentationml/2006/main" show="0">
   <p:cSld>
     <p:spTree>
@@ -12483,100 +12628,6 @@
     <p:extLst>
       <p:ext uri="{BB962C8B-B14F-4D97-AF65-F5344CB8AC3E}">
         <p14:creationId xmlns:p14="http://schemas.microsoft.com/office/powerpoint/2010/main" val="499359274"/>
-      </p:ext>
-    </p:extLst>
-  </p:cSld>
-  <p:clrMapOvr>
-    <a:masterClrMapping/>
-  </p:clrMapOvr>
-</p:sld>
-</file>
-
-<file path=ppt/slides/slide22.xml><?xml version="1.0" encoding="utf-8"?>
-<p:sld xmlns:a="http://schemas.openxmlformats.org/drawingml/2006/main" xmlns:r="http://schemas.openxmlformats.org/officeDocument/2006/relationships" xmlns:p="http://schemas.openxmlformats.org/presentationml/2006/main">
-  <p:cSld>
-    <p:spTree>
-      <p:nvGrpSpPr>
-        <p:cNvPr id="1" name=""/>
-        <p:cNvGrpSpPr/>
-        <p:nvPr/>
-      </p:nvGrpSpPr>
-      <p:grpSpPr>
-        <a:xfrm>
-          <a:off x="0" y="0"/>
-          <a:ext cx="0" cy="0"/>
-          <a:chOff x="0" y="0"/>
-          <a:chExt cx="0" cy="0"/>
-        </a:xfrm>
-      </p:grpSpPr>
-      <p:sp>
-        <p:nvSpPr>
-          <p:cNvPr id="2" name="Titel 1">
-            <a:extLst>
-              <a:ext uri="{FF2B5EF4-FFF2-40B4-BE49-F238E27FC236}">
-                <a16:creationId xmlns:a16="http://schemas.microsoft.com/office/drawing/2014/main" id="{6852D978-9DF5-1E6A-F50B-0CA32EA8DAC7}"/>
-              </a:ext>
-            </a:extLst>
-          </p:cNvPr>
-          <p:cNvSpPr>
-            <a:spLocks noGrp="1"/>
-          </p:cNvSpPr>
-          <p:nvPr>
-            <p:ph type="title"/>
-          </p:nvPr>
-        </p:nvSpPr>
-        <p:spPr/>
-        <p:txBody>
-          <a:bodyPr/>
-          <a:lstStyle/>
-          <a:p>
-            <a:r>
-              <a:rPr lang="de-DE" dirty="0" err="1"/>
-              <a:t>GitOps</a:t>
-            </a:r>
-            <a:endParaRPr lang="de-DE" dirty="0"/>
-          </a:p>
-        </p:txBody>
-      </p:sp>
-      <p:pic>
-        <p:nvPicPr>
-          <p:cNvPr id="5" name="Inhaltsplatzhalter 4">
-            <a:extLst>
-              <a:ext uri="{FF2B5EF4-FFF2-40B4-BE49-F238E27FC236}">
-                <a16:creationId xmlns:a16="http://schemas.microsoft.com/office/drawing/2014/main" id="{37FD0FEF-8FFD-7132-377A-BD8E8097BBE0}"/>
-              </a:ext>
-            </a:extLst>
-          </p:cNvPr>
-          <p:cNvPicPr>
-            <a:picLocks noGrp="1" noChangeAspect="1"/>
-          </p:cNvPicPr>
-          <p:nvPr>
-            <p:ph idx="1"/>
-          </p:nvPr>
-        </p:nvPicPr>
-        <p:blipFill>
-          <a:blip r:embed="rId3">
-            <a:extLst>
-              <a:ext uri="{28A0092B-C50C-407E-A947-70E740481C1C}">
-                <a14:useLocalDpi xmlns:a14="http://schemas.microsoft.com/office/drawing/2010/main" val="0"/>
-              </a:ext>
-            </a:extLst>
-          </a:blip>
-          <a:stretch>
-            <a:fillRect/>
-          </a:stretch>
-        </p:blipFill>
-        <p:spPr>
-          <a:xfrm>
-            <a:off x="332581" y="1300162"/>
-            <a:ext cx="8458200" cy="4762500"/>
-          </a:xfrm>
-        </p:spPr>
-      </p:pic>
-    </p:spTree>
-    <p:extLst>
-      <p:ext uri="{BB962C8B-B14F-4D97-AF65-F5344CB8AC3E}">
-        <p14:creationId xmlns:p14="http://schemas.microsoft.com/office/powerpoint/2010/main" val="3210427694"/>
       </p:ext>
     </p:extLst>
   </p:cSld>
@@ -12632,254 +12683,45 @@
           </a:p>
         </p:txBody>
       </p:sp>
-      <p:sp>
-        <p:nvSpPr>
-          <p:cNvPr id="3" name="Inhaltsplatzhalter 2">
+      <p:pic>
+        <p:nvPicPr>
+          <p:cNvPr id="5" name="Inhaltsplatzhalter 4">
             <a:extLst>
               <a:ext uri="{FF2B5EF4-FFF2-40B4-BE49-F238E27FC236}">
-                <a16:creationId xmlns:a16="http://schemas.microsoft.com/office/drawing/2014/main" id="{81753C8B-5EF0-E49E-1FFB-0330FD2A3542}"/>
+                <a16:creationId xmlns:a16="http://schemas.microsoft.com/office/drawing/2014/main" id="{37FD0FEF-8FFD-7132-377A-BD8E8097BBE0}"/>
               </a:ext>
             </a:extLst>
           </p:cNvPr>
-          <p:cNvSpPr>
-            <a:spLocks noGrp="1"/>
-          </p:cNvSpPr>
+          <p:cNvPicPr>
+            <a:picLocks noGrp="1" noChangeAspect="1"/>
+          </p:cNvPicPr>
           <p:nvPr>
             <p:ph idx="1"/>
           </p:nvPr>
-        </p:nvSpPr>
-        <p:spPr/>
-        <p:txBody>
-          <a:bodyPr/>
-          <a:lstStyle/>
-          <a:p>
-            <a:pPr marL="0" indent="0">
-              <a:buNone/>
-            </a:pPr>
-            <a:r>
-              <a:rPr lang="de-DE" b="1" dirty="0"/>
-              <a:t>Secrets</a:t>
-            </a:r>
-          </a:p>
-          <a:p>
-            <a:pPr>
-              <a:buFont typeface="Arial" panose="020B0604020202020204" pitchFamily="34" charset="0"/>
-              <a:buChar char="•"/>
-            </a:pPr>
-            <a:r>
-              <a:rPr lang="de-DE" dirty="0"/>
-              <a:t>Bei </a:t>
-            </a:r>
-            <a:r>
-              <a:rPr lang="de-DE" dirty="0" err="1"/>
-              <a:t>CIOps</a:t>
-            </a:r>
-            <a:r>
-              <a:rPr lang="de-DE" dirty="0"/>
-              <a:t> oft im CI Server hinterlegt…</a:t>
-            </a:r>
-          </a:p>
-          <a:p>
-            <a:pPr>
-              <a:buFont typeface="Arial" panose="020B0604020202020204" pitchFamily="34" charset="0"/>
-              <a:buChar char="•"/>
-            </a:pPr>
-            <a:r>
-              <a:rPr lang="de-DE" dirty="0">
-                <a:sym typeface="Wingdings" panose="05000000000000000000" pitchFamily="2" charset="2"/>
-              </a:rPr>
-              <a:t>Secrets im Repository speichern</a:t>
-            </a:r>
-          </a:p>
-          <a:p>
-            <a:pPr lvl="1">
-              <a:buFont typeface="Arial" panose="020B0604020202020204" pitchFamily="34" charset="0"/>
-              <a:buChar char="•"/>
-            </a:pPr>
-            <a:r>
-              <a:rPr lang="de-DE" dirty="0" err="1">
-                <a:sym typeface="Wingdings" panose="05000000000000000000" pitchFamily="2" charset="2"/>
-              </a:rPr>
-              <a:t>encrypted</a:t>
-            </a:r>
-            <a:r>
-              <a:rPr lang="de-DE" dirty="0">
-                <a:sym typeface="Wingdings" panose="05000000000000000000" pitchFamily="2" charset="2"/>
-              </a:rPr>
-              <a:t>/</a:t>
-            </a:r>
-            <a:r>
-              <a:rPr lang="de-DE" dirty="0" err="1">
-                <a:sym typeface="Wingdings" panose="05000000000000000000" pitchFamily="2" charset="2"/>
-              </a:rPr>
-              <a:t>sealed</a:t>
-            </a:r>
-            <a:r>
-              <a:rPr lang="de-DE" dirty="0">
-                <a:sym typeface="Wingdings" panose="05000000000000000000" pitchFamily="2" charset="2"/>
-              </a:rPr>
-              <a:t>!</a:t>
-            </a:r>
-          </a:p>
-          <a:p>
-            <a:pPr lvl="1">
-              <a:buFont typeface="Arial" panose="020B0604020202020204" pitchFamily="34" charset="0"/>
-              <a:buChar char="•"/>
-            </a:pPr>
-            <a:endParaRPr lang="de-DE" dirty="0">
-              <a:sym typeface="Wingdings" panose="05000000000000000000" pitchFamily="2" charset="2"/>
-            </a:endParaRPr>
-          </a:p>
-          <a:p>
-            <a:pPr>
-              <a:buFont typeface="Arial" panose="020B0604020202020204" pitchFamily="34" charset="0"/>
-              <a:buChar char="•"/>
-            </a:pPr>
-            <a:r>
-              <a:rPr lang="de-DE" dirty="0">
-                <a:sym typeface="Wingdings" panose="05000000000000000000" pitchFamily="2" charset="2"/>
-              </a:rPr>
-              <a:t>Secrets  Key Management System (KMS)</a:t>
-            </a:r>
-          </a:p>
-          <a:p>
-            <a:pPr lvl="1">
-              <a:buFont typeface="Arial" panose="020B0604020202020204" pitchFamily="34" charset="0"/>
-              <a:buChar char="•"/>
-            </a:pPr>
-            <a:r>
-              <a:rPr lang="de-DE" dirty="0">
-                <a:sym typeface="Wingdings" panose="05000000000000000000" pitchFamily="2" charset="2"/>
-              </a:rPr>
-              <a:t>Möglichkeiten</a:t>
-            </a:r>
-          </a:p>
-          <a:p>
-            <a:pPr lvl="2">
-              <a:buFont typeface="Arial" panose="020B0604020202020204" pitchFamily="34" charset="0"/>
-              <a:buChar char="•"/>
-            </a:pPr>
-            <a:r>
-              <a:rPr lang="de-DE" sz="2000" dirty="0">
-                <a:sym typeface="Wingdings" panose="05000000000000000000" pitchFamily="2" charset="2"/>
-              </a:rPr>
-              <a:t>Cloud-Anbieter (AWS, Azure, Google, …)</a:t>
-            </a:r>
-          </a:p>
-          <a:p>
-            <a:pPr lvl="2">
-              <a:buFont typeface="Arial" panose="020B0604020202020204" pitchFamily="34" charset="0"/>
-              <a:buChar char="•"/>
-            </a:pPr>
-            <a:r>
-              <a:rPr lang="de-DE" sz="2000" dirty="0" err="1">
-                <a:sym typeface="Wingdings" panose="05000000000000000000" pitchFamily="2" charset="2"/>
-              </a:rPr>
-              <a:t>HashiCorp</a:t>
-            </a:r>
-            <a:r>
-              <a:rPr lang="de-DE" sz="2000" dirty="0">
-                <a:sym typeface="Wingdings" panose="05000000000000000000" pitchFamily="2" charset="2"/>
-              </a:rPr>
-              <a:t> </a:t>
-            </a:r>
-            <a:r>
-              <a:rPr lang="de-DE" sz="2000" dirty="0" err="1">
-                <a:sym typeface="Wingdings" panose="05000000000000000000" pitchFamily="2" charset="2"/>
-              </a:rPr>
-              <a:t>Vault</a:t>
-            </a:r>
-            <a:endParaRPr lang="de-DE" sz="2000" dirty="0">
-              <a:sym typeface="Wingdings" panose="05000000000000000000" pitchFamily="2" charset="2"/>
-            </a:endParaRPr>
-          </a:p>
-          <a:p>
-            <a:pPr lvl="1">
-              <a:buFont typeface="Arial" panose="020B0604020202020204" pitchFamily="34" charset="0"/>
-              <a:buChar char="•"/>
-            </a:pPr>
-            <a:r>
-              <a:rPr lang="de-DE" dirty="0" err="1">
-                <a:sym typeface="Wingdings" panose="05000000000000000000" pitchFamily="2" charset="2"/>
-              </a:rPr>
-              <a:t>Kubernetes</a:t>
-            </a:r>
-            <a:r>
-              <a:rPr lang="de-DE" dirty="0">
-                <a:sym typeface="Wingdings" panose="05000000000000000000" pitchFamily="2" charset="2"/>
-              </a:rPr>
-              <a:t> Integration</a:t>
-            </a:r>
-          </a:p>
-          <a:p>
-            <a:pPr lvl="2">
-              <a:buFont typeface="Arial" panose="020B0604020202020204" pitchFamily="34" charset="0"/>
-              <a:buChar char="•"/>
-            </a:pPr>
-            <a:r>
-              <a:rPr lang="de-DE" sz="2000" dirty="0">
-                <a:sym typeface="Wingdings" panose="05000000000000000000" pitchFamily="2" charset="2"/>
-              </a:rPr>
-              <a:t>Operator, Container Storage Interface (CSI) Driver, Sidecar (</a:t>
-            </a:r>
-            <a:r>
-              <a:rPr lang="de-DE" sz="2000" dirty="0" err="1">
-                <a:sym typeface="Wingdings" panose="05000000000000000000" pitchFamily="2" charset="2"/>
-              </a:rPr>
-              <a:t>Injector</a:t>
-            </a:r>
-            <a:r>
-              <a:rPr lang="de-DE" sz="2000" dirty="0">
-                <a:sym typeface="Wingdings" panose="05000000000000000000" pitchFamily="2" charset="2"/>
-              </a:rPr>
-              <a:t>), Helm/</a:t>
-            </a:r>
-            <a:r>
-              <a:rPr lang="de-DE" sz="2000" dirty="0" err="1">
-                <a:sym typeface="Wingdings" panose="05000000000000000000" pitchFamily="2" charset="2"/>
-              </a:rPr>
-              <a:t>Kustomize</a:t>
-            </a:r>
-            <a:r>
-              <a:rPr lang="de-DE" sz="2000" dirty="0">
-                <a:sym typeface="Wingdings" panose="05000000000000000000" pitchFamily="2" charset="2"/>
-              </a:rPr>
-              <a:t> Plugin</a:t>
-            </a:r>
-          </a:p>
-          <a:p>
-            <a:pPr lvl="2">
-              <a:buFont typeface="Arial" panose="020B0604020202020204" pitchFamily="34" charset="0"/>
-              <a:buChar char="•"/>
-            </a:pPr>
-            <a:r>
-              <a:rPr lang="de-DE" sz="2000" dirty="0" err="1">
-                <a:sym typeface="Wingdings" panose="05000000000000000000" pitchFamily="2" charset="2"/>
-              </a:rPr>
-              <a:t>GitOps</a:t>
-            </a:r>
-            <a:r>
-              <a:rPr lang="de-DE" sz="2000" dirty="0">
-                <a:sym typeface="Wingdings" panose="05000000000000000000" pitchFamily="2" charset="2"/>
-              </a:rPr>
-              <a:t> Operator: nativer Support oder Plugin</a:t>
-            </a:r>
-          </a:p>
-          <a:p>
-            <a:pPr lvl="1">
-              <a:buFont typeface="Arial" panose="020B0604020202020204" pitchFamily="34" charset="0"/>
-              <a:buChar char="•"/>
-            </a:pPr>
-            <a:endParaRPr lang="de-DE" dirty="0">
-              <a:sym typeface="Wingdings" panose="05000000000000000000" pitchFamily="2" charset="2"/>
-            </a:endParaRPr>
-          </a:p>
-        </p:txBody>
-      </p:sp>
+        </p:nvPicPr>
+        <p:blipFill>
+          <a:blip r:embed="rId3">
+            <a:extLst>
+              <a:ext uri="{28A0092B-C50C-407E-A947-70E740481C1C}">
+                <a14:useLocalDpi xmlns:a14="http://schemas.microsoft.com/office/drawing/2010/main" val="0"/>
+              </a:ext>
+            </a:extLst>
+          </a:blip>
+          <a:stretch>
+            <a:fillRect/>
+          </a:stretch>
+        </p:blipFill>
+        <p:spPr>
+          <a:xfrm>
+            <a:off x="332581" y="1300162"/>
+            <a:ext cx="8458200" cy="4762500"/>
+          </a:xfrm>
+        </p:spPr>
+      </p:pic>
     </p:spTree>
     <p:extLst>
       <p:ext uri="{BB962C8B-B14F-4D97-AF65-F5344CB8AC3E}">
-        <p14:creationId xmlns:p14="http://schemas.microsoft.com/office/powerpoint/2010/main" val="3284561798"/>
+        <p14:creationId xmlns:p14="http://schemas.microsoft.com/office/powerpoint/2010/main" val="3210427694"/>
       </p:ext>
     </p:extLst>
   </p:cSld>
@@ -12911,7 +12753,7 @@
           <p:cNvPr id="2" name="Titel 1">
             <a:extLst>
               <a:ext uri="{FF2B5EF4-FFF2-40B4-BE49-F238E27FC236}">
-                <a16:creationId xmlns:a16="http://schemas.microsoft.com/office/drawing/2014/main" id="{2EA1C9C2-ED2C-62DC-7793-31665F24E533}"/>
+                <a16:creationId xmlns:a16="http://schemas.microsoft.com/office/drawing/2014/main" id="{6852D978-9DF5-1E6A-F50B-0CA32EA8DAC7}"/>
               </a:ext>
             </a:extLst>
           </p:cNvPr>
@@ -12940,7 +12782,7 @@
           <p:cNvPr id="3" name="Inhaltsplatzhalter 2">
             <a:extLst>
               <a:ext uri="{FF2B5EF4-FFF2-40B4-BE49-F238E27FC236}">
-                <a16:creationId xmlns:a16="http://schemas.microsoft.com/office/drawing/2014/main" id="{6CB23FE7-6FB4-E1AA-AE31-C3989D90FF6B}"/>
+                <a16:creationId xmlns:a16="http://schemas.microsoft.com/office/drawing/2014/main" id="{81753C8B-5EF0-E49E-1FFB-0330FD2A3542}"/>
               </a:ext>
             </a:extLst>
           </p:cNvPr>
@@ -12961,7 +12803,310 @@
             </a:pPr>
             <a:r>
               <a:rPr lang="de-DE" b="1" dirty="0"/>
-              <a:t>Einsatzbereiche</a:t>
+              <a:t>Secrets</a:t>
+            </a:r>
+          </a:p>
+          <a:p>
+            <a:pPr>
+              <a:buFont typeface="Arial" panose="020B0604020202020204" pitchFamily="34" charset="0"/>
+              <a:buChar char="•"/>
+            </a:pPr>
+            <a:r>
+              <a:rPr lang="de-DE" dirty="0"/>
+              <a:t>Bei </a:t>
+            </a:r>
+            <a:r>
+              <a:rPr lang="de-DE" dirty="0" err="1"/>
+              <a:t>CIOps</a:t>
+            </a:r>
+            <a:r>
+              <a:rPr lang="de-DE" dirty="0"/>
+              <a:t> oft im CI Server hinterlegt…</a:t>
+            </a:r>
+          </a:p>
+          <a:p>
+            <a:pPr>
+              <a:buFont typeface="Arial" panose="020B0604020202020204" pitchFamily="34" charset="0"/>
+              <a:buChar char="•"/>
+            </a:pPr>
+            <a:endParaRPr lang="de-DE" dirty="0">
+              <a:sym typeface="Wingdings" panose="05000000000000000000" pitchFamily="2" charset="2"/>
+            </a:endParaRPr>
+          </a:p>
+          <a:p>
+            <a:pPr>
+              <a:buFont typeface="Arial" panose="020B0604020202020204" pitchFamily="34" charset="0"/>
+              <a:buChar char="•"/>
+            </a:pPr>
+            <a:r>
+              <a:rPr lang="de-DE" dirty="0">
+                <a:sym typeface="Wingdings" panose="05000000000000000000" pitchFamily="2" charset="2"/>
+              </a:rPr>
+              <a:t>Besser: Secrets im Repository speichern</a:t>
+            </a:r>
+          </a:p>
+          <a:p>
+            <a:pPr lvl="1">
+              <a:buFont typeface="Arial" panose="020B0604020202020204" pitchFamily="34" charset="0"/>
+              <a:buChar char="•"/>
+            </a:pPr>
+            <a:r>
+              <a:rPr lang="de-DE" dirty="0" err="1">
+                <a:sym typeface="Wingdings" panose="05000000000000000000" pitchFamily="2" charset="2"/>
+              </a:rPr>
+              <a:t>encrypted</a:t>
+            </a:r>
+            <a:r>
+              <a:rPr lang="de-DE" dirty="0">
+                <a:sym typeface="Wingdings" panose="05000000000000000000" pitchFamily="2" charset="2"/>
+              </a:rPr>
+              <a:t>/</a:t>
+            </a:r>
+            <a:r>
+              <a:rPr lang="de-DE" dirty="0" err="1">
+                <a:sym typeface="Wingdings" panose="05000000000000000000" pitchFamily="2" charset="2"/>
+              </a:rPr>
+              <a:t>sealed</a:t>
+            </a:r>
+            <a:r>
+              <a:rPr lang="de-DE" dirty="0">
+                <a:sym typeface="Wingdings" panose="05000000000000000000" pitchFamily="2" charset="2"/>
+              </a:rPr>
+              <a:t>!</a:t>
+            </a:r>
+          </a:p>
+          <a:p>
+            <a:pPr>
+              <a:buFont typeface="Arial" panose="020B0604020202020204" pitchFamily="34" charset="0"/>
+              <a:buChar char="•"/>
+            </a:pPr>
+            <a:r>
+              <a:rPr lang="de-DE" dirty="0">
+                <a:sym typeface="Wingdings" panose="05000000000000000000" pitchFamily="2" charset="2"/>
+              </a:rPr>
+              <a:t>Noch besser: Secrets  Key Management System (KMS)</a:t>
+            </a:r>
+          </a:p>
+          <a:p>
+            <a:pPr lvl="1">
+              <a:buFont typeface="Arial" panose="020B0604020202020204" pitchFamily="34" charset="0"/>
+              <a:buChar char="•"/>
+            </a:pPr>
+            <a:r>
+              <a:rPr lang="de-DE" dirty="0">
+                <a:sym typeface="Wingdings" panose="05000000000000000000" pitchFamily="2" charset="2"/>
+              </a:rPr>
+              <a:t>Möglichkeiten</a:t>
+            </a:r>
+          </a:p>
+          <a:p>
+            <a:pPr lvl="2">
+              <a:buFont typeface="Arial" panose="020B0604020202020204" pitchFamily="34" charset="0"/>
+              <a:buChar char="•"/>
+            </a:pPr>
+            <a:r>
+              <a:rPr lang="de-DE" sz="2000" dirty="0">
+                <a:sym typeface="Wingdings" panose="05000000000000000000" pitchFamily="2" charset="2"/>
+              </a:rPr>
+              <a:t>Cloud-Anbieter (AWS, Azure, Google, …)</a:t>
+            </a:r>
+          </a:p>
+          <a:p>
+            <a:pPr lvl="2">
+              <a:buFont typeface="Arial" panose="020B0604020202020204" pitchFamily="34" charset="0"/>
+              <a:buChar char="•"/>
+            </a:pPr>
+            <a:r>
+              <a:rPr lang="de-DE" sz="2000" dirty="0" err="1">
+                <a:sym typeface="Wingdings" panose="05000000000000000000" pitchFamily="2" charset="2"/>
+              </a:rPr>
+              <a:t>HashiCorp</a:t>
+            </a:r>
+            <a:r>
+              <a:rPr lang="de-DE" sz="2000" dirty="0">
+                <a:sym typeface="Wingdings" panose="05000000000000000000" pitchFamily="2" charset="2"/>
+              </a:rPr>
+              <a:t> </a:t>
+            </a:r>
+            <a:r>
+              <a:rPr lang="de-DE" sz="2000" dirty="0" err="1">
+                <a:sym typeface="Wingdings" panose="05000000000000000000" pitchFamily="2" charset="2"/>
+              </a:rPr>
+              <a:t>Vault</a:t>
+            </a:r>
+            <a:endParaRPr lang="de-DE" sz="2000" dirty="0">
+              <a:sym typeface="Wingdings" panose="05000000000000000000" pitchFamily="2" charset="2"/>
+            </a:endParaRPr>
+          </a:p>
+          <a:p>
+            <a:pPr lvl="1">
+              <a:buFont typeface="Arial" panose="020B0604020202020204" pitchFamily="34" charset="0"/>
+              <a:buChar char="•"/>
+            </a:pPr>
+            <a:r>
+              <a:rPr lang="de-DE" dirty="0" err="1">
+                <a:sym typeface="Wingdings" panose="05000000000000000000" pitchFamily="2" charset="2"/>
+              </a:rPr>
+              <a:t>Kubernetes</a:t>
+            </a:r>
+            <a:r>
+              <a:rPr lang="de-DE" dirty="0">
+                <a:sym typeface="Wingdings" panose="05000000000000000000" pitchFamily="2" charset="2"/>
+              </a:rPr>
+              <a:t> Integration</a:t>
+            </a:r>
+          </a:p>
+          <a:p>
+            <a:pPr lvl="2">
+              <a:buFont typeface="Arial" panose="020B0604020202020204" pitchFamily="34" charset="0"/>
+              <a:buChar char="•"/>
+            </a:pPr>
+            <a:r>
+              <a:rPr lang="de-DE" sz="2000" dirty="0">
+                <a:sym typeface="Wingdings" panose="05000000000000000000" pitchFamily="2" charset="2"/>
+              </a:rPr>
+              <a:t>Operator, Container Storage Interface (CSI) Driver, Sidecar (</a:t>
+            </a:r>
+            <a:r>
+              <a:rPr lang="de-DE" sz="2000" dirty="0" err="1">
+                <a:sym typeface="Wingdings" panose="05000000000000000000" pitchFamily="2" charset="2"/>
+              </a:rPr>
+              <a:t>Injector</a:t>
+            </a:r>
+            <a:r>
+              <a:rPr lang="de-DE" sz="2000" dirty="0">
+                <a:sym typeface="Wingdings" panose="05000000000000000000" pitchFamily="2" charset="2"/>
+              </a:rPr>
+              <a:t>), Helm/</a:t>
+            </a:r>
+            <a:r>
+              <a:rPr lang="de-DE" sz="2000" dirty="0" err="1">
+                <a:sym typeface="Wingdings" panose="05000000000000000000" pitchFamily="2" charset="2"/>
+              </a:rPr>
+              <a:t>Kustomize</a:t>
+            </a:r>
+            <a:r>
+              <a:rPr lang="de-DE" sz="2000" dirty="0">
+                <a:sym typeface="Wingdings" panose="05000000000000000000" pitchFamily="2" charset="2"/>
+              </a:rPr>
+              <a:t> Plugin</a:t>
+            </a:r>
+          </a:p>
+          <a:p>
+            <a:pPr lvl="2">
+              <a:buFont typeface="Arial" panose="020B0604020202020204" pitchFamily="34" charset="0"/>
+              <a:buChar char="•"/>
+            </a:pPr>
+            <a:r>
+              <a:rPr lang="de-DE" sz="2000" dirty="0" err="1">
+                <a:sym typeface="Wingdings" panose="05000000000000000000" pitchFamily="2" charset="2"/>
+              </a:rPr>
+              <a:t>GitOps</a:t>
+            </a:r>
+            <a:r>
+              <a:rPr lang="de-DE" sz="2000" dirty="0">
+                <a:sym typeface="Wingdings" panose="05000000000000000000" pitchFamily="2" charset="2"/>
+              </a:rPr>
+              <a:t> Operator: nativer Support oder Plugin</a:t>
+            </a:r>
+          </a:p>
+          <a:p>
+            <a:pPr lvl="1">
+              <a:buFont typeface="Arial" panose="020B0604020202020204" pitchFamily="34" charset="0"/>
+              <a:buChar char="•"/>
+            </a:pPr>
+            <a:endParaRPr lang="de-DE" dirty="0">
+              <a:sym typeface="Wingdings" panose="05000000000000000000" pitchFamily="2" charset="2"/>
+            </a:endParaRPr>
+          </a:p>
+        </p:txBody>
+      </p:sp>
+    </p:spTree>
+    <p:extLst>
+      <p:ext uri="{BB962C8B-B14F-4D97-AF65-F5344CB8AC3E}">
+        <p14:creationId xmlns:p14="http://schemas.microsoft.com/office/powerpoint/2010/main" val="3284561798"/>
+      </p:ext>
+    </p:extLst>
+  </p:cSld>
+  <p:clrMapOvr>
+    <a:masterClrMapping/>
+  </p:clrMapOvr>
+</p:sld>
+</file>
+
+<file path=ppt/slides/slide25.xml><?xml version="1.0" encoding="utf-8"?>
+<p:sld xmlns:a="http://schemas.openxmlformats.org/drawingml/2006/main" xmlns:r="http://schemas.openxmlformats.org/officeDocument/2006/relationships" xmlns:p="http://schemas.openxmlformats.org/presentationml/2006/main">
+  <p:cSld>
+    <p:spTree>
+      <p:nvGrpSpPr>
+        <p:cNvPr id="1" name=""/>
+        <p:cNvGrpSpPr/>
+        <p:nvPr/>
+      </p:nvGrpSpPr>
+      <p:grpSpPr>
+        <a:xfrm>
+          <a:off x="0" y="0"/>
+          <a:ext cx="0" cy="0"/>
+          <a:chOff x="0" y="0"/>
+          <a:chExt cx="0" cy="0"/>
+        </a:xfrm>
+      </p:grpSpPr>
+      <p:sp>
+        <p:nvSpPr>
+          <p:cNvPr id="2" name="Titel 1">
+            <a:extLst>
+              <a:ext uri="{FF2B5EF4-FFF2-40B4-BE49-F238E27FC236}">
+                <a16:creationId xmlns:a16="http://schemas.microsoft.com/office/drawing/2014/main" id="{2EA1C9C2-ED2C-62DC-7793-31665F24E533}"/>
+              </a:ext>
+            </a:extLst>
+          </p:cNvPr>
+          <p:cNvSpPr>
+            <a:spLocks noGrp="1"/>
+          </p:cNvSpPr>
+          <p:nvPr>
+            <p:ph type="title"/>
+          </p:nvPr>
+        </p:nvSpPr>
+        <p:spPr/>
+        <p:txBody>
+          <a:bodyPr/>
+          <a:lstStyle/>
+          <a:p>
+            <a:r>
+              <a:rPr lang="de-DE" dirty="0" err="1"/>
+              <a:t>GitOps</a:t>
+            </a:r>
+            <a:endParaRPr lang="de-DE" dirty="0"/>
+          </a:p>
+        </p:txBody>
+      </p:sp>
+      <p:sp>
+        <p:nvSpPr>
+          <p:cNvPr id="3" name="Inhaltsplatzhalter 2">
+            <a:extLst>
+              <a:ext uri="{FF2B5EF4-FFF2-40B4-BE49-F238E27FC236}">
+                <a16:creationId xmlns:a16="http://schemas.microsoft.com/office/drawing/2014/main" id="{6CB23FE7-6FB4-E1AA-AE31-C3989D90FF6B}"/>
+              </a:ext>
+            </a:extLst>
+          </p:cNvPr>
+          <p:cNvSpPr>
+            <a:spLocks noGrp="1"/>
+          </p:cNvSpPr>
+          <p:nvPr>
+            <p:ph idx="1"/>
+          </p:nvPr>
+        </p:nvSpPr>
+        <p:spPr/>
+        <p:txBody>
+          <a:bodyPr/>
+          <a:lstStyle/>
+          <a:p>
+            <a:pPr marL="0" indent="0">
+              <a:buNone/>
+            </a:pPr>
+            <a:r>
+              <a:rPr lang="de-DE" b="1" dirty="0"/>
+              <a:t>Erweiterte Einsatzbereiche</a:t>
             </a:r>
           </a:p>
           <a:p>
@@ -14407,7 +14552,7 @@
 </p:sld>
 </file>
 
-<file path=ppt/slides/slide25.xml><?xml version="1.0" encoding="utf-8"?>
+<file path=ppt/slides/slide26.xml><?xml version="1.0" encoding="utf-8"?>
 <p:sld xmlns:a="http://schemas.openxmlformats.org/drawingml/2006/main" xmlns:r="http://schemas.openxmlformats.org/officeDocument/2006/relationships" xmlns:p="http://schemas.openxmlformats.org/presentationml/2006/main">
   <p:cSld>
     <p:spTree>
@@ -16911,165 +17056,6 @@
 </p:sld>
 </file>
 
-<file path=ppt/slides/slide26.xml><?xml version="1.0" encoding="utf-8"?>
-<p:sld xmlns:a="http://schemas.openxmlformats.org/drawingml/2006/main" xmlns:r="http://schemas.openxmlformats.org/officeDocument/2006/relationships" xmlns:p="http://schemas.openxmlformats.org/presentationml/2006/main">
-  <p:cSld>
-    <p:spTree>
-      <p:nvGrpSpPr>
-        <p:cNvPr id="1" name=""/>
-        <p:cNvGrpSpPr/>
-        <p:nvPr/>
-      </p:nvGrpSpPr>
-      <p:grpSpPr>
-        <a:xfrm>
-          <a:off x="0" y="0"/>
-          <a:ext cx="0" cy="0"/>
-          <a:chOff x="0" y="0"/>
-          <a:chExt cx="0" cy="0"/>
-        </a:xfrm>
-      </p:grpSpPr>
-      <p:sp>
-        <p:nvSpPr>
-          <p:cNvPr id="2" name="Titel 1">
-            <a:extLst>
-              <a:ext uri="{FF2B5EF4-FFF2-40B4-BE49-F238E27FC236}">
-                <a16:creationId xmlns:a16="http://schemas.microsoft.com/office/drawing/2014/main" id="{6852D978-9DF5-1E6A-F50B-0CA32EA8DAC7}"/>
-              </a:ext>
-            </a:extLst>
-          </p:cNvPr>
-          <p:cNvSpPr>
-            <a:spLocks noGrp="1"/>
-          </p:cNvSpPr>
-          <p:nvPr>
-            <p:ph type="title"/>
-          </p:nvPr>
-        </p:nvSpPr>
-        <p:spPr/>
-        <p:txBody>
-          <a:bodyPr/>
-          <a:lstStyle/>
-          <a:p>
-            <a:r>
-              <a:rPr lang="de-DE" dirty="0" err="1"/>
-              <a:t>GitOps</a:t>
-            </a:r>
-            <a:endParaRPr lang="de-DE" dirty="0"/>
-          </a:p>
-        </p:txBody>
-      </p:sp>
-      <p:sp>
-        <p:nvSpPr>
-          <p:cNvPr id="3" name="Inhaltsplatzhalter 2">
-            <a:extLst>
-              <a:ext uri="{FF2B5EF4-FFF2-40B4-BE49-F238E27FC236}">
-                <a16:creationId xmlns:a16="http://schemas.microsoft.com/office/drawing/2014/main" id="{81753C8B-5EF0-E49E-1FFB-0330FD2A3542}"/>
-              </a:ext>
-            </a:extLst>
-          </p:cNvPr>
-          <p:cNvSpPr>
-            <a:spLocks noGrp="1"/>
-          </p:cNvSpPr>
-          <p:nvPr>
-            <p:ph idx="1"/>
-          </p:nvPr>
-        </p:nvSpPr>
-        <p:spPr/>
-        <p:txBody>
-          <a:bodyPr/>
-          <a:lstStyle/>
-          <a:p>
-            <a:pPr marL="0" indent="0">
-              <a:buNone/>
-            </a:pPr>
-            <a:r>
-              <a:rPr lang="de-DE" b="1" dirty="0"/>
-              <a:t>Best Practices</a:t>
-            </a:r>
-          </a:p>
-          <a:p>
-            <a:pPr marL="0" indent="0">
-              <a:buNone/>
-            </a:pPr>
-            <a:endParaRPr lang="de-DE" b="1" dirty="0"/>
-          </a:p>
-          <a:p>
-            <a:pPr>
-              <a:buFont typeface="Arial" panose="020B0604020202020204" pitchFamily="34" charset="0"/>
-              <a:buChar char="•"/>
-            </a:pPr>
-            <a:r>
-              <a:rPr lang="de-DE" dirty="0"/>
-              <a:t>Lokale Entwicklung</a:t>
-            </a:r>
-          </a:p>
-          <a:p>
-            <a:pPr>
-              <a:buFont typeface="Arial" panose="020B0604020202020204" pitchFamily="34" charset="0"/>
-              <a:buChar char="•"/>
-            </a:pPr>
-            <a:r>
-              <a:rPr lang="de-DE" dirty="0" err="1"/>
-              <a:t>Staging</a:t>
-            </a:r>
-            <a:endParaRPr lang="de-DE" dirty="0"/>
-          </a:p>
-          <a:p>
-            <a:pPr>
-              <a:buFont typeface="Arial" panose="020B0604020202020204" pitchFamily="34" charset="0"/>
-              <a:buChar char="•"/>
-            </a:pPr>
-            <a:r>
-              <a:rPr lang="de-DE" dirty="0"/>
-              <a:t>Übliche Rolle des CI Servers</a:t>
-            </a:r>
-          </a:p>
-          <a:p>
-            <a:pPr>
-              <a:buFont typeface="Arial" panose="020B0604020202020204" pitchFamily="34" charset="0"/>
-              <a:buChar char="•"/>
-            </a:pPr>
-            <a:r>
-              <a:rPr lang="de-DE" dirty="0"/>
-              <a:t>Anzahl der </a:t>
-            </a:r>
-            <a:r>
-              <a:rPr lang="de-DE" dirty="0" err="1"/>
-              <a:t>Repositories</a:t>
-            </a:r>
-            <a:endParaRPr lang="de-DE" dirty="0"/>
-          </a:p>
-          <a:p>
-            <a:pPr>
-              <a:buFont typeface="Arial" panose="020B0604020202020204" pitchFamily="34" charset="0"/>
-              <a:buChar char="•"/>
-            </a:pPr>
-            <a:r>
-              <a:rPr lang="de-DE" dirty="0"/>
-              <a:t>Erweiterte Rolle des CI Servers</a:t>
-            </a:r>
-          </a:p>
-          <a:p>
-            <a:pPr>
-              <a:buFont typeface="Arial" panose="020B0604020202020204" pitchFamily="34" charset="0"/>
-              <a:buChar char="•"/>
-            </a:pPr>
-            <a:endParaRPr lang="de-DE" dirty="0"/>
-          </a:p>
-        </p:txBody>
-      </p:sp>
-    </p:spTree>
-    <p:extLst>
-      <p:ext uri="{BB962C8B-B14F-4D97-AF65-F5344CB8AC3E}">
-        <p14:creationId xmlns:p14="http://schemas.microsoft.com/office/powerpoint/2010/main" val="3958068818"/>
-      </p:ext>
-    </p:extLst>
-  </p:cSld>
-  <p:clrMapOvr>
-    <a:masterClrMapping/>
-  </p:clrMapOvr>
-</p:sld>
-</file>
-
 <file path=ppt/slides/slide27.xml><?xml version="1.0" encoding="utf-8"?>
 <p:sld xmlns:a="http://schemas.openxmlformats.org/drawingml/2006/main" xmlns:r="http://schemas.openxmlformats.org/officeDocument/2006/relationships" xmlns:p="http://schemas.openxmlformats.org/presentationml/2006/main">
   <p:cSld>
@@ -17092,7 +17078,7 @@
           <p:cNvPr id="2" name="Titel 1">
             <a:extLst>
               <a:ext uri="{FF2B5EF4-FFF2-40B4-BE49-F238E27FC236}">
-                <a16:creationId xmlns:a16="http://schemas.microsoft.com/office/drawing/2014/main" id="{89F2DB06-FD1C-8B3B-4A80-635F44B19467}"/>
+                <a16:creationId xmlns:a16="http://schemas.microsoft.com/office/drawing/2014/main" id="{6852D978-9DF5-1E6A-F50B-0CA32EA8DAC7}"/>
               </a:ext>
             </a:extLst>
           </p:cNvPr>
@@ -17121,7 +17107,7 @@
           <p:cNvPr id="3" name="Inhaltsplatzhalter 2">
             <a:extLst>
               <a:ext uri="{FF2B5EF4-FFF2-40B4-BE49-F238E27FC236}">
-                <a16:creationId xmlns:a16="http://schemas.microsoft.com/office/drawing/2014/main" id="{FFA1CEB8-EEC1-4213-DD7D-A07756F64CBC}"/>
+                <a16:creationId xmlns:a16="http://schemas.microsoft.com/office/drawing/2014/main" id="{81753C8B-5EF0-E49E-1FFB-0330FD2A3542}"/>
               </a:ext>
             </a:extLst>
           </p:cNvPr>
@@ -17142,111 +17128,69 @@
             </a:pPr>
             <a:r>
               <a:rPr lang="de-DE" b="1" dirty="0"/>
-              <a:t>Lokale Entwicklung</a:t>
+              <a:t>Best Practices</a:t>
             </a:r>
           </a:p>
           <a:p>
             <a:pPr marL="0" indent="0">
               <a:buNone/>
             </a:pPr>
-            <a:endParaRPr lang="de-DE" dirty="0"/>
-          </a:p>
-          <a:p>
-            <a:pPr marL="0" indent="0">
-              <a:buNone/>
-            </a:pPr>
-            <a:r>
-              <a:rPr lang="de-DE" dirty="0"/>
-              <a:t>Verschiedene Möglichkeiten</a:t>
-            </a:r>
-          </a:p>
-          <a:p>
-            <a:pPr marL="457200" indent="-457200">
-              <a:buFont typeface="+mj-lt"/>
-              <a:buAutoNum type="arabicPeriod"/>
-            </a:pPr>
-            <a:r>
-              <a:rPr lang="de-DE" dirty="0" err="1"/>
-              <a:t>GitOps</a:t>
-            </a:r>
-            <a:r>
-              <a:rPr lang="de-DE" dirty="0"/>
-              <a:t> Operator und </a:t>
-            </a:r>
-            <a:r>
-              <a:rPr lang="de-DE" dirty="0" err="1"/>
-              <a:t>Git</a:t>
-            </a:r>
-            <a:r>
-              <a:rPr lang="de-DE" dirty="0"/>
-              <a:t> Server lokal deployen</a:t>
-            </a:r>
-          </a:p>
-          <a:p>
-            <a:pPr marL="857250" lvl="1" indent="-457200">
+            <a:endParaRPr lang="de-DE" b="1" dirty="0"/>
+          </a:p>
+          <a:p>
+            <a:pPr>
               <a:buFont typeface="Arial" panose="020B0604020202020204" pitchFamily="34" charset="0"/>
               <a:buChar char="•"/>
             </a:pPr>
             <a:r>
               <a:rPr lang="de-DE" dirty="0"/>
-              <a:t>Möglicherweise komplex</a:t>
-            </a:r>
-          </a:p>
-          <a:p>
-            <a:pPr marL="457200" indent="-457200">
-              <a:buFont typeface="+mj-lt"/>
-              <a:buAutoNum type="arabicPeriod"/>
-            </a:pPr>
-            <a:endParaRPr lang="de-DE" dirty="0"/>
-          </a:p>
-          <a:p>
-            <a:pPr marL="457200" indent="-457200">
-              <a:buFont typeface="+mj-lt"/>
-              <a:buAutoNum type="arabicPeriod"/>
-            </a:pPr>
-            <a:r>
-              <a:rPr lang="de-DE" dirty="0"/>
-              <a:t>Ohne </a:t>
-            </a:r>
-            <a:r>
-              <a:rPr lang="de-DE" dirty="0" err="1"/>
-              <a:t>GitOps</a:t>
-            </a:r>
-            <a:r>
-              <a:rPr lang="de-DE" dirty="0"/>
-              <a:t> Operator entwickeln</a:t>
-            </a:r>
-          </a:p>
-          <a:p>
-            <a:pPr marL="857250" lvl="1" indent="-457200">
+              <a:t>Lokale Entwicklung</a:t>
+            </a:r>
+          </a:p>
+          <a:p>
+            <a:pPr>
               <a:buFont typeface="Arial" panose="020B0604020202020204" pitchFamily="34" charset="0"/>
               <a:buChar char="•"/>
             </a:pPr>
             <a:r>
-              <a:rPr lang="de-DE" dirty="0"/>
-              <a:t>Möglich bei App und </a:t>
-            </a:r>
-            <a:r>
               <a:rPr lang="de-DE" dirty="0" err="1"/>
-              <a:t>Infra</a:t>
-            </a:r>
-            <a:r>
-              <a:rPr lang="de-DE" dirty="0"/>
-              <a:t> Code im gleichen Repo</a:t>
-            </a:r>
-          </a:p>
-          <a:p>
-            <a:pPr marL="857250" lvl="1" indent="-457200">
+              <a:t>Staging</a:t>
+            </a:r>
+            <a:endParaRPr lang="de-DE" dirty="0"/>
+          </a:p>
+          <a:p>
+            <a:pPr>
               <a:buFont typeface="Arial" panose="020B0604020202020204" pitchFamily="34" charset="0"/>
               <a:buChar char="•"/>
             </a:pPr>
             <a:r>
+              <a:rPr lang="de-DE" dirty="0"/>
+              <a:t>Übliche Rolle des CI Servers</a:t>
+            </a:r>
+          </a:p>
+          <a:p>
+            <a:pPr>
+              <a:buFont typeface="Arial" panose="020B0604020202020204" pitchFamily="34" charset="0"/>
+              <a:buChar char="•"/>
+            </a:pPr>
+            <a:r>
+              <a:rPr lang="de-DE" dirty="0"/>
+              <a:t>Anzahl der </a:t>
+            </a:r>
+            <a:r>
               <a:rPr lang="de-DE" dirty="0" err="1"/>
-              <a:t>Linting</a:t>
-            </a:r>
+              <a:t>Repositories</a:t>
+            </a:r>
+            <a:endParaRPr lang="de-DE" dirty="0"/>
+          </a:p>
+          <a:p>
+            <a:pPr>
+              <a:buFont typeface="Arial" panose="020B0604020202020204" pitchFamily="34" charset="0"/>
+              <a:buChar char="•"/>
+            </a:pPr>
             <a:r>
               <a:rPr lang="de-DE" dirty="0"/>
-              <a:t> der Konfiguration offline</a:t>
+              <a:t>Erweiterte Rolle des CI Servers</a:t>
             </a:r>
           </a:p>
           <a:p>
@@ -17261,7 +17205,7 @@
     </p:spTree>
     <p:extLst>
       <p:ext uri="{BB962C8B-B14F-4D97-AF65-F5344CB8AC3E}">
-        <p14:creationId xmlns:p14="http://schemas.microsoft.com/office/powerpoint/2010/main" val="3109838729"/>
+        <p14:creationId xmlns:p14="http://schemas.microsoft.com/office/powerpoint/2010/main" val="3958068818"/>
       </p:ext>
     </p:extLst>
   </p:cSld>
@@ -17342,121 +17286,99 @@
               <a:buNone/>
             </a:pPr>
             <a:r>
-              <a:rPr lang="de-DE" b="1" dirty="0" err="1"/>
-              <a:t>Staging</a:t>
-            </a:r>
-            <a:r>
               <a:rPr lang="de-DE" b="1" dirty="0"/>
-              <a:t> </a:t>
-            </a:r>
-            <a:r>
-              <a:rPr lang="de-DE" b="1" dirty="0" err="1"/>
-              <a:t>Branches</a:t>
-            </a:r>
-            <a:r>
-              <a:rPr lang="de-DE" b="1" dirty="0"/>
-              <a:t>?</a:t>
+              <a:t>Lokale Entwicklung</a:t>
             </a:r>
           </a:p>
           <a:p>
             <a:pPr marL="0" indent="0">
               <a:buNone/>
             </a:pPr>
-            <a:endParaRPr lang="de-DE" b="1" dirty="0"/>
-          </a:p>
-          <a:p>
-            <a:pPr>
+            <a:endParaRPr lang="de-DE" dirty="0"/>
+          </a:p>
+          <a:p>
+            <a:pPr marL="457200" indent="-457200">
+              <a:buFont typeface="+mj-lt"/>
+              <a:buAutoNum type="alphaLcParenR"/>
+            </a:pPr>
+            <a:r>
+              <a:rPr lang="de-DE" dirty="0" err="1"/>
+              <a:t>GitOps</a:t>
+            </a:r>
+            <a:r>
+              <a:rPr lang="de-DE" dirty="0"/>
+              <a:t> Operator und </a:t>
+            </a:r>
+            <a:r>
+              <a:rPr lang="de-DE" dirty="0" err="1"/>
+              <a:t>Git</a:t>
+            </a:r>
+            <a:r>
+              <a:rPr lang="de-DE" dirty="0"/>
+              <a:t> Server lokal deployen</a:t>
+            </a:r>
+          </a:p>
+          <a:p>
+            <a:pPr marL="857250" lvl="1" indent="-457200">
               <a:buFont typeface="Arial" panose="020B0604020202020204" pitchFamily="34" charset="0"/>
               <a:buChar char="•"/>
             </a:pPr>
             <a:r>
+              <a:rPr lang="de-DE" dirty="0"/>
+              <a:t>Möglicherweise komplex</a:t>
+            </a:r>
+          </a:p>
+          <a:p>
+            <a:pPr marL="457200" indent="-457200">
+              <a:buFont typeface="+mj-lt"/>
+              <a:buAutoNum type="alphaLcParenR"/>
+            </a:pPr>
+            <a:endParaRPr lang="de-DE" dirty="0"/>
+          </a:p>
+          <a:p>
+            <a:pPr marL="457200" indent="-457200">
+              <a:buFont typeface="+mj-lt"/>
+              <a:buAutoNum type="alphaLcParenR"/>
+            </a:pPr>
+            <a:r>
+              <a:rPr lang="de-DE" dirty="0"/>
+              <a:t>Ohne </a:t>
+            </a:r>
+            <a:r>
               <a:rPr lang="de-DE" dirty="0" err="1"/>
-              <a:t>Dev</a:t>
+              <a:t>GitOps</a:t>
             </a:r>
             <a:r>
               <a:rPr lang="de-DE" dirty="0"/>
-              <a:t>-Branch nach </a:t>
-            </a:r>
-            <a:r>
-              <a:rPr lang="de-DE" dirty="0" err="1"/>
-              <a:t>Staging</a:t>
-            </a:r>
-            <a:r>
-              <a:rPr lang="de-DE" dirty="0"/>
-              <a:t>-Branch</a:t>
-            </a:r>
-          </a:p>
-          <a:p>
-            <a:pPr lvl="1">
+              <a:t> Operator entwickeln</a:t>
+            </a:r>
+          </a:p>
+          <a:p>
+            <a:pPr marL="857250" lvl="1" indent="-457200">
               <a:buFont typeface="Arial" panose="020B0604020202020204" pitchFamily="34" charset="0"/>
               <a:buChar char="•"/>
             </a:pPr>
             <a:r>
               <a:rPr lang="de-DE" dirty="0"/>
-              <a:t>… Main-Branch in Produktion</a:t>
-            </a:r>
-          </a:p>
-          <a:p>
-            <a:pPr>
+              <a:t>Möglich bei App und </a:t>
+            </a:r>
+            <a:r>
+              <a:rPr lang="de-DE" dirty="0" err="1"/>
+              <a:t>Infra</a:t>
+            </a:r>
+            <a:r>
+              <a:rPr lang="de-DE" dirty="0"/>
+              <a:t> Code im gleichen Repo</a:t>
+            </a:r>
+          </a:p>
+          <a:p>
+            <a:pPr marL="857250" lvl="1" indent="-457200">
               <a:buFont typeface="Arial" panose="020B0604020202020204" pitchFamily="34" charset="0"/>
               <a:buChar char="•"/>
             </a:pPr>
-            <a:endParaRPr lang="de-DE" dirty="0"/>
-          </a:p>
-          <a:p>
-            <a:pPr>
-              <a:buFont typeface="Arial" panose="020B0604020202020204" pitchFamily="34" charset="0"/>
-              <a:buChar char="•"/>
-            </a:pPr>
-            <a:r>
-              <a:rPr lang="de-DE" dirty="0" err="1"/>
-              <a:t>Merging</a:t>
-            </a:r>
             <a:r>
               <a:rPr lang="de-DE" dirty="0"/>
-              <a:t> schnell kompliziert </a:t>
-            </a:r>
-            <a:r>
-              <a:rPr lang="de-DE" dirty="0">
-                <a:sym typeface="Wingdings" panose="05000000000000000000" pitchFamily="2" charset="2"/>
-              </a:rPr>
-              <a:t></a:t>
-            </a:r>
-          </a:p>
-          <a:p>
-            <a:pPr lvl="1">
-              <a:buFont typeface="Arial" panose="020B0604020202020204" pitchFamily="34" charset="0"/>
-              <a:buChar char="•"/>
-            </a:pPr>
-            <a:r>
-              <a:rPr lang="de-DE" dirty="0">
-                <a:sym typeface="Wingdings" panose="05000000000000000000" pitchFamily="2" charset="2"/>
-              </a:rPr>
-              <a:t>…pro Stage komplexer </a:t>
-            </a:r>
-            <a:endParaRPr lang="de-DE" dirty="0"/>
-          </a:p>
-          <a:p>
-            <a:pPr>
-              <a:buFont typeface="Arial" panose="020B0604020202020204" pitchFamily="34" charset="0"/>
-              <a:buChar char="•"/>
-            </a:pPr>
-            <a:endParaRPr lang="de-DE" dirty="0"/>
-          </a:p>
-          <a:p>
-            <a:pPr>
-              <a:buFont typeface="Arial" panose="020B0604020202020204" pitchFamily="34" charset="0"/>
-              <a:buChar char="•"/>
-            </a:pPr>
-            <a:r>
-              <a:rPr lang="de-DE" dirty="0">
-                <a:sym typeface="Wingdings" panose="05000000000000000000" pitchFamily="2" charset="2"/>
-              </a:rPr>
-              <a:t> </a:t>
-            </a:r>
-            <a:r>
-              <a:rPr lang="de-DE" dirty="0"/>
-              <a:t>Generell abzuraten!</a:t>
+              <a:t>Validierung der Konfiguration offline</a:t>
             </a:r>
           </a:p>
           <a:p>
@@ -17471,7 +17393,7 @@
     </p:spTree>
     <p:extLst>
       <p:ext uri="{BB962C8B-B14F-4D97-AF65-F5344CB8AC3E}">
-        <p14:creationId xmlns:p14="http://schemas.microsoft.com/office/powerpoint/2010/main" val="3227837159"/>
+        <p14:creationId xmlns:p14="http://schemas.microsoft.com/office/powerpoint/2010/main" val="3109838729"/>
       </p:ext>
     </p:extLst>
   </p:cSld>
@@ -17557,8 +17479,22 @@
             </a:r>
             <a:r>
               <a:rPr lang="de-DE" b="1" dirty="0"/>
-              <a:t> Folders!</a:t>
-            </a:r>
+              <a:t> </a:t>
+            </a:r>
+            <a:r>
+              <a:rPr lang="de-DE" b="1" dirty="0" err="1"/>
+              <a:t>Branches</a:t>
+            </a:r>
+            <a:r>
+              <a:rPr lang="de-DE" b="1" dirty="0"/>
+              <a:t>?</a:t>
+            </a:r>
+          </a:p>
+          <a:p>
+            <a:pPr marL="0" indent="0">
+              <a:buNone/>
+            </a:pPr>
+            <a:endParaRPr lang="de-DE" b="1" dirty="0"/>
           </a:p>
           <a:p>
             <a:pPr>
@@ -17566,8 +17502,30 @@
               <a:buChar char="•"/>
             </a:pPr>
             <a:r>
-              <a:rPr lang="de-DE" sz="2200" dirty="0"/>
-              <a:t>Ein Ordner pro Stage!</a:t>
+              <a:rPr lang="de-DE" dirty="0" err="1"/>
+              <a:t>dev</a:t>
+            </a:r>
+            <a:r>
+              <a:rPr lang="de-DE" dirty="0"/>
+              <a:t>-Branch nach </a:t>
+            </a:r>
+            <a:r>
+              <a:rPr lang="de-DE" dirty="0" err="1"/>
+              <a:t>Staging</a:t>
+            </a:r>
+            <a:r>
+              <a:rPr lang="de-DE" dirty="0"/>
+              <a:t>-Branch</a:t>
+            </a:r>
+          </a:p>
+          <a:p>
+            <a:pPr lvl="1">
+              <a:buFont typeface="Arial" panose="020B0604020202020204" pitchFamily="34" charset="0"/>
+              <a:buChar char="•"/>
+            </a:pPr>
+            <a:r>
+              <a:rPr lang="de-DE" dirty="0"/>
+              <a:t>… main-Branch in Produktion</a:t>
             </a:r>
           </a:p>
           <a:p>
@@ -17575,203 +17533,77 @@
               <a:buFont typeface="Arial" panose="020B0604020202020204" pitchFamily="34" charset="0"/>
               <a:buChar char="•"/>
             </a:pPr>
-            <a:endParaRPr lang="de-DE" sz="2000" dirty="0"/>
+            <a:endParaRPr lang="de-DE" dirty="0"/>
           </a:p>
           <a:p>
             <a:pPr>
               <a:buFont typeface="Arial" panose="020B0604020202020204" pitchFamily="34" charset="0"/>
               <a:buChar char="•"/>
             </a:pPr>
-            <a:endParaRPr lang="de-DE" sz="2000" dirty="0"/>
+            <a:r>
+              <a:rPr lang="de-DE" dirty="0" err="1"/>
+              <a:t>Merging</a:t>
+            </a:r>
+            <a:r>
+              <a:rPr lang="de-DE" dirty="0"/>
+              <a:t> schnell kompliziert </a:t>
+            </a:r>
+            <a:r>
+              <a:rPr lang="de-DE" dirty="0">
+                <a:sym typeface="Wingdings" panose="05000000000000000000" pitchFamily="2" charset="2"/>
+              </a:rPr>
+              <a:t></a:t>
+            </a:r>
+          </a:p>
+          <a:p>
+            <a:pPr lvl="1">
+              <a:buFont typeface="Arial" panose="020B0604020202020204" pitchFamily="34" charset="0"/>
+              <a:buChar char="•"/>
+            </a:pPr>
+            <a:r>
+              <a:rPr lang="de-DE" dirty="0">
+                <a:sym typeface="Wingdings" panose="05000000000000000000" pitchFamily="2" charset="2"/>
+              </a:rPr>
+              <a:t>…pro Stage komplexer </a:t>
+            </a:r>
+            <a:endParaRPr lang="de-DE" dirty="0"/>
           </a:p>
           <a:p>
             <a:pPr>
               <a:buFont typeface="Arial" panose="020B0604020202020204" pitchFamily="34" charset="0"/>
               <a:buChar char="•"/>
             </a:pPr>
-            <a:endParaRPr lang="de-DE" sz="2000" dirty="0"/>
+            <a:endParaRPr lang="de-DE" dirty="0"/>
           </a:p>
           <a:p>
             <a:pPr>
               <a:buFont typeface="Arial" panose="020B0604020202020204" pitchFamily="34" charset="0"/>
               <a:buChar char="•"/>
             </a:pPr>
-            <a:endParaRPr lang="de-DE" sz="2000" dirty="0"/>
+            <a:r>
+              <a:rPr lang="de-DE" dirty="0">
+                <a:sym typeface="Wingdings" panose="05000000000000000000" pitchFamily="2" charset="2"/>
+              </a:rPr>
+              <a:t> </a:t>
+            </a:r>
+            <a:r>
+              <a:rPr lang="de-DE" dirty="0"/>
+              <a:t>Generell abzuraten!</a:t>
+            </a:r>
           </a:p>
           <a:p>
             <a:pPr>
               <a:buFont typeface="Arial" panose="020B0604020202020204" pitchFamily="34" charset="0"/>
               <a:buChar char="•"/>
             </a:pPr>
-            <a:endParaRPr lang="de-DE" sz="2000" dirty="0"/>
-          </a:p>
-          <a:p>
-            <a:pPr>
-              <a:buFont typeface="Arial" panose="020B0604020202020204" pitchFamily="34" charset="0"/>
-              <a:buChar char="•"/>
-            </a:pPr>
-            <a:r>
-              <a:rPr lang="de-DE" sz="2000" dirty="0"/>
-              <a:t>Vorgehen:</a:t>
-            </a:r>
-          </a:p>
-          <a:p>
-            <a:pPr lvl="1">
-              <a:buFont typeface="Arial" panose="020B0604020202020204" pitchFamily="34" charset="0"/>
-              <a:buChar char="•"/>
-            </a:pPr>
-            <a:r>
-              <a:rPr lang="de-DE" dirty="0" err="1"/>
-              <a:t>Commits</a:t>
-            </a:r>
-            <a:r>
-              <a:rPr lang="de-DE" dirty="0"/>
-              <a:t> nur im jeweiligen </a:t>
-            </a:r>
-            <a:r>
-              <a:rPr lang="de-DE" dirty="0" err="1"/>
-              <a:t>Staging</a:t>
-            </a:r>
-            <a:r>
-              <a:rPr lang="de-DE" dirty="0"/>
-              <a:t>-Ordner</a:t>
-            </a:r>
-          </a:p>
-          <a:p>
-            <a:pPr lvl="1">
-              <a:buFont typeface="Arial" panose="020B0604020202020204" pitchFamily="34" charset="0"/>
-              <a:buChar char="•"/>
-            </a:pPr>
-            <a:r>
-              <a:rPr lang="de-DE" dirty="0"/>
-              <a:t>Kurzlebige Pull </a:t>
-            </a:r>
-            <a:r>
-              <a:rPr lang="de-DE" dirty="0" err="1"/>
-              <a:t>Requests</a:t>
-            </a:r>
-            <a:r>
-              <a:rPr lang="de-DE" dirty="0"/>
-              <a:t>, um die Änderungen zu aktivieren</a:t>
-            </a:r>
-          </a:p>
-          <a:p>
-            <a:pPr>
-              <a:buFont typeface="Arial" panose="020B0604020202020204" pitchFamily="34" charset="0"/>
-              <a:buChar char="•"/>
-            </a:pPr>
-            <a:r>
-              <a:rPr lang="de-DE" sz="2200" dirty="0"/>
-              <a:t>Duplikate pro Stage </a:t>
-            </a:r>
-            <a:r>
-              <a:rPr lang="de-DE" sz="2200" dirty="0">
-                <a:sym typeface="Wingdings" panose="05000000000000000000" pitchFamily="2" charset="2"/>
-              </a:rPr>
-              <a:t> </a:t>
-            </a:r>
-          </a:p>
-          <a:p>
-            <a:pPr>
-              <a:buFont typeface="Arial" panose="020B0604020202020204" pitchFamily="34" charset="0"/>
-              <a:buChar char="•"/>
-            </a:pPr>
-            <a:r>
-              <a:rPr lang="de-DE" sz="2200" dirty="0" err="1">
-                <a:sym typeface="Wingdings" panose="05000000000000000000" pitchFamily="2" charset="2"/>
-              </a:rPr>
-              <a:t>Branching</a:t>
-            </a:r>
-            <a:r>
-              <a:rPr lang="de-DE" sz="2200" dirty="0">
-                <a:sym typeface="Wingdings" panose="05000000000000000000" pitchFamily="2" charset="2"/>
-              </a:rPr>
-              <a:t> ist einfacher </a:t>
-            </a:r>
-          </a:p>
-          <a:p>
-            <a:pPr>
-              <a:buFont typeface="Arial" panose="020B0604020202020204" pitchFamily="34" charset="0"/>
-              <a:buChar char="•"/>
-            </a:pPr>
-            <a:r>
-              <a:rPr lang="de-DE" sz="2200" dirty="0">
-                <a:sym typeface="Wingdings" panose="05000000000000000000" pitchFamily="2" charset="2"/>
-              </a:rPr>
-              <a:t>Unterstützt beliebige Anzahl von Stages </a:t>
-            </a:r>
-            <a:endParaRPr lang="de-DE" sz="2200" dirty="0"/>
-          </a:p>
-          <a:p>
-            <a:pPr>
-              <a:buFont typeface="Arial" panose="020B0604020202020204" pitchFamily="34" charset="0"/>
-              <a:buChar char="•"/>
-            </a:pPr>
-            <a:endParaRPr lang="de-DE" dirty="0"/>
-          </a:p>
-          <a:p>
-            <a:pPr>
-              <a:buFont typeface="Arial" panose="020B0604020202020204" pitchFamily="34" charset="0"/>
-              <a:buChar char="•"/>
-            </a:pPr>
-            <a:endParaRPr lang="de-DE" dirty="0"/>
-          </a:p>
-          <a:p>
-            <a:pPr>
-              <a:buFont typeface="Arial" panose="020B0604020202020204" pitchFamily="34" charset="0"/>
-              <a:buChar char="•"/>
-            </a:pPr>
-            <a:endParaRPr lang="de-DE" dirty="0"/>
-          </a:p>
-          <a:p>
-            <a:pPr>
-              <a:buFont typeface="Arial" panose="020B0604020202020204" pitchFamily="34" charset="0"/>
-              <a:buChar char="•"/>
-            </a:pPr>
             <a:endParaRPr lang="de-DE" dirty="0"/>
           </a:p>
         </p:txBody>
       </p:sp>
-      <p:pic>
-        <p:nvPicPr>
-          <p:cNvPr id="5" name="Grafik 4">
-            <a:extLst>
-              <a:ext uri="{FF2B5EF4-FFF2-40B4-BE49-F238E27FC236}">
-                <a16:creationId xmlns:a16="http://schemas.microsoft.com/office/drawing/2014/main" id="{9F96B596-280A-23C5-CEE7-96464E2A8364}"/>
-              </a:ext>
-            </a:extLst>
-          </p:cNvPr>
-          <p:cNvPicPr>
-            <a:picLocks noChangeAspect="1"/>
-          </p:cNvPicPr>
-          <p:nvPr/>
-        </p:nvPicPr>
-        <p:blipFill>
-          <a:blip r:embed="rId3">
-            <a:extLst>
-              <a:ext uri="{28A0092B-C50C-407E-A947-70E740481C1C}">
-                <a14:useLocalDpi xmlns:a14="http://schemas.microsoft.com/office/drawing/2010/main" val="0"/>
-              </a:ext>
-            </a:extLst>
-          </a:blip>
-          <a:stretch>
-            <a:fillRect/>
-          </a:stretch>
-        </p:blipFill>
-        <p:spPr>
-          <a:xfrm>
-            <a:off x="-540568" y="1916832"/>
-            <a:ext cx="5940152" cy="2059253"/>
-          </a:xfrm>
-          <a:prstGeom prst="rect">
-            <a:avLst/>
-          </a:prstGeom>
-        </p:spPr>
-      </p:pic>
     </p:spTree>
     <p:extLst>
       <p:ext uri="{BB962C8B-B14F-4D97-AF65-F5344CB8AC3E}">
-        <p14:creationId xmlns:p14="http://schemas.microsoft.com/office/powerpoint/2010/main" val="1915809720"/>
+        <p14:creationId xmlns:p14="http://schemas.microsoft.com/office/powerpoint/2010/main" val="3227837159"/>
       </p:ext>
     </p:extLst>
   </p:cSld>
@@ -18183,6 +18015,306 @@
 </file>
 
 <file path=ppt/slides/slide30.xml><?xml version="1.0" encoding="utf-8"?>
+<p:sld xmlns:a="http://schemas.openxmlformats.org/drawingml/2006/main" xmlns:r="http://schemas.openxmlformats.org/officeDocument/2006/relationships" xmlns:p="http://schemas.openxmlformats.org/presentationml/2006/main">
+  <p:cSld>
+    <p:spTree>
+      <p:nvGrpSpPr>
+        <p:cNvPr id="1" name=""/>
+        <p:cNvGrpSpPr/>
+        <p:nvPr/>
+      </p:nvGrpSpPr>
+      <p:grpSpPr>
+        <a:xfrm>
+          <a:off x="0" y="0"/>
+          <a:ext cx="0" cy="0"/>
+          <a:chOff x="0" y="0"/>
+          <a:chExt cx="0" cy="0"/>
+        </a:xfrm>
+      </p:grpSpPr>
+      <p:sp>
+        <p:nvSpPr>
+          <p:cNvPr id="2" name="Titel 1">
+            <a:extLst>
+              <a:ext uri="{FF2B5EF4-FFF2-40B4-BE49-F238E27FC236}">
+                <a16:creationId xmlns:a16="http://schemas.microsoft.com/office/drawing/2014/main" id="{89F2DB06-FD1C-8B3B-4A80-635F44B19467}"/>
+              </a:ext>
+            </a:extLst>
+          </p:cNvPr>
+          <p:cNvSpPr>
+            <a:spLocks noGrp="1"/>
+          </p:cNvSpPr>
+          <p:nvPr>
+            <p:ph type="title"/>
+          </p:nvPr>
+        </p:nvSpPr>
+        <p:spPr/>
+        <p:txBody>
+          <a:bodyPr/>
+          <a:lstStyle/>
+          <a:p>
+            <a:r>
+              <a:rPr lang="de-DE" dirty="0" err="1"/>
+              <a:t>GitOps</a:t>
+            </a:r>
+            <a:endParaRPr lang="de-DE" dirty="0"/>
+          </a:p>
+        </p:txBody>
+      </p:sp>
+      <p:sp>
+        <p:nvSpPr>
+          <p:cNvPr id="3" name="Inhaltsplatzhalter 2">
+            <a:extLst>
+              <a:ext uri="{FF2B5EF4-FFF2-40B4-BE49-F238E27FC236}">
+                <a16:creationId xmlns:a16="http://schemas.microsoft.com/office/drawing/2014/main" id="{FFA1CEB8-EEC1-4213-DD7D-A07756F64CBC}"/>
+              </a:ext>
+            </a:extLst>
+          </p:cNvPr>
+          <p:cNvSpPr>
+            <a:spLocks noGrp="1"/>
+          </p:cNvSpPr>
+          <p:nvPr>
+            <p:ph idx="1"/>
+          </p:nvPr>
+        </p:nvSpPr>
+        <p:spPr/>
+        <p:txBody>
+          <a:bodyPr/>
+          <a:lstStyle/>
+          <a:p>
+            <a:pPr marL="0" indent="0">
+              <a:buNone/>
+            </a:pPr>
+            <a:r>
+              <a:rPr lang="de-DE" b="1" dirty="0" err="1"/>
+              <a:t>Staging</a:t>
+            </a:r>
+            <a:r>
+              <a:rPr lang="de-DE" b="1" dirty="0"/>
+              <a:t> Folders!</a:t>
+            </a:r>
+          </a:p>
+          <a:p>
+            <a:pPr>
+              <a:buFont typeface="Arial" panose="020B0604020202020204" pitchFamily="34" charset="0"/>
+              <a:buChar char="•"/>
+            </a:pPr>
+            <a:r>
+              <a:rPr lang="de-DE" sz="2200" dirty="0"/>
+              <a:t>Ein Ordner pro Stage!</a:t>
+            </a:r>
+          </a:p>
+          <a:p>
+            <a:pPr>
+              <a:buFont typeface="Arial" panose="020B0604020202020204" pitchFamily="34" charset="0"/>
+              <a:buChar char="•"/>
+            </a:pPr>
+            <a:endParaRPr lang="de-DE" sz="2000" dirty="0"/>
+          </a:p>
+          <a:p>
+            <a:pPr>
+              <a:buFont typeface="Arial" panose="020B0604020202020204" pitchFamily="34" charset="0"/>
+              <a:buChar char="•"/>
+            </a:pPr>
+            <a:endParaRPr lang="de-DE" sz="2000" dirty="0"/>
+          </a:p>
+          <a:p>
+            <a:pPr>
+              <a:buFont typeface="Arial" panose="020B0604020202020204" pitchFamily="34" charset="0"/>
+              <a:buChar char="•"/>
+            </a:pPr>
+            <a:endParaRPr lang="de-DE" sz="2000" dirty="0"/>
+          </a:p>
+          <a:p>
+            <a:pPr>
+              <a:buFont typeface="Arial" panose="020B0604020202020204" pitchFamily="34" charset="0"/>
+              <a:buChar char="•"/>
+            </a:pPr>
+            <a:endParaRPr lang="de-DE" sz="2000" dirty="0"/>
+          </a:p>
+          <a:p>
+            <a:pPr>
+              <a:buFont typeface="Arial" panose="020B0604020202020204" pitchFamily="34" charset="0"/>
+              <a:buChar char="•"/>
+            </a:pPr>
+            <a:endParaRPr lang="de-DE" sz="2000" dirty="0"/>
+          </a:p>
+          <a:p>
+            <a:pPr>
+              <a:buFont typeface="Arial" panose="020B0604020202020204" pitchFamily="34" charset="0"/>
+              <a:buChar char="•"/>
+            </a:pPr>
+            <a:r>
+              <a:rPr lang="de-DE" sz="2000" dirty="0"/>
+              <a:t>Vorgehen:</a:t>
+            </a:r>
+          </a:p>
+          <a:p>
+            <a:pPr lvl="1">
+              <a:buFont typeface="Arial" panose="020B0604020202020204" pitchFamily="34" charset="0"/>
+              <a:buChar char="•"/>
+            </a:pPr>
+            <a:r>
+              <a:rPr lang="de-DE" dirty="0" err="1"/>
+              <a:t>Commits</a:t>
+            </a:r>
+            <a:r>
+              <a:rPr lang="de-DE" dirty="0"/>
+              <a:t> nur im jeweiligen </a:t>
+            </a:r>
+            <a:r>
+              <a:rPr lang="de-DE" dirty="0" err="1"/>
+              <a:t>Staging</a:t>
+            </a:r>
+            <a:r>
+              <a:rPr lang="de-DE" dirty="0"/>
+              <a:t>-Ordner</a:t>
+            </a:r>
+          </a:p>
+          <a:p>
+            <a:pPr lvl="1">
+              <a:buFont typeface="Arial" panose="020B0604020202020204" pitchFamily="34" charset="0"/>
+              <a:buChar char="•"/>
+            </a:pPr>
+            <a:r>
+              <a:rPr lang="de-DE" dirty="0"/>
+              <a:t>Kurzlebige Pull </a:t>
+            </a:r>
+            <a:r>
+              <a:rPr lang="de-DE" dirty="0" err="1"/>
+              <a:t>Requests</a:t>
+            </a:r>
+            <a:r>
+              <a:rPr lang="de-DE" dirty="0"/>
+              <a:t>, um die Änderungen zu aktivieren</a:t>
+            </a:r>
+          </a:p>
+          <a:p>
+            <a:pPr>
+              <a:buFont typeface="Arial" panose="020B0604020202020204" pitchFamily="34" charset="0"/>
+              <a:buChar char="•"/>
+            </a:pPr>
+            <a:r>
+              <a:rPr lang="de-DE" sz="2200" dirty="0"/>
+              <a:t>Eventuell Duplikate pro Stage </a:t>
+            </a:r>
+            <a:r>
+              <a:rPr lang="de-DE" sz="2200" dirty="0">
+                <a:sym typeface="Wingdings" panose="05000000000000000000" pitchFamily="2" charset="2"/>
+              </a:rPr>
+              <a:t> </a:t>
+            </a:r>
+          </a:p>
+          <a:p>
+            <a:pPr>
+              <a:buFont typeface="Arial" panose="020B0604020202020204" pitchFamily="34" charset="0"/>
+              <a:buChar char="•"/>
+            </a:pPr>
+            <a:r>
+              <a:rPr lang="de-DE" sz="2200" dirty="0" err="1">
+                <a:sym typeface="Wingdings" panose="05000000000000000000" pitchFamily="2" charset="2"/>
+              </a:rPr>
+              <a:t>Branching</a:t>
+            </a:r>
+            <a:r>
+              <a:rPr lang="de-DE" sz="2200" dirty="0">
+                <a:sym typeface="Wingdings" panose="05000000000000000000" pitchFamily="2" charset="2"/>
+              </a:rPr>
+              <a:t> ist einfacher </a:t>
+            </a:r>
+          </a:p>
+          <a:p>
+            <a:pPr>
+              <a:buFont typeface="Arial" panose="020B0604020202020204" pitchFamily="34" charset="0"/>
+              <a:buChar char="•"/>
+            </a:pPr>
+            <a:r>
+              <a:rPr lang="de-DE" sz="2200" dirty="0">
+                <a:sym typeface="Wingdings" panose="05000000000000000000" pitchFamily="2" charset="2"/>
+              </a:rPr>
+              <a:t>Unterstützt beliebige Anzahl von Stages </a:t>
+            </a:r>
+            <a:endParaRPr lang="de-DE" sz="2200" dirty="0"/>
+          </a:p>
+          <a:p>
+            <a:pPr>
+              <a:buFont typeface="Arial" panose="020B0604020202020204" pitchFamily="34" charset="0"/>
+              <a:buChar char="•"/>
+            </a:pPr>
+            <a:endParaRPr lang="de-DE" dirty="0"/>
+          </a:p>
+          <a:p>
+            <a:pPr>
+              <a:buFont typeface="Arial" panose="020B0604020202020204" pitchFamily="34" charset="0"/>
+              <a:buChar char="•"/>
+            </a:pPr>
+            <a:endParaRPr lang="de-DE" dirty="0"/>
+          </a:p>
+          <a:p>
+            <a:pPr>
+              <a:buFont typeface="Arial" panose="020B0604020202020204" pitchFamily="34" charset="0"/>
+              <a:buChar char="•"/>
+            </a:pPr>
+            <a:endParaRPr lang="de-DE" dirty="0"/>
+          </a:p>
+          <a:p>
+            <a:pPr>
+              <a:buFont typeface="Arial" panose="020B0604020202020204" pitchFamily="34" charset="0"/>
+              <a:buChar char="•"/>
+            </a:pPr>
+            <a:endParaRPr lang="de-DE" dirty="0"/>
+          </a:p>
+        </p:txBody>
+      </p:sp>
+      <p:pic>
+        <p:nvPicPr>
+          <p:cNvPr id="5" name="Grafik 4">
+            <a:extLst>
+              <a:ext uri="{FF2B5EF4-FFF2-40B4-BE49-F238E27FC236}">
+                <a16:creationId xmlns:a16="http://schemas.microsoft.com/office/drawing/2014/main" id="{9F96B596-280A-23C5-CEE7-96464E2A8364}"/>
+              </a:ext>
+            </a:extLst>
+          </p:cNvPr>
+          <p:cNvPicPr>
+            <a:picLocks noChangeAspect="1"/>
+          </p:cNvPicPr>
+          <p:nvPr/>
+        </p:nvPicPr>
+        <p:blipFill>
+          <a:blip r:embed="rId3">
+            <a:extLst>
+              <a:ext uri="{28A0092B-C50C-407E-A947-70E740481C1C}">
+                <a14:useLocalDpi xmlns:a14="http://schemas.microsoft.com/office/drawing/2010/main" val="0"/>
+              </a:ext>
+            </a:extLst>
+          </a:blip>
+          <a:stretch>
+            <a:fillRect/>
+          </a:stretch>
+        </p:blipFill>
+        <p:spPr>
+          <a:xfrm>
+            <a:off x="-540568" y="1916832"/>
+            <a:ext cx="5940152" cy="2059253"/>
+          </a:xfrm>
+          <a:prstGeom prst="rect">
+            <a:avLst/>
+          </a:prstGeom>
+        </p:spPr>
+      </p:pic>
+    </p:spTree>
+    <p:extLst>
+      <p:ext uri="{BB962C8B-B14F-4D97-AF65-F5344CB8AC3E}">
+        <p14:creationId xmlns:p14="http://schemas.microsoft.com/office/powerpoint/2010/main" val="1915809720"/>
+      </p:ext>
+    </p:extLst>
+  </p:cSld>
+  <p:clrMapOvr>
+    <a:masterClrMapping/>
+  </p:clrMapOvr>
+</p:sld>
+</file>
+
+<file path=ppt/slides/slide31.xml><?xml version="1.0" encoding="utf-8"?>
 <p:sld xmlns:a="http://schemas.openxmlformats.org/drawingml/2006/main" xmlns:r="http://schemas.openxmlformats.org/officeDocument/2006/relationships" xmlns:p="http://schemas.openxmlformats.org/presentationml/2006/main">
   <p:cSld>
     <p:spTree>
@@ -20316,7 +20448,7 @@
 </p:sld>
 </file>
 
-<file path=ppt/slides/slide31.xml><?xml version="1.0" encoding="utf-8"?>
+<file path=ppt/slides/slide32.xml><?xml version="1.0" encoding="utf-8"?>
 <p:sld xmlns:a="http://schemas.openxmlformats.org/drawingml/2006/main" xmlns:r="http://schemas.openxmlformats.org/officeDocument/2006/relationships" xmlns:p="http://schemas.openxmlformats.org/presentationml/2006/main">
   <p:cSld>
     <p:spTree>
@@ -20426,7 +20558,7 @@
             </a:r>
             <a:r>
               <a:rPr lang="de-DE" sz="2000" dirty="0"/>
-              <a:t> Repo:</a:t>
+              <a:t> Repo</a:t>
             </a:r>
           </a:p>
           <a:p>
@@ -21979,7 +22111,7 @@
 </p:sld>
 </file>
 
-<file path=ppt/slides/slide32.xml><?xml version="1.0" encoding="utf-8"?>
+<file path=ppt/slides/slide33.xml><?xml version="1.0" encoding="utf-8"?>
 <p:sld xmlns:a="http://schemas.openxmlformats.org/drawingml/2006/main" xmlns:r="http://schemas.openxmlformats.org/officeDocument/2006/relationships" xmlns:p="http://schemas.openxmlformats.org/presentationml/2006/main">
   <p:cSld>
     <p:spTree>
@@ -22089,7 +22221,7 @@
             </a:r>
             <a:r>
               <a:rPr lang="de-DE" sz="2000" dirty="0"/>
-              <a:t> Repo:</a:t>
+              <a:t> Repo</a:t>
             </a:r>
           </a:p>
           <a:p>
@@ -23818,7 +23950,7 @@
 </p:sld>
 </file>
 
-<file path=ppt/slides/slide33.xml><?xml version="1.0" encoding="utf-8"?>
+<file path=ppt/slides/slide34.xml><?xml version="1.0" encoding="utf-8"?>
 <p:sld xmlns:a="http://schemas.openxmlformats.org/drawingml/2006/main" xmlns:r="http://schemas.openxmlformats.org/officeDocument/2006/relationships" xmlns:p="http://schemas.openxmlformats.org/presentationml/2006/main">
   <p:cSld>
     <p:spTree>
@@ -23890,7 +24022,7 @@
             </a:pPr>
             <a:r>
               <a:rPr lang="de-DE" b="1" dirty="0"/>
-              <a:t>Herausforderungen beim </a:t>
+              <a:t>Herausforderungen bei dediziertem </a:t>
             </a:r>
             <a:r>
               <a:rPr lang="de-DE" b="1" dirty="0" err="1"/>
@@ -23999,7 +24131,7 @@
 </p:sld>
 </file>
 
-<file path=ppt/slides/slide34.xml><?xml version="1.0" encoding="utf-8"?>
+<file path=ppt/slides/slide35.xml><?xml version="1.0" encoding="utf-8"?>
 <p:sld xmlns:a="http://schemas.openxmlformats.org/drawingml/2006/main" xmlns:r="http://schemas.openxmlformats.org/officeDocument/2006/relationships" xmlns:p="http://schemas.openxmlformats.org/presentationml/2006/main">
   <p:cSld>
     <p:spTree>
@@ -25896,278 +26028,6 @@
 </p:sld>
 </file>
 
-<file path=ppt/slides/slide35.xml><?xml version="1.0" encoding="utf-8"?>
-<p:sld xmlns:a="http://schemas.openxmlformats.org/drawingml/2006/main" xmlns:r="http://schemas.openxmlformats.org/officeDocument/2006/relationships" xmlns:p="http://schemas.openxmlformats.org/presentationml/2006/main">
-  <p:cSld>
-    <p:spTree>
-      <p:nvGrpSpPr>
-        <p:cNvPr id="1" name=""/>
-        <p:cNvGrpSpPr/>
-        <p:nvPr/>
-      </p:nvGrpSpPr>
-      <p:grpSpPr>
-        <a:xfrm>
-          <a:off x="0" y="0"/>
-          <a:ext cx="0" cy="0"/>
-          <a:chOff x="0" y="0"/>
-          <a:chExt cx="0" cy="0"/>
-        </a:xfrm>
-      </p:grpSpPr>
-      <p:sp>
-        <p:nvSpPr>
-          <p:cNvPr id="2" name="Titel 1">
-            <a:extLst>
-              <a:ext uri="{FF2B5EF4-FFF2-40B4-BE49-F238E27FC236}">
-                <a16:creationId xmlns:a16="http://schemas.microsoft.com/office/drawing/2014/main" id="{2F7A90FC-55BE-692F-D2F0-FF006833855D}"/>
-              </a:ext>
-            </a:extLst>
-          </p:cNvPr>
-          <p:cNvSpPr>
-            <a:spLocks noGrp="1"/>
-          </p:cNvSpPr>
-          <p:nvPr>
-            <p:ph type="title"/>
-          </p:nvPr>
-        </p:nvSpPr>
-        <p:spPr/>
-        <p:txBody>
-          <a:bodyPr/>
-          <a:lstStyle/>
-          <a:p>
-            <a:r>
-              <a:rPr lang="de-DE" dirty="0" err="1"/>
-              <a:t>GitOps</a:t>
-            </a:r>
-            <a:endParaRPr lang="de-DE" dirty="0"/>
-          </a:p>
-        </p:txBody>
-      </p:sp>
-      <p:sp>
-        <p:nvSpPr>
-          <p:cNvPr id="3" name="Inhaltsplatzhalter 2">
-            <a:extLst>
-              <a:ext uri="{FF2B5EF4-FFF2-40B4-BE49-F238E27FC236}">
-                <a16:creationId xmlns:a16="http://schemas.microsoft.com/office/drawing/2014/main" id="{9CC3C753-29A7-7593-E3C6-EA1335C1DDC6}"/>
-              </a:ext>
-            </a:extLst>
-          </p:cNvPr>
-          <p:cNvSpPr>
-            <a:spLocks noGrp="1"/>
-          </p:cNvSpPr>
-          <p:nvPr>
-            <p:ph idx="1"/>
-          </p:nvPr>
-        </p:nvSpPr>
-        <p:spPr/>
-        <p:txBody>
-          <a:bodyPr/>
-          <a:lstStyle/>
-          <a:p>
-            <a:pPr marL="0" indent="0">
-              <a:buNone/>
-            </a:pPr>
-            <a:r>
-              <a:rPr lang="de-DE" b="1" dirty="0"/>
-              <a:t>Erweiterte Rolle des CI Servers</a:t>
-            </a:r>
-          </a:p>
-          <a:p>
-            <a:pPr marL="0" indent="0">
-              <a:buNone/>
-            </a:pPr>
-            <a:endParaRPr lang="de-DE" b="1" dirty="0"/>
-          </a:p>
-          <a:p>
-            <a:pPr>
-              <a:buFont typeface="Arial" panose="020B0604020202020204" pitchFamily="34" charset="0"/>
-              <a:buChar char="•"/>
-            </a:pPr>
-            <a:r>
-              <a:rPr lang="de-DE" dirty="0"/>
-              <a:t>Vorteile</a:t>
-            </a:r>
-          </a:p>
-          <a:p>
-            <a:pPr lvl="1">
-              <a:buFont typeface="Arial" panose="020B0604020202020204" pitchFamily="34" charset="0"/>
-              <a:buChar char="•"/>
-            </a:pPr>
-            <a:r>
-              <a:rPr lang="de-DE" dirty="0"/>
-              <a:t>Einzelnes Repo für die Entwicklung (</a:t>
-            </a:r>
-            <a:r>
-              <a:rPr lang="de-DE" dirty="0">
-                <a:sym typeface="Wingdings" panose="05000000000000000000" pitchFamily="2" charset="2"/>
-              </a:rPr>
-              <a:t> höhere Effizienz)</a:t>
-            </a:r>
-          </a:p>
-          <a:p>
-            <a:pPr lvl="1">
-              <a:buFont typeface="Arial" panose="020B0604020202020204" pitchFamily="34" charset="0"/>
-              <a:buChar char="•"/>
-            </a:pPr>
-            <a:r>
-              <a:rPr lang="de-DE" dirty="0">
-                <a:sym typeface="Wingdings" panose="05000000000000000000" pitchFamily="2" charset="2"/>
-              </a:rPr>
-              <a:t>Automatisiertes </a:t>
-            </a:r>
-            <a:r>
-              <a:rPr lang="de-DE" dirty="0" err="1">
-                <a:sym typeface="Wingdings" panose="05000000000000000000" pitchFamily="2" charset="2"/>
-              </a:rPr>
-              <a:t>Staging</a:t>
-            </a:r>
-            <a:r>
-              <a:rPr lang="de-DE" dirty="0">
-                <a:sym typeface="Wingdings" panose="05000000000000000000" pitchFamily="2" charset="2"/>
-              </a:rPr>
-              <a:t> möglich</a:t>
-            </a:r>
-          </a:p>
-          <a:p>
-            <a:pPr lvl="1">
-              <a:buFont typeface="Arial" panose="020B0604020202020204" pitchFamily="34" charset="0"/>
-              <a:buChar char="•"/>
-            </a:pPr>
-            <a:r>
-              <a:rPr lang="de-DE" dirty="0">
-                <a:sym typeface="Wingdings" panose="05000000000000000000" pitchFamily="2" charset="2"/>
-              </a:rPr>
-              <a:t>Shift-</a:t>
-            </a:r>
-            <a:r>
-              <a:rPr lang="de-DE" dirty="0" err="1">
-                <a:sym typeface="Wingdings" panose="05000000000000000000" pitchFamily="2" charset="2"/>
-              </a:rPr>
-              <a:t>Left</a:t>
-            </a:r>
-            <a:r>
-              <a:rPr lang="de-DE" dirty="0">
-                <a:sym typeface="Wingdings" panose="05000000000000000000" pitchFamily="2" charset="2"/>
-              </a:rPr>
-              <a:t>-Ansatz möglich</a:t>
-            </a:r>
-          </a:p>
-          <a:p>
-            <a:pPr lvl="2">
-              <a:buFont typeface="Arial" panose="020B0604020202020204" pitchFamily="34" charset="0"/>
-              <a:buChar char="•"/>
-            </a:pPr>
-            <a:r>
-              <a:rPr lang="de-DE" sz="1800" dirty="0">
-                <a:hlinkClick r:id="rId3"/>
-              </a:rPr>
-              <a:t>https://github.com/adrienverge/yamllint</a:t>
-            </a:r>
-            <a:endParaRPr lang="de-DE" sz="1800" dirty="0"/>
-          </a:p>
-          <a:p>
-            <a:pPr lvl="2">
-              <a:buFont typeface="Arial" panose="020B0604020202020204" pitchFamily="34" charset="0"/>
-              <a:buChar char="•"/>
-            </a:pPr>
-            <a:r>
-              <a:rPr lang="de-DE" sz="1800" dirty="0">
-                <a:hlinkClick r:id="rId4"/>
-              </a:rPr>
-              <a:t>https://github.com/instrumenta/kubeval</a:t>
-            </a:r>
-            <a:endParaRPr lang="de-DE" sz="1800" dirty="0"/>
-          </a:p>
-          <a:p>
-            <a:pPr lvl="2">
-              <a:buFont typeface="Arial" panose="020B0604020202020204" pitchFamily="34" charset="0"/>
-              <a:buChar char="•"/>
-            </a:pPr>
-            <a:r>
-              <a:rPr lang="de-DE" sz="1800" dirty="0">
-                <a:hlinkClick r:id="rId5"/>
-              </a:rPr>
-              <a:t>https://github.com/helm/chart-testing</a:t>
-            </a:r>
-            <a:endParaRPr lang="de-DE" sz="1800" dirty="0"/>
-          </a:p>
-          <a:p>
-            <a:pPr lvl="2">
-              <a:buFont typeface="Arial" panose="020B0604020202020204" pitchFamily="34" charset="0"/>
-              <a:buChar char="•"/>
-            </a:pPr>
-            <a:endParaRPr lang="de-DE" sz="1800" dirty="0"/>
-          </a:p>
-          <a:p>
-            <a:pPr>
-              <a:buFont typeface="Arial" panose="020B0604020202020204" pitchFamily="34" charset="0"/>
-              <a:buChar char="•"/>
-            </a:pPr>
-            <a:r>
-              <a:rPr lang="de-DE" dirty="0"/>
-              <a:t>Nachteile</a:t>
-            </a:r>
-          </a:p>
-          <a:p>
-            <a:pPr lvl="1">
-              <a:buFont typeface="Arial" panose="020B0604020202020204" pitchFamily="34" charset="0"/>
-              <a:buChar char="•"/>
-            </a:pPr>
-            <a:r>
-              <a:rPr lang="de-DE" dirty="0"/>
-              <a:t>Synchronisierung erforderlich (</a:t>
-            </a:r>
-            <a:r>
-              <a:rPr lang="de-DE" dirty="0">
-                <a:sym typeface="Wingdings" panose="05000000000000000000" pitchFamily="2" charset="2"/>
-              </a:rPr>
-              <a:t> Konsistenz</a:t>
-            </a:r>
-            <a:r>
-              <a:rPr lang="de-DE" dirty="0"/>
-              <a:t>)</a:t>
-            </a:r>
-          </a:p>
-          <a:p>
-            <a:pPr lvl="1">
-              <a:buFont typeface="Arial" panose="020B0604020202020204" pitchFamily="34" charset="0"/>
-              <a:buChar char="•"/>
-            </a:pPr>
-            <a:r>
-              <a:rPr lang="de-DE" dirty="0"/>
-              <a:t>Komplexität steckt im Detail</a:t>
-            </a:r>
-          </a:p>
-          <a:p>
-            <a:pPr lvl="2">
-              <a:buFont typeface="Arial" panose="020B0604020202020204" pitchFamily="34" charset="0"/>
-              <a:buChar char="•"/>
-            </a:pPr>
-            <a:r>
-              <a:rPr lang="de-DE" sz="1800" dirty="0"/>
-              <a:t>… oder eben in den CI Pipelines</a:t>
-            </a:r>
-          </a:p>
-          <a:p>
-            <a:pPr marL="0" indent="0">
-              <a:buNone/>
-            </a:pPr>
-            <a:endParaRPr lang="de-DE" b="1" dirty="0"/>
-          </a:p>
-        </p:txBody>
-      </p:sp>
-    </p:spTree>
-    <p:extLst>
-      <p:ext uri="{BB962C8B-B14F-4D97-AF65-F5344CB8AC3E}">
-        <p14:creationId xmlns:p14="http://schemas.microsoft.com/office/powerpoint/2010/main" val="4258632718"/>
-      </p:ext>
-    </p:extLst>
-  </p:cSld>
-  <p:clrMapOvr>
-    <a:masterClrMapping/>
-  </p:clrMapOvr>
-</p:sld>
-</file>
-
 <file path=ppt/slides/slide36.xml><?xml version="1.0" encoding="utf-8"?>
 <p:sld xmlns:a="http://schemas.openxmlformats.org/drawingml/2006/main" xmlns:r="http://schemas.openxmlformats.org/officeDocument/2006/relationships" xmlns:p="http://schemas.openxmlformats.org/presentationml/2006/main">
   <p:cSld>
@@ -26190,7 +26050,7 @@
           <p:cNvPr id="2" name="Titel 1">
             <a:extLst>
               <a:ext uri="{FF2B5EF4-FFF2-40B4-BE49-F238E27FC236}">
-                <a16:creationId xmlns:a16="http://schemas.microsoft.com/office/drawing/2014/main" id="{6852D978-9DF5-1E6A-F50B-0CA32EA8DAC7}"/>
+                <a16:creationId xmlns:a16="http://schemas.microsoft.com/office/drawing/2014/main" id="{2F7A90FC-55BE-692F-D2F0-FF006833855D}"/>
               </a:ext>
             </a:extLst>
           </p:cNvPr>
@@ -26219,7 +26079,7 @@
           <p:cNvPr id="3" name="Inhaltsplatzhalter 2">
             <a:extLst>
               <a:ext uri="{FF2B5EF4-FFF2-40B4-BE49-F238E27FC236}">
-                <a16:creationId xmlns:a16="http://schemas.microsoft.com/office/drawing/2014/main" id="{81753C8B-5EF0-E49E-1FFB-0330FD2A3542}"/>
+                <a16:creationId xmlns:a16="http://schemas.microsoft.com/office/drawing/2014/main" id="{9CC3C753-29A7-7593-E3C6-EA1335C1DDC6}"/>
               </a:ext>
             </a:extLst>
           </p:cNvPr>
@@ -26240,7 +26100,7 @@
             </a:pPr>
             <a:r>
               <a:rPr lang="de-DE" b="1" dirty="0"/>
-              <a:t>Abschließende Herausforderungen</a:t>
+              <a:t>Erweiterte Rolle des CI Servers</a:t>
             </a:r>
           </a:p>
           <a:p>
@@ -26255,21 +26115,119 @@
               <a:buChar char="•"/>
             </a:pPr>
             <a:r>
-              <a:rPr lang="de-DE" dirty="0" err="1"/>
-              <a:t>GitOps</a:t>
-            </a:r>
-            <a:r>
               <a:rPr lang="de-DE" dirty="0"/>
-              <a:t> Operator: 1-n (</a:t>
-            </a:r>
-            <a:r>
-              <a:rPr lang="de-DE" dirty="0" err="1"/>
-              <a:t>custom</a:t>
-            </a:r>
+              <a:t>Vorteile</a:t>
+            </a:r>
+          </a:p>
+          <a:p>
+            <a:pPr lvl="1">
+              <a:buFont typeface="Arial" panose="020B0604020202020204" pitchFamily="34" charset="0"/>
+              <a:buChar char="•"/>
+            </a:pPr>
             <a:r>
               <a:rPr lang="de-DE" dirty="0"/>
-              <a:t>) Controllers</a:t>
-            </a:r>
+              <a:t>Einzelnes Repo für die Entwicklung (</a:t>
+            </a:r>
+            <a:r>
+              <a:rPr lang="de-DE" dirty="0">
+                <a:sym typeface="Wingdings" panose="05000000000000000000" pitchFamily="2" charset="2"/>
+              </a:rPr>
+              <a:t> höhere Effizienz)</a:t>
+            </a:r>
+          </a:p>
+          <a:p>
+            <a:pPr lvl="1">
+              <a:buFont typeface="Arial" panose="020B0604020202020204" pitchFamily="34" charset="0"/>
+              <a:buChar char="•"/>
+            </a:pPr>
+            <a:r>
+              <a:rPr lang="de-DE" dirty="0">
+                <a:sym typeface="Wingdings" panose="05000000000000000000" pitchFamily="2" charset="2"/>
+              </a:rPr>
+              <a:t>Automatisiertes </a:t>
+            </a:r>
+            <a:r>
+              <a:rPr lang="de-DE" dirty="0" err="1">
+                <a:sym typeface="Wingdings" panose="05000000000000000000" pitchFamily="2" charset="2"/>
+              </a:rPr>
+              <a:t>Staging</a:t>
+            </a:r>
+            <a:r>
+              <a:rPr lang="de-DE" dirty="0">
+                <a:sym typeface="Wingdings" panose="05000000000000000000" pitchFamily="2" charset="2"/>
+              </a:rPr>
+              <a:t> möglich</a:t>
+            </a:r>
+          </a:p>
+          <a:p>
+            <a:pPr lvl="1">
+              <a:buFont typeface="Arial" panose="020B0604020202020204" pitchFamily="34" charset="0"/>
+              <a:buChar char="•"/>
+            </a:pPr>
+            <a:r>
+              <a:rPr lang="de-DE" dirty="0">
+                <a:sym typeface="Wingdings" panose="05000000000000000000" pitchFamily="2" charset="2"/>
+              </a:rPr>
+              <a:t>Shift-</a:t>
+            </a:r>
+            <a:r>
+              <a:rPr lang="de-DE" dirty="0" err="1">
+                <a:sym typeface="Wingdings" panose="05000000000000000000" pitchFamily="2" charset="2"/>
+              </a:rPr>
+              <a:t>Left</a:t>
+            </a:r>
+            <a:r>
+              <a:rPr lang="de-DE" dirty="0">
+                <a:sym typeface="Wingdings" panose="05000000000000000000" pitchFamily="2" charset="2"/>
+              </a:rPr>
+              <a:t>-Ansatz möglich</a:t>
+            </a:r>
+          </a:p>
+          <a:p>
+            <a:pPr lvl="2">
+              <a:buFont typeface="Arial" panose="020B0604020202020204" pitchFamily="34" charset="0"/>
+              <a:buChar char="•"/>
+            </a:pPr>
+            <a:r>
+              <a:rPr lang="de-DE" sz="1800" dirty="0">
+                <a:hlinkClick r:id="rId3"/>
+              </a:rPr>
+              <a:t>https://github.com/adrienverge/yamllint</a:t>
+            </a:r>
+            <a:endParaRPr lang="de-DE" sz="1800" dirty="0"/>
+          </a:p>
+          <a:p>
+            <a:pPr lvl="2">
+              <a:buFont typeface="Arial" panose="020B0604020202020204" pitchFamily="34" charset="0"/>
+              <a:buChar char="•"/>
+            </a:pPr>
+            <a:r>
+              <a:rPr lang="de-DE" sz="1800" dirty="0">
+                <a:hlinkClick r:id="rId4"/>
+              </a:rPr>
+              <a:t>https://github.com/instrumenta/kubeval</a:t>
+            </a:r>
+            <a:endParaRPr lang="de-DE" sz="1800" dirty="0"/>
+          </a:p>
+          <a:p>
+            <a:pPr lvl="2">
+              <a:buFont typeface="Arial" panose="020B0604020202020204" pitchFamily="34" charset="0"/>
+              <a:buChar char="•"/>
+            </a:pPr>
+            <a:r>
+              <a:rPr lang="de-DE" sz="1800" dirty="0">
+                <a:hlinkClick r:id="rId5"/>
+              </a:rPr>
+              <a:t>https://github.com/helm/chart-testing</a:t>
+            </a:r>
+            <a:endParaRPr lang="de-DE" sz="1800" dirty="0"/>
+          </a:p>
+          <a:p>
+            <a:pPr lvl="2">
+              <a:buFont typeface="Arial" panose="020B0604020202020204" pitchFamily="34" charset="0"/>
+              <a:buChar char="•"/>
+            </a:pPr>
+            <a:endParaRPr lang="de-DE" sz="1800" dirty="0"/>
           </a:p>
           <a:p>
             <a:pPr>
@@ -26278,16 +26236,150 @@
             </a:pPr>
             <a:r>
               <a:rPr lang="de-DE" dirty="0"/>
-              <a:t>Helm/</a:t>
-            </a:r>
+              <a:t>Nachteile</a:t>
+            </a:r>
+          </a:p>
+          <a:p>
+            <a:pPr lvl="1">
+              <a:buFont typeface="Arial" panose="020B0604020202020204" pitchFamily="34" charset="0"/>
+              <a:buChar char="•"/>
+            </a:pPr>
+            <a:r>
+              <a:rPr lang="de-DE" dirty="0"/>
+              <a:t>Synchronisierung erforderlich (</a:t>
+            </a:r>
+            <a:r>
+              <a:rPr lang="de-DE" dirty="0">
+                <a:sym typeface="Wingdings" panose="05000000000000000000" pitchFamily="2" charset="2"/>
+              </a:rPr>
+              <a:t> Konsistenz</a:t>
+            </a:r>
+            <a:r>
+              <a:rPr lang="de-DE" dirty="0"/>
+              <a:t>)</a:t>
+            </a:r>
+          </a:p>
+          <a:p>
+            <a:pPr lvl="1">
+              <a:buFont typeface="Arial" panose="020B0604020202020204" pitchFamily="34" charset="0"/>
+              <a:buChar char="•"/>
+            </a:pPr>
+            <a:r>
+              <a:rPr lang="de-DE" dirty="0"/>
+              <a:t>Komplexität steckt im Detail</a:t>
+            </a:r>
+          </a:p>
+          <a:p>
+            <a:pPr lvl="2">
+              <a:buFont typeface="Arial" panose="020B0604020202020204" pitchFamily="34" charset="0"/>
+              <a:buChar char="•"/>
+            </a:pPr>
+            <a:r>
+              <a:rPr lang="de-DE" sz="1800" dirty="0"/>
+              <a:t>… oder eben in den CI Pipelines</a:t>
+            </a:r>
+          </a:p>
+          <a:p>
+            <a:pPr marL="0" indent="0">
+              <a:buNone/>
+            </a:pPr>
+            <a:endParaRPr lang="de-DE" b="1" dirty="0"/>
+          </a:p>
+        </p:txBody>
+      </p:sp>
+    </p:spTree>
+    <p:extLst>
+      <p:ext uri="{BB962C8B-B14F-4D97-AF65-F5344CB8AC3E}">
+        <p14:creationId xmlns:p14="http://schemas.microsoft.com/office/powerpoint/2010/main" val="4258632718"/>
+      </p:ext>
+    </p:extLst>
+  </p:cSld>
+  <p:clrMapOvr>
+    <a:masterClrMapping/>
+  </p:clrMapOvr>
+</p:sld>
+</file>
+
+<file path=ppt/slides/slide37.xml><?xml version="1.0" encoding="utf-8"?>
+<p:sld xmlns:a="http://schemas.openxmlformats.org/drawingml/2006/main" xmlns:r="http://schemas.openxmlformats.org/officeDocument/2006/relationships" xmlns:p="http://schemas.openxmlformats.org/presentationml/2006/main">
+  <p:cSld>
+    <p:spTree>
+      <p:nvGrpSpPr>
+        <p:cNvPr id="1" name=""/>
+        <p:cNvGrpSpPr/>
+        <p:nvPr/>
+      </p:nvGrpSpPr>
+      <p:grpSpPr>
+        <a:xfrm>
+          <a:off x="0" y="0"/>
+          <a:ext cx="0" cy="0"/>
+          <a:chOff x="0" y="0"/>
+          <a:chExt cx="0" cy="0"/>
+        </a:xfrm>
+      </p:grpSpPr>
+      <p:sp>
+        <p:nvSpPr>
+          <p:cNvPr id="2" name="Titel 1">
+            <a:extLst>
+              <a:ext uri="{FF2B5EF4-FFF2-40B4-BE49-F238E27FC236}">
+                <a16:creationId xmlns:a16="http://schemas.microsoft.com/office/drawing/2014/main" id="{6852D978-9DF5-1E6A-F50B-0CA32EA8DAC7}"/>
+              </a:ext>
+            </a:extLst>
+          </p:cNvPr>
+          <p:cNvSpPr>
+            <a:spLocks noGrp="1"/>
+          </p:cNvSpPr>
+          <p:nvPr>
+            <p:ph type="title"/>
+          </p:nvPr>
+        </p:nvSpPr>
+        <p:spPr/>
+        <p:txBody>
+          <a:bodyPr/>
+          <a:lstStyle/>
+          <a:p>
             <a:r>
               <a:rPr lang="de-DE" dirty="0" err="1"/>
-              <a:t>Kustomize</a:t>
-            </a:r>
-            <a:r>
-              <a:rPr lang="de-DE" dirty="0"/>
-              <a:t> Controllers</a:t>
-            </a:r>
+              <a:t>GitOps</a:t>
+            </a:r>
+            <a:endParaRPr lang="de-DE" dirty="0"/>
+          </a:p>
+        </p:txBody>
+      </p:sp>
+      <p:sp>
+        <p:nvSpPr>
+          <p:cNvPr id="3" name="Inhaltsplatzhalter 2">
+            <a:extLst>
+              <a:ext uri="{FF2B5EF4-FFF2-40B4-BE49-F238E27FC236}">
+                <a16:creationId xmlns:a16="http://schemas.microsoft.com/office/drawing/2014/main" id="{81753C8B-5EF0-E49E-1FFB-0330FD2A3542}"/>
+              </a:ext>
+            </a:extLst>
+          </p:cNvPr>
+          <p:cNvSpPr>
+            <a:spLocks noGrp="1"/>
+          </p:cNvSpPr>
+          <p:nvPr>
+            <p:ph idx="1"/>
+          </p:nvPr>
+        </p:nvSpPr>
+        <p:spPr/>
+        <p:txBody>
+          <a:bodyPr/>
+          <a:lstStyle/>
+          <a:p>
+            <a:pPr marL="0" indent="0">
+              <a:buNone/>
+            </a:pPr>
+            <a:r>
+              <a:rPr lang="de-DE" b="1" dirty="0"/>
+              <a:t>Abschließende Herausforderungen</a:t>
+            </a:r>
+          </a:p>
+          <a:p>
+            <a:pPr marL="0" indent="0">
+              <a:buNone/>
+            </a:pPr>
+            <a:endParaRPr lang="de-DE" b="1" dirty="0"/>
           </a:p>
           <a:p>
             <a:pPr>
@@ -26295,8 +26387,48 @@
               <a:buChar char="•"/>
             </a:pPr>
             <a:r>
+              <a:rPr lang="de-DE" dirty="0" err="1"/>
+              <a:t>GitOps</a:t>
+            </a:r>
+            <a:r>
               <a:rPr lang="de-DE" dirty="0"/>
-              <a:t>Operator für zusätzliche Tools (z.B. Secrets)</a:t>
+              <a:t> Operator: 1-n (</a:t>
+            </a:r>
+            <a:r>
+              <a:rPr lang="de-DE" dirty="0" err="1"/>
+              <a:t>custom</a:t>
+            </a:r>
+            <a:r>
+              <a:rPr lang="de-DE" dirty="0"/>
+              <a:t>) Controllers</a:t>
+            </a:r>
+          </a:p>
+          <a:p>
+            <a:pPr>
+              <a:buFont typeface="Arial" panose="020B0604020202020204" pitchFamily="34" charset="0"/>
+              <a:buChar char="•"/>
+            </a:pPr>
+            <a:r>
+              <a:rPr lang="de-DE" dirty="0"/>
+              <a:t>Helm/</a:t>
+            </a:r>
+            <a:r>
+              <a:rPr lang="de-DE" dirty="0" err="1"/>
+              <a:t>Kustomize</a:t>
+            </a:r>
+            <a:r>
+              <a:rPr lang="de-DE" dirty="0"/>
+              <a:t> Controllers</a:t>
+            </a:r>
+          </a:p>
+          <a:p>
+            <a:pPr>
+              <a:buFont typeface="Arial" panose="020B0604020202020204" pitchFamily="34" charset="0"/>
+              <a:buChar char="•"/>
+            </a:pPr>
+            <a:r>
+              <a:rPr lang="de-DE" dirty="0"/>
+              <a:t>Operators für zusätzliche Tools (z.B. Secrets)</a:t>
             </a:r>
           </a:p>
           <a:p>
@@ -26408,7 +26540,7 @@
 </p:sld>
 </file>
 
-<file path=ppt/slides/slide37.xml><?xml version="1.0" encoding="utf-8"?>
+<file path=ppt/slides/slide38.xml><?xml version="1.0" encoding="utf-8"?>
 <p:sld xmlns:a="http://schemas.openxmlformats.org/drawingml/2006/main" xmlns:r="http://schemas.openxmlformats.org/officeDocument/2006/relationships" xmlns:p="http://schemas.openxmlformats.org/presentationml/2006/main">
   <p:cSld>
     <p:spTree>
